--- a/fabricate/28x28 Size/ClockFOUR_28.pptx
+++ b/fabricate/28x28 Size/ClockFOUR_28.pptx
@@ -289,7 +289,7 @@
           <a:p>
             <a:fld id="{730D398D-13B9-49F2-B424-C6FE354319DC}" type="datetimeFigureOut">
               <a:rPr lang="en-GB" smtClean="0"/>
-              <a:t>15/09/2014</a:t>
+              <a:t>19/09/2014</a:t>
             </a:fld>
             <a:endParaRPr lang="en-GB"/>
           </a:p>
@@ -459,7 +459,7 @@
           <a:p>
             <a:fld id="{730D398D-13B9-49F2-B424-C6FE354319DC}" type="datetimeFigureOut">
               <a:rPr lang="en-GB" smtClean="0"/>
-              <a:t>15/09/2014</a:t>
+              <a:t>19/09/2014</a:t>
             </a:fld>
             <a:endParaRPr lang="en-GB"/>
           </a:p>
@@ -639,7 +639,7 @@
           <a:p>
             <a:fld id="{730D398D-13B9-49F2-B424-C6FE354319DC}" type="datetimeFigureOut">
               <a:rPr lang="en-GB" smtClean="0"/>
-              <a:t>15/09/2014</a:t>
+              <a:t>19/09/2014</a:t>
             </a:fld>
             <a:endParaRPr lang="en-GB"/>
           </a:p>
@@ -809,7 +809,7 @@
           <a:p>
             <a:fld id="{730D398D-13B9-49F2-B424-C6FE354319DC}" type="datetimeFigureOut">
               <a:rPr lang="en-GB" smtClean="0"/>
-              <a:t>15/09/2014</a:t>
+              <a:t>19/09/2014</a:t>
             </a:fld>
             <a:endParaRPr lang="en-GB"/>
           </a:p>
@@ -1055,7 +1055,7 @@
           <a:p>
             <a:fld id="{730D398D-13B9-49F2-B424-C6FE354319DC}" type="datetimeFigureOut">
               <a:rPr lang="en-GB" smtClean="0"/>
-              <a:t>15/09/2014</a:t>
+              <a:t>19/09/2014</a:t>
             </a:fld>
             <a:endParaRPr lang="en-GB"/>
           </a:p>
@@ -1343,7 +1343,7 @@
           <a:p>
             <a:fld id="{730D398D-13B9-49F2-B424-C6FE354319DC}" type="datetimeFigureOut">
               <a:rPr lang="en-GB" smtClean="0"/>
-              <a:t>15/09/2014</a:t>
+              <a:t>19/09/2014</a:t>
             </a:fld>
             <a:endParaRPr lang="en-GB"/>
           </a:p>
@@ -1770,7 +1770,7 @@
           <a:p>
             <a:fld id="{730D398D-13B9-49F2-B424-C6FE354319DC}" type="datetimeFigureOut">
               <a:rPr lang="en-GB" smtClean="0"/>
-              <a:t>15/09/2014</a:t>
+              <a:t>19/09/2014</a:t>
             </a:fld>
             <a:endParaRPr lang="en-GB"/>
           </a:p>
@@ -1888,7 +1888,7 @@
           <a:p>
             <a:fld id="{730D398D-13B9-49F2-B424-C6FE354319DC}" type="datetimeFigureOut">
               <a:rPr lang="en-GB" smtClean="0"/>
-              <a:t>15/09/2014</a:t>
+              <a:t>19/09/2014</a:t>
             </a:fld>
             <a:endParaRPr lang="en-GB"/>
           </a:p>
@@ -1983,7 +1983,7 @@
           <a:p>
             <a:fld id="{730D398D-13B9-49F2-B424-C6FE354319DC}" type="datetimeFigureOut">
               <a:rPr lang="en-GB" smtClean="0"/>
-              <a:t>15/09/2014</a:t>
+              <a:t>19/09/2014</a:t>
             </a:fld>
             <a:endParaRPr lang="en-GB"/>
           </a:p>
@@ -2260,7 +2260,7 @@
           <a:p>
             <a:fld id="{730D398D-13B9-49F2-B424-C6FE354319DC}" type="datetimeFigureOut">
               <a:rPr lang="en-GB" smtClean="0"/>
-              <a:t>15/09/2014</a:t>
+              <a:t>19/09/2014</a:t>
             </a:fld>
             <a:endParaRPr lang="en-GB"/>
           </a:p>
@@ -2513,7 +2513,7 @@
           <a:p>
             <a:fld id="{730D398D-13B9-49F2-B424-C6FE354319DC}" type="datetimeFigureOut">
               <a:rPr lang="en-GB" smtClean="0"/>
-              <a:t>15/09/2014</a:t>
+              <a:t>19/09/2014</a:t>
             </a:fld>
             <a:endParaRPr lang="en-GB"/>
           </a:p>
@@ -2726,7 +2726,7 @@
           <a:p>
             <a:fld id="{730D398D-13B9-49F2-B424-C6FE354319DC}" type="datetimeFigureOut">
               <a:rPr lang="en-GB" smtClean="0"/>
-              <a:t>15/09/2014</a:t>
+              <a:t>19/09/2014</a:t>
             </a:fld>
             <a:endParaRPr lang="en-GB"/>
           </a:p>
@@ -13338,11 +13338,7 @@
           <a:prstGeom prst="ellipse">
             <a:avLst/>
           </a:prstGeom>
-          <a:solidFill>
-            <a:schemeClr val="bg1">
-              <a:lumMod val="75000"/>
-            </a:schemeClr>
-          </a:solidFill>
+          <a:noFill/>
           <a:ln w="12700">
             <a:solidFill>
               <a:schemeClr val="tx1"/>
@@ -13400,11 +13396,7 @@
           <a:prstGeom prst="ellipse">
             <a:avLst/>
           </a:prstGeom>
-          <a:solidFill>
-            <a:schemeClr val="bg1">
-              <a:lumMod val="75000"/>
-            </a:schemeClr>
-          </a:solidFill>
+          <a:noFill/>
           <a:ln w="12700">
             <a:solidFill>
               <a:schemeClr val="tx1"/>
@@ -13462,11 +13454,7 @@
           <a:prstGeom prst="ellipse">
             <a:avLst/>
           </a:prstGeom>
-          <a:solidFill>
-            <a:schemeClr val="bg1">
-              <a:lumMod val="75000"/>
-            </a:schemeClr>
-          </a:solidFill>
+          <a:noFill/>
           <a:ln w="12700">
             <a:solidFill>
               <a:schemeClr val="tx1"/>
@@ -13510,125 +13498,52 @@
           </a:p>
         </p:txBody>
       </p:sp>
-      <p:grpSp>
-        <p:nvGrpSpPr>
-          <p:cNvPr id="6" name="Group 5"/>
-          <p:cNvGrpSpPr/>
-          <p:nvPr/>
-        </p:nvGrpSpPr>
-        <p:grpSpPr>
-          <a:xfrm>
-            <a:off x="8620200" y="8595000"/>
-            <a:ext cx="180000" cy="180000"/>
-            <a:chOff x="8620200" y="8595000"/>
-            <a:chExt cx="180000" cy="180000"/>
-          </a:xfrm>
-        </p:grpSpPr>
-        <p:sp>
-          <p:nvSpPr>
-            <p:cNvPr id="3" name="Rectangle 2"/>
-            <p:cNvSpPr/>
-            <p:nvPr/>
-          </p:nvSpPr>
-          <p:spPr>
-            <a:xfrm>
-              <a:off x="8620200" y="8595000"/>
-              <a:ext cx="180000" cy="180000"/>
-            </a:xfrm>
-            <a:prstGeom prst="rect">
-              <a:avLst/>
-            </a:prstGeom>
-            <a:solidFill>
-              <a:schemeClr val="bg1"/>
-            </a:solidFill>
-            <a:ln w="12700">
-              <a:solidFill>
-                <a:schemeClr val="bg1">
-                  <a:lumMod val="65000"/>
-                </a:schemeClr>
-              </a:solidFill>
-            </a:ln>
-          </p:spPr>
-          <p:style>
-            <a:lnRef idx="2">
-              <a:schemeClr val="accent1">
-                <a:shade val="50000"/>
-              </a:schemeClr>
-            </a:lnRef>
-            <a:fillRef idx="1">
-              <a:schemeClr val="accent1"/>
-            </a:fillRef>
-            <a:effectRef idx="0">
-              <a:schemeClr val="accent1"/>
-            </a:effectRef>
-            <a:fontRef idx="minor">
-              <a:schemeClr val="lt1"/>
-            </a:fontRef>
-          </p:style>
-          <p:txBody>
-            <a:bodyPr rtlCol="0" anchor="ctr"/>
-            <a:lstStyle/>
-            <a:p>
-              <a:pPr algn="ctr"/>
-              <a:endParaRPr lang="en-GB">
-                <a:solidFill>
-                  <a:schemeClr val="tx1"/>
-                </a:solidFill>
-              </a:endParaRPr>
-            </a:p>
-          </p:txBody>
-        </p:sp>
-        <p:sp>
-          <p:nvSpPr>
-            <p:cNvPr id="5" name="Oval 4"/>
-            <p:cNvSpPr/>
-            <p:nvPr/>
-          </p:nvSpPr>
-          <p:spPr>
-            <a:xfrm>
-              <a:off x="8665200" y="8640000"/>
-              <a:ext cx="90000" cy="90000"/>
-            </a:xfrm>
-            <a:prstGeom prst="ellipse">
-              <a:avLst/>
-            </a:prstGeom>
-            <a:solidFill>
-              <a:schemeClr val="bg1"/>
-            </a:solidFill>
-            <a:ln w="12700">
-              <a:solidFill>
-                <a:schemeClr val="bg1">
-                  <a:lumMod val="65000"/>
-                </a:schemeClr>
-              </a:solidFill>
-            </a:ln>
-          </p:spPr>
-          <p:style>
-            <a:lnRef idx="2">
-              <a:schemeClr val="accent1">
-                <a:shade val="50000"/>
-              </a:schemeClr>
-            </a:lnRef>
-            <a:fillRef idx="1">
-              <a:schemeClr val="accent1"/>
-            </a:fillRef>
-            <a:effectRef idx="0">
-              <a:schemeClr val="accent1"/>
-            </a:effectRef>
-            <a:fontRef idx="minor">
-              <a:schemeClr val="lt1"/>
-            </a:fontRef>
-          </p:style>
-          <p:txBody>
-            <a:bodyPr rtlCol="0" anchor="ctr"/>
-            <a:lstStyle/>
-            <a:p>
-              <a:pPr algn="ctr"/>
-              <a:endParaRPr lang="en-GB"/>
-            </a:p>
-          </p:txBody>
-        </p:sp>
-      </p:grpSp>
+      <p:sp>
+        <p:nvSpPr>
+          <p:cNvPr id="5" name="Oval 4"/>
+          <p:cNvSpPr/>
+          <p:nvPr/>
+        </p:nvSpPr>
+        <p:spPr>
+          <a:xfrm>
+            <a:off x="8665200" y="9045000"/>
+            <a:ext cx="90000" cy="90000"/>
+          </a:xfrm>
+          <a:prstGeom prst="ellipse">
+            <a:avLst/>
+          </a:prstGeom>
+          <a:noFill/>
+          <a:ln w="12700">
+            <a:solidFill>
+              <a:schemeClr val="tx1"/>
+            </a:solidFill>
+          </a:ln>
+        </p:spPr>
+        <p:style>
+          <a:lnRef idx="2">
+            <a:schemeClr val="accent1">
+              <a:shade val="50000"/>
+            </a:schemeClr>
+          </a:lnRef>
+          <a:fillRef idx="1">
+            <a:schemeClr val="accent1"/>
+          </a:fillRef>
+          <a:effectRef idx="0">
+            <a:schemeClr val="accent1"/>
+          </a:effectRef>
+          <a:fontRef idx="minor">
+            <a:schemeClr val="lt1"/>
+          </a:fontRef>
+        </p:style>
+        <p:txBody>
+          <a:bodyPr rtlCol="0" anchor="ctr"/>
+          <a:lstStyle/>
+          <a:p>
+            <a:pPr algn="ctr"/>
+            <a:endParaRPr lang="en-GB"/>
+          </a:p>
+        </p:txBody>
+      </p:sp>
       <p:grpSp>
         <p:nvGrpSpPr>
           <p:cNvPr id="198" name="Group 197"/>
@@ -35168,59 +35083,6 @@
           </p:txBody>
         </p:sp>
       </p:grpSp>
-      <p:sp>
-        <p:nvSpPr>
-          <p:cNvPr id="819" name="Rectangle 818"/>
-          <p:cNvSpPr/>
-          <p:nvPr/>
-        </p:nvSpPr>
-        <p:spPr>
-          <a:xfrm>
-            <a:off x="1080000" y="1080000"/>
-            <a:ext cx="7912800" cy="7909199"/>
-          </a:xfrm>
-          <a:prstGeom prst="rect">
-            <a:avLst/>
-          </a:prstGeom>
-          <a:noFill/>
-          <a:ln w="12700">
-            <a:solidFill>
-              <a:schemeClr val="accent3"/>
-            </a:solidFill>
-            <a:prstDash val="dash"/>
-          </a:ln>
-        </p:spPr>
-        <p:style>
-          <a:lnRef idx="2">
-            <a:schemeClr val="accent1">
-              <a:shade val="50000"/>
-            </a:schemeClr>
-          </a:lnRef>
-          <a:fillRef idx="1">
-            <a:schemeClr val="accent1"/>
-          </a:fillRef>
-          <a:effectRef idx="0">
-            <a:schemeClr val="accent1"/>
-          </a:effectRef>
-          <a:fontRef idx="minor">
-            <a:schemeClr val="lt1"/>
-          </a:fontRef>
-        </p:style>
-        <p:txBody>
-          <a:bodyPr rtlCol="0" anchor="ctr"/>
-          <a:lstStyle/>
-          <a:p>
-            <a:pPr algn="ctr"/>
-            <a:endParaRPr lang="en-GB" sz="3000" dirty="0">
-              <a:solidFill>
-                <a:schemeClr val="tx1"/>
-              </a:solidFill>
-              <a:latin typeface="Codystar" panose="02000000000000000000" pitchFamily="2" charset="0"/>
-              <a:ea typeface="Codystar" panose="02000000000000000000" pitchFamily="2" charset="0"/>
-            </a:endParaRPr>
-          </a:p>
-        </p:txBody>
-      </p:sp>
       <p:cxnSp>
         <p:nvCxnSpPr>
           <p:cNvPr id="8" name="Straight Connector 7"/>
@@ -36160,11 +36022,7 @@
           <a:prstGeom prst="ellipse">
             <a:avLst/>
           </a:prstGeom>
-          <a:solidFill>
-            <a:schemeClr val="bg1">
-              <a:lumMod val="75000"/>
-            </a:schemeClr>
-          </a:solidFill>
+          <a:noFill/>
           <a:ln w="12700">
             <a:solidFill>
               <a:schemeClr val="tx1"/>
@@ -36205,6 +36063,464 @@
                 <a:schemeClr val="tx1"/>
               </a:solidFill>
             </a:endParaRPr>
+          </a:p>
+        </p:txBody>
+      </p:sp>
+      <p:cxnSp>
+        <p:nvCxnSpPr>
+          <p:cNvPr id="606" name="Straight Connector 605"/>
+          <p:cNvCxnSpPr/>
+          <p:nvPr/>
+        </p:nvCxnSpPr>
+        <p:spPr>
+          <a:xfrm>
+            <a:off x="1078352" y="1080000"/>
+            <a:ext cx="7912800" cy="0"/>
+          </a:xfrm>
+          <a:prstGeom prst="line">
+            <a:avLst/>
+          </a:prstGeom>
+          <a:ln w="12700">
+            <a:solidFill>
+              <a:schemeClr val="bg1">
+                <a:lumMod val="65000"/>
+              </a:schemeClr>
+            </a:solidFill>
+          </a:ln>
+        </p:spPr>
+        <p:style>
+          <a:lnRef idx="1">
+            <a:schemeClr val="accent1"/>
+          </a:lnRef>
+          <a:fillRef idx="0">
+            <a:schemeClr val="accent1"/>
+          </a:fillRef>
+          <a:effectRef idx="0">
+            <a:schemeClr val="accent1"/>
+          </a:effectRef>
+          <a:fontRef idx="minor">
+            <a:schemeClr val="tx1"/>
+          </a:fontRef>
+        </p:style>
+      </p:cxnSp>
+      <p:cxnSp>
+        <p:nvCxnSpPr>
+          <p:cNvPr id="607" name="Straight Connector 606"/>
+          <p:cNvCxnSpPr/>
+          <p:nvPr/>
+        </p:nvCxnSpPr>
+        <p:spPr>
+          <a:xfrm>
+            <a:off x="1083600" y="8989200"/>
+            <a:ext cx="7912800" cy="0"/>
+          </a:xfrm>
+          <a:prstGeom prst="line">
+            <a:avLst/>
+          </a:prstGeom>
+          <a:ln w="12700">
+            <a:solidFill>
+              <a:schemeClr val="bg1">
+                <a:lumMod val="65000"/>
+              </a:schemeClr>
+            </a:solidFill>
+          </a:ln>
+        </p:spPr>
+        <p:style>
+          <a:lnRef idx="1">
+            <a:schemeClr val="accent1"/>
+          </a:lnRef>
+          <a:fillRef idx="0">
+            <a:schemeClr val="accent1"/>
+          </a:fillRef>
+          <a:effectRef idx="0">
+            <a:schemeClr val="accent1"/>
+          </a:effectRef>
+          <a:fontRef idx="minor">
+            <a:schemeClr val="tx1"/>
+          </a:fontRef>
+        </p:style>
+      </p:cxnSp>
+      <p:cxnSp>
+        <p:nvCxnSpPr>
+          <p:cNvPr id="608" name="Straight Connector 607"/>
+          <p:cNvCxnSpPr/>
+          <p:nvPr/>
+        </p:nvCxnSpPr>
+        <p:spPr>
+          <a:xfrm>
+            <a:off x="1083600" y="1080000"/>
+            <a:ext cx="0" cy="7909200"/>
+          </a:xfrm>
+          <a:prstGeom prst="line">
+            <a:avLst/>
+          </a:prstGeom>
+          <a:ln w="12700">
+            <a:solidFill>
+              <a:schemeClr val="bg1">
+                <a:lumMod val="65000"/>
+              </a:schemeClr>
+            </a:solidFill>
+          </a:ln>
+        </p:spPr>
+        <p:style>
+          <a:lnRef idx="1">
+            <a:schemeClr val="accent1"/>
+          </a:lnRef>
+          <a:fillRef idx="0">
+            <a:schemeClr val="accent1"/>
+          </a:fillRef>
+          <a:effectRef idx="0">
+            <a:schemeClr val="accent1"/>
+          </a:effectRef>
+          <a:fontRef idx="minor">
+            <a:schemeClr val="tx1"/>
+          </a:fontRef>
+        </p:style>
+      </p:cxnSp>
+      <p:cxnSp>
+        <p:nvCxnSpPr>
+          <p:cNvPr id="648" name="Straight Connector 647"/>
+          <p:cNvCxnSpPr/>
+          <p:nvPr/>
+        </p:nvCxnSpPr>
+        <p:spPr>
+          <a:xfrm>
+            <a:off x="9000000" y="1080000"/>
+            <a:ext cx="0" cy="7909200"/>
+          </a:xfrm>
+          <a:prstGeom prst="line">
+            <a:avLst/>
+          </a:prstGeom>
+          <a:ln w="12700">
+            <a:solidFill>
+              <a:schemeClr val="bg1">
+                <a:lumMod val="65000"/>
+              </a:schemeClr>
+            </a:solidFill>
+          </a:ln>
+        </p:spPr>
+        <p:style>
+          <a:lnRef idx="1">
+            <a:schemeClr val="accent1"/>
+          </a:lnRef>
+          <a:fillRef idx="0">
+            <a:schemeClr val="accent1"/>
+          </a:fillRef>
+          <a:effectRef idx="0">
+            <a:schemeClr val="accent1"/>
+          </a:effectRef>
+          <a:fontRef idx="minor">
+            <a:schemeClr val="tx1"/>
+          </a:fontRef>
+        </p:style>
+      </p:cxnSp>
+      <p:sp>
+        <p:nvSpPr>
+          <p:cNvPr id="819" name="Rectangle 818"/>
+          <p:cNvSpPr/>
+          <p:nvPr/>
+        </p:nvSpPr>
+        <p:spPr>
+          <a:xfrm>
+            <a:off x="1080000" y="900000"/>
+            <a:ext cx="7920000" cy="8280000"/>
+          </a:xfrm>
+          <a:prstGeom prst="rect">
+            <a:avLst/>
+          </a:prstGeom>
+          <a:noFill/>
+          <a:ln w="12700">
+            <a:solidFill>
+              <a:srgbClr val="FF0000"/>
+            </a:solidFill>
+            <a:prstDash val="solid"/>
+          </a:ln>
+        </p:spPr>
+        <p:style>
+          <a:lnRef idx="2">
+            <a:schemeClr val="accent1">
+              <a:shade val="50000"/>
+            </a:schemeClr>
+          </a:lnRef>
+          <a:fillRef idx="1">
+            <a:schemeClr val="accent1"/>
+          </a:fillRef>
+          <a:effectRef idx="0">
+            <a:schemeClr val="accent1"/>
+          </a:effectRef>
+          <a:fontRef idx="minor">
+            <a:schemeClr val="lt1"/>
+          </a:fontRef>
+        </p:style>
+        <p:txBody>
+          <a:bodyPr rtlCol="0" anchor="ctr"/>
+          <a:lstStyle/>
+          <a:p>
+            <a:pPr algn="ctr"/>
+            <a:endParaRPr lang="en-GB" sz="3000" dirty="0">
+              <a:solidFill>
+                <a:schemeClr val="tx1"/>
+              </a:solidFill>
+              <a:latin typeface="Codystar" panose="02000000000000000000" pitchFamily="2" charset="0"/>
+              <a:ea typeface="Codystar" panose="02000000000000000000" pitchFamily="2" charset="0"/>
+            </a:endParaRPr>
+          </a:p>
+        </p:txBody>
+      </p:sp>
+      <p:sp>
+        <p:nvSpPr>
+          <p:cNvPr id="733" name="Oval 732"/>
+          <p:cNvSpPr/>
+          <p:nvPr/>
+        </p:nvSpPr>
+        <p:spPr>
+          <a:xfrm>
+            <a:off x="1317600" y="945000"/>
+            <a:ext cx="90000" cy="90000"/>
+          </a:xfrm>
+          <a:prstGeom prst="ellipse">
+            <a:avLst/>
+          </a:prstGeom>
+          <a:noFill/>
+          <a:ln w="12700">
+            <a:solidFill>
+              <a:schemeClr val="tx1"/>
+            </a:solidFill>
+          </a:ln>
+        </p:spPr>
+        <p:style>
+          <a:lnRef idx="2">
+            <a:schemeClr val="accent1">
+              <a:shade val="50000"/>
+            </a:schemeClr>
+          </a:lnRef>
+          <a:fillRef idx="1">
+            <a:schemeClr val="accent1"/>
+          </a:fillRef>
+          <a:effectRef idx="0">
+            <a:schemeClr val="accent1"/>
+          </a:effectRef>
+          <a:fontRef idx="minor">
+            <a:schemeClr val="lt1"/>
+          </a:fontRef>
+        </p:style>
+        <p:txBody>
+          <a:bodyPr rtlCol="0" anchor="ctr"/>
+          <a:lstStyle/>
+          <a:p>
+            <a:pPr algn="ctr"/>
+            <a:endParaRPr lang="en-GB"/>
+          </a:p>
+        </p:txBody>
+      </p:sp>
+      <p:sp>
+        <p:nvSpPr>
+          <p:cNvPr id="776" name="Oval 775"/>
+          <p:cNvSpPr/>
+          <p:nvPr/>
+        </p:nvSpPr>
+        <p:spPr>
+          <a:xfrm>
+            <a:off x="1317600" y="9045000"/>
+            <a:ext cx="90000" cy="90000"/>
+          </a:xfrm>
+          <a:prstGeom prst="ellipse">
+            <a:avLst/>
+          </a:prstGeom>
+          <a:noFill/>
+          <a:ln w="12700">
+            <a:solidFill>
+              <a:schemeClr val="tx1"/>
+            </a:solidFill>
+          </a:ln>
+        </p:spPr>
+        <p:style>
+          <a:lnRef idx="2">
+            <a:schemeClr val="accent1">
+              <a:shade val="50000"/>
+            </a:schemeClr>
+          </a:lnRef>
+          <a:fillRef idx="1">
+            <a:schemeClr val="accent1"/>
+          </a:fillRef>
+          <a:effectRef idx="0">
+            <a:schemeClr val="accent1"/>
+          </a:effectRef>
+          <a:fontRef idx="minor">
+            <a:schemeClr val="lt1"/>
+          </a:fontRef>
+        </p:style>
+        <p:txBody>
+          <a:bodyPr rtlCol="0" anchor="ctr"/>
+          <a:lstStyle/>
+          <a:p>
+            <a:pPr algn="ctr"/>
+            <a:endParaRPr lang="en-GB"/>
+          </a:p>
+        </p:txBody>
+      </p:sp>
+      <p:grpSp>
+        <p:nvGrpSpPr>
+          <p:cNvPr id="831" name="Group 830"/>
+          <p:cNvGrpSpPr/>
+          <p:nvPr/>
+        </p:nvGrpSpPr>
+        <p:grpSpPr>
+          <a:xfrm>
+            <a:off x="8620200" y="8595000"/>
+            <a:ext cx="180000" cy="180000"/>
+            <a:chOff x="8620200" y="8595000"/>
+            <a:chExt cx="180000" cy="180000"/>
+          </a:xfrm>
+        </p:grpSpPr>
+        <p:sp>
+          <p:nvSpPr>
+            <p:cNvPr id="833" name="Rectangle 832"/>
+            <p:cNvSpPr/>
+            <p:nvPr/>
+          </p:nvSpPr>
+          <p:spPr>
+            <a:xfrm>
+              <a:off x="8620200" y="8595000"/>
+              <a:ext cx="180000" cy="180000"/>
+            </a:xfrm>
+            <a:prstGeom prst="rect">
+              <a:avLst/>
+            </a:prstGeom>
+            <a:solidFill>
+              <a:schemeClr val="bg1"/>
+            </a:solidFill>
+            <a:ln w="12700">
+              <a:solidFill>
+                <a:schemeClr val="bg1">
+                  <a:lumMod val="65000"/>
+                </a:schemeClr>
+              </a:solidFill>
+            </a:ln>
+          </p:spPr>
+          <p:style>
+            <a:lnRef idx="2">
+              <a:schemeClr val="accent1">
+                <a:shade val="50000"/>
+              </a:schemeClr>
+            </a:lnRef>
+            <a:fillRef idx="1">
+              <a:schemeClr val="accent1"/>
+            </a:fillRef>
+            <a:effectRef idx="0">
+              <a:schemeClr val="accent1"/>
+            </a:effectRef>
+            <a:fontRef idx="minor">
+              <a:schemeClr val="lt1"/>
+            </a:fontRef>
+          </p:style>
+          <p:txBody>
+            <a:bodyPr rtlCol="0" anchor="ctr"/>
+            <a:lstStyle/>
+            <a:p>
+              <a:pPr algn="ctr"/>
+              <a:endParaRPr lang="en-GB">
+                <a:solidFill>
+                  <a:schemeClr val="tx1"/>
+                </a:solidFill>
+              </a:endParaRPr>
+            </a:p>
+          </p:txBody>
+        </p:sp>
+        <p:sp>
+          <p:nvSpPr>
+            <p:cNvPr id="844" name="Oval 843"/>
+            <p:cNvSpPr/>
+            <p:nvPr/>
+          </p:nvSpPr>
+          <p:spPr>
+            <a:xfrm>
+              <a:off x="8665200" y="8640000"/>
+              <a:ext cx="90000" cy="90000"/>
+            </a:xfrm>
+            <a:prstGeom prst="ellipse">
+              <a:avLst/>
+            </a:prstGeom>
+            <a:solidFill>
+              <a:schemeClr val="bg1"/>
+            </a:solidFill>
+            <a:ln w="12700">
+              <a:solidFill>
+                <a:schemeClr val="bg1">
+                  <a:lumMod val="65000"/>
+                </a:schemeClr>
+              </a:solidFill>
+            </a:ln>
+          </p:spPr>
+          <p:style>
+            <a:lnRef idx="2">
+              <a:schemeClr val="accent1">
+                <a:shade val="50000"/>
+              </a:schemeClr>
+            </a:lnRef>
+            <a:fillRef idx="1">
+              <a:schemeClr val="accent1"/>
+            </a:fillRef>
+            <a:effectRef idx="0">
+              <a:schemeClr val="accent1"/>
+            </a:effectRef>
+            <a:fontRef idx="minor">
+              <a:schemeClr val="lt1"/>
+            </a:fontRef>
+          </p:style>
+          <p:txBody>
+            <a:bodyPr rtlCol="0" anchor="ctr"/>
+            <a:lstStyle/>
+            <a:p>
+              <a:pPr algn="ctr"/>
+              <a:endParaRPr lang="en-GB"/>
+            </a:p>
+          </p:txBody>
+        </p:sp>
+      </p:grpSp>
+      <p:sp>
+        <p:nvSpPr>
+          <p:cNvPr id="848" name="Oval 847"/>
+          <p:cNvSpPr/>
+          <p:nvPr/>
+        </p:nvSpPr>
+        <p:spPr>
+          <a:xfrm>
+            <a:off x="8665200" y="945000"/>
+            <a:ext cx="90000" cy="90000"/>
+          </a:xfrm>
+          <a:prstGeom prst="ellipse">
+            <a:avLst/>
+          </a:prstGeom>
+          <a:noFill/>
+          <a:ln w="12700">
+            <a:solidFill>
+              <a:schemeClr val="tx1"/>
+            </a:solidFill>
+          </a:ln>
+        </p:spPr>
+        <p:style>
+          <a:lnRef idx="2">
+            <a:schemeClr val="accent1">
+              <a:shade val="50000"/>
+            </a:schemeClr>
+          </a:lnRef>
+          <a:fillRef idx="1">
+            <a:schemeClr val="accent1"/>
+          </a:fillRef>
+          <a:effectRef idx="0">
+            <a:schemeClr val="accent1"/>
+          </a:effectRef>
+          <a:fontRef idx="minor">
+            <a:schemeClr val="lt1"/>
+          </a:fontRef>
+        </p:style>
+        <p:txBody>
+          <a:bodyPr rtlCol="0" anchor="ctr"/>
+          <a:lstStyle/>
+          <a:p>
+            <a:pPr algn="ctr"/>
+            <a:endParaRPr lang="en-GB"/>
           </a:p>
         </p:txBody>
       </p:sp>

--- a/fabricate/28x28 Size/ClockFOUR_28.pptx
+++ b/fabricate/28x28 Size/ClockFOUR_28.pptx
@@ -7,6 +7,7 @@
   <p:sldIdLst>
     <p:sldId id="258" r:id="rId2"/>
     <p:sldId id="260" r:id="rId3"/>
+    <p:sldId id="261" r:id="rId4"/>
   </p:sldIdLst>
   <p:sldSz cx="10080625" cy="10080625"/>
   <p:notesSz cx="10234613" cy="14662150"/>
@@ -289,7 +290,7 @@
           <a:p>
             <a:fld id="{730D398D-13B9-49F2-B424-C6FE354319DC}" type="datetimeFigureOut">
               <a:rPr lang="en-GB" smtClean="0"/>
-              <a:t>19/09/2014</a:t>
+              <a:t>01/10/2014</a:t>
             </a:fld>
             <a:endParaRPr lang="en-GB"/>
           </a:p>
@@ -459,7 +460,7 @@
           <a:p>
             <a:fld id="{730D398D-13B9-49F2-B424-C6FE354319DC}" type="datetimeFigureOut">
               <a:rPr lang="en-GB" smtClean="0"/>
-              <a:t>19/09/2014</a:t>
+              <a:t>01/10/2014</a:t>
             </a:fld>
             <a:endParaRPr lang="en-GB"/>
           </a:p>
@@ -639,7 +640,7 @@
           <a:p>
             <a:fld id="{730D398D-13B9-49F2-B424-C6FE354319DC}" type="datetimeFigureOut">
               <a:rPr lang="en-GB" smtClean="0"/>
-              <a:t>19/09/2014</a:t>
+              <a:t>01/10/2014</a:t>
             </a:fld>
             <a:endParaRPr lang="en-GB"/>
           </a:p>
@@ -809,7 +810,7 @@
           <a:p>
             <a:fld id="{730D398D-13B9-49F2-B424-C6FE354319DC}" type="datetimeFigureOut">
               <a:rPr lang="en-GB" smtClean="0"/>
-              <a:t>19/09/2014</a:t>
+              <a:t>01/10/2014</a:t>
             </a:fld>
             <a:endParaRPr lang="en-GB"/>
           </a:p>
@@ -1055,7 +1056,7 @@
           <a:p>
             <a:fld id="{730D398D-13B9-49F2-B424-C6FE354319DC}" type="datetimeFigureOut">
               <a:rPr lang="en-GB" smtClean="0"/>
-              <a:t>19/09/2014</a:t>
+              <a:t>01/10/2014</a:t>
             </a:fld>
             <a:endParaRPr lang="en-GB"/>
           </a:p>
@@ -1343,7 +1344,7 @@
           <a:p>
             <a:fld id="{730D398D-13B9-49F2-B424-C6FE354319DC}" type="datetimeFigureOut">
               <a:rPr lang="en-GB" smtClean="0"/>
-              <a:t>19/09/2014</a:t>
+              <a:t>01/10/2014</a:t>
             </a:fld>
             <a:endParaRPr lang="en-GB"/>
           </a:p>
@@ -1770,7 +1771,7 @@
           <a:p>
             <a:fld id="{730D398D-13B9-49F2-B424-C6FE354319DC}" type="datetimeFigureOut">
               <a:rPr lang="en-GB" smtClean="0"/>
-              <a:t>19/09/2014</a:t>
+              <a:t>01/10/2014</a:t>
             </a:fld>
             <a:endParaRPr lang="en-GB"/>
           </a:p>
@@ -1888,7 +1889,7 @@
           <a:p>
             <a:fld id="{730D398D-13B9-49F2-B424-C6FE354319DC}" type="datetimeFigureOut">
               <a:rPr lang="en-GB" smtClean="0"/>
-              <a:t>19/09/2014</a:t>
+              <a:t>01/10/2014</a:t>
             </a:fld>
             <a:endParaRPr lang="en-GB"/>
           </a:p>
@@ -1983,7 +1984,7 @@
           <a:p>
             <a:fld id="{730D398D-13B9-49F2-B424-C6FE354319DC}" type="datetimeFigureOut">
               <a:rPr lang="en-GB" smtClean="0"/>
-              <a:t>19/09/2014</a:t>
+              <a:t>01/10/2014</a:t>
             </a:fld>
             <a:endParaRPr lang="en-GB"/>
           </a:p>
@@ -2260,7 +2261,7 @@
           <a:p>
             <a:fld id="{730D398D-13B9-49F2-B424-C6FE354319DC}" type="datetimeFigureOut">
               <a:rPr lang="en-GB" smtClean="0"/>
-              <a:t>19/09/2014</a:t>
+              <a:t>01/10/2014</a:t>
             </a:fld>
             <a:endParaRPr lang="en-GB"/>
           </a:p>
@@ -2513,7 +2514,7 @@
           <a:p>
             <a:fld id="{730D398D-13B9-49F2-B424-C6FE354319DC}" type="datetimeFigureOut">
               <a:rPr lang="en-GB" smtClean="0"/>
-              <a:t>19/09/2014</a:t>
+              <a:t>01/10/2014</a:t>
             </a:fld>
             <a:endParaRPr lang="en-GB"/>
           </a:p>
@@ -2726,7 +2727,7 @@
           <a:p>
             <a:fld id="{730D398D-13B9-49F2-B424-C6FE354319DC}" type="datetimeFigureOut">
               <a:rPr lang="en-GB" smtClean="0"/>
-              <a:t>19/09/2014</a:t>
+              <a:t>01/10/2014</a:t>
             </a:fld>
             <a:endParaRPr lang="en-GB"/>
           </a:p>
@@ -3402,14 +3403,16 @@
             <a:pPr algn="ctr"/>
             <a:r>
               <a:rPr lang="en-AU" sz="3000" dirty="0" smtClean="0">
-                <a:latin typeface="Codystar" panose="02000000000000000000" pitchFamily="2" charset="0"/>
-                <a:ea typeface="Codystar" panose="02000000000000000000" pitchFamily="2" charset="0"/>
+                <a:latin typeface="Verdana" panose="020B0604030504040204" pitchFamily="34" charset="0"/>
+                <a:ea typeface="Verdana" panose="020B0604030504040204" pitchFamily="34" charset="0"/>
+                <a:cs typeface="Verdana" panose="020B0604030504040204" pitchFamily="34" charset="0"/>
               </a:rPr>
               <a:t>t</a:t>
             </a:r>
             <a:endParaRPr lang="en-GB" sz="3000" dirty="0">
-              <a:latin typeface="Codystar" panose="02000000000000000000" pitchFamily="2" charset="0"/>
-              <a:ea typeface="Codystar" panose="02000000000000000000" pitchFamily="2" charset="0"/>
+              <a:latin typeface="Verdana" panose="020B0604030504040204" pitchFamily="34" charset="0"/>
+              <a:ea typeface="Verdana" panose="020B0604030504040204" pitchFamily="34" charset="0"/>
+              <a:cs typeface="Verdana" panose="020B0604030504040204" pitchFamily="34" charset="0"/>
             </a:endParaRPr>
           </a:p>
         </p:txBody>
@@ -3456,14 +3459,16 @@
             <a:pPr algn="ctr"/>
             <a:r>
               <a:rPr lang="en-AU" sz="3000" dirty="0" smtClean="0">
-                <a:latin typeface="Codystar" panose="02000000000000000000" pitchFamily="2" charset="0"/>
-                <a:ea typeface="Codystar" panose="02000000000000000000" pitchFamily="2" charset="0"/>
+                <a:latin typeface="Verdana" panose="020B0604030504040204" pitchFamily="34" charset="0"/>
+                <a:ea typeface="Verdana" panose="020B0604030504040204" pitchFamily="34" charset="0"/>
+                <a:cs typeface="Verdana" panose="020B0604030504040204" pitchFamily="34" charset="0"/>
               </a:rPr>
               <a:t>w</a:t>
             </a:r>
             <a:endParaRPr lang="en-GB" sz="3000" dirty="0">
-              <a:latin typeface="Codystar" panose="02000000000000000000" pitchFamily="2" charset="0"/>
-              <a:ea typeface="Codystar" panose="02000000000000000000" pitchFamily="2" charset="0"/>
+              <a:latin typeface="Verdana" panose="020B0604030504040204" pitchFamily="34" charset="0"/>
+              <a:ea typeface="Verdana" panose="020B0604030504040204" pitchFamily="34" charset="0"/>
+              <a:cs typeface="Verdana" panose="020B0604030504040204" pitchFamily="34" charset="0"/>
             </a:endParaRPr>
           </a:p>
         </p:txBody>
@@ -3510,14 +3515,16 @@
             <a:pPr algn="ctr"/>
             <a:r>
               <a:rPr lang="en-AU" sz="3000" dirty="0" smtClean="0">
-                <a:latin typeface="Codystar" panose="02000000000000000000" pitchFamily="2" charset="0"/>
-                <a:ea typeface="Codystar" panose="02000000000000000000" pitchFamily="2" charset="0"/>
+                <a:latin typeface="Verdana" panose="020B0604030504040204" pitchFamily="34" charset="0"/>
+                <a:ea typeface="Verdana" panose="020B0604030504040204" pitchFamily="34" charset="0"/>
+                <a:cs typeface="Verdana" panose="020B0604030504040204" pitchFamily="34" charset="0"/>
               </a:rPr>
               <a:t>e</a:t>
             </a:r>
             <a:endParaRPr lang="en-GB" sz="3000" dirty="0">
-              <a:latin typeface="Codystar" panose="02000000000000000000" pitchFamily="2" charset="0"/>
-              <a:ea typeface="Codystar" panose="02000000000000000000" pitchFamily="2" charset="0"/>
+              <a:latin typeface="Verdana" panose="020B0604030504040204" pitchFamily="34" charset="0"/>
+              <a:ea typeface="Verdana" panose="020B0604030504040204" pitchFamily="34" charset="0"/>
+              <a:cs typeface="Verdana" panose="020B0604030504040204" pitchFamily="34" charset="0"/>
             </a:endParaRPr>
           </a:p>
         </p:txBody>
@@ -3564,14 +3571,16 @@
             <a:pPr algn="ctr"/>
             <a:r>
               <a:rPr lang="en-AU" sz="3000" dirty="0" smtClean="0">
-                <a:latin typeface="Codystar" panose="02000000000000000000" pitchFamily="2" charset="0"/>
-                <a:ea typeface="Codystar" panose="02000000000000000000" pitchFamily="2" charset="0"/>
+                <a:latin typeface="Verdana" panose="020B0604030504040204" pitchFamily="34" charset="0"/>
+                <a:ea typeface="Verdana" panose="020B0604030504040204" pitchFamily="34" charset="0"/>
+                <a:cs typeface="Verdana" panose="020B0604030504040204" pitchFamily="34" charset="0"/>
               </a:rPr>
               <a:t>n</a:t>
             </a:r>
             <a:endParaRPr lang="en-GB" sz="3000" dirty="0">
-              <a:latin typeface="Codystar" panose="02000000000000000000" pitchFamily="2" charset="0"/>
-              <a:ea typeface="Codystar" panose="02000000000000000000" pitchFamily="2" charset="0"/>
+              <a:latin typeface="Verdana" panose="020B0604030504040204" pitchFamily="34" charset="0"/>
+              <a:ea typeface="Verdana" panose="020B0604030504040204" pitchFamily="34" charset="0"/>
+              <a:cs typeface="Verdana" panose="020B0604030504040204" pitchFamily="34" charset="0"/>
             </a:endParaRPr>
           </a:p>
         </p:txBody>
@@ -3618,14 +3627,16 @@
             <a:pPr algn="ctr"/>
             <a:r>
               <a:rPr lang="en-AU" sz="3000" dirty="0" smtClean="0">
-                <a:latin typeface="Codystar" panose="02000000000000000000" pitchFamily="2" charset="0"/>
-                <a:ea typeface="Codystar" panose="02000000000000000000" pitchFamily="2" charset="0"/>
+                <a:latin typeface="Verdana" panose="020B0604030504040204" pitchFamily="34" charset="0"/>
+                <a:ea typeface="Verdana" panose="020B0604030504040204" pitchFamily="34" charset="0"/>
+                <a:cs typeface="Verdana" panose="020B0604030504040204" pitchFamily="34" charset="0"/>
               </a:rPr>
               <a:t>t</a:t>
             </a:r>
             <a:endParaRPr lang="en-GB" sz="3000" dirty="0">
-              <a:latin typeface="Codystar" panose="02000000000000000000" pitchFamily="2" charset="0"/>
-              <a:ea typeface="Codystar" panose="02000000000000000000" pitchFamily="2" charset="0"/>
+              <a:latin typeface="Verdana" panose="020B0604030504040204" pitchFamily="34" charset="0"/>
+              <a:ea typeface="Verdana" panose="020B0604030504040204" pitchFamily="34" charset="0"/>
+              <a:cs typeface="Verdana" panose="020B0604030504040204" pitchFamily="34" charset="0"/>
             </a:endParaRPr>
           </a:p>
         </p:txBody>
@@ -3672,14 +3683,16 @@
             <a:pPr algn="ctr"/>
             <a:r>
               <a:rPr lang="en-AU" sz="3000" dirty="0" smtClean="0">
-                <a:latin typeface="Codystar" panose="02000000000000000000" pitchFamily="2" charset="0"/>
-                <a:ea typeface="Codystar" panose="02000000000000000000" pitchFamily="2" charset="0"/>
+                <a:latin typeface="Verdana" panose="020B0604030504040204" pitchFamily="34" charset="0"/>
+                <a:ea typeface="Verdana" panose="020B0604030504040204" pitchFamily="34" charset="0"/>
+                <a:cs typeface="Verdana" panose="020B0604030504040204" pitchFamily="34" charset="0"/>
               </a:rPr>
               <a:t>y</a:t>
             </a:r>
             <a:endParaRPr lang="en-GB" sz="3000" dirty="0">
-              <a:latin typeface="Codystar" panose="02000000000000000000" pitchFamily="2" charset="0"/>
-              <a:ea typeface="Codystar" panose="02000000000000000000" pitchFamily="2" charset="0"/>
+              <a:latin typeface="Verdana" panose="020B0604030504040204" pitchFamily="34" charset="0"/>
+              <a:ea typeface="Verdana" panose="020B0604030504040204" pitchFamily="34" charset="0"/>
+              <a:cs typeface="Verdana" panose="020B0604030504040204" pitchFamily="34" charset="0"/>
             </a:endParaRPr>
           </a:p>
         </p:txBody>
@@ -3726,14 +3739,16 @@
             <a:pPr algn="ctr"/>
             <a:r>
               <a:rPr lang="en-AU" sz="3000" dirty="0" smtClean="0">
-                <a:latin typeface="Codystar" panose="02000000000000000000" pitchFamily="2" charset="0"/>
-                <a:ea typeface="Codystar" panose="02000000000000000000" pitchFamily="2" charset="0"/>
+                <a:latin typeface="Verdana" panose="020B0604030504040204" pitchFamily="34" charset="0"/>
+                <a:ea typeface="Verdana" panose="020B0604030504040204" pitchFamily="34" charset="0"/>
+                <a:cs typeface="Verdana" panose="020B0604030504040204" pitchFamily="34" charset="0"/>
               </a:rPr>
               <a:t>d</a:t>
             </a:r>
             <a:endParaRPr lang="en-GB" sz="3000" dirty="0">
-              <a:latin typeface="Codystar" panose="02000000000000000000" pitchFamily="2" charset="0"/>
-              <a:ea typeface="Codystar" panose="02000000000000000000" pitchFamily="2" charset="0"/>
+              <a:latin typeface="Verdana" panose="020B0604030504040204" pitchFamily="34" charset="0"/>
+              <a:ea typeface="Verdana" panose="020B0604030504040204" pitchFamily="34" charset="0"/>
+              <a:cs typeface="Verdana" panose="020B0604030504040204" pitchFamily="34" charset="0"/>
             </a:endParaRPr>
           </a:p>
         </p:txBody>
@@ -3780,14 +3795,16 @@
             <a:pPr algn="ctr"/>
             <a:r>
               <a:rPr lang="en-AU" sz="3000" dirty="0" smtClean="0">
-                <a:latin typeface="Codystar" panose="02000000000000000000" pitchFamily="2" charset="0"/>
-                <a:ea typeface="Codystar" panose="02000000000000000000" pitchFamily="2" charset="0"/>
+                <a:latin typeface="Verdana" panose="020B0604030504040204" pitchFamily="34" charset="0"/>
+                <a:ea typeface="Verdana" panose="020B0604030504040204" pitchFamily="34" charset="0"/>
+                <a:cs typeface="Verdana" panose="020B0604030504040204" pitchFamily="34" charset="0"/>
               </a:rPr>
               <a:t>p</a:t>
             </a:r>
             <a:endParaRPr lang="en-GB" sz="3000" dirty="0">
-              <a:latin typeface="Codystar" panose="02000000000000000000" pitchFamily="2" charset="0"/>
-              <a:ea typeface="Codystar" panose="02000000000000000000" pitchFamily="2" charset="0"/>
+              <a:latin typeface="Verdana" panose="020B0604030504040204" pitchFamily="34" charset="0"/>
+              <a:ea typeface="Verdana" panose="020B0604030504040204" pitchFamily="34" charset="0"/>
+              <a:cs typeface="Verdana" panose="020B0604030504040204" pitchFamily="34" charset="0"/>
             </a:endParaRPr>
           </a:p>
         </p:txBody>
@@ -3834,14 +3851,16 @@
             <a:pPr algn="ctr"/>
             <a:r>
               <a:rPr lang="en-AU" sz="3000" dirty="0" smtClean="0">
-                <a:latin typeface="Codystar" panose="02000000000000000000" pitchFamily="2" charset="0"/>
-                <a:ea typeface="Codystar" panose="02000000000000000000" pitchFamily="2" charset="0"/>
+                <a:latin typeface="Verdana" panose="020B0604030504040204" pitchFamily="34" charset="0"/>
+                <a:ea typeface="Verdana" panose="020B0604030504040204" pitchFamily="34" charset="0"/>
+                <a:cs typeface="Verdana" panose="020B0604030504040204" pitchFamily="34" charset="0"/>
               </a:rPr>
               <a:t>t</a:t>
             </a:r>
             <a:endParaRPr lang="en-GB" sz="3000" dirty="0">
-              <a:latin typeface="Codystar" panose="02000000000000000000" pitchFamily="2" charset="0"/>
-              <a:ea typeface="Codystar" panose="02000000000000000000" pitchFamily="2" charset="0"/>
+              <a:latin typeface="Verdana" panose="020B0604030504040204" pitchFamily="34" charset="0"/>
+              <a:ea typeface="Verdana" panose="020B0604030504040204" pitchFamily="34" charset="0"/>
+              <a:cs typeface="Verdana" panose="020B0604030504040204" pitchFamily="34" charset="0"/>
             </a:endParaRPr>
           </a:p>
         </p:txBody>
@@ -3888,14 +3907,16 @@
             <a:pPr algn="ctr"/>
             <a:r>
               <a:rPr lang="en-AU" sz="3000" dirty="0" smtClean="0">
-                <a:latin typeface="Codystar" panose="02000000000000000000" pitchFamily="2" charset="0"/>
-                <a:ea typeface="Codystar" panose="02000000000000000000" pitchFamily="2" charset="0"/>
+                <a:latin typeface="Verdana" panose="020B0604030504040204" pitchFamily="34" charset="0"/>
+                <a:ea typeface="Verdana" panose="020B0604030504040204" pitchFamily="34" charset="0"/>
+                <a:cs typeface="Verdana" panose="020B0604030504040204" pitchFamily="34" charset="0"/>
               </a:rPr>
               <a:t>h</a:t>
             </a:r>
             <a:endParaRPr lang="en-GB" sz="3000" dirty="0">
-              <a:latin typeface="Codystar" panose="02000000000000000000" pitchFamily="2" charset="0"/>
-              <a:ea typeface="Codystar" panose="02000000000000000000" pitchFamily="2" charset="0"/>
+              <a:latin typeface="Verdana" panose="020B0604030504040204" pitchFamily="34" charset="0"/>
+              <a:ea typeface="Verdana" panose="020B0604030504040204" pitchFamily="34" charset="0"/>
+              <a:cs typeface="Verdana" panose="020B0604030504040204" pitchFamily="34" charset="0"/>
             </a:endParaRPr>
           </a:p>
         </p:txBody>
@@ -3942,14 +3963,16 @@
             <a:pPr algn="ctr"/>
             <a:r>
               <a:rPr lang="en-AU" sz="3000" dirty="0" err="1" smtClean="0">
-                <a:latin typeface="Codystar" panose="02000000000000000000" pitchFamily="2" charset="0"/>
-                <a:ea typeface="Codystar" panose="02000000000000000000" pitchFamily="2" charset="0"/>
+                <a:latin typeface="Verdana" panose="020B0604030504040204" pitchFamily="34" charset="0"/>
+                <a:ea typeface="Verdana" panose="020B0604030504040204" pitchFamily="34" charset="0"/>
+                <a:cs typeface="Verdana" panose="020B0604030504040204" pitchFamily="34" charset="0"/>
               </a:rPr>
               <a:t>i</a:t>
             </a:r>
             <a:endParaRPr lang="en-GB" sz="3000" dirty="0">
-              <a:latin typeface="Codystar" panose="02000000000000000000" pitchFamily="2" charset="0"/>
-              <a:ea typeface="Codystar" panose="02000000000000000000" pitchFamily="2" charset="0"/>
+              <a:latin typeface="Verdana" panose="020B0604030504040204" pitchFamily="34" charset="0"/>
+              <a:ea typeface="Verdana" panose="020B0604030504040204" pitchFamily="34" charset="0"/>
+              <a:cs typeface="Verdana" panose="020B0604030504040204" pitchFamily="34" charset="0"/>
             </a:endParaRPr>
           </a:p>
         </p:txBody>
@@ -3996,14 +4019,16 @@
             <a:pPr algn="ctr"/>
             <a:r>
               <a:rPr lang="en-AU" sz="3000" dirty="0" smtClean="0">
-                <a:latin typeface="Codystar" panose="02000000000000000000" pitchFamily="2" charset="0"/>
-                <a:ea typeface="Codystar" panose="02000000000000000000" pitchFamily="2" charset="0"/>
+                <a:latin typeface="Verdana" panose="020B0604030504040204" pitchFamily="34" charset="0"/>
+                <a:ea typeface="Verdana" panose="020B0604030504040204" pitchFamily="34" charset="0"/>
+                <a:cs typeface="Verdana" panose="020B0604030504040204" pitchFamily="34" charset="0"/>
               </a:rPr>
               <a:t>r</a:t>
             </a:r>
             <a:endParaRPr lang="en-GB" sz="3000" dirty="0">
-              <a:latin typeface="Codystar" panose="02000000000000000000" pitchFamily="2" charset="0"/>
-              <a:ea typeface="Codystar" panose="02000000000000000000" pitchFamily="2" charset="0"/>
+              <a:latin typeface="Verdana" panose="020B0604030504040204" pitchFamily="34" charset="0"/>
+              <a:ea typeface="Verdana" panose="020B0604030504040204" pitchFamily="34" charset="0"/>
+              <a:cs typeface="Verdana" panose="020B0604030504040204" pitchFamily="34" charset="0"/>
             </a:endParaRPr>
           </a:p>
         </p:txBody>
@@ -4050,14 +4075,16 @@
             <a:pPr algn="ctr"/>
             <a:r>
               <a:rPr lang="en-AU" sz="3000" dirty="0" smtClean="0">
-                <a:latin typeface="Codystar" panose="02000000000000000000" pitchFamily="2" charset="0"/>
-                <a:ea typeface="Codystar" panose="02000000000000000000" pitchFamily="2" charset="0"/>
+                <a:latin typeface="Verdana" panose="020B0604030504040204" pitchFamily="34" charset="0"/>
+                <a:ea typeface="Verdana" panose="020B0604030504040204" pitchFamily="34" charset="0"/>
+                <a:cs typeface="Verdana" panose="020B0604030504040204" pitchFamily="34" charset="0"/>
               </a:rPr>
               <a:t>t</a:t>
             </a:r>
             <a:endParaRPr lang="en-GB" sz="3000" dirty="0">
-              <a:latin typeface="Codystar" panose="02000000000000000000" pitchFamily="2" charset="0"/>
-              <a:ea typeface="Codystar" panose="02000000000000000000" pitchFamily="2" charset="0"/>
+              <a:latin typeface="Verdana" panose="020B0604030504040204" pitchFamily="34" charset="0"/>
+              <a:ea typeface="Verdana" panose="020B0604030504040204" pitchFamily="34" charset="0"/>
+              <a:cs typeface="Verdana" panose="020B0604030504040204" pitchFamily="34" charset="0"/>
             </a:endParaRPr>
           </a:p>
         </p:txBody>
@@ -4104,14 +4131,16 @@
             <a:pPr algn="ctr"/>
             <a:r>
               <a:rPr lang="en-AU" sz="3000" dirty="0" smtClean="0">
-                <a:latin typeface="Codystar" panose="02000000000000000000" pitchFamily="2" charset="0"/>
-                <a:ea typeface="Codystar" panose="02000000000000000000" pitchFamily="2" charset="0"/>
+                <a:latin typeface="Verdana" panose="020B0604030504040204" pitchFamily="34" charset="0"/>
+                <a:ea typeface="Verdana" panose="020B0604030504040204" pitchFamily="34" charset="0"/>
+                <a:cs typeface="Verdana" panose="020B0604030504040204" pitchFamily="34" charset="0"/>
               </a:rPr>
               <a:t>y</a:t>
             </a:r>
             <a:endParaRPr lang="en-GB" sz="3000" dirty="0">
-              <a:latin typeface="Codystar" panose="02000000000000000000" pitchFamily="2" charset="0"/>
-              <a:ea typeface="Codystar" panose="02000000000000000000" pitchFamily="2" charset="0"/>
+              <a:latin typeface="Verdana" panose="020B0604030504040204" pitchFamily="34" charset="0"/>
+              <a:ea typeface="Verdana" panose="020B0604030504040204" pitchFamily="34" charset="0"/>
+              <a:cs typeface="Verdana" panose="020B0604030504040204" pitchFamily="34" charset="0"/>
             </a:endParaRPr>
           </a:p>
         </p:txBody>
@@ -4158,14 +4187,16 @@
             <a:pPr algn="ctr"/>
             <a:r>
               <a:rPr lang="en-AU" sz="3000" dirty="0" smtClean="0">
-                <a:latin typeface="Codystar" panose="02000000000000000000" pitchFamily="2" charset="0"/>
-                <a:ea typeface="Codystar" panose="02000000000000000000" pitchFamily="2" charset="0"/>
+                <a:latin typeface="Verdana" panose="020B0604030504040204" pitchFamily="34" charset="0"/>
+                <a:ea typeface="Verdana" panose="020B0604030504040204" pitchFamily="34" charset="0"/>
+                <a:cs typeface="Verdana" panose="020B0604030504040204" pitchFamily="34" charset="0"/>
               </a:rPr>
               <a:t>f</a:t>
             </a:r>
             <a:endParaRPr lang="en-GB" sz="3000" dirty="0">
-              <a:latin typeface="Codystar" panose="02000000000000000000" pitchFamily="2" charset="0"/>
-              <a:ea typeface="Codystar" panose="02000000000000000000" pitchFamily="2" charset="0"/>
+              <a:latin typeface="Verdana" panose="020B0604030504040204" pitchFamily="34" charset="0"/>
+              <a:ea typeface="Verdana" panose="020B0604030504040204" pitchFamily="34" charset="0"/>
+              <a:cs typeface="Verdana" panose="020B0604030504040204" pitchFamily="34" charset="0"/>
             </a:endParaRPr>
           </a:p>
         </p:txBody>
@@ -4212,14 +4243,16 @@
             <a:pPr algn="ctr"/>
             <a:r>
               <a:rPr lang="en-AU" sz="3000" dirty="0" smtClean="0">
-                <a:latin typeface="Codystar" panose="02000000000000000000" pitchFamily="2" charset="0"/>
-                <a:ea typeface="Codystar" panose="02000000000000000000" pitchFamily="2" charset="0"/>
+                <a:latin typeface="Verdana" panose="020B0604030504040204" pitchFamily="34" charset="0"/>
+                <a:ea typeface="Verdana" panose="020B0604030504040204" pitchFamily="34" charset="0"/>
+                <a:cs typeface="Verdana" panose="020B0604030504040204" pitchFamily="34" charset="0"/>
               </a:rPr>
               <a:t>o</a:t>
             </a:r>
             <a:endParaRPr lang="en-GB" sz="3000" dirty="0">
-              <a:latin typeface="Codystar" panose="02000000000000000000" pitchFamily="2" charset="0"/>
-              <a:ea typeface="Codystar" panose="02000000000000000000" pitchFamily="2" charset="0"/>
+              <a:latin typeface="Verdana" panose="020B0604030504040204" pitchFamily="34" charset="0"/>
+              <a:ea typeface="Verdana" panose="020B0604030504040204" pitchFamily="34" charset="0"/>
+              <a:cs typeface="Verdana" panose="020B0604030504040204" pitchFamily="34" charset="0"/>
             </a:endParaRPr>
           </a:p>
         </p:txBody>
@@ -4266,14 +4299,16 @@
             <a:pPr algn="ctr"/>
             <a:r>
               <a:rPr lang="en-AU" sz="3000" dirty="0" smtClean="0">
-                <a:latin typeface="Codystar" panose="02000000000000000000" pitchFamily="2" charset="0"/>
-                <a:ea typeface="Codystar" panose="02000000000000000000" pitchFamily="2" charset="0"/>
+                <a:latin typeface="Verdana" panose="020B0604030504040204" pitchFamily="34" charset="0"/>
+                <a:ea typeface="Verdana" panose="020B0604030504040204" pitchFamily="34" charset="0"/>
+                <a:cs typeface="Verdana" panose="020B0604030504040204" pitchFamily="34" charset="0"/>
               </a:rPr>
               <a:t>r</a:t>
             </a:r>
             <a:endParaRPr lang="en-GB" sz="3000" dirty="0">
-              <a:latin typeface="Codystar" panose="02000000000000000000" pitchFamily="2" charset="0"/>
-              <a:ea typeface="Codystar" panose="02000000000000000000" pitchFamily="2" charset="0"/>
+              <a:latin typeface="Verdana" panose="020B0604030504040204" pitchFamily="34" charset="0"/>
+              <a:ea typeface="Verdana" panose="020B0604030504040204" pitchFamily="34" charset="0"/>
+              <a:cs typeface="Verdana" panose="020B0604030504040204" pitchFamily="34" charset="0"/>
             </a:endParaRPr>
           </a:p>
         </p:txBody>
@@ -4320,14 +4355,16 @@
             <a:pPr algn="ctr"/>
             <a:r>
               <a:rPr lang="en-AU" sz="3000" dirty="0" smtClean="0">
-                <a:latin typeface="Codystar" panose="02000000000000000000" pitchFamily="2" charset="0"/>
-                <a:ea typeface="Codystar" panose="02000000000000000000" pitchFamily="2" charset="0"/>
+                <a:latin typeface="Verdana" panose="020B0604030504040204" pitchFamily="34" charset="0"/>
+                <a:ea typeface="Verdana" panose="020B0604030504040204" pitchFamily="34" charset="0"/>
+                <a:cs typeface="Verdana" panose="020B0604030504040204" pitchFamily="34" charset="0"/>
               </a:rPr>
               <a:t>t</a:t>
             </a:r>
             <a:endParaRPr lang="en-GB" sz="3000" dirty="0">
-              <a:latin typeface="Codystar" panose="02000000000000000000" pitchFamily="2" charset="0"/>
-              <a:ea typeface="Codystar" panose="02000000000000000000" pitchFamily="2" charset="0"/>
+              <a:latin typeface="Verdana" panose="020B0604030504040204" pitchFamily="34" charset="0"/>
+              <a:ea typeface="Verdana" panose="020B0604030504040204" pitchFamily="34" charset="0"/>
+              <a:cs typeface="Verdana" panose="020B0604030504040204" pitchFamily="34" charset="0"/>
             </a:endParaRPr>
           </a:p>
         </p:txBody>
@@ -4374,14 +4411,16 @@
             <a:pPr algn="ctr"/>
             <a:r>
               <a:rPr lang="en-AU" sz="3000" dirty="0" smtClean="0">
-                <a:latin typeface="Codystar" panose="02000000000000000000" pitchFamily="2" charset="0"/>
-                <a:ea typeface="Codystar" panose="02000000000000000000" pitchFamily="2" charset="0"/>
+                <a:latin typeface="Verdana" panose="020B0604030504040204" pitchFamily="34" charset="0"/>
+                <a:ea typeface="Verdana" panose="020B0604030504040204" pitchFamily="34" charset="0"/>
+                <a:cs typeface="Verdana" panose="020B0604030504040204" pitchFamily="34" charset="0"/>
               </a:rPr>
               <a:t>y</a:t>
             </a:r>
             <a:endParaRPr lang="en-GB" sz="3000" dirty="0">
-              <a:latin typeface="Codystar" panose="02000000000000000000" pitchFamily="2" charset="0"/>
-              <a:ea typeface="Codystar" panose="02000000000000000000" pitchFamily="2" charset="0"/>
+              <a:latin typeface="Verdana" panose="020B0604030504040204" pitchFamily="34" charset="0"/>
+              <a:ea typeface="Verdana" panose="020B0604030504040204" pitchFamily="34" charset="0"/>
+              <a:cs typeface="Verdana" panose="020B0604030504040204" pitchFamily="34" charset="0"/>
             </a:endParaRPr>
           </a:p>
         </p:txBody>
@@ -4428,14 +4467,16 @@
             <a:pPr algn="ctr"/>
             <a:r>
               <a:rPr lang="en-AU" sz="3000" dirty="0" smtClean="0">
-                <a:latin typeface="Codystar" panose="02000000000000000000" pitchFamily="2" charset="0"/>
-                <a:ea typeface="Codystar" panose="02000000000000000000" pitchFamily="2" charset="0"/>
+                <a:latin typeface="Verdana" panose="020B0604030504040204" pitchFamily="34" charset="0"/>
+                <a:ea typeface="Verdana" panose="020B0604030504040204" pitchFamily="34" charset="0"/>
+                <a:cs typeface="Verdana" panose="020B0604030504040204" pitchFamily="34" charset="0"/>
               </a:rPr>
               <a:t>f</a:t>
             </a:r>
             <a:endParaRPr lang="en-GB" sz="3000" dirty="0">
-              <a:latin typeface="Codystar" panose="02000000000000000000" pitchFamily="2" charset="0"/>
-              <a:ea typeface="Codystar" panose="02000000000000000000" pitchFamily="2" charset="0"/>
+              <a:latin typeface="Verdana" panose="020B0604030504040204" pitchFamily="34" charset="0"/>
+              <a:ea typeface="Verdana" panose="020B0604030504040204" pitchFamily="34" charset="0"/>
+              <a:cs typeface="Verdana" panose="020B0604030504040204" pitchFamily="34" charset="0"/>
             </a:endParaRPr>
           </a:p>
         </p:txBody>
@@ -4482,14 +4523,16 @@
             <a:pPr algn="ctr"/>
             <a:r>
               <a:rPr lang="en-AU" sz="3000" dirty="0" err="1" smtClean="0">
-                <a:latin typeface="Codystar" panose="02000000000000000000" pitchFamily="2" charset="0"/>
-                <a:ea typeface="Codystar" panose="02000000000000000000" pitchFamily="2" charset="0"/>
+                <a:latin typeface="Verdana" panose="020B0604030504040204" pitchFamily="34" charset="0"/>
+                <a:ea typeface="Verdana" panose="020B0604030504040204" pitchFamily="34" charset="0"/>
+                <a:cs typeface="Verdana" panose="020B0604030504040204" pitchFamily="34" charset="0"/>
               </a:rPr>
               <a:t>i</a:t>
             </a:r>
             <a:endParaRPr lang="en-GB" sz="3000" dirty="0">
-              <a:latin typeface="Codystar" panose="02000000000000000000" pitchFamily="2" charset="0"/>
-              <a:ea typeface="Codystar" panose="02000000000000000000" pitchFamily="2" charset="0"/>
+              <a:latin typeface="Verdana" panose="020B0604030504040204" pitchFamily="34" charset="0"/>
+              <a:ea typeface="Verdana" panose="020B0604030504040204" pitchFamily="34" charset="0"/>
+              <a:cs typeface="Verdana" panose="020B0604030504040204" pitchFamily="34" charset="0"/>
             </a:endParaRPr>
           </a:p>
         </p:txBody>
@@ -4536,14 +4579,16 @@
             <a:pPr algn="ctr"/>
             <a:r>
               <a:rPr lang="en-AU" sz="3000" dirty="0" smtClean="0">
-                <a:latin typeface="Codystar" panose="02000000000000000000" pitchFamily="2" charset="0"/>
-                <a:ea typeface="Codystar" panose="02000000000000000000" pitchFamily="2" charset="0"/>
+                <a:latin typeface="Verdana" panose="020B0604030504040204" pitchFamily="34" charset="0"/>
+                <a:ea typeface="Verdana" panose="020B0604030504040204" pitchFamily="34" charset="0"/>
+                <a:cs typeface="Verdana" panose="020B0604030504040204" pitchFamily="34" charset="0"/>
               </a:rPr>
               <a:t>f</a:t>
             </a:r>
             <a:endParaRPr lang="en-GB" sz="3000" dirty="0">
-              <a:latin typeface="Codystar" panose="02000000000000000000" pitchFamily="2" charset="0"/>
-              <a:ea typeface="Codystar" panose="02000000000000000000" pitchFamily="2" charset="0"/>
+              <a:latin typeface="Verdana" panose="020B0604030504040204" pitchFamily="34" charset="0"/>
+              <a:ea typeface="Verdana" panose="020B0604030504040204" pitchFamily="34" charset="0"/>
+              <a:cs typeface="Verdana" panose="020B0604030504040204" pitchFamily="34" charset="0"/>
             </a:endParaRPr>
           </a:p>
         </p:txBody>
@@ -4590,14 +4635,16 @@
             <a:pPr algn="ctr"/>
             <a:r>
               <a:rPr lang="en-AU" sz="3000" dirty="0" smtClean="0">
-                <a:latin typeface="Codystar" panose="02000000000000000000" pitchFamily="2" charset="0"/>
-                <a:ea typeface="Codystar" panose="02000000000000000000" pitchFamily="2" charset="0"/>
+                <a:latin typeface="Verdana" panose="020B0604030504040204" pitchFamily="34" charset="0"/>
+                <a:ea typeface="Verdana" panose="020B0604030504040204" pitchFamily="34" charset="0"/>
+                <a:cs typeface="Verdana" panose="020B0604030504040204" pitchFamily="34" charset="0"/>
               </a:rPr>
               <a:t>t</a:t>
             </a:r>
             <a:endParaRPr lang="en-GB" sz="3000" dirty="0">
-              <a:latin typeface="Codystar" panose="02000000000000000000" pitchFamily="2" charset="0"/>
-              <a:ea typeface="Codystar" panose="02000000000000000000" pitchFamily="2" charset="0"/>
+              <a:latin typeface="Verdana" panose="020B0604030504040204" pitchFamily="34" charset="0"/>
+              <a:ea typeface="Verdana" panose="020B0604030504040204" pitchFamily="34" charset="0"/>
+              <a:cs typeface="Verdana" panose="020B0604030504040204" pitchFamily="34" charset="0"/>
             </a:endParaRPr>
           </a:p>
         </p:txBody>
@@ -4644,14 +4691,16 @@
             <a:pPr algn="ctr"/>
             <a:r>
               <a:rPr lang="en-AU" sz="3000" dirty="0" smtClean="0">
-                <a:latin typeface="Codystar" panose="02000000000000000000" pitchFamily="2" charset="0"/>
-                <a:ea typeface="Codystar" panose="02000000000000000000" pitchFamily="2" charset="0"/>
+                <a:latin typeface="Verdana" panose="020B0604030504040204" pitchFamily="34" charset="0"/>
+                <a:ea typeface="Verdana" panose="020B0604030504040204" pitchFamily="34" charset="0"/>
+                <a:cs typeface="Verdana" panose="020B0604030504040204" pitchFamily="34" charset="0"/>
               </a:rPr>
               <a:t>y</a:t>
             </a:r>
             <a:endParaRPr lang="en-GB" sz="3000" dirty="0">
-              <a:latin typeface="Codystar" panose="02000000000000000000" pitchFamily="2" charset="0"/>
-              <a:ea typeface="Codystar" panose="02000000000000000000" pitchFamily="2" charset="0"/>
+              <a:latin typeface="Verdana" panose="020B0604030504040204" pitchFamily="34" charset="0"/>
+              <a:ea typeface="Verdana" panose="020B0604030504040204" pitchFamily="34" charset="0"/>
+              <a:cs typeface="Verdana" panose="020B0604030504040204" pitchFamily="34" charset="0"/>
             </a:endParaRPr>
           </a:p>
         </p:txBody>
@@ -4698,14 +4747,16 @@
             <a:pPr algn="ctr"/>
             <a:r>
               <a:rPr lang="en-AU" sz="3000" dirty="0" smtClean="0">
-                <a:latin typeface="Codystar" panose="02000000000000000000" pitchFamily="2" charset="0"/>
-                <a:ea typeface="Codystar" panose="02000000000000000000" pitchFamily="2" charset="0"/>
+                <a:latin typeface="Verdana" panose="020B0604030504040204" pitchFamily="34" charset="0"/>
+                <a:ea typeface="Verdana" panose="020B0604030504040204" pitchFamily="34" charset="0"/>
+                <a:cs typeface="Verdana" panose="020B0604030504040204" pitchFamily="34" charset="0"/>
               </a:rPr>
               <a:t>b</a:t>
             </a:r>
             <a:endParaRPr lang="en-GB" sz="3000" dirty="0">
-              <a:latin typeface="Codystar" panose="02000000000000000000" pitchFamily="2" charset="0"/>
-              <a:ea typeface="Codystar" panose="02000000000000000000" pitchFamily="2" charset="0"/>
+              <a:latin typeface="Verdana" panose="020B0604030504040204" pitchFamily="34" charset="0"/>
+              <a:ea typeface="Verdana" panose="020B0604030504040204" pitchFamily="34" charset="0"/>
+              <a:cs typeface="Verdana" panose="020B0604030504040204" pitchFamily="34" charset="0"/>
             </a:endParaRPr>
           </a:p>
         </p:txBody>
@@ -4752,14 +4803,16 @@
             <a:pPr algn="ctr"/>
             <a:r>
               <a:rPr lang="en-AU" sz="3000" dirty="0" smtClean="0">
-                <a:latin typeface="Codystar" panose="02000000000000000000" pitchFamily="2" charset="0"/>
-                <a:ea typeface="Codystar" panose="02000000000000000000" pitchFamily="2" charset="0"/>
+                <a:latin typeface="Verdana" panose="020B0604030504040204" pitchFamily="34" charset="0"/>
+                <a:ea typeface="Verdana" panose="020B0604030504040204" pitchFamily="34" charset="0"/>
+                <a:cs typeface="Verdana" panose="020B0604030504040204" pitchFamily="34" charset="0"/>
               </a:rPr>
               <a:t>t</a:t>
             </a:r>
             <a:endParaRPr lang="en-GB" sz="3000" dirty="0">
-              <a:latin typeface="Codystar" panose="02000000000000000000" pitchFamily="2" charset="0"/>
-              <a:ea typeface="Codystar" panose="02000000000000000000" pitchFamily="2" charset="0"/>
+              <a:latin typeface="Verdana" panose="020B0604030504040204" pitchFamily="34" charset="0"/>
+              <a:ea typeface="Verdana" panose="020B0604030504040204" pitchFamily="34" charset="0"/>
+              <a:cs typeface="Verdana" panose="020B0604030504040204" pitchFamily="34" charset="0"/>
             </a:endParaRPr>
           </a:p>
         </p:txBody>
@@ -4806,14 +4859,16 @@
             <a:pPr algn="ctr"/>
             <a:r>
               <a:rPr lang="en-AU" sz="3000" dirty="0" smtClean="0">
-                <a:latin typeface="Codystar" panose="02000000000000000000" pitchFamily="2" charset="0"/>
-                <a:ea typeface="Codystar" panose="02000000000000000000" pitchFamily="2" charset="0"/>
+                <a:latin typeface="Verdana" panose="020B0604030504040204" pitchFamily="34" charset="0"/>
+                <a:ea typeface="Verdana" panose="020B0604030504040204" pitchFamily="34" charset="0"/>
+                <a:cs typeface="Verdana" panose="020B0604030504040204" pitchFamily="34" charset="0"/>
               </a:rPr>
               <a:t>e</a:t>
             </a:r>
             <a:endParaRPr lang="en-GB" sz="3000" dirty="0">
-              <a:latin typeface="Codystar" panose="02000000000000000000" pitchFamily="2" charset="0"/>
-              <a:ea typeface="Codystar" panose="02000000000000000000" pitchFamily="2" charset="0"/>
+              <a:latin typeface="Verdana" panose="020B0604030504040204" pitchFamily="34" charset="0"/>
+              <a:ea typeface="Verdana" panose="020B0604030504040204" pitchFamily="34" charset="0"/>
+              <a:cs typeface="Verdana" panose="020B0604030504040204" pitchFamily="34" charset="0"/>
             </a:endParaRPr>
           </a:p>
         </p:txBody>
@@ -4860,14 +4915,16 @@
             <a:pPr algn="ctr"/>
             <a:r>
               <a:rPr lang="en-AU" sz="3000" dirty="0" smtClean="0">
-                <a:latin typeface="Codystar" panose="02000000000000000000" pitchFamily="2" charset="0"/>
-                <a:ea typeface="Codystar" panose="02000000000000000000" pitchFamily="2" charset="0"/>
+                <a:latin typeface="Verdana" panose="020B0604030504040204" pitchFamily="34" charset="0"/>
+                <a:ea typeface="Verdana" panose="020B0604030504040204" pitchFamily="34" charset="0"/>
+                <a:cs typeface="Verdana" panose="020B0604030504040204" pitchFamily="34" charset="0"/>
               </a:rPr>
               <a:t>n</a:t>
             </a:r>
             <a:endParaRPr lang="en-GB" sz="3000" dirty="0">
-              <a:latin typeface="Codystar" panose="02000000000000000000" pitchFamily="2" charset="0"/>
-              <a:ea typeface="Codystar" panose="02000000000000000000" pitchFamily="2" charset="0"/>
+              <a:latin typeface="Verdana" panose="020B0604030504040204" pitchFamily="34" charset="0"/>
+              <a:ea typeface="Verdana" panose="020B0604030504040204" pitchFamily="34" charset="0"/>
+              <a:cs typeface="Verdana" panose="020B0604030504040204" pitchFamily="34" charset="0"/>
             </a:endParaRPr>
           </a:p>
         </p:txBody>
@@ -4914,14 +4971,16 @@
             <a:pPr algn="ctr"/>
             <a:r>
               <a:rPr lang="en-AU" sz="3000" dirty="0" smtClean="0">
-                <a:latin typeface="Codystar" panose="02000000000000000000" pitchFamily="2" charset="0"/>
-                <a:ea typeface="Codystar" panose="02000000000000000000" pitchFamily="2" charset="0"/>
+                <a:latin typeface="Verdana" panose="020B0604030504040204" pitchFamily="34" charset="0"/>
+                <a:ea typeface="Verdana" panose="020B0604030504040204" pitchFamily="34" charset="0"/>
+                <a:cs typeface="Verdana" panose="020B0604030504040204" pitchFamily="34" charset="0"/>
               </a:rPr>
               <a:t>t</a:t>
             </a:r>
             <a:endParaRPr lang="en-GB" sz="3000" dirty="0">
-              <a:latin typeface="Codystar" panose="02000000000000000000" pitchFamily="2" charset="0"/>
-              <a:ea typeface="Codystar" panose="02000000000000000000" pitchFamily="2" charset="0"/>
+              <a:latin typeface="Verdana" panose="020B0604030504040204" pitchFamily="34" charset="0"/>
+              <a:ea typeface="Verdana" panose="020B0604030504040204" pitchFamily="34" charset="0"/>
+              <a:cs typeface="Verdana" panose="020B0604030504040204" pitchFamily="34" charset="0"/>
             </a:endParaRPr>
           </a:p>
         </p:txBody>
@@ -4968,14 +5027,16 @@
             <a:pPr algn="ctr"/>
             <a:r>
               <a:rPr lang="en-AU" sz="3000" dirty="0" smtClean="0">
-                <a:latin typeface="Codystar" panose="02000000000000000000" pitchFamily="2" charset="0"/>
-                <a:ea typeface="Codystar" panose="02000000000000000000" pitchFamily="2" charset="0"/>
+                <a:latin typeface="Verdana" panose="020B0604030504040204" pitchFamily="34" charset="0"/>
+                <a:ea typeface="Verdana" panose="020B0604030504040204" pitchFamily="34" charset="0"/>
+                <a:cs typeface="Verdana" panose="020B0604030504040204" pitchFamily="34" charset="0"/>
               </a:rPr>
               <a:t>h</a:t>
             </a:r>
             <a:endParaRPr lang="en-GB" sz="3000" dirty="0">
-              <a:latin typeface="Codystar" panose="02000000000000000000" pitchFamily="2" charset="0"/>
-              <a:ea typeface="Codystar" panose="02000000000000000000" pitchFamily="2" charset="0"/>
+              <a:latin typeface="Verdana" panose="020B0604030504040204" pitchFamily="34" charset="0"/>
+              <a:ea typeface="Verdana" panose="020B0604030504040204" pitchFamily="34" charset="0"/>
+              <a:cs typeface="Verdana" panose="020B0604030504040204" pitchFamily="34" charset="0"/>
             </a:endParaRPr>
           </a:p>
         </p:txBody>
@@ -5022,14 +5083,16 @@
             <a:pPr algn="ctr"/>
             <a:r>
               <a:rPr lang="en-AU" sz="3000" dirty="0" err="1" smtClean="0">
-                <a:latin typeface="Codystar" panose="02000000000000000000" pitchFamily="2" charset="0"/>
-                <a:ea typeface="Codystar" panose="02000000000000000000" pitchFamily="2" charset="0"/>
+                <a:latin typeface="Verdana" panose="020B0604030504040204" pitchFamily="34" charset="0"/>
+                <a:ea typeface="Verdana" panose="020B0604030504040204" pitchFamily="34" charset="0"/>
+                <a:cs typeface="Verdana" panose="020B0604030504040204" pitchFamily="34" charset="0"/>
               </a:rPr>
               <a:t>i</a:t>
             </a:r>
             <a:endParaRPr lang="en-GB" sz="3000" dirty="0">
-              <a:latin typeface="Codystar" panose="02000000000000000000" pitchFamily="2" charset="0"/>
-              <a:ea typeface="Codystar" panose="02000000000000000000" pitchFamily="2" charset="0"/>
+              <a:latin typeface="Verdana" panose="020B0604030504040204" pitchFamily="34" charset="0"/>
+              <a:ea typeface="Verdana" panose="020B0604030504040204" pitchFamily="34" charset="0"/>
+              <a:cs typeface="Verdana" panose="020B0604030504040204" pitchFamily="34" charset="0"/>
             </a:endParaRPr>
           </a:p>
         </p:txBody>
@@ -5076,14 +5139,16 @@
             <a:pPr algn="ctr"/>
             <a:r>
               <a:rPr lang="en-AU" sz="3000" dirty="0" smtClean="0">
-                <a:latin typeface="Codystar" panose="02000000000000000000" pitchFamily="2" charset="0"/>
-                <a:ea typeface="Codystar" panose="02000000000000000000" pitchFamily="2" charset="0"/>
+                <a:latin typeface="Verdana" panose="020B0604030504040204" pitchFamily="34" charset="0"/>
+                <a:ea typeface="Verdana" panose="020B0604030504040204" pitchFamily="34" charset="0"/>
+                <a:cs typeface="Verdana" panose="020B0604030504040204" pitchFamily="34" charset="0"/>
               </a:rPr>
               <a:t>r</a:t>
             </a:r>
             <a:endParaRPr lang="en-GB" sz="3000" dirty="0">
-              <a:latin typeface="Codystar" panose="02000000000000000000" pitchFamily="2" charset="0"/>
-              <a:ea typeface="Codystar" panose="02000000000000000000" pitchFamily="2" charset="0"/>
+              <a:latin typeface="Verdana" panose="020B0604030504040204" pitchFamily="34" charset="0"/>
+              <a:ea typeface="Verdana" panose="020B0604030504040204" pitchFamily="34" charset="0"/>
+              <a:cs typeface="Verdana" panose="020B0604030504040204" pitchFamily="34" charset="0"/>
             </a:endParaRPr>
           </a:p>
         </p:txBody>
@@ -5130,14 +5195,16 @@
             <a:pPr algn="ctr"/>
             <a:r>
               <a:rPr lang="en-AU" sz="3000" dirty="0" smtClean="0">
-                <a:latin typeface="Codystar" panose="02000000000000000000" pitchFamily="2" charset="0"/>
-                <a:ea typeface="Codystar" panose="02000000000000000000" pitchFamily="2" charset="0"/>
+                <a:latin typeface="Verdana" panose="020B0604030504040204" pitchFamily="34" charset="0"/>
+                <a:ea typeface="Verdana" panose="020B0604030504040204" pitchFamily="34" charset="0"/>
+                <a:cs typeface="Verdana" panose="020B0604030504040204" pitchFamily="34" charset="0"/>
               </a:rPr>
               <a:t>t</a:t>
             </a:r>
             <a:endParaRPr lang="en-GB" sz="3000" dirty="0">
-              <a:latin typeface="Codystar" panose="02000000000000000000" pitchFamily="2" charset="0"/>
-              <a:ea typeface="Codystar" panose="02000000000000000000" pitchFamily="2" charset="0"/>
+              <a:latin typeface="Verdana" panose="020B0604030504040204" pitchFamily="34" charset="0"/>
+              <a:ea typeface="Verdana" panose="020B0604030504040204" pitchFamily="34" charset="0"/>
+              <a:cs typeface="Verdana" panose="020B0604030504040204" pitchFamily="34" charset="0"/>
             </a:endParaRPr>
           </a:p>
         </p:txBody>
@@ -5184,14 +5251,16 @@
             <a:pPr algn="ctr"/>
             <a:r>
               <a:rPr lang="en-AU" sz="3000" dirty="0" smtClean="0">
-                <a:latin typeface="Codystar" panose="02000000000000000000" pitchFamily="2" charset="0"/>
-                <a:ea typeface="Codystar" panose="02000000000000000000" pitchFamily="2" charset="0"/>
+                <a:latin typeface="Verdana" panose="020B0604030504040204" pitchFamily="34" charset="0"/>
+                <a:ea typeface="Verdana" panose="020B0604030504040204" pitchFamily="34" charset="0"/>
+                <a:cs typeface="Verdana" panose="020B0604030504040204" pitchFamily="34" charset="0"/>
               </a:rPr>
               <a:t>e</a:t>
             </a:r>
             <a:endParaRPr lang="en-GB" sz="3000" dirty="0">
-              <a:latin typeface="Codystar" panose="02000000000000000000" pitchFamily="2" charset="0"/>
-              <a:ea typeface="Codystar" panose="02000000000000000000" pitchFamily="2" charset="0"/>
+              <a:latin typeface="Verdana" panose="020B0604030504040204" pitchFamily="34" charset="0"/>
+              <a:ea typeface="Verdana" panose="020B0604030504040204" pitchFamily="34" charset="0"/>
+              <a:cs typeface="Verdana" panose="020B0604030504040204" pitchFamily="34" charset="0"/>
             </a:endParaRPr>
           </a:p>
         </p:txBody>
@@ -5238,14 +5307,16 @@
             <a:pPr algn="ctr"/>
             <a:r>
               <a:rPr lang="en-AU" sz="3000" dirty="0" smtClean="0">
-                <a:latin typeface="Codystar" panose="02000000000000000000" pitchFamily="2" charset="0"/>
-                <a:ea typeface="Codystar" panose="02000000000000000000" pitchFamily="2" charset="0"/>
+                <a:latin typeface="Verdana" panose="020B0604030504040204" pitchFamily="34" charset="0"/>
+                <a:ea typeface="Verdana" panose="020B0604030504040204" pitchFamily="34" charset="0"/>
+                <a:cs typeface="Verdana" panose="020B0604030504040204" pitchFamily="34" charset="0"/>
               </a:rPr>
               <a:t>e</a:t>
             </a:r>
             <a:endParaRPr lang="en-GB" sz="3000" dirty="0">
-              <a:latin typeface="Codystar" panose="02000000000000000000" pitchFamily="2" charset="0"/>
-              <a:ea typeface="Codystar" panose="02000000000000000000" pitchFamily="2" charset="0"/>
+              <a:latin typeface="Verdana" panose="020B0604030504040204" pitchFamily="34" charset="0"/>
+              <a:ea typeface="Verdana" panose="020B0604030504040204" pitchFamily="34" charset="0"/>
+              <a:cs typeface="Verdana" panose="020B0604030504040204" pitchFamily="34" charset="0"/>
             </a:endParaRPr>
           </a:p>
         </p:txBody>
@@ -5292,14 +5363,16 @@
             <a:pPr algn="ctr"/>
             <a:r>
               <a:rPr lang="en-AU" sz="3000" dirty="0" smtClean="0">
-                <a:latin typeface="Codystar" panose="02000000000000000000" pitchFamily="2" charset="0"/>
-                <a:ea typeface="Codystar" panose="02000000000000000000" pitchFamily="2" charset="0"/>
+                <a:latin typeface="Verdana" panose="020B0604030504040204" pitchFamily="34" charset="0"/>
+                <a:ea typeface="Verdana" panose="020B0604030504040204" pitchFamily="34" charset="0"/>
+                <a:cs typeface="Verdana" panose="020B0604030504040204" pitchFamily="34" charset="0"/>
               </a:rPr>
               <a:t>n</a:t>
             </a:r>
             <a:endParaRPr lang="en-GB" sz="3000" dirty="0">
-              <a:latin typeface="Codystar" panose="02000000000000000000" pitchFamily="2" charset="0"/>
-              <a:ea typeface="Codystar" panose="02000000000000000000" pitchFamily="2" charset="0"/>
+              <a:latin typeface="Verdana" panose="020B0604030504040204" pitchFamily="34" charset="0"/>
+              <a:ea typeface="Verdana" panose="020B0604030504040204" pitchFamily="34" charset="0"/>
+              <a:cs typeface="Verdana" panose="020B0604030504040204" pitchFamily="34" charset="0"/>
             </a:endParaRPr>
           </a:p>
         </p:txBody>
@@ -5346,14 +5419,16 @@
             <a:pPr algn="ctr"/>
             <a:r>
               <a:rPr lang="en-AU" sz="3000" dirty="0" smtClean="0">
-                <a:latin typeface="Codystar" panose="02000000000000000000" pitchFamily="2" charset="0"/>
-                <a:ea typeface="Codystar" panose="02000000000000000000" pitchFamily="2" charset="0"/>
+                <a:latin typeface="Verdana" panose="020B0604030504040204" pitchFamily="34" charset="0"/>
+                <a:ea typeface="Verdana" panose="020B0604030504040204" pitchFamily="34" charset="0"/>
+                <a:cs typeface="Verdana" panose="020B0604030504040204" pitchFamily="34" charset="0"/>
               </a:rPr>
               <a:t>o</a:t>
             </a:r>
             <a:endParaRPr lang="en-GB" sz="3000" dirty="0">
-              <a:latin typeface="Codystar" panose="02000000000000000000" pitchFamily="2" charset="0"/>
-              <a:ea typeface="Codystar" panose="02000000000000000000" pitchFamily="2" charset="0"/>
+              <a:latin typeface="Verdana" panose="020B0604030504040204" pitchFamily="34" charset="0"/>
+              <a:ea typeface="Verdana" panose="020B0604030504040204" pitchFamily="34" charset="0"/>
+              <a:cs typeface="Verdana" panose="020B0604030504040204" pitchFamily="34" charset="0"/>
             </a:endParaRPr>
           </a:p>
         </p:txBody>
@@ -5400,14 +5475,16 @@
             <a:pPr algn="ctr"/>
             <a:r>
               <a:rPr lang="en-AU" sz="3000" dirty="0" smtClean="0">
-                <a:latin typeface="Codystar" panose="02000000000000000000" pitchFamily="2" charset="0"/>
-                <a:ea typeface="Codystar" panose="02000000000000000000" pitchFamily="2" charset="0"/>
+                <a:latin typeface="Verdana" panose="020B0604030504040204" pitchFamily="34" charset="0"/>
+                <a:ea typeface="Verdana" panose="020B0604030504040204" pitchFamily="34" charset="0"/>
+                <a:cs typeface="Verdana" panose="020B0604030504040204" pitchFamily="34" charset="0"/>
               </a:rPr>
               <a:t>n</a:t>
             </a:r>
             <a:endParaRPr lang="en-GB" sz="3000" dirty="0">
-              <a:latin typeface="Codystar" panose="02000000000000000000" pitchFamily="2" charset="0"/>
-              <a:ea typeface="Codystar" panose="02000000000000000000" pitchFamily="2" charset="0"/>
+              <a:latin typeface="Verdana" panose="020B0604030504040204" pitchFamily="34" charset="0"/>
+              <a:ea typeface="Verdana" panose="020B0604030504040204" pitchFamily="34" charset="0"/>
+              <a:cs typeface="Verdana" panose="020B0604030504040204" pitchFamily="34" charset="0"/>
             </a:endParaRPr>
           </a:p>
         </p:txBody>
@@ -5454,14 +5531,16 @@
             <a:pPr algn="ctr"/>
             <a:r>
               <a:rPr lang="en-AU" sz="3000" dirty="0" smtClean="0">
-                <a:latin typeface="Codystar" panose="02000000000000000000" pitchFamily="2" charset="0"/>
-                <a:ea typeface="Codystar" panose="02000000000000000000" pitchFamily="2" charset="0"/>
+                <a:latin typeface="Verdana" panose="020B0604030504040204" pitchFamily="34" charset="0"/>
+                <a:ea typeface="Verdana" panose="020B0604030504040204" pitchFamily="34" charset="0"/>
+                <a:cs typeface="Verdana" panose="020B0604030504040204" pitchFamily="34" charset="0"/>
               </a:rPr>
               <a:t>e</a:t>
             </a:r>
             <a:endParaRPr lang="en-GB" sz="3000" dirty="0">
-              <a:latin typeface="Codystar" panose="02000000000000000000" pitchFamily="2" charset="0"/>
-              <a:ea typeface="Codystar" panose="02000000000000000000" pitchFamily="2" charset="0"/>
+              <a:latin typeface="Verdana" panose="020B0604030504040204" pitchFamily="34" charset="0"/>
+              <a:ea typeface="Verdana" panose="020B0604030504040204" pitchFamily="34" charset="0"/>
+              <a:cs typeface="Verdana" panose="020B0604030504040204" pitchFamily="34" charset="0"/>
             </a:endParaRPr>
           </a:p>
         </p:txBody>
@@ -5508,14 +5587,16 @@
             <a:pPr algn="ctr"/>
             <a:r>
               <a:rPr lang="en-AU" sz="3000" dirty="0" smtClean="0">
-                <a:latin typeface="Codystar" panose="02000000000000000000" pitchFamily="2" charset="0"/>
-                <a:ea typeface="Codystar" panose="02000000000000000000" pitchFamily="2" charset="0"/>
+                <a:latin typeface="Verdana" panose="020B0604030504040204" pitchFamily="34" charset="0"/>
+                <a:ea typeface="Verdana" panose="020B0604030504040204" pitchFamily="34" charset="0"/>
+                <a:cs typeface="Verdana" panose="020B0604030504040204" pitchFamily="34" charset="0"/>
               </a:rPr>
               <a:t>t</a:t>
             </a:r>
             <a:endParaRPr lang="en-GB" sz="3000" dirty="0">
-              <a:latin typeface="Codystar" panose="02000000000000000000" pitchFamily="2" charset="0"/>
-              <a:ea typeface="Codystar" panose="02000000000000000000" pitchFamily="2" charset="0"/>
+              <a:latin typeface="Verdana" panose="020B0604030504040204" pitchFamily="34" charset="0"/>
+              <a:ea typeface="Verdana" panose="020B0604030504040204" pitchFamily="34" charset="0"/>
+              <a:cs typeface="Verdana" panose="020B0604030504040204" pitchFamily="34" charset="0"/>
             </a:endParaRPr>
           </a:p>
         </p:txBody>
@@ -5562,14 +5643,16 @@
             <a:pPr algn="ctr"/>
             <a:r>
               <a:rPr lang="en-AU" sz="3000" dirty="0" smtClean="0">
-                <a:latin typeface="Codystar" panose="02000000000000000000" pitchFamily="2" charset="0"/>
-                <a:ea typeface="Codystar" panose="02000000000000000000" pitchFamily="2" charset="0"/>
+                <a:latin typeface="Verdana" panose="020B0604030504040204" pitchFamily="34" charset="0"/>
+                <a:ea typeface="Verdana" panose="020B0604030504040204" pitchFamily="34" charset="0"/>
+                <a:cs typeface="Verdana" panose="020B0604030504040204" pitchFamily="34" charset="0"/>
               </a:rPr>
               <a:t>w</a:t>
             </a:r>
             <a:endParaRPr lang="en-GB" sz="3000" dirty="0">
-              <a:latin typeface="Codystar" panose="02000000000000000000" pitchFamily="2" charset="0"/>
-              <a:ea typeface="Codystar" panose="02000000000000000000" pitchFamily="2" charset="0"/>
+              <a:latin typeface="Verdana" panose="020B0604030504040204" pitchFamily="34" charset="0"/>
+              <a:ea typeface="Verdana" panose="020B0604030504040204" pitchFamily="34" charset="0"/>
+              <a:cs typeface="Verdana" panose="020B0604030504040204" pitchFamily="34" charset="0"/>
             </a:endParaRPr>
           </a:p>
         </p:txBody>
@@ -5616,14 +5699,16 @@
             <a:pPr algn="ctr"/>
             <a:r>
               <a:rPr lang="en-AU" sz="3000" dirty="0" smtClean="0">
-                <a:latin typeface="Codystar" panose="02000000000000000000" pitchFamily="2" charset="0"/>
-                <a:ea typeface="Codystar" panose="02000000000000000000" pitchFamily="2" charset="0"/>
+                <a:latin typeface="Verdana" panose="020B0604030504040204" pitchFamily="34" charset="0"/>
+                <a:ea typeface="Verdana" panose="020B0604030504040204" pitchFamily="34" charset="0"/>
+                <a:cs typeface="Verdana" panose="020B0604030504040204" pitchFamily="34" charset="0"/>
               </a:rPr>
               <a:t>o</a:t>
             </a:r>
             <a:endParaRPr lang="en-GB" sz="3000" dirty="0">
-              <a:latin typeface="Codystar" panose="02000000000000000000" pitchFamily="2" charset="0"/>
-              <a:ea typeface="Codystar" panose="02000000000000000000" pitchFamily="2" charset="0"/>
+              <a:latin typeface="Verdana" panose="020B0604030504040204" pitchFamily="34" charset="0"/>
+              <a:ea typeface="Verdana" panose="020B0604030504040204" pitchFamily="34" charset="0"/>
+              <a:cs typeface="Verdana" panose="020B0604030504040204" pitchFamily="34" charset="0"/>
             </a:endParaRPr>
           </a:p>
         </p:txBody>
@@ -5670,14 +5755,16 @@
             <a:pPr algn="ctr"/>
             <a:r>
               <a:rPr lang="en-AU" sz="3000" dirty="0" smtClean="0">
-                <a:latin typeface="Codystar" panose="02000000000000000000" pitchFamily="2" charset="0"/>
-                <a:ea typeface="Codystar" panose="02000000000000000000" pitchFamily="2" charset="0"/>
+                <a:latin typeface="Verdana" panose="020B0604030504040204" pitchFamily="34" charset="0"/>
+                <a:ea typeface="Verdana" panose="020B0604030504040204" pitchFamily="34" charset="0"/>
+                <a:cs typeface="Verdana" panose="020B0604030504040204" pitchFamily="34" charset="0"/>
               </a:rPr>
               <a:t>f</a:t>
             </a:r>
             <a:endParaRPr lang="en-GB" sz="3000" dirty="0">
-              <a:latin typeface="Codystar" panose="02000000000000000000" pitchFamily="2" charset="0"/>
-              <a:ea typeface="Codystar" panose="02000000000000000000" pitchFamily="2" charset="0"/>
+              <a:latin typeface="Verdana" panose="020B0604030504040204" pitchFamily="34" charset="0"/>
+              <a:ea typeface="Verdana" panose="020B0604030504040204" pitchFamily="34" charset="0"/>
+              <a:cs typeface="Verdana" panose="020B0604030504040204" pitchFamily="34" charset="0"/>
             </a:endParaRPr>
           </a:p>
         </p:txBody>
@@ -5724,14 +5811,16 @@
             <a:pPr algn="ctr"/>
             <a:r>
               <a:rPr lang="en-AU" sz="3000" dirty="0" smtClean="0">
-                <a:latin typeface="Codystar" panose="02000000000000000000" pitchFamily="2" charset="0"/>
-                <a:ea typeface="Codystar" panose="02000000000000000000" pitchFamily="2" charset="0"/>
+                <a:latin typeface="Verdana" panose="020B0604030504040204" pitchFamily="34" charset="0"/>
+                <a:ea typeface="Verdana" panose="020B0604030504040204" pitchFamily="34" charset="0"/>
+                <a:cs typeface="Verdana" panose="020B0604030504040204" pitchFamily="34" charset="0"/>
               </a:rPr>
               <a:t>o</a:t>
             </a:r>
             <a:endParaRPr lang="en-GB" sz="3000" dirty="0">
-              <a:latin typeface="Codystar" panose="02000000000000000000" pitchFamily="2" charset="0"/>
-              <a:ea typeface="Codystar" panose="02000000000000000000" pitchFamily="2" charset="0"/>
+              <a:latin typeface="Verdana" panose="020B0604030504040204" pitchFamily="34" charset="0"/>
+              <a:ea typeface="Verdana" panose="020B0604030504040204" pitchFamily="34" charset="0"/>
+              <a:cs typeface="Verdana" panose="020B0604030504040204" pitchFamily="34" charset="0"/>
             </a:endParaRPr>
           </a:p>
         </p:txBody>
@@ -5778,14 +5867,16 @@
             <a:pPr algn="ctr"/>
             <a:r>
               <a:rPr lang="en-AU" sz="3000" dirty="0" smtClean="0">
-                <a:latin typeface="Codystar" panose="02000000000000000000" pitchFamily="2" charset="0"/>
-                <a:ea typeface="Codystar" panose="02000000000000000000" pitchFamily="2" charset="0"/>
+                <a:latin typeface="Verdana" panose="020B0604030504040204" pitchFamily="34" charset="0"/>
+                <a:ea typeface="Verdana" panose="020B0604030504040204" pitchFamily="34" charset="0"/>
+                <a:cs typeface="Verdana" panose="020B0604030504040204" pitchFamily="34" charset="0"/>
               </a:rPr>
               <a:t>u</a:t>
             </a:r>
             <a:endParaRPr lang="en-GB" sz="3000" dirty="0">
-              <a:latin typeface="Codystar" panose="02000000000000000000" pitchFamily="2" charset="0"/>
-              <a:ea typeface="Codystar" panose="02000000000000000000" pitchFamily="2" charset="0"/>
+              <a:latin typeface="Verdana" panose="020B0604030504040204" pitchFamily="34" charset="0"/>
+              <a:ea typeface="Verdana" panose="020B0604030504040204" pitchFamily="34" charset="0"/>
+              <a:cs typeface="Verdana" panose="020B0604030504040204" pitchFamily="34" charset="0"/>
             </a:endParaRPr>
           </a:p>
         </p:txBody>
@@ -5832,14 +5923,16 @@
             <a:pPr algn="ctr"/>
             <a:r>
               <a:rPr lang="en-AU" sz="3000" dirty="0" smtClean="0">
-                <a:latin typeface="Codystar" panose="02000000000000000000" pitchFamily="2" charset="0"/>
-                <a:ea typeface="Codystar" panose="02000000000000000000" pitchFamily="2" charset="0"/>
+                <a:latin typeface="Verdana" panose="020B0604030504040204" pitchFamily="34" charset="0"/>
+                <a:ea typeface="Verdana" panose="020B0604030504040204" pitchFamily="34" charset="0"/>
+                <a:cs typeface="Verdana" panose="020B0604030504040204" pitchFamily="34" charset="0"/>
               </a:rPr>
               <a:t>r</a:t>
             </a:r>
             <a:endParaRPr lang="en-GB" sz="3000" dirty="0">
-              <a:latin typeface="Codystar" panose="02000000000000000000" pitchFamily="2" charset="0"/>
-              <a:ea typeface="Codystar" panose="02000000000000000000" pitchFamily="2" charset="0"/>
+              <a:latin typeface="Verdana" panose="020B0604030504040204" pitchFamily="34" charset="0"/>
+              <a:ea typeface="Verdana" panose="020B0604030504040204" pitchFamily="34" charset="0"/>
+              <a:cs typeface="Verdana" panose="020B0604030504040204" pitchFamily="34" charset="0"/>
             </a:endParaRPr>
           </a:p>
         </p:txBody>
@@ -5886,14 +5979,16 @@
             <a:pPr algn="ctr"/>
             <a:r>
               <a:rPr lang="en-AU" sz="3000" dirty="0" smtClean="0">
-                <a:latin typeface="Codystar" panose="02000000000000000000" pitchFamily="2" charset="0"/>
-                <a:ea typeface="Codystar" panose="02000000000000000000" pitchFamily="2" charset="0"/>
+                <a:latin typeface="Verdana" panose="020B0604030504040204" pitchFamily="34" charset="0"/>
+                <a:ea typeface="Verdana" panose="020B0604030504040204" pitchFamily="34" charset="0"/>
+                <a:cs typeface="Verdana" panose="020B0604030504040204" pitchFamily="34" charset="0"/>
               </a:rPr>
               <a:t>t</a:t>
             </a:r>
             <a:endParaRPr lang="en-GB" sz="3000" dirty="0">
-              <a:latin typeface="Codystar" panose="02000000000000000000" pitchFamily="2" charset="0"/>
-              <a:ea typeface="Codystar" panose="02000000000000000000" pitchFamily="2" charset="0"/>
+              <a:latin typeface="Verdana" panose="020B0604030504040204" pitchFamily="34" charset="0"/>
+              <a:ea typeface="Verdana" panose="020B0604030504040204" pitchFamily="34" charset="0"/>
+              <a:cs typeface="Verdana" panose="020B0604030504040204" pitchFamily="34" charset="0"/>
             </a:endParaRPr>
           </a:p>
         </p:txBody>
@@ -5940,14 +6035,16 @@
             <a:pPr algn="ctr"/>
             <a:r>
               <a:rPr lang="en-AU" sz="3000" dirty="0" smtClean="0">
-                <a:latin typeface="Codystar" panose="02000000000000000000" pitchFamily="2" charset="0"/>
-                <a:ea typeface="Codystar" panose="02000000000000000000" pitchFamily="2" charset="0"/>
+                <a:latin typeface="Verdana" panose="020B0604030504040204" pitchFamily="34" charset="0"/>
+                <a:ea typeface="Verdana" panose="020B0604030504040204" pitchFamily="34" charset="0"/>
+                <a:cs typeface="Verdana" panose="020B0604030504040204" pitchFamily="34" charset="0"/>
               </a:rPr>
               <a:t>e</a:t>
             </a:r>
             <a:endParaRPr lang="en-GB" sz="3000" dirty="0">
-              <a:latin typeface="Codystar" panose="02000000000000000000" pitchFamily="2" charset="0"/>
-              <a:ea typeface="Codystar" panose="02000000000000000000" pitchFamily="2" charset="0"/>
+              <a:latin typeface="Verdana" panose="020B0604030504040204" pitchFamily="34" charset="0"/>
+              <a:ea typeface="Verdana" panose="020B0604030504040204" pitchFamily="34" charset="0"/>
+              <a:cs typeface="Verdana" panose="020B0604030504040204" pitchFamily="34" charset="0"/>
             </a:endParaRPr>
           </a:p>
         </p:txBody>
@@ -5994,14 +6091,16 @@
             <a:pPr algn="ctr"/>
             <a:r>
               <a:rPr lang="en-AU" sz="3000" dirty="0" smtClean="0">
-                <a:latin typeface="Codystar" panose="02000000000000000000" pitchFamily="2" charset="0"/>
-                <a:ea typeface="Codystar" panose="02000000000000000000" pitchFamily="2" charset="0"/>
+                <a:latin typeface="Verdana" panose="020B0604030504040204" pitchFamily="34" charset="0"/>
+                <a:ea typeface="Verdana" panose="020B0604030504040204" pitchFamily="34" charset="0"/>
+                <a:cs typeface="Verdana" panose="020B0604030504040204" pitchFamily="34" charset="0"/>
               </a:rPr>
               <a:t>e</a:t>
             </a:r>
             <a:endParaRPr lang="en-GB" sz="3000" dirty="0">
-              <a:latin typeface="Codystar" panose="02000000000000000000" pitchFamily="2" charset="0"/>
-              <a:ea typeface="Codystar" panose="02000000000000000000" pitchFamily="2" charset="0"/>
+              <a:latin typeface="Verdana" panose="020B0604030504040204" pitchFamily="34" charset="0"/>
+              <a:ea typeface="Verdana" panose="020B0604030504040204" pitchFamily="34" charset="0"/>
+              <a:cs typeface="Verdana" panose="020B0604030504040204" pitchFamily="34" charset="0"/>
             </a:endParaRPr>
           </a:p>
         </p:txBody>
@@ -6048,14 +6147,16 @@
             <a:pPr algn="ctr"/>
             <a:r>
               <a:rPr lang="en-AU" sz="3000" dirty="0" smtClean="0">
-                <a:latin typeface="Codystar" panose="02000000000000000000" pitchFamily="2" charset="0"/>
-                <a:ea typeface="Codystar" panose="02000000000000000000" pitchFamily="2" charset="0"/>
+                <a:latin typeface="Verdana" panose="020B0604030504040204" pitchFamily="34" charset="0"/>
+                <a:ea typeface="Verdana" panose="020B0604030504040204" pitchFamily="34" charset="0"/>
+                <a:cs typeface="Verdana" panose="020B0604030504040204" pitchFamily="34" charset="0"/>
               </a:rPr>
               <a:t>n</a:t>
             </a:r>
             <a:endParaRPr lang="en-GB" sz="3000" dirty="0">
-              <a:latin typeface="Codystar" panose="02000000000000000000" pitchFamily="2" charset="0"/>
-              <a:ea typeface="Codystar" panose="02000000000000000000" pitchFamily="2" charset="0"/>
+              <a:latin typeface="Verdana" panose="020B0604030504040204" pitchFamily="34" charset="0"/>
+              <a:ea typeface="Verdana" panose="020B0604030504040204" pitchFamily="34" charset="0"/>
+              <a:cs typeface="Verdana" panose="020B0604030504040204" pitchFamily="34" charset="0"/>
             </a:endParaRPr>
           </a:p>
         </p:txBody>
@@ -6102,14 +6203,16 @@
             <a:pPr algn="ctr"/>
             <a:r>
               <a:rPr lang="en-AU" sz="3000" dirty="0" smtClean="0">
-                <a:latin typeface="Codystar" panose="02000000000000000000" pitchFamily="2" charset="0"/>
-                <a:ea typeface="Codystar" panose="02000000000000000000" pitchFamily="2" charset="0"/>
+                <a:latin typeface="Verdana" panose="020B0604030504040204" pitchFamily="34" charset="0"/>
+                <a:ea typeface="Verdana" panose="020B0604030504040204" pitchFamily="34" charset="0"/>
+                <a:cs typeface="Verdana" panose="020B0604030504040204" pitchFamily="34" charset="0"/>
               </a:rPr>
               <a:t>a</a:t>
             </a:r>
             <a:endParaRPr lang="en-GB" sz="3000" dirty="0">
-              <a:latin typeface="Codystar" panose="02000000000000000000" pitchFamily="2" charset="0"/>
-              <a:ea typeface="Codystar" panose="02000000000000000000" pitchFamily="2" charset="0"/>
+              <a:latin typeface="Verdana" panose="020B0604030504040204" pitchFamily="34" charset="0"/>
+              <a:ea typeface="Verdana" panose="020B0604030504040204" pitchFamily="34" charset="0"/>
+              <a:cs typeface="Verdana" panose="020B0604030504040204" pitchFamily="34" charset="0"/>
             </a:endParaRPr>
           </a:p>
         </p:txBody>
@@ -6156,14 +6259,16 @@
             <a:pPr algn="ctr"/>
             <a:r>
               <a:rPr lang="en-AU" sz="3000" dirty="0" smtClean="0">
-                <a:latin typeface="Codystar" panose="02000000000000000000" pitchFamily="2" charset="0"/>
-                <a:ea typeface="Codystar" panose="02000000000000000000" pitchFamily="2" charset="0"/>
+                <a:latin typeface="Verdana" panose="020B0604030504040204" pitchFamily="34" charset="0"/>
+                <a:ea typeface="Verdana" panose="020B0604030504040204" pitchFamily="34" charset="0"/>
+                <a:cs typeface="Verdana" panose="020B0604030504040204" pitchFamily="34" charset="0"/>
               </a:rPr>
               <a:t>f</a:t>
             </a:r>
             <a:endParaRPr lang="en-GB" sz="3000" dirty="0">
-              <a:latin typeface="Codystar" panose="02000000000000000000" pitchFamily="2" charset="0"/>
-              <a:ea typeface="Codystar" panose="02000000000000000000" pitchFamily="2" charset="0"/>
+              <a:latin typeface="Verdana" panose="020B0604030504040204" pitchFamily="34" charset="0"/>
+              <a:ea typeface="Verdana" panose="020B0604030504040204" pitchFamily="34" charset="0"/>
+              <a:cs typeface="Verdana" panose="020B0604030504040204" pitchFamily="34" charset="0"/>
             </a:endParaRPr>
           </a:p>
         </p:txBody>
@@ -6210,14 +6315,16 @@
             <a:pPr algn="ctr"/>
             <a:r>
               <a:rPr lang="en-AU" sz="3000" dirty="0" err="1" smtClean="0">
-                <a:latin typeface="Codystar" panose="02000000000000000000" pitchFamily="2" charset="0"/>
-                <a:ea typeface="Codystar" panose="02000000000000000000" pitchFamily="2" charset="0"/>
+                <a:latin typeface="Verdana" panose="020B0604030504040204" pitchFamily="34" charset="0"/>
+                <a:ea typeface="Verdana" panose="020B0604030504040204" pitchFamily="34" charset="0"/>
+                <a:cs typeface="Verdana" panose="020B0604030504040204" pitchFamily="34" charset="0"/>
               </a:rPr>
               <a:t>i</a:t>
             </a:r>
             <a:endParaRPr lang="en-GB" sz="3000" dirty="0">
-              <a:latin typeface="Codystar" panose="02000000000000000000" pitchFamily="2" charset="0"/>
-              <a:ea typeface="Codystar" panose="02000000000000000000" pitchFamily="2" charset="0"/>
+              <a:latin typeface="Verdana" panose="020B0604030504040204" pitchFamily="34" charset="0"/>
+              <a:ea typeface="Verdana" panose="020B0604030504040204" pitchFamily="34" charset="0"/>
+              <a:cs typeface="Verdana" panose="020B0604030504040204" pitchFamily="34" charset="0"/>
             </a:endParaRPr>
           </a:p>
         </p:txBody>
@@ -6264,14 +6371,16 @@
             <a:pPr algn="ctr"/>
             <a:r>
               <a:rPr lang="en-AU" sz="3000" dirty="0" smtClean="0">
-                <a:latin typeface="Codystar" panose="02000000000000000000" pitchFamily="2" charset="0"/>
-                <a:ea typeface="Codystar" panose="02000000000000000000" pitchFamily="2" charset="0"/>
+                <a:latin typeface="Verdana" panose="020B0604030504040204" pitchFamily="34" charset="0"/>
+                <a:ea typeface="Verdana" panose="020B0604030504040204" pitchFamily="34" charset="0"/>
+                <a:cs typeface="Verdana" panose="020B0604030504040204" pitchFamily="34" charset="0"/>
               </a:rPr>
               <a:t>v</a:t>
             </a:r>
             <a:endParaRPr lang="en-GB" sz="3000" dirty="0">
-              <a:latin typeface="Codystar" panose="02000000000000000000" pitchFamily="2" charset="0"/>
-              <a:ea typeface="Codystar" panose="02000000000000000000" pitchFamily="2" charset="0"/>
+              <a:latin typeface="Verdana" panose="020B0604030504040204" pitchFamily="34" charset="0"/>
+              <a:ea typeface="Verdana" panose="020B0604030504040204" pitchFamily="34" charset="0"/>
+              <a:cs typeface="Verdana" panose="020B0604030504040204" pitchFamily="34" charset="0"/>
             </a:endParaRPr>
           </a:p>
         </p:txBody>
@@ -6318,14 +6427,16 @@
             <a:pPr algn="ctr"/>
             <a:r>
               <a:rPr lang="en-AU" sz="3000" dirty="0" smtClean="0">
-                <a:latin typeface="Codystar" panose="02000000000000000000" pitchFamily="2" charset="0"/>
-                <a:ea typeface="Codystar" panose="02000000000000000000" pitchFamily="2" charset="0"/>
+                <a:latin typeface="Verdana" panose="020B0604030504040204" pitchFamily="34" charset="0"/>
+                <a:ea typeface="Verdana" panose="020B0604030504040204" pitchFamily="34" charset="0"/>
+                <a:cs typeface="Verdana" panose="020B0604030504040204" pitchFamily="34" charset="0"/>
               </a:rPr>
               <a:t>e</a:t>
             </a:r>
             <a:endParaRPr lang="en-GB" sz="3000" dirty="0">
-              <a:latin typeface="Codystar" panose="02000000000000000000" pitchFamily="2" charset="0"/>
-              <a:ea typeface="Codystar" panose="02000000000000000000" pitchFamily="2" charset="0"/>
+              <a:latin typeface="Verdana" panose="020B0604030504040204" pitchFamily="34" charset="0"/>
+              <a:ea typeface="Verdana" panose="020B0604030504040204" pitchFamily="34" charset="0"/>
+              <a:cs typeface="Verdana" panose="020B0604030504040204" pitchFamily="34" charset="0"/>
             </a:endParaRPr>
           </a:p>
         </p:txBody>
@@ -6372,14 +6483,16 @@
             <a:pPr algn="ctr"/>
             <a:r>
               <a:rPr lang="en-AU" sz="3000" dirty="0" smtClean="0">
-                <a:latin typeface="Codystar" panose="02000000000000000000" pitchFamily="2" charset="0"/>
-                <a:ea typeface="Codystar" panose="02000000000000000000" pitchFamily="2" charset="0"/>
+                <a:latin typeface="Verdana" panose="020B0604030504040204" pitchFamily="34" charset="0"/>
+                <a:ea typeface="Verdana" panose="020B0604030504040204" pitchFamily="34" charset="0"/>
+                <a:cs typeface="Verdana" panose="020B0604030504040204" pitchFamily="34" charset="0"/>
               </a:rPr>
               <a:t>k</a:t>
             </a:r>
             <a:endParaRPr lang="en-GB" sz="3000" dirty="0">
-              <a:latin typeface="Codystar" panose="02000000000000000000" pitchFamily="2" charset="0"/>
-              <a:ea typeface="Codystar" panose="02000000000000000000" pitchFamily="2" charset="0"/>
+              <a:latin typeface="Verdana" panose="020B0604030504040204" pitchFamily="34" charset="0"/>
+              <a:ea typeface="Verdana" panose="020B0604030504040204" pitchFamily="34" charset="0"/>
+              <a:cs typeface="Verdana" panose="020B0604030504040204" pitchFamily="34" charset="0"/>
             </a:endParaRPr>
           </a:p>
         </p:txBody>
@@ -6426,14 +6539,16 @@
             <a:pPr algn="ctr"/>
             <a:r>
               <a:rPr lang="en-AU" sz="3000" dirty="0" smtClean="0">
-                <a:latin typeface="Codystar" panose="02000000000000000000" pitchFamily="2" charset="0"/>
-                <a:ea typeface="Codystar" panose="02000000000000000000" pitchFamily="2" charset="0"/>
+                <a:latin typeface="Verdana" panose="020B0604030504040204" pitchFamily="34" charset="0"/>
+                <a:ea typeface="Verdana" panose="020B0604030504040204" pitchFamily="34" charset="0"/>
+                <a:cs typeface="Verdana" panose="020B0604030504040204" pitchFamily="34" charset="0"/>
               </a:rPr>
               <a:t>f</a:t>
             </a:r>
             <a:endParaRPr lang="en-GB" sz="3000" dirty="0">
-              <a:latin typeface="Codystar" panose="02000000000000000000" pitchFamily="2" charset="0"/>
-              <a:ea typeface="Codystar" panose="02000000000000000000" pitchFamily="2" charset="0"/>
+              <a:latin typeface="Verdana" panose="020B0604030504040204" pitchFamily="34" charset="0"/>
+              <a:ea typeface="Verdana" panose="020B0604030504040204" pitchFamily="34" charset="0"/>
+              <a:cs typeface="Verdana" panose="020B0604030504040204" pitchFamily="34" charset="0"/>
             </a:endParaRPr>
           </a:p>
         </p:txBody>
@@ -6480,14 +6595,16 @@
             <a:pPr algn="ctr"/>
             <a:r>
               <a:rPr lang="en-AU" sz="3000" dirty="0" err="1" smtClean="0">
-                <a:latin typeface="Codystar" panose="02000000000000000000" pitchFamily="2" charset="0"/>
-                <a:ea typeface="Codystar" panose="02000000000000000000" pitchFamily="2" charset="0"/>
+                <a:latin typeface="Verdana" panose="020B0604030504040204" pitchFamily="34" charset="0"/>
+                <a:ea typeface="Verdana" panose="020B0604030504040204" pitchFamily="34" charset="0"/>
+                <a:cs typeface="Verdana" panose="020B0604030504040204" pitchFamily="34" charset="0"/>
               </a:rPr>
               <a:t>i</a:t>
             </a:r>
             <a:endParaRPr lang="en-GB" sz="3000" dirty="0">
-              <a:latin typeface="Codystar" panose="02000000000000000000" pitchFamily="2" charset="0"/>
-              <a:ea typeface="Codystar" panose="02000000000000000000" pitchFamily="2" charset="0"/>
+              <a:latin typeface="Verdana" panose="020B0604030504040204" pitchFamily="34" charset="0"/>
+              <a:ea typeface="Verdana" panose="020B0604030504040204" pitchFamily="34" charset="0"/>
+              <a:cs typeface="Verdana" panose="020B0604030504040204" pitchFamily="34" charset="0"/>
             </a:endParaRPr>
           </a:p>
         </p:txBody>
@@ -6534,14 +6651,16 @@
             <a:pPr algn="ctr"/>
             <a:r>
               <a:rPr lang="en-AU" sz="3000" dirty="0" smtClean="0">
-                <a:latin typeface="Codystar" panose="02000000000000000000" pitchFamily="2" charset="0"/>
-                <a:ea typeface="Codystar" panose="02000000000000000000" pitchFamily="2" charset="0"/>
+                <a:latin typeface="Verdana" panose="020B0604030504040204" pitchFamily="34" charset="0"/>
+                <a:ea typeface="Verdana" panose="020B0604030504040204" pitchFamily="34" charset="0"/>
+                <a:cs typeface="Verdana" panose="020B0604030504040204" pitchFamily="34" charset="0"/>
               </a:rPr>
               <a:t>f</a:t>
             </a:r>
             <a:endParaRPr lang="en-GB" sz="3000" dirty="0">
-              <a:latin typeface="Codystar" panose="02000000000000000000" pitchFamily="2" charset="0"/>
-              <a:ea typeface="Codystar" panose="02000000000000000000" pitchFamily="2" charset="0"/>
+              <a:latin typeface="Verdana" panose="020B0604030504040204" pitchFamily="34" charset="0"/>
+              <a:ea typeface="Verdana" panose="020B0604030504040204" pitchFamily="34" charset="0"/>
+              <a:cs typeface="Verdana" panose="020B0604030504040204" pitchFamily="34" charset="0"/>
             </a:endParaRPr>
           </a:p>
         </p:txBody>
@@ -6588,14 +6707,16 @@
             <a:pPr algn="ctr"/>
             <a:r>
               <a:rPr lang="en-AU" sz="3000" dirty="0" smtClean="0">
-                <a:latin typeface="Codystar" panose="02000000000000000000" pitchFamily="2" charset="0"/>
-                <a:ea typeface="Codystar" panose="02000000000000000000" pitchFamily="2" charset="0"/>
+                <a:latin typeface="Verdana" panose="020B0604030504040204" pitchFamily="34" charset="0"/>
+                <a:ea typeface="Verdana" panose="020B0604030504040204" pitchFamily="34" charset="0"/>
+                <a:cs typeface="Verdana" panose="020B0604030504040204" pitchFamily="34" charset="0"/>
               </a:rPr>
               <a:t>t</a:t>
             </a:r>
             <a:endParaRPr lang="en-GB" sz="3000" dirty="0">
-              <a:latin typeface="Codystar" panose="02000000000000000000" pitchFamily="2" charset="0"/>
-              <a:ea typeface="Codystar" panose="02000000000000000000" pitchFamily="2" charset="0"/>
+              <a:latin typeface="Verdana" panose="020B0604030504040204" pitchFamily="34" charset="0"/>
+              <a:ea typeface="Verdana" panose="020B0604030504040204" pitchFamily="34" charset="0"/>
+              <a:cs typeface="Verdana" panose="020B0604030504040204" pitchFamily="34" charset="0"/>
             </a:endParaRPr>
           </a:p>
         </p:txBody>
@@ -6642,14 +6763,16 @@
             <a:pPr algn="ctr"/>
             <a:r>
               <a:rPr lang="en-AU" sz="3000" dirty="0" smtClean="0">
-                <a:latin typeface="Codystar" panose="02000000000000000000" pitchFamily="2" charset="0"/>
-                <a:ea typeface="Codystar" panose="02000000000000000000" pitchFamily="2" charset="0"/>
+                <a:latin typeface="Verdana" panose="020B0604030504040204" pitchFamily="34" charset="0"/>
+                <a:ea typeface="Verdana" panose="020B0604030504040204" pitchFamily="34" charset="0"/>
+                <a:cs typeface="Verdana" panose="020B0604030504040204" pitchFamily="34" charset="0"/>
               </a:rPr>
               <a:t>e</a:t>
             </a:r>
             <a:endParaRPr lang="en-GB" sz="3000" dirty="0">
-              <a:latin typeface="Codystar" panose="02000000000000000000" pitchFamily="2" charset="0"/>
-              <a:ea typeface="Codystar" panose="02000000000000000000" pitchFamily="2" charset="0"/>
+              <a:latin typeface="Verdana" panose="020B0604030504040204" pitchFamily="34" charset="0"/>
+              <a:ea typeface="Verdana" panose="020B0604030504040204" pitchFamily="34" charset="0"/>
+              <a:cs typeface="Verdana" panose="020B0604030504040204" pitchFamily="34" charset="0"/>
             </a:endParaRPr>
           </a:p>
         </p:txBody>
@@ -6696,14 +6819,16 @@
             <a:pPr algn="ctr"/>
             <a:r>
               <a:rPr lang="en-AU" sz="3000" dirty="0" smtClean="0">
-                <a:latin typeface="Codystar" panose="02000000000000000000" pitchFamily="2" charset="0"/>
-                <a:ea typeface="Codystar" panose="02000000000000000000" pitchFamily="2" charset="0"/>
+                <a:latin typeface="Verdana" panose="020B0604030504040204" pitchFamily="34" charset="0"/>
+                <a:ea typeface="Verdana" panose="020B0604030504040204" pitchFamily="34" charset="0"/>
+                <a:cs typeface="Verdana" panose="020B0604030504040204" pitchFamily="34" charset="0"/>
               </a:rPr>
               <a:t>e</a:t>
             </a:r>
             <a:endParaRPr lang="en-GB" sz="3000" dirty="0">
-              <a:latin typeface="Codystar" panose="02000000000000000000" pitchFamily="2" charset="0"/>
-              <a:ea typeface="Codystar" panose="02000000000000000000" pitchFamily="2" charset="0"/>
+              <a:latin typeface="Verdana" panose="020B0604030504040204" pitchFamily="34" charset="0"/>
+              <a:ea typeface="Verdana" panose="020B0604030504040204" pitchFamily="34" charset="0"/>
+              <a:cs typeface="Verdana" panose="020B0604030504040204" pitchFamily="34" charset="0"/>
             </a:endParaRPr>
           </a:p>
         </p:txBody>
@@ -6750,14 +6875,16 @@
             <a:pPr algn="ctr"/>
             <a:r>
               <a:rPr lang="en-AU" sz="3000" dirty="0" smtClean="0">
-                <a:latin typeface="Codystar" panose="02000000000000000000" pitchFamily="2" charset="0"/>
-                <a:ea typeface="Codystar" panose="02000000000000000000" pitchFamily="2" charset="0"/>
+                <a:latin typeface="Verdana" panose="020B0604030504040204" pitchFamily="34" charset="0"/>
+                <a:ea typeface="Verdana" panose="020B0604030504040204" pitchFamily="34" charset="0"/>
+                <a:cs typeface="Verdana" panose="020B0604030504040204" pitchFamily="34" charset="0"/>
               </a:rPr>
               <a:t>n</a:t>
             </a:r>
             <a:endParaRPr lang="en-GB" sz="3000" dirty="0">
-              <a:latin typeface="Codystar" panose="02000000000000000000" pitchFamily="2" charset="0"/>
-              <a:ea typeface="Codystar" panose="02000000000000000000" pitchFamily="2" charset="0"/>
+              <a:latin typeface="Verdana" panose="020B0604030504040204" pitchFamily="34" charset="0"/>
+              <a:ea typeface="Verdana" panose="020B0604030504040204" pitchFamily="34" charset="0"/>
+              <a:cs typeface="Verdana" panose="020B0604030504040204" pitchFamily="34" charset="0"/>
             </a:endParaRPr>
           </a:p>
         </p:txBody>
@@ -6804,14 +6931,16 @@
             <a:pPr algn="ctr"/>
             <a:r>
               <a:rPr lang="en-AU" sz="3000" dirty="0" smtClean="0">
-                <a:latin typeface="Codystar" panose="02000000000000000000" pitchFamily="2" charset="0"/>
-                <a:ea typeface="Codystar" panose="02000000000000000000" pitchFamily="2" charset="0"/>
+                <a:latin typeface="Verdana" panose="020B0604030504040204" pitchFamily="34" charset="0"/>
+                <a:ea typeface="Verdana" panose="020B0604030504040204" pitchFamily="34" charset="0"/>
+                <a:cs typeface="Verdana" panose="020B0604030504040204" pitchFamily="34" charset="0"/>
               </a:rPr>
               <a:t>s</a:t>
             </a:r>
             <a:endParaRPr lang="en-GB" sz="3000" dirty="0">
-              <a:latin typeface="Codystar" panose="02000000000000000000" pitchFamily="2" charset="0"/>
-              <a:ea typeface="Codystar" panose="02000000000000000000" pitchFamily="2" charset="0"/>
+              <a:latin typeface="Verdana" panose="020B0604030504040204" pitchFamily="34" charset="0"/>
+              <a:ea typeface="Verdana" panose="020B0604030504040204" pitchFamily="34" charset="0"/>
+              <a:cs typeface="Verdana" panose="020B0604030504040204" pitchFamily="34" charset="0"/>
             </a:endParaRPr>
           </a:p>
         </p:txBody>
@@ -6858,14 +6987,16 @@
             <a:pPr algn="ctr"/>
             <a:r>
               <a:rPr lang="en-AU" sz="3000" dirty="0" err="1" smtClean="0">
-                <a:latin typeface="Codystar" panose="02000000000000000000" pitchFamily="2" charset="0"/>
-                <a:ea typeface="Codystar" panose="02000000000000000000" pitchFamily="2" charset="0"/>
+                <a:latin typeface="Verdana" panose="020B0604030504040204" pitchFamily="34" charset="0"/>
+                <a:ea typeface="Verdana" panose="020B0604030504040204" pitchFamily="34" charset="0"/>
+                <a:cs typeface="Verdana" panose="020B0604030504040204" pitchFamily="34" charset="0"/>
               </a:rPr>
               <a:t>i</a:t>
             </a:r>
             <a:endParaRPr lang="en-GB" sz="3000" dirty="0">
-              <a:latin typeface="Codystar" panose="02000000000000000000" pitchFamily="2" charset="0"/>
-              <a:ea typeface="Codystar" panose="02000000000000000000" pitchFamily="2" charset="0"/>
+              <a:latin typeface="Verdana" panose="020B0604030504040204" pitchFamily="34" charset="0"/>
+              <a:ea typeface="Verdana" panose="020B0604030504040204" pitchFamily="34" charset="0"/>
+              <a:cs typeface="Verdana" panose="020B0604030504040204" pitchFamily="34" charset="0"/>
             </a:endParaRPr>
           </a:p>
         </p:txBody>
@@ -6912,14 +7043,16 @@
             <a:pPr algn="ctr"/>
             <a:r>
               <a:rPr lang="en-AU" sz="3000" dirty="0" smtClean="0">
-                <a:latin typeface="Codystar" panose="02000000000000000000" pitchFamily="2" charset="0"/>
-                <a:ea typeface="Codystar" panose="02000000000000000000" pitchFamily="2" charset="0"/>
+                <a:latin typeface="Verdana" panose="020B0604030504040204" pitchFamily="34" charset="0"/>
+                <a:ea typeface="Verdana" panose="020B0604030504040204" pitchFamily="34" charset="0"/>
+                <a:cs typeface="Verdana" panose="020B0604030504040204" pitchFamily="34" charset="0"/>
               </a:rPr>
               <a:t>x</a:t>
             </a:r>
             <a:endParaRPr lang="en-GB" sz="3000" dirty="0">
-              <a:latin typeface="Codystar" panose="02000000000000000000" pitchFamily="2" charset="0"/>
-              <a:ea typeface="Codystar" panose="02000000000000000000" pitchFamily="2" charset="0"/>
+              <a:latin typeface="Verdana" panose="020B0604030504040204" pitchFamily="34" charset="0"/>
+              <a:ea typeface="Verdana" panose="020B0604030504040204" pitchFamily="34" charset="0"/>
+              <a:cs typeface="Verdana" panose="020B0604030504040204" pitchFamily="34" charset="0"/>
             </a:endParaRPr>
           </a:p>
         </p:txBody>
@@ -6966,14 +7099,16 @@
             <a:pPr algn="ctr"/>
             <a:r>
               <a:rPr lang="en-AU" sz="3000" dirty="0" smtClean="0">
-                <a:latin typeface="Codystar" panose="02000000000000000000" pitchFamily="2" charset="0"/>
-                <a:ea typeface="Codystar" panose="02000000000000000000" pitchFamily="2" charset="0"/>
+                <a:latin typeface="Verdana" panose="020B0604030504040204" pitchFamily="34" charset="0"/>
+                <a:ea typeface="Verdana" panose="020B0604030504040204" pitchFamily="34" charset="0"/>
+                <a:cs typeface="Verdana" panose="020B0604030504040204" pitchFamily="34" charset="0"/>
               </a:rPr>
               <a:t>t</a:t>
             </a:r>
             <a:endParaRPr lang="en-GB" sz="3000" dirty="0">
-              <a:latin typeface="Codystar" panose="02000000000000000000" pitchFamily="2" charset="0"/>
-              <a:ea typeface="Codystar" panose="02000000000000000000" pitchFamily="2" charset="0"/>
+              <a:latin typeface="Verdana" panose="020B0604030504040204" pitchFamily="34" charset="0"/>
+              <a:ea typeface="Verdana" panose="020B0604030504040204" pitchFamily="34" charset="0"/>
+              <a:cs typeface="Verdana" panose="020B0604030504040204" pitchFamily="34" charset="0"/>
             </a:endParaRPr>
           </a:p>
         </p:txBody>
@@ -7020,14 +7155,16 @@
             <a:pPr algn="ctr"/>
             <a:r>
               <a:rPr lang="en-AU" sz="3000" dirty="0" smtClean="0">
-                <a:latin typeface="Codystar" panose="02000000000000000000" pitchFamily="2" charset="0"/>
-                <a:ea typeface="Codystar" panose="02000000000000000000" pitchFamily="2" charset="0"/>
+                <a:latin typeface="Verdana" panose="020B0604030504040204" pitchFamily="34" charset="0"/>
+                <a:ea typeface="Verdana" panose="020B0604030504040204" pitchFamily="34" charset="0"/>
+                <a:cs typeface="Verdana" panose="020B0604030504040204" pitchFamily="34" charset="0"/>
               </a:rPr>
               <a:t>e</a:t>
             </a:r>
             <a:endParaRPr lang="en-GB" sz="3000" dirty="0">
-              <a:latin typeface="Codystar" panose="02000000000000000000" pitchFamily="2" charset="0"/>
-              <a:ea typeface="Codystar" panose="02000000000000000000" pitchFamily="2" charset="0"/>
+              <a:latin typeface="Verdana" panose="020B0604030504040204" pitchFamily="34" charset="0"/>
+              <a:ea typeface="Verdana" panose="020B0604030504040204" pitchFamily="34" charset="0"/>
+              <a:cs typeface="Verdana" panose="020B0604030504040204" pitchFamily="34" charset="0"/>
             </a:endParaRPr>
           </a:p>
         </p:txBody>
@@ -7074,14 +7211,16 @@
             <a:pPr algn="ctr"/>
             <a:r>
               <a:rPr lang="en-AU" sz="3000" dirty="0" smtClean="0">
-                <a:latin typeface="Codystar" panose="02000000000000000000" pitchFamily="2" charset="0"/>
-                <a:ea typeface="Codystar" panose="02000000000000000000" pitchFamily="2" charset="0"/>
+                <a:latin typeface="Verdana" panose="020B0604030504040204" pitchFamily="34" charset="0"/>
+                <a:ea typeface="Verdana" panose="020B0604030504040204" pitchFamily="34" charset="0"/>
+                <a:cs typeface="Verdana" panose="020B0604030504040204" pitchFamily="34" charset="0"/>
               </a:rPr>
               <a:t>e</a:t>
             </a:r>
             <a:endParaRPr lang="en-GB" sz="3000" dirty="0">
-              <a:latin typeface="Codystar" panose="02000000000000000000" pitchFamily="2" charset="0"/>
-              <a:ea typeface="Codystar" panose="02000000000000000000" pitchFamily="2" charset="0"/>
+              <a:latin typeface="Verdana" panose="020B0604030504040204" pitchFamily="34" charset="0"/>
+              <a:ea typeface="Verdana" panose="020B0604030504040204" pitchFamily="34" charset="0"/>
+              <a:cs typeface="Verdana" panose="020B0604030504040204" pitchFamily="34" charset="0"/>
             </a:endParaRPr>
           </a:p>
         </p:txBody>
@@ -7128,14 +7267,16 @@
             <a:pPr algn="ctr"/>
             <a:r>
               <a:rPr lang="en-AU" sz="3000" dirty="0" smtClean="0">
-                <a:latin typeface="Codystar" panose="02000000000000000000" pitchFamily="2" charset="0"/>
-                <a:ea typeface="Codystar" panose="02000000000000000000" pitchFamily="2" charset="0"/>
+                <a:latin typeface="Verdana" panose="020B0604030504040204" pitchFamily="34" charset="0"/>
+                <a:ea typeface="Verdana" panose="020B0604030504040204" pitchFamily="34" charset="0"/>
+                <a:cs typeface="Verdana" panose="020B0604030504040204" pitchFamily="34" charset="0"/>
               </a:rPr>
               <a:t>n</a:t>
             </a:r>
             <a:endParaRPr lang="en-GB" sz="3000" dirty="0">
-              <a:latin typeface="Codystar" panose="02000000000000000000" pitchFamily="2" charset="0"/>
-              <a:ea typeface="Codystar" panose="02000000000000000000" pitchFamily="2" charset="0"/>
+              <a:latin typeface="Verdana" panose="020B0604030504040204" pitchFamily="34" charset="0"/>
+              <a:ea typeface="Verdana" panose="020B0604030504040204" pitchFamily="34" charset="0"/>
+              <a:cs typeface="Verdana" panose="020B0604030504040204" pitchFamily="34" charset="0"/>
             </a:endParaRPr>
           </a:p>
         </p:txBody>
@@ -7182,14 +7323,16 @@
             <a:pPr algn="ctr"/>
             <a:r>
               <a:rPr lang="en-AU" sz="3000" dirty="0" smtClean="0">
-                <a:latin typeface="Codystar" panose="02000000000000000000" pitchFamily="2" charset="0"/>
-                <a:ea typeface="Codystar" panose="02000000000000000000" pitchFamily="2" charset="0"/>
+                <a:latin typeface="Verdana" panose="020B0604030504040204" pitchFamily="34" charset="0"/>
+                <a:ea typeface="Verdana" panose="020B0604030504040204" pitchFamily="34" charset="0"/>
+                <a:cs typeface="Verdana" panose="020B0604030504040204" pitchFamily="34" charset="0"/>
               </a:rPr>
               <a:t>s</a:t>
             </a:r>
             <a:endParaRPr lang="en-GB" sz="3000" dirty="0">
-              <a:latin typeface="Codystar" panose="02000000000000000000" pitchFamily="2" charset="0"/>
-              <a:ea typeface="Codystar" panose="02000000000000000000" pitchFamily="2" charset="0"/>
+              <a:latin typeface="Verdana" panose="020B0604030504040204" pitchFamily="34" charset="0"/>
+              <a:ea typeface="Verdana" panose="020B0604030504040204" pitchFamily="34" charset="0"/>
+              <a:cs typeface="Verdana" panose="020B0604030504040204" pitchFamily="34" charset="0"/>
             </a:endParaRPr>
           </a:p>
         </p:txBody>
@@ -7236,14 +7379,16 @@
             <a:pPr algn="ctr"/>
             <a:r>
               <a:rPr lang="en-AU" sz="3000" dirty="0" smtClean="0">
-                <a:latin typeface="Codystar" panose="02000000000000000000" pitchFamily="2" charset="0"/>
-                <a:ea typeface="Codystar" panose="02000000000000000000" pitchFamily="2" charset="0"/>
+                <a:latin typeface="Verdana" panose="020B0604030504040204" pitchFamily="34" charset="0"/>
+                <a:ea typeface="Verdana" panose="020B0604030504040204" pitchFamily="34" charset="0"/>
+                <a:cs typeface="Verdana" panose="020B0604030504040204" pitchFamily="34" charset="0"/>
               </a:rPr>
               <a:t>e</a:t>
             </a:r>
             <a:endParaRPr lang="en-GB" sz="3000" dirty="0">
-              <a:latin typeface="Codystar" panose="02000000000000000000" pitchFamily="2" charset="0"/>
-              <a:ea typeface="Codystar" panose="02000000000000000000" pitchFamily="2" charset="0"/>
+              <a:latin typeface="Verdana" panose="020B0604030504040204" pitchFamily="34" charset="0"/>
+              <a:ea typeface="Verdana" panose="020B0604030504040204" pitchFamily="34" charset="0"/>
+              <a:cs typeface="Verdana" panose="020B0604030504040204" pitchFamily="34" charset="0"/>
             </a:endParaRPr>
           </a:p>
         </p:txBody>
@@ -7290,14 +7435,16 @@
             <a:pPr algn="ctr"/>
             <a:r>
               <a:rPr lang="en-AU" sz="3000" dirty="0" smtClean="0">
-                <a:latin typeface="Codystar" panose="02000000000000000000" pitchFamily="2" charset="0"/>
-                <a:ea typeface="Codystar" panose="02000000000000000000" pitchFamily="2" charset="0"/>
+                <a:latin typeface="Verdana" panose="020B0604030504040204" pitchFamily="34" charset="0"/>
+                <a:ea typeface="Verdana" panose="020B0604030504040204" pitchFamily="34" charset="0"/>
+                <a:cs typeface="Verdana" panose="020B0604030504040204" pitchFamily="34" charset="0"/>
               </a:rPr>
               <a:t>v</a:t>
             </a:r>
             <a:endParaRPr lang="en-GB" sz="3000" dirty="0">
-              <a:latin typeface="Codystar" panose="02000000000000000000" pitchFamily="2" charset="0"/>
-              <a:ea typeface="Codystar" panose="02000000000000000000" pitchFamily="2" charset="0"/>
+              <a:latin typeface="Verdana" panose="020B0604030504040204" pitchFamily="34" charset="0"/>
+              <a:ea typeface="Verdana" panose="020B0604030504040204" pitchFamily="34" charset="0"/>
+              <a:cs typeface="Verdana" panose="020B0604030504040204" pitchFamily="34" charset="0"/>
             </a:endParaRPr>
           </a:p>
         </p:txBody>
@@ -7344,14 +7491,16 @@
             <a:pPr algn="ctr"/>
             <a:r>
               <a:rPr lang="en-AU" sz="3000" dirty="0" smtClean="0">
-                <a:latin typeface="Codystar" panose="02000000000000000000" pitchFamily="2" charset="0"/>
-                <a:ea typeface="Codystar" panose="02000000000000000000" pitchFamily="2" charset="0"/>
+                <a:latin typeface="Verdana" panose="020B0604030504040204" pitchFamily="34" charset="0"/>
+                <a:ea typeface="Verdana" panose="020B0604030504040204" pitchFamily="34" charset="0"/>
+                <a:cs typeface="Verdana" panose="020B0604030504040204" pitchFamily="34" charset="0"/>
               </a:rPr>
               <a:t>e</a:t>
             </a:r>
             <a:endParaRPr lang="en-GB" sz="3000" dirty="0">
-              <a:latin typeface="Codystar" panose="02000000000000000000" pitchFamily="2" charset="0"/>
-              <a:ea typeface="Codystar" panose="02000000000000000000" pitchFamily="2" charset="0"/>
+              <a:latin typeface="Verdana" panose="020B0604030504040204" pitchFamily="34" charset="0"/>
+              <a:ea typeface="Verdana" panose="020B0604030504040204" pitchFamily="34" charset="0"/>
+              <a:cs typeface="Verdana" panose="020B0604030504040204" pitchFamily="34" charset="0"/>
             </a:endParaRPr>
           </a:p>
         </p:txBody>
@@ -7398,14 +7547,16 @@
             <a:pPr algn="ctr"/>
             <a:r>
               <a:rPr lang="en-AU" sz="3000" dirty="0" smtClean="0">
-                <a:latin typeface="Codystar" panose="02000000000000000000" pitchFamily="2" charset="0"/>
-                <a:ea typeface="Codystar" panose="02000000000000000000" pitchFamily="2" charset="0"/>
+                <a:latin typeface="Verdana" panose="020B0604030504040204" pitchFamily="34" charset="0"/>
+                <a:ea typeface="Verdana" panose="020B0604030504040204" pitchFamily="34" charset="0"/>
+                <a:cs typeface="Verdana" panose="020B0604030504040204" pitchFamily="34" charset="0"/>
               </a:rPr>
               <a:t>n</a:t>
             </a:r>
             <a:endParaRPr lang="en-GB" sz="3000" dirty="0">
-              <a:latin typeface="Codystar" panose="02000000000000000000" pitchFamily="2" charset="0"/>
-              <a:ea typeface="Codystar" panose="02000000000000000000" pitchFamily="2" charset="0"/>
+              <a:latin typeface="Verdana" panose="020B0604030504040204" pitchFamily="34" charset="0"/>
+              <a:ea typeface="Verdana" panose="020B0604030504040204" pitchFamily="34" charset="0"/>
+              <a:cs typeface="Verdana" panose="020B0604030504040204" pitchFamily="34" charset="0"/>
             </a:endParaRPr>
           </a:p>
         </p:txBody>
@@ -7452,14 +7603,16 @@
             <a:pPr algn="ctr"/>
             <a:r>
               <a:rPr lang="en-AU" sz="3000" dirty="0" smtClean="0">
-                <a:latin typeface="Codystar" panose="02000000000000000000" pitchFamily="2" charset="0"/>
-                <a:ea typeface="Codystar" panose="02000000000000000000" pitchFamily="2" charset="0"/>
+                <a:latin typeface="Verdana" panose="020B0604030504040204" pitchFamily="34" charset="0"/>
+                <a:ea typeface="Verdana" panose="020B0604030504040204" pitchFamily="34" charset="0"/>
+                <a:cs typeface="Verdana" panose="020B0604030504040204" pitchFamily="34" charset="0"/>
               </a:rPr>
               <a:t>t</a:t>
             </a:r>
             <a:endParaRPr lang="en-GB" sz="3000" dirty="0">
-              <a:latin typeface="Codystar" panose="02000000000000000000" pitchFamily="2" charset="0"/>
-              <a:ea typeface="Codystar" panose="02000000000000000000" pitchFamily="2" charset="0"/>
+              <a:latin typeface="Verdana" panose="020B0604030504040204" pitchFamily="34" charset="0"/>
+              <a:ea typeface="Verdana" panose="020B0604030504040204" pitchFamily="34" charset="0"/>
+              <a:cs typeface="Verdana" panose="020B0604030504040204" pitchFamily="34" charset="0"/>
             </a:endParaRPr>
           </a:p>
         </p:txBody>
@@ -7506,14 +7659,16 @@
             <a:pPr algn="ctr"/>
             <a:r>
               <a:rPr lang="en-AU" sz="3000" dirty="0" smtClean="0">
-                <a:latin typeface="Codystar" panose="02000000000000000000" pitchFamily="2" charset="0"/>
-                <a:ea typeface="Codystar" panose="02000000000000000000" pitchFamily="2" charset="0"/>
+                <a:latin typeface="Verdana" panose="020B0604030504040204" pitchFamily="34" charset="0"/>
+                <a:ea typeface="Verdana" panose="020B0604030504040204" pitchFamily="34" charset="0"/>
+                <a:cs typeface="Verdana" panose="020B0604030504040204" pitchFamily="34" charset="0"/>
               </a:rPr>
               <a:t>e</a:t>
             </a:r>
             <a:endParaRPr lang="en-GB" sz="3000" dirty="0">
-              <a:latin typeface="Codystar" panose="02000000000000000000" pitchFamily="2" charset="0"/>
-              <a:ea typeface="Codystar" panose="02000000000000000000" pitchFamily="2" charset="0"/>
+              <a:latin typeface="Verdana" panose="020B0604030504040204" pitchFamily="34" charset="0"/>
+              <a:ea typeface="Verdana" panose="020B0604030504040204" pitchFamily="34" charset="0"/>
+              <a:cs typeface="Verdana" panose="020B0604030504040204" pitchFamily="34" charset="0"/>
             </a:endParaRPr>
           </a:p>
         </p:txBody>
@@ -7560,14 +7715,16 @@
             <a:pPr algn="ctr"/>
             <a:r>
               <a:rPr lang="en-AU" sz="3000" dirty="0" smtClean="0">
-                <a:latin typeface="Codystar" panose="02000000000000000000" pitchFamily="2" charset="0"/>
-                <a:ea typeface="Codystar" panose="02000000000000000000" pitchFamily="2" charset="0"/>
+                <a:latin typeface="Verdana" panose="020B0604030504040204" pitchFamily="34" charset="0"/>
+                <a:ea typeface="Verdana" panose="020B0604030504040204" pitchFamily="34" charset="0"/>
+                <a:cs typeface="Verdana" panose="020B0604030504040204" pitchFamily="34" charset="0"/>
               </a:rPr>
               <a:t>e</a:t>
             </a:r>
             <a:endParaRPr lang="en-GB" sz="3000" dirty="0">
-              <a:latin typeface="Codystar" panose="02000000000000000000" pitchFamily="2" charset="0"/>
-              <a:ea typeface="Codystar" panose="02000000000000000000" pitchFamily="2" charset="0"/>
+              <a:latin typeface="Verdana" panose="020B0604030504040204" pitchFamily="34" charset="0"/>
+              <a:ea typeface="Verdana" panose="020B0604030504040204" pitchFamily="34" charset="0"/>
+              <a:cs typeface="Verdana" panose="020B0604030504040204" pitchFamily="34" charset="0"/>
             </a:endParaRPr>
           </a:p>
         </p:txBody>
@@ -7614,14 +7771,16 @@
             <a:pPr algn="ctr"/>
             <a:r>
               <a:rPr lang="en-AU" sz="3000" dirty="0" smtClean="0">
-                <a:latin typeface="Codystar" panose="02000000000000000000" pitchFamily="2" charset="0"/>
-                <a:ea typeface="Codystar" panose="02000000000000000000" pitchFamily="2" charset="0"/>
+                <a:latin typeface="Verdana" panose="020B0604030504040204" pitchFamily="34" charset="0"/>
+                <a:ea typeface="Verdana" panose="020B0604030504040204" pitchFamily="34" charset="0"/>
+                <a:cs typeface="Verdana" panose="020B0604030504040204" pitchFamily="34" charset="0"/>
               </a:rPr>
               <a:t>n</a:t>
             </a:r>
             <a:endParaRPr lang="en-GB" sz="3000" dirty="0">
-              <a:latin typeface="Codystar" panose="02000000000000000000" pitchFamily="2" charset="0"/>
-              <a:ea typeface="Codystar" panose="02000000000000000000" pitchFamily="2" charset="0"/>
+              <a:latin typeface="Verdana" panose="020B0604030504040204" pitchFamily="34" charset="0"/>
+              <a:ea typeface="Verdana" panose="020B0604030504040204" pitchFamily="34" charset="0"/>
+              <a:cs typeface="Verdana" panose="020B0604030504040204" pitchFamily="34" charset="0"/>
             </a:endParaRPr>
           </a:p>
         </p:txBody>
@@ -7668,14 +7827,16 @@
             <a:pPr algn="ctr"/>
             <a:r>
               <a:rPr lang="en-AU" sz="3000" dirty="0" smtClean="0">
-                <a:latin typeface="Codystar" panose="02000000000000000000" pitchFamily="2" charset="0"/>
-                <a:ea typeface="Codystar" panose="02000000000000000000" pitchFamily="2" charset="0"/>
+                <a:latin typeface="Verdana" panose="020B0604030504040204" pitchFamily="34" charset="0"/>
+                <a:ea typeface="Verdana" panose="020B0604030504040204" pitchFamily="34" charset="0"/>
+                <a:cs typeface="Verdana" panose="020B0604030504040204" pitchFamily="34" charset="0"/>
               </a:rPr>
               <a:t>t</a:t>
             </a:r>
             <a:endParaRPr lang="en-GB" sz="3000" dirty="0">
-              <a:latin typeface="Codystar" panose="02000000000000000000" pitchFamily="2" charset="0"/>
-              <a:ea typeface="Codystar" panose="02000000000000000000" pitchFamily="2" charset="0"/>
+              <a:latin typeface="Verdana" panose="020B0604030504040204" pitchFamily="34" charset="0"/>
+              <a:ea typeface="Verdana" panose="020B0604030504040204" pitchFamily="34" charset="0"/>
+              <a:cs typeface="Verdana" panose="020B0604030504040204" pitchFamily="34" charset="0"/>
             </a:endParaRPr>
           </a:p>
         </p:txBody>
@@ -7722,14 +7883,16 @@
             <a:pPr algn="ctr"/>
             <a:r>
               <a:rPr lang="en-AU" sz="3000" dirty="0" smtClean="0">
-                <a:latin typeface="Codystar" panose="02000000000000000000" pitchFamily="2" charset="0"/>
-                <a:ea typeface="Codystar" panose="02000000000000000000" pitchFamily="2" charset="0"/>
+                <a:latin typeface="Verdana" panose="020B0604030504040204" pitchFamily="34" charset="0"/>
+                <a:ea typeface="Verdana" panose="020B0604030504040204" pitchFamily="34" charset="0"/>
+                <a:cs typeface="Verdana" panose="020B0604030504040204" pitchFamily="34" charset="0"/>
               </a:rPr>
               <a:t>h</a:t>
             </a:r>
             <a:endParaRPr lang="en-GB" sz="3000" dirty="0">
-              <a:latin typeface="Codystar" panose="02000000000000000000" pitchFamily="2" charset="0"/>
-              <a:ea typeface="Codystar" panose="02000000000000000000" pitchFamily="2" charset="0"/>
+              <a:latin typeface="Verdana" panose="020B0604030504040204" pitchFamily="34" charset="0"/>
+              <a:ea typeface="Verdana" panose="020B0604030504040204" pitchFamily="34" charset="0"/>
+              <a:cs typeface="Verdana" panose="020B0604030504040204" pitchFamily="34" charset="0"/>
             </a:endParaRPr>
           </a:p>
         </p:txBody>
@@ -7776,14 +7939,16 @@
             <a:pPr algn="ctr"/>
             <a:r>
               <a:rPr lang="en-AU" sz="3000" dirty="0" smtClean="0">
-                <a:latin typeface="Codystar" panose="02000000000000000000" pitchFamily="2" charset="0"/>
-                <a:ea typeface="Codystar" panose="02000000000000000000" pitchFamily="2" charset="0"/>
+                <a:latin typeface="Verdana" panose="020B0604030504040204" pitchFamily="34" charset="0"/>
+                <a:ea typeface="Verdana" panose="020B0604030504040204" pitchFamily="34" charset="0"/>
+                <a:cs typeface="Verdana" panose="020B0604030504040204" pitchFamily="34" charset="0"/>
               </a:rPr>
               <a:t>r</a:t>
             </a:r>
             <a:endParaRPr lang="en-GB" sz="3000" dirty="0">
-              <a:latin typeface="Codystar" panose="02000000000000000000" pitchFamily="2" charset="0"/>
-              <a:ea typeface="Codystar" panose="02000000000000000000" pitchFamily="2" charset="0"/>
+              <a:latin typeface="Verdana" panose="020B0604030504040204" pitchFamily="34" charset="0"/>
+              <a:ea typeface="Verdana" panose="020B0604030504040204" pitchFamily="34" charset="0"/>
+              <a:cs typeface="Verdana" panose="020B0604030504040204" pitchFamily="34" charset="0"/>
             </a:endParaRPr>
           </a:p>
         </p:txBody>
@@ -7830,14 +7995,16 @@
             <a:pPr algn="ctr"/>
             <a:r>
               <a:rPr lang="en-AU" sz="3000" dirty="0" smtClean="0">
-                <a:latin typeface="Codystar" panose="02000000000000000000" pitchFamily="2" charset="0"/>
-                <a:ea typeface="Codystar" panose="02000000000000000000" pitchFamily="2" charset="0"/>
+                <a:latin typeface="Verdana" panose="020B0604030504040204" pitchFamily="34" charset="0"/>
+                <a:ea typeface="Verdana" panose="020B0604030504040204" pitchFamily="34" charset="0"/>
+                <a:cs typeface="Verdana" panose="020B0604030504040204" pitchFamily="34" charset="0"/>
               </a:rPr>
               <a:t>e</a:t>
             </a:r>
             <a:endParaRPr lang="en-GB" sz="3000" dirty="0">
-              <a:latin typeface="Codystar" panose="02000000000000000000" pitchFamily="2" charset="0"/>
-              <a:ea typeface="Codystar" panose="02000000000000000000" pitchFamily="2" charset="0"/>
+              <a:latin typeface="Verdana" panose="020B0604030504040204" pitchFamily="34" charset="0"/>
+              <a:ea typeface="Verdana" panose="020B0604030504040204" pitchFamily="34" charset="0"/>
+              <a:cs typeface="Verdana" panose="020B0604030504040204" pitchFamily="34" charset="0"/>
             </a:endParaRPr>
           </a:p>
         </p:txBody>
@@ -7884,14 +8051,16 @@
             <a:pPr algn="ctr"/>
             <a:r>
               <a:rPr lang="en-AU" sz="3000" dirty="0" smtClean="0">
-                <a:latin typeface="Codystar" panose="02000000000000000000" pitchFamily="2" charset="0"/>
-                <a:ea typeface="Codystar" panose="02000000000000000000" pitchFamily="2" charset="0"/>
+                <a:latin typeface="Verdana" panose="020B0604030504040204" pitchFamily="34" charset="0"/>
+                <a:ea typeface="Verdana" panose="020B0604030504040204" pitchFamily="34" charset="0"/>
+                <a:cs typeface="Verdana" panose="020B0604030504040204" pitchFamily="34" charset="0"/>
               </a:rPr>
               <a:t>e</a:t>
             </a:r>
             <a:endParaRPr lang="en-GB" sz="3000" dirty="0">
-              <a:latin typeface="Codystar" panose="02000000000000000000" pitchFamily="2" charset="0"/>
-              <a:ea typeface="Codystar" panose="02000000000000000000" pitchFamily="2" charset="0"/>
+              <a:latin typeface="Verdana" panose="020B0604030504040204" pitchFamily="34" charset="0"/>
+              <a:ea typeface="Verdana" panose="020B0604030504040204" pitchFamily="34" charset="0"/>
+              <a:cs typeface="Verdana" panose="020B0604030504040204" pitchFamily="34" charset="0"/>
             </a:endParaRPr>
           </a:p>
         </p:txBody>
@@ -7938,14 +8107,16 @@
             <a:pPr algn="ctr"/>
             <a:r>
               <a:rPr lang="en-AU" sz="3000" dirty="0" smtClean="0">
-                <a:latin typeface="Codystar" panose="02000000000000000000" pitchFamily="2" charset="0"/>
-                <a:ea typeface="Codystar" panose="02000000000000000000" pitchFamily="2" charset="0"/>
+                <a:latin typeface="Verdana" panose="020B0604030504040204" pitchFamily="34" charset="0"/>
+                <a:ea typeface="Verdana" panose="020B0604030504040204" pitchFamily="34" charset="0"/>
+                <a:cs typeface="Verdana" panose="020B0604030504040204" pitchFamily="34" charset="0"/>
               </a:rPr>
               <a:t>e</a:t>
             </a:r>
             <a:endParaRPr lang="en-GB" sz="3000" dirty="0">
-              <a:latin typeface="Codystar" panose="02000000000000000000" pitchFamily="2" charset="0"/>
-              <a:ea typeface="Codystar" panose="02000000000000000000" pitchFamily="2" charset="0"/>
+              <a:latin typeface="Verdana" panose="020B0604030504040204" pitchFamily="34" charset="0"/>
+              <a:ea typeface="Verdana" panose="020B0604030504040204" pitchFamily="34" charset="0"/>
+              <a:cs typeface="Verdana" panose="020B0604030504040204" pitchFamily="34" charset="0"/>
             </a:endParaRPr>
           </a:p>
         </p:txBody>
@@ -7992,14 +8163,16 @@
             <a:pPr algn="ctr"/>
             <a:r>
               <a:rPr lang="en-AU" sz="3000" dirty="0" err="1" smtClean="0">
-                <a:latin typeface="Codystar" panose="02000000000000000000" pitchFamily="2" charset="0"/>
-                <a:ea typeface="Codystar" panose="02000000000000000000" pitchFamily="2" charset="0"/>
+                <a:latin typeface="Verdana" panose="020B0604030504040204" pitchFamily="34" charset="0"/>
+                <a:ea typeface="Verdana" panose="020B0604030504040204" pitchFamily="34" charset="0"/>
+                <a:cs typeface="Verdana" panose="020B0604030504040204" pitchFamily="34" charset="0"/>
               </a:rPr>
               <a:t>i</a:t>
             </a:r>
             <a:endParaRPr lang="en-GB" sz="3000" dirty="0">
-              <a:latin typeface="Codystar" panose="02000000000000000000" pitchFamily="2" charset="0"/>
-              <a:ea typeface="Codystar" panose="02000000000000000000" pitchFamily="2" charset="0"/>
+              <a:latin typeface="Verdana" panose="020B0604030504040204" pitchFamily="34" charset="0"/>
+              <a:ea typeface="Verdana" panose="020B0604030504040204" pitchFamily="34" charset="0"/>
+              <a:cs typeface="Verdana" panose="020B0604030504040204" pitchFamily="34" charset="0"/>
             </a:endParaRPr>
           </a:p>
         </p:txBody>
@@ -8046,14 +8219,16 @@
             <a:pPr algn="ctr"/>
             <a:r>
               <a:rPr lang="en-AU" sz="3000" dirty="0" smtClean="0">
-                <a:latin typeface="Codystar" panose="02000000000000000000" pitchFamily="2" charset="0"/>
-                <a:ea typeface="Codystar" panose="02000000000000000000" pitchFamily="2" charset="0"/>
+                <a:latin typeface="Verdana" panose="020B0604030504040204" pitchFamily="34" charset="0"/>
+                <a:ea typeface="Verdana" panose="020B0604030504040204" pitchFamily="34" charset="0"/>
+                <a:cs typeface="Verdana" panose="020B0604030504040204" pitchFamily="34" charset="0"/>
               </a:rPr>
               <a:t>g</a:t>
             </a:r>
             <a:endParaRPr lang="en-GB" sz="3000" dirty="0">
-              <a:latin typeface="Codystar" panose="02000000000000000000" pitchFamily="2" charset="0"/>
-              <a:ea typeface="Codystar" panose="02000000000000000000" pitchFamily="2" charset="0"/>
+              <a:latin typeface="Verdana" panose="020B0604030504040204" pitchFamily="34" charset="0"/>
+              <a:ea typeface="Verdana" panose="020B0604030504040204" pitchFamily="34" charset="0"/>
+              <a:cs typeface="Verdana" panose="020B0604030504040204" pitchFamily="34" charset="0"/>
             </a:endParaRPr>
           </a:p>
         </p:txBody>
@@ -8100,14 +8275,16 @@
             <a:pPr algn="ctr"/>
             <a:r>
               <a:rPr lang="en-AU" sz="3000" dirty="0" smtClean="0">
-                <a:latin typeface="Codystar" panose="02000000000000000000" pitchFamily="2" charset="0"/>
-                <a:ea typeface="Codystar" panose="02000000000000000000" pitchFamily="2" charset="0"/>
+                <a:latin typeface="Verdana" panose="020B0604030504040204" pitchFamily="34" charset="0"/>
+                <a:ea typeface="Verdana" panose="020B0604030504040204" pitchFamily="34" charset="0"/>
+                <a:cs typeface="Verdana" panose="020B0604030504040204" pitchFamily="34" charset="0"/>
               </a:rPr>
               <a:t>h</a:t>
             </a:r>
             <a:endParaRPr lang="en-GB" sz="3000" dirty="0">
-              <a:latin typeface="Codystar" panose="02000000000000000000" pitchFamily="2" charset="0"/>
-              <a:ea typeface="Codystar" panose="02000000000000000000" pitchFamily="2" charset="0"/>
+              <a:latin typeface="Verdana" panose="020B0604030504040204" pitchFamily="34" charset="0"/>
+              <a:ea typeface="Verdana" panose="020B0604030504040204" pitchFamily="34" charset="0"/>
+              <a:cs typeface="Verdana" panose="020B0604030504040204" pitchFamily="34" charset="0"/>
             </a:endParaRPr>
           </a:p>
         </p:txBody>
@@ -8154,14 +8331,16 @@
             <a:pPr algn="ctr"/>
             <a:r>
               <a:rPr lang="en-AU" sz="3000" dirty="0" smtClean="0">
-                <a:latin typeface="Codystar" panose="02000000000000000000" pitchFamily="2" charset="0"/>
-                <a:ea typeface="Codystar" panose="02000000000000000000" pitchFamily="2" charset="0"/>
+                <a:latin typeface="Verdana" panose="020B0604030504040204" pitchFamily="34" charset="0"/>
+                <a:ea typeface="Verdana" panose="020B0604030504040204" pitchFamily="34" charset="0"/>
+                <a:cs typeface="Verdana" panose="020B0604030504040204" pitchFamily="34" charset="0"/>
               </a:rPr>
               <a:t>t</a:t>
             </a:r>
             <a:endParaRPr lang="en-GB" sz="3000" dirty="0">
-              <a:latin typeface="Codystar" panose="02000000000000000000" pitchFamily="2" charset="0"/>
-              <a:ea typeface="Codystar" panose="02000000000000000000" pitchFamily="2" charset="0"/>
+              <a:latin typeface="Verdana" panose="020B0604030504040204" pitchFamily="34" charset="0"/>
+              <a:ea typeface="Verdana" panose="020B0604030504040204" pitchFamily="34" charset="0"/>
+              <a:cs typeface="Verdana" panose="020B0604030504040204" pitchFamily="34" charset="0"/>
             </a:endParaRPr>
           </a:p>
         </p:txBody>
@@ -8208,14 +8387,16 @@
             <a:pPr algn="ctr"/>
             <a:r>
               <a:rPr lang="en-AU" sz="3000" dirty="0" smtClean="0">
-                <a:latin typeface="Codystar" panose="02000000000000000000" pitchFamily="2" charset="0"/>
-                <a:ea typeface="Codystar" panose="02000000000000000000" pitchFamily="2" charset="0"/>
+                <a:latin typeface="Verdana" panose="020B0604030504040204" pitchFamily="34" charset="0"/>
+                <a:ea typeface="Verdana" panose="020B0604030504040204" pitchFamily="34" charset="0"/>
+                <a:cs typeface="Verdana" panose="020B0604030504040204" pitchFamily="34" charset="0"/>
               </a:rPr>
               <a:t>e</a:t>
             </a:r>
             <a:endParaRPr lang="en-GB" sz="3000" dirty="0">
-              <a:latin typeface="Codystar" panose="02000000000000000000" pitchFamily="2" charset="0"/>
-              <a:ea typeface="Codystar" panose="02000000000000000000" pitchFamily="2" charset="0"/>
+              <a:latin typeface="Verdana" panose="020B0604030504040204" pitchFamily="34" charset="0"/>
+              <a:ea typeface="Verdana" panose="020B0604030504040204" pitchFamily="34" charset="0"/>
+              <a:cs typeface="Verdana" panose="020B0604030504040204" pitchFamily="34" charset="0"/>
             </a:endParaRPr>
           </a:p>
         </p:txBody>
@@ -8262,14 +8443,16 @@
             <a:pPr algn="ctr"/>
             <a:r>
               <a:rPr lang="en-AU" sz="3000" dirty="0" smtClean="0">
-                <a:latin typeface="Codystar" panose="02000000000000000000" pitchFamily="2" charset="0"/>
-                <a:ea typeface="Codystar" panose="02000000000000000000" pitchFamily="2" charset="0"/>
+                <a:latin typeface="Verdana" panose="020B0604030504040204" pitchFamily="34" charset="0"/>
+                <a:ea typeface="Verdana" panose="020B0604030504040204" pitchFamily="34" charset="0"/>
+                <a:cs typeface="Verdana" panose="020B0604030504040204" pitchFamily="34" charset="0"/>
               </a:rPr>
               <a:t>e</a:t>
             </a:r>
             <a:endParaRPr lang="en-GB" sz="3000" dirty="0">
-              <a:latin typeface="Codystar" panose="02000000000000000000" pitchFamily="2" charset="0"/>
-              <a:ea typeface="Codystar" panose="02000000000000000000" pitchFamily="2" charset="0"/>
+              <a:latin typeface="Verdana" panose="020B0604030504040204" pitchFamily="34" charset="0"/>
+              <a:ea typeface="Verdana" panose="020B0604030504040204" pitchFamily="34" charset="0"/>
+              <a:cs typeface="Verdana" panose="020B0604030504040204" pitchFamily="34" charset="0"/>
             </a:endParaRPr>
           </a:p>
         </p:txBody>
@@ -8316,14 +8499,16 @@
             <a:pPr algn="ctr"/>
             <a:r>
               <a:rPr lang="en-AU" sz="3000" dirty="0">
-                <a:latin typeface="Codystar" panose="02000000000000000000" pitchFamily="2" charset="0"/>
-                <a:ea typeface="Codystar" panose="02000000000000000000" pitchFamily="2" charset="0"/>
+                <a:latin typeface="Verdana" panose="020B0604030504040204" pitchFamily="34" charset="0"/>
+                <a:ea typeface="Verdana" panose="020B0604030504040204" pitchFamily="34" charset="0"/>
+                <a:cs typeface="Verdana" panose="020B0604030504040204" pitchFamily="34" charset="0"/>
               </a:rPr>
               <a:t>n</a:t>
             </a:r>
             <a:endParaRPr lang="en-GB" sz="3000" dirty="0">
-              <a:latin typeface="Codystar" panose="02000000000000000000" pitchFamily="2" charset="0"/>
-              <a:ea typeface="Codystar" panose="02000000000000000000" pitchFamily="2" charset="0"/>
+              <a:latin typeface="Verdana" panose="020B0604030504040204" pitchFamily="34" charset="0"/>
+              <a:ea typeface="Verdana" panose="020B0604030504040204" pitchFamily="34" charset="0"/>
+              <a:cs typeface="Verdana" panose="020B0604030504040204" pitchFamily="34" charset="0"/>
             </a:endParaRPr>
           </a:p>
         </p:txBody>
@@ -8370,14 +8555,16 @@
             <a:pPr algn="ctr"/>
             <a:r>
               <a:rPr lang="en-AU" sz="3000" dirty="0" smtClean="0">
-                <a:latin typeface="Codystar" panose="02000000000000000000" pitchFamily="2" charset="0"/>
-                <a:ea typeface="Codystar" panose="02000000000000000000" pitchFamily="2" charset="0"/>
+                <a:latin typeface="Verdana" panose="020B0604030504040204" pitchFamily="34" charset="0"/>
+                <a:ea typeface="Verdana" panose="020B0604030504040204" pitchFamily="34" charset="0"/>
+                <a:cs typeface="Verdana" panose="020B0604030504040204" pitchFamily="34" charset="0"/>
               </a:rPr>
               <a:t>e</a:t>
             </a:r>
             <a:endParaRPr lang="en-GB" sz="3000" dirty="0">
-              <a:latin typeface="Codystar" panose="02000000000000000000" pitchFamily="2" charset="0"/>
-              <a:ea typeface="Codystar" panose="02000000000000000000" pitchFamily="2" charset="0"/>
+              <a:latin typeface="Verdana" panose="020B0604030504040204" pitchFamily="34" charset="0"/>
+              <a:ea typeface="Verdana" panose="020B0604030504040204" pitchFamily="34" charset="0"/>
+              <a:cs typeface="Verdana" panose="020B0604030504040204" pitchFamily="34" charset="0"/>
             </a:endParaRPr>
           </a:p>
         </p:txBody>
@@ -8424,14 +8611,16 @@
             <a:pPr algn="ctr"/>
             <a:r>
               <a:rPr lang="en-AU" sz="3000" dirty="0" smtClean="0">
-                <a:latin typeface="Codystar" panose="02000000000000000000" pitchFamily="2" charset="0"/>
-                <a:ea typeface="Codystar" panose="02000000000000000000" pitchFamily="2" charset="0"/>
+                <a:latin typeface="Verdana" panose="020B0604030504040204" pitchFamily="34" charset="0"/>
+                <a:ea typeface="Verdana" panose="020B0604030504040204" pitchFamily="34" charset="0"/>
+                <a:cs typeface="Verdana" panose="020B0604030504040204" pitchFamily="34" charset="0"/>
               </a:rPr>
               <a:t>l</a:t>
             </a:r>
             <a:endParaRPr lang="en-GB" sz="3000" dirty="0">
-              <a:latin typeface="Codystar" panose="02000000000000000000" pitchFamily="2" charset="0"/>
-              <a:ea typeface="Codystar" panose="02000000000000000000" pitchFamily="2" charset="0"/>
+              <a:latin typeface="Verdana" panose="020B0604030504040204" pitchFamily="34" charset="0"/>
+              <a:ea typeface="Verdana" panose="020B0604030504040204" pitchFamily="34" charset="0"/>
+              <a:cs typeface="Verdana" panose="020B0604030504040204" pitchFamily="34" charset="0"/>
             </a:endParaRPr>
           </a:p>
         </p:txBody>
@@ -8478,14 +8667,16 @@
             <a:pPr algn="ctr"/>
             <a:r>
               <a:rPr lang="en-AU" sz="3000" dirty="0" smtClean="0">
-                <a:latin typeface="Codystar" panose="02000000000000000000" pitchFamily="2" charset="0"/>
-                <a:ea typeface="Codystar" panose="02000000000000000000" pitchFamily="2" charset="0"/>
+                <a:latin typeface="Verdana" panose="020B0604030504040204" pitchFamily="34" charset="0"/>
+                <a:ea typeface="Verdana" panose="020B0604030504040204" pitchFamily="34" charset="0"/>
+                <a:cs typeface="Verdana" panose="020B0604030504040204" pitchFamily="34" charset="0"/>
               </a:rPr>
               <a:t>e</a:t>
             </a:r>
             <a:endParaRPr lang="en-GB" sz="3000" dirty="0">
-              <a:latin typeface="Codystar" panose="02000000000000000000" pitchFamily="2" charset="0"/>
-              <a:ea typeface="Codystar" panose="02000000000000000000" pitchFamily="2" charset="0"/>
+              <a:latin typeface="Verdana" panose="020B0604030504040204" pitchFamily="34" charset="0"/>
+              <a:ea typeface="Verdana" panose="020B0604030504040204" pitchFamily="34" charset="0"/>
+              <a:cs typeface="Verdana" panose="020B0604030504040204" pitchFamily="34" charset="0"/>
             </a:endParaRPr>
           </a:p>
         </p:txBody>
@@ -8532,14 +8723,16 @@
             <a:pPr algn="ctr"/>
             <a:r>
               <a:rPr lang="en-AU" sz="3000" dirty="0" smtClean="0">
-                <a:latin typeface="Codystar" panose="02000000000000000000" pitchFamily="2" charset="0"/>
-                <a:ea typeface="Codystar" panose="02000000000000000000" pitchFamily="2" charset="0"/>
+                <a:latin typeface="Verdana" panose="020B0604030504040204" pitchFamily="34" charset="0"/>
+                <a:ea typeface="Verdana" panose="020B0604030504040204" pitchFamily="34" charset="0"/>
+                <a:cs typeface="Verdana" panose="020B0604030504040204" pitchFamily="34" charset="0"/>
               </a:rPr>
               <a:t>v</a:t>
             </a:r>
             <a:endParaRPr lang="en-GB" sz="3000" dirty="0">
-              <a:latin typeface="Codystar" panose="02000000000000000000" pitchFamily="2" charset="0"/>
-              <a:ea typeface="Codystar" panose="02000000000000000000" pitchFamily="2" charset="0"/>
+              <a:latin typeface="Verdana" panose="020B0604030504040204" pitchFamily="34" charset="0"/>
+              <a:ea typeface="Verdana" panose="020B0604030504040204" pitchFamily="34" charset="0"/>
+              <a:cs typeface="Verdana" panose="020B0604030504040204" pitchFamily="34" charset="0"/>
             </a:endParaRPr>
           </a:p>
         </p:txBody>
@@ -8586,14 +8779,16 @@
             <a:pPr algn="ctr"/>
             <a:r>
               <a:rPr lang="en-AU" sz="3000" dirty="0" smtClean="0">
-                <a:latin typeface="Codystar" panose="02000000000000000000" pitchFamily="2" charset="0"/>
-                <a:ea typeface="Codystar" panose="02000000000000000000" pitchFamily="2" charset="0"/>
+                <a:latin typeface="Verdana" panose="020B0604030504040204" pitchFamily="34" charset="0"/>
+                <a:ea typeface="Verdana" panose="020B0604030504040204" pitchFamily="34" charset="0"/>
+                <a:cs typeface="Verdana" panose="020B0604030504040204" pitchFamily="34" charset="0"/>
               </a:rPr>
               <a:t>e</a:t>
             </a:r>
             <a:endParaRPr lang="en-GB" sz="3000" dirty="0">
-              <a:latin typeface="Codystar" panose="02000000000000000000" pitchFamily="2" charset="0"/>
-              <a:ea typeface="Codystar" panose="02000000000000000000" pitchFamily="2" charset="0"/>
+              <a:latin typeface="Verdana" panose="020B0604030504040204" pitchFamily="34" charset="0"/>
+              <a:ea typeface="Verdana" panose="020B0604030504040204" pitchFamily="34" charset="0"/>
+              <a:cs typeface="Verdana" panose="020B0604030504040204" pitchFamily="34" charset="0"/>
             </a:endParaRPr>
           </a:p>
         </p:txBody>
@@ -8640,14 +8835,16 @@
             <a:pPr algn="ctr"/>
             <a:r>
               <a:rPr lang="en-AU" sz="3000" dirty="0" smtClean="0">
-                <a:latin typeface="Codystar" panose="02000000000000000000" pitchFamily="2" charset="0"/>
-                <a:ea typeface="Codystar" panose="02000000000000000000" pitchFamily="2" charset="0"/>
+                <a:latin typeface="Verdana" panose="020B0604030504040204" pitchFamily="34" charset="0"/>
+                <a:ea typeface="Verdana" panose="020B0604030504040204" pitchFamily="34" charset="0"/>
+                <a:cs typeface="Verdana" panose="020B0604030504040204" pitchFamily="34" charset="0"/>
               </a:rPr>
               <a:t>n</a:t>
             </a:r>
             <a:endParaRPr lang="en-GB" sz="3000" dirty="0">
-              <a:latin typeface="Codystar" panose="02000000000000000000" pitchFamily="2" charset="0"/>
-              <a:ea typeface="Codystar" panose="02000000000000000000" pitchFamily="2" charset="0"/>
+              <a:latin typeface="Verdana" panose="020B0604030504040204" pitchFamily="34" charset="0"/>
+              <a:ea typeface="Verdana" panose="020B0604030504040204" pitchFamily="34" charset="0"/>
+              <a:cs typeface="Verdana" panose="020B0604030504040204" pitchFamily="34" charset="0"/>
             </a:endParaRPr>
           </a:p>
         </p:txBody>
@@ -8694,14 +8891,16 @@
             <a:pPr algn="ctr"/>
             <a:r>
               <a:rPr lang="en-AU" sz="3000" dirty="0" smtClean="0">
-                <a:latin typeface="Codystar" panose="02000000000000000000" pitchFamily="2" charset="0"/>
-                <a:ea typeface="Codystar" panose="02000000000000000000" pitchFamily="2" charset="0"/>
+                <a:latin typeface="Verdana" panose="020B0604030504040204" pitchFamily="34" charset="0"/>
+                <a:ea typeface="Verdana" panose="020B0604030504040204" pitchFamily="34" charset="0"/>
+                <a:cs typeface="Verdana" panose="020B0604030504040204" pitchFamily="34" charset="0"/>
               </a:rPr>
               <a:t>n</a:t>
             </a:r>
             <a:endParaRPr lang="en-GB" sz="3000" dirty="0">
-              <a:latin typeface="Codystar" panose="02000000000000000000" pitchFamily="2" charset="0"/>
-              <a:ea typeface="Codystar" panose="02000000000000000000" pitchFamily="2" charset="0"/>
+              <a:latin typeface="Verdana" panose="020B0604030504040204" pitchFamily="34" charset="0"/>
+              <a:ea typeface="Verdana" panose="020B0604030504040204" pitchFamily="34" charset="0"/>
+              <a:cs typeface="Verdana" panose="020B0604030504040204" pitchFamily="34" charset="0"/>
             </a:endParaRPr>
           </a:p>
         </p:txBody>
@@ -8748,14 +8947,16 @@
             <a:pPr algn="ctr"/>
             <a:r>
               <a:rPr lang="en-AU" sz="3000" dirty="0" err="1" smtClean="0">
-                <a:latin typeface="Codystar" panose="02000000000000000000" pitchFamily="2" charset="0"/>
-                <a:ea typeface="Codystar" panose="02000000000000000000" pitchFamily="2" charset="0"/>
+                <a:latin typeface="Verdana" panose="020B0604030504040204" pitchFamily="34" charset="0"/>
+                <a:ea typeface="Verdana" panose="020B0604030504040204" pitchFamily="34" charset="0"/>
+                <a:cs typeface="Verdana" panose="020B0604030504040204" pitchFamily="34" charset="0"/>
               </a:rPr>
               <a:t>i</a:t>
             </a:r>
             <a:endParaRPr lang="en-GB" sz="3000" dirty="0">
-              <a:latin typeface="Codystar" panose="02000000000000000000" pitchFamily="2" charset="0"/>
-              <a:ea typeface="Codystar" panose="02000000000000000000" pitchFamily="2" charset="0"/>
+              <a:latin typeface="Verdana" panose="020B0604030504040204" pitchFamily="34" charset="0"/>
+              <a:ea typeface="Verdana" panose="020B0604030504040204" pitchFamily="34" charset="0"/>
+              <a:cs typeface="Verdana" panose="020B0604030504040204" pitchFamily="34" charset="0"/>
             </a:endParaRPr>
           </a:p>
         </p:txBody>
@@ -8802,14 +9003,16 @@
             <a:pPr algn="ctr"/>
             <a:r>
               <a:rPr lang="en-AU" sz="3000" dirty="0" smtClean="0">
-                <a:latin typeface="Codystar" panose="02000000000000000000" pitchFamily="2" charset="0"/>
-                <a:ea typeface="Codystar" panose="02000000000000000000" pitchFamily="2" charset="0"/>
+                <a:latin typeface="Verdana" panose="020B0604030504040204" pitchFamily="34" charset="0"/>
+                <a:ea typeface="Verdana" panose="020B0604030504040204" pitchFamily="34" charset="0"/>
+                <a:cs typeface="Verdana" panose="020B0604030504040204" pitchFamily="34" charset="0"/>
               </a:rPr>
               <a:t>n</a:t>
             </a:r>
             <a:endParaRPr lang="en-GB" sz="3000" dirty="0">
-              <a:latin typeface="Codystar" panose="02000000000000000000" pitchFamily="2" charset="0"/>
-              <a:ea typeface="Codystar" panose="02000000000000000000" pitchFamily="2" charset="0"/>
+              <a:latin typeface="Verdana" panose="020B0604030504040204" pitchFamily="34" charset="0"/>
+              <a:ea typeface="Verdana" panose="020B0604030504040204" pitchFamily="34" charset="0"/>
+              <a:cs typeface="Verdana" panose="020B0604030504040204" pitchFamily="34" charset="0"/>
             </a:endParaRPr>
           </a:p>
         </p:txBody>
@@ -8856,14 +9059,16 @@
             <a:pPr algn="ctr"/>
             <a:r>
               <a:rPr lang="en-AU" sz="3000" dirty="0" smtClean="0">
-                <a:latin typeface="Codystar" panose="02000000000000000000" pitchFamily="2" charset="0"/>
-                <a:ea typeface="Codystar" panose="02000000000000000000" pitchFamily="2" charset="0"/>
+                <a:latin typeface="Verdana" panose="020B0604030504040204" pitchFamily="34" charset="0"/>
+                <a:ea typeface="Verdana" panose="020B0604030504040204" pitchFamily="34" charset="0"/>
+                <a:cs typeface="Verdana" panose="020B0604030504040204" pitchFamily="34" charset="0"/>
               </a:rPr>
               <a:t>e</a:t>
             </a:r>
             <a:endParaRPr lang="en-GB" sz="3000" dirty="0">
-              <a:latin typeface="Codystar" panose="02000000000000000000" pitchFamily="2" charset="0"/>
-              <a:ea typeface="Codystar" panose="02000000000000000000" pitchFamily="2" charset="0"/>
+              <a:latin typeface="Verdana" panose="020B0604030504040204" pitchFamily="34" charset="0"/>
+              <a:ea typeface="Verdana" panose="020B0604030504040204" pitchFamily="34" charset="0"/>
+              <a:cs typeface="Verdana" panose="020B0604030504040204" pitchFamily="34" charset="0"/>
             </a:endParaRPr>
           </a:p>
         </p:txBody>
@@ -8910,14 +9115,16 @@
             <a:pPr algn="ctr"/>
             <a:r>
               <a:rPr lang="en-AU" sz="3000" dirty="0" smtClean="0">
-                <a:latin typeface="Codystar" panose="02000000000000000000" pitchFamily="2" charset="0"/>
-                <a:ea typeface="Codystar" panose="02000000000000000000" pitchFamily="2" charset="0"/>
+                <a:latin typeface="Verdana" panose="020B0604030504040204" pitchFamily="34" charset="0"/>
+                <a:ea typeface="Verdana" panose="020B0604030504040204" pitchFamily="34" charset="0"/>
+                <a:cs typeface="Verdana" panose="020B0604030504040204" pitchFamily="34" charset="0"/>
               </a:rPr>
               <a:t>t</a:t>
             </a:r>
             <a:endParaRPr lang="en-GB" sz="3000" dirty="0">
-              <a:latin typeface="Codystar" panose="02000000000000000000" pitchFamily="2" charset="0"/>
-              <a:ea typeface="Codystar" panose="02000000000000000000" pitchFamily="2" charset="0"/>
+              <a:latin typeface="Verdana" panose="020B0604030504040204" pitchFamily="34" charset="0"/>
+              <a:ea typeface="Verdana" panose="020B0604030504040204" pitchFamily="34" charset="0"/>
+              <a:cs typeface="Verdana" panose="020B0604030504040204" pitchFamily="34" charset="0"/>
             </a:endParaRPr>
           </a:p>
         </p:txBody>
@@ -8964,14 +9171,16 @@
             <a:pPr algn="ctr"/>
             <a:r>
               <a:rPr lang="en-AU" sz="3000" dirty="0" smtClean="0">
-                <a:latin typeface="Codystar" panose="02000000000000000000" pitchFamily="2" charset="0"/>
-                <a:ea typeface="Codystar" panose="02000000000000000000" pitchFamily="2" charset="0"/>
+                <a:latin typeface="Verdana" panose="020B0604030504040204" pitchFamily="34" charset="0"/>
+                <a:ea typeface="Verdana" panose="020B0604030504040204" pitchFamily="34" charset="0"/>
+                <a:cs typeface="Verdana" panose="020B0604030504040204" pitchFamily="34" charset="0"/>
               </a:rPr>
               <a:t>e</a:t>
             </a:r>
             <a:endParaRPr lang="en-GB" sz="3000" dirty="0">
-              <a:latin typeface="Codystar" panose="02000000000000000000" pitchFamily="2" charset="0"/>
-              <a:ea typeface="Codystar" panose="02000000000000000000" pitchFamily="2" charset="0"/>
+              <a:latin typeface="Verdana" panose="020B0604030504040204" pitchFamily="34" charset="0"/>
+              <a:ea typeface="Verdana" panose="020B0604030504040204" pitchFamily="34" charset="0"/>
+              <a:cs typeface="Verdana" panose="020B0604030504040204" pitchFamily="34" charset="0"/>
             </a:endParaRPr>
           </a:p>
         </p:txBody>
@@ -9018,14 +9227,16 @@
             <a:pPr algn="ctr"/>
             <a:r>
               <a:rPr lang="en-AU" sz="3000" dirty="0" smtClean="0">
-                <a:latin typeface="Codystar" panose="02000000000000000000" pitchFamily="2" charset="0"/>
-                <a:ea typeface="Codystar" panose="02000000000000000000" pitchFamily="2" charset="0"/>
+                <a:latin typeface="Verdana" panose="020B0604030504040204" pitchFamily="34" charset="0"/>
+                <a:ea typeface="Verdana" panose="020B0604030504040204" pitchFamily="34" charset="0"/>
+                <a:cs typeface="Verdana" panose="020B0604030504040204" pitchFamily="34" charset="0"/>
               </a:rPr>
               <a:t>e</a:t>
             </a:r>
             <a:endParaRPr lang="en-GB" sz="3000" dirty="0">
-              <a:latin typeface="Codystar" panose="02000000000000000000" pitchFamily="2" charset="0"/>
-              <a:ea typeface="Codystar" panose="02000000000000000000" pitchFamily="2" charset="0"/>
+              <a:latin typeface="Verdana" panose="020B0604030504040204" pitchFamily="34" charset="0"/>
+              <a:ea typeface="Verdana" panose="020B0604030504040204" pitchFamily="34" charset="0"/>
+              <a:cs typeface="Verdana" panose="020B0604030504040204" pitchFamily="34" charset="0"/>
             </a:endParaRPr>
           </a:p>
         </p:txBody>
@@ -9072,14 +9283,16 @@
             <a:pPr algn="ctr"/>
             <a:r>
               <a:rPr lang="en-AU" sz="3000" dirty="0" smtClean="0">
-                <a:latin typeface="Codystar" panose="02000000000000000000" pitchFamily="2" charset="0"/>
-                <a:ea typeface="Codystar" panose="02000000000000000000" pitchFamily="2" charset="0"/>
+                <a:latin typeface="Verdana" panose="020B0604030504040204" pitchFamily="34" charset="0"/>
+                <a:ea typeface="Verdana" panose="020B0604030504040204" pitchFamily="34" charset="0"/>
+                <a:cs typeface="Verdana" panose="020B0604030504040204" pitchFamily="34" charset="0"/>
               </a:rPr>
               <a:t>n</a:t>
             </a:r>
             <a:endParaRPr lang="en-GB" sz="3000" dirty="0">
-              <a:latin typeface="Codystar" panose="02000000000000000000" pitchFamily="2" charset="0"/>
-              <a:ea typeface="Codystar" panose="02000000000000000000" pitchFamily="2" charset="0"/>
+              <a:latin typeface="Verdana" panose="020B0604030504040204" pitchFamily="34" charset="0"/>
+              <a:ea typeface="Verdana" panose="020B0604030504040204" pitchFamily="34" charset="0"/>
+              <a:cs typeface="Verdana" panose="020B0604030504040204" pitchFamily="34" charset="0"/>
             </a:endParaRPr>
           </a:p>
         </p:txBody>
@@ -9126,14 +9339,16 @@
             <a:pPr algn="ctr"/>
             <a:r>
               <a:rPr lang="en-AU" sz="3000" dirty="0" smtClean="0">
-                <a:latin typeface="Codystar" panose="02000000000000000000" pitchFamily="2" charset="0"/>
-                <a:ea typeface="Codystar" panose="02000000000000000000" pitchFamily="2" charset="0"/>
+                <a:latin typeface="Verdana" panose="020B0604030504040204" pitchFamily="34" charset="0"/>
+                <a:ea typeface="Verdana" panose="020B0604030504040204" pitchFamily="34" charset="0"/>
+                <a:cs typeface="Verdana" panose="020B0604030504040204" pitchFamily="34" charset="0"/>
               </a:rPr>
               <a:t>t</a:t>
             </a:r>
             <a:endParaRPr lang="en-GB" sz="3000" dirty="0">
-              <a:latin typeface="Codystar" panose="02000000000000000000" pitchFamily="2" charset="0"/>
-              <a:ea typeface="Codystar" panose="02000000000000000000" pitchFamily="2" charset="0"/>
+              <a:latin typeface="Verdana" panose="020B0604030504040204" pitchFamily="34" charset="0"/>
+              <a:ea typeface="Verdana" panose="020B0604030504040204" pitchFamily="34" charset="0"/>
+              <a:cs typeface="Verdana" panose="020B0604030504040204" pitchFamily="34" charset="0"/>
             </a:endParaRPr>
           </a:p>
         </p:txBody>
@@ -9180,14 +9395,16 @@
             <a:pPr algn="ctr"/>
             <a:r>
               <a:rPr lang="en-AU" sz="3000" dirty="0" smtClean="0">
-                <a:latin typeface="Codystar" panose="02000000000000000000" pitchFamily="2" charset="0"/>
-                <a:ea typeface="Codystar" panose="02000000000000000000" pitchFamily="2" charset="0"/>
+                <a:latin typeface="Verdana" panose="020B0604030504040204" pitchFamily="34" charset="0"/>
+                <a:ea typeface="Verdana" panose="020B0604030504040204" pitchFamily="34" charset="0"/>
+                <a:cs typeface="Verdana" panose="020B0604030504040204" pitchFamily="34" charset="0"/>
               </a:rPr>
               <a:t>w</a:t>
             </a:r>
             <a:endParaRPr lang="en-GB" sz="3000" dirty="0">
-              <a:latin typeface="Codystar" panose="02000000000000000000" pitchFamily="2" charset="0"/>
-              <a:ea typeface="Codystar" panose="02000000000000000000" pitchFamily="2" charset="0"/>
+              <a:latin typeface="Verdana" panose="020B0604030504040204" pitchFamily="34" charset="0"/>
+              <a:ea typeface="Verdana" panose="020B0604030504040204" pitchFamily="34" charset="0"/>
+              <a:cs typeface="Verdana" panose="020B0604030504040204" pitchFamily="34" charset="0"/>
             </a:endParaRPr>
           </a:p>
         </p:txBody>
@@ -9234,14 +9451,16 @@
             <a:pPr algn="ctr"/>
             <a:r>
               <a:rPr lang="en-AU" sz="3000" dirty="0" smtClean="0">
-                <a:latin typeface="Codystar" panose="02000000000000000000" pitchFamily="2" charset="0"/>
-                <a:ea typeface="Codystar" panose="02000000000000000000" pitchFamily="2" charset="0"/>
+                <a:latin typeface="Verdana" panose="020B0604030504040204" pitchFamily="34" charset="0"/>
+                <a:ea typeface="Verdana" panose="020B0604030504040204" pitchFamily="34" charset="0"/>
+                <a:cs typeface="Verdana" panose="020B0604030504040204" pitchFamily="34" charset="0"/>
               </a:rPr>
               <a:t>e</a:t>
             </a:r>
             <a:endParaRPr lang="en-GB" sz="3000" dirty="0">
-              <a:latin typeface="Codystar" panose="02000000000000000000" pitchFamily="2" charset="0"/>
-              <a:ea typeface="Codystar" panose="02000000000000000000" pitchFamily="2" charset="0"/>
+              <a:latin typeface="Verdana" panose="020B0604030504040204" pitchFamily="34" charset="0"/>
+              <a:ea typeface="Verdana" panose="020B0604030504040204" pitchFamily="34" charset="0"/>
+              <a:cs typeface="Verdana" panose="020B0604030504040204" pitchFamily="34" charset="0"/>
             </a:endParaRPr>
           </a:p>
         </p:txBody>
@@ -9288,14 +9507,16 @@
             <a:pPr algn="ctr"/>
             <a:r>
               <a:rPr lang="en-AU" sz="3000" dirty="0" smtClean="0">
-                <a:latin typeface="Codystar" panose="02000000000000000000" pitchFamily="2" charset="0"/>
-                <a:ea typeface="Codystar" panose="02000000000000000000" pitchFamily="2" charset="0"/>
+                <a:latin typeface="Verdana" panose="020B0604030504040204" pitchFamily="34" charset="0"/>
+                <a:ea typeface="Verdana" panose="020B0604030504040204" pitchFamily="34" charset="0"/>
+                <a:cs typeface="Verdana" panose="020B0604030504040204" pitchFamily="34" charset="0"/>
               </a:rPr>
               <a:t>l</a:t>
             </a:r>
             <a:endParaRPr lang="en-GB" sz="3000" dirty="0">
-              <a:latin typeface="Codystar" panose="02000000000000000000" pitchFamily="2" charset="0"/>
-              <a:ea typeface="Codystar" panose="02000000000000000000" pitchFamily="2" charset="0"/>
+              <a:latin typeface="Verdana" panose="020B0604030504040204" pitchFamily="34" charset="0"/>
+              <a:ea typeface="Verdana" panose="020B0604030504040204" pitchFamily="34" charset="0"/>
+              <a:cs typeface="Verdana" panose="020B0604030504040204" pitchFamily="34" charset="0"/>
             </a:endParaRPr>
           </a:p>
         </p:txBody>
@@ -9342,14 +9563,16 @@
             <a:pPr algn="ctr"/>
             <a:r>
               <a:rPr lang="en-AU" sz="3000" dirty="0" smtClean="0">
-                <a:latin typeface="Codystar" panose="02000000000000000000" pitchFamily="2" charset="0"/>
-                <a:ea typeface="Codystar" panose="02000000000000000000" pitchFamily="2" charset="0"/>
+                <a:latin typeface="Verdana" panose="020B0604030504040204" pitchFamily="34" charset="0"/>
+                <a:ea typeface="Verdana" panose="020B0604030504040204" pitchFamily="34" charset="0"/>
+                <a:cs typeface="Verdana" panose="020B0604030504040204" pitchFamily="34" charset="0"/>
               </a:rPr>
               <a:t>v</a:t>
             </a:r>
             <a:endParaRPr lang="en-GB" sz="3000" dirty="0">
-              <a:latin typeface="Codystar" panose="02000000000000000000" pitchFamily="2" charset="0"/>
-              <a:ea typeface="Codystar" panose="02000000000000000000" pitchFamily="2" charset="0"/>
+              <a:latin typeface="Verdana" panose="020B0604030504040204" pitchFamily="34" charset="0"/>
+              <a:ea typeface="Verdana" panose="020B0604030504040204" pitchFamily="34" charset="0"/>
+              <a:cs typeface="Verdana" panose="020B0604030504040204" pitchFamily="34" charset="0"/>
             </a:endParaRPr>
           </a:p>
         </p:txBody>
@@ -9396,14 +9619,16 @@
             <a:pPr algn="ctr"/>
             <a:r>
               <a:rPr lang="en-AU" sz="3000" dirty="0" smtClean="0">
-                <a:latin typeface="Codystar" panose="02000000000000000000" pitchFamily="2" charset="0"/>
-                <a:ea typeface="Codystar" panose="02000000000000000000" pitchFamily="2" charset="0"/>
+                <a:latin typeface="Verdana" panose="020B0604030504040204" pitchFamily="34" charset="0"/>
+                <a:ea typeface="Verdana" panose="020B0604030504040204" pitchFamily="34" charset="0"/>
+                <a:cs typeface="Verdana" panose="020B0604030504040204" pitchFamily="34" charset="0"/>
               </a:rPr>
               <a:t>e</a:t>
             </a:r>
             <a:endParaRPr lang="en-GB" sz="3000" dirty="0">
-              <a:latin typeface="Codystar" panose="02000000000000000000" pitchFamily="2" charset="0"/>
-              <a:ea typeface="Codystar" panose="02000000000000000000" pitchFamily="2" charset="0"/>
+              <a:latin typeface="Verdana" panose="020B0604030504040204" pitchFamily="34" charset="0"/>
+              <a:ea typeface="Verdana" panose="020B0604030504040204" pitchFamily="34" charset="0"/>
+              <a:cs typeface="Verdana" panose="020B0604030504040204" pitchFamily="34" charset="0"/>
             </a:endParaRPr>
           </a:p>
         </p:txBody>
@@ -9450,14 +9675,16 @@
             <a:pPr algn="ctr"/>
             <a:r>
               <a:rPr lang="en-AU" sz="3000" dirty="0" smtClean="0">
-                <a:latin typeface="Codystar" panose="02000000000000000000" pitchFamily="2" charset="0"/>
-                <a:ea typeface="Codystar" panose="02000000000000000000" pitchFamily="2" charset="0"/>
+                <a:latin typeface="Verdana" panose="020B0604030504040204" pitchFamily="34" charset="0"/>
+                <a:ea typeface="Verdana" panose="020B0604030504040204" pitchFamily="34" charset="0"/>
+                <a:cs typeface="Verdana" panose="020B0604030504040204" pitchFamily="34" charset="0"/>
               </a:rPr>
               <a:t>v</a:t>
             </a:r>
             <a:endParaRPr lang="en-GB" sz="3000" dirty="0">
-              <a:latin typeface="Codystar" panose="02000000000000000000" pitchFamily="2" charset="0"/>
-              <a:ea typeface="Codystar" panose="02000000000000000000" pitchFamily="2" charset="0"/>
+              <a:latin typeface="Verdana" panose="020B0604030504040204" pitchFamily="34" charset="0"/>
+              <a:ea typeface="Verdana" panose="020B0604030504040204" pitchFamily="34" charset="0"/>
+              <a:cs typeface="Verdana" panose="020B0604030504040204" pitchFamily="34" charset="0"/>
             </a:endParaRPr>
           </a:p>
         </p:txBody>
@@ -9504,14 +9731,16 @@
             <a:pPr algn="ctr"/>
             <a:r>
               <a:rPr lang="en-AU" sz="3000" dirty="0" smtClean="0">
-                <a:latin typeface="Codystar" panose="02000000000000000000" pitchFamily="2" charset="0"/>
-                <a:ea typeface="Codystar" panose="02000000000000000000" pitchFamily="2" charset="0"/>
+                <a:latin typeface="Verdana" panose="020B0604030504040204" pitchFamily="34" charset="0"/>
+                <a:ea typeface="Verdana" panose="020B0604030504040204" pitchFamily="34" charset="0"/>
+                <a:cs typeface="Verdana" panose="020B0604030504040204" pitchFamily="34" charset="0"/>
               </a:rPr>
               <a:t>m</a:t>
             </a:r>
             <a:endParaRPr lang="en-GB" sz="3000" dirty="0">
-              <a:latin typeface="Codystar" panose="02000000000000000000" pitchFamily="2" charset="0"/>
-              <a:ea typeface="Codystar" panose="02000000000000000000" pitchFamily="2" charset="0"/>
+              <a:latin typeface="Verdana" panose="020B0604030504040204" pitchFamily="34" charset="0"/>
+              <a:ea typeface="Verdana" panose="020B0604030504040204" pitchFamily="34" charset="0"/>
+              <a:cs typeface="Verdana" panose="020B0604030504040204" pitchFamily="34" charset="0"/>
             </a:endParaRPr>
           </a:p>
         </p:txBody>
@@ -9558,14 +9787,16 @@
             <a:pPr algn="ctr"/>
             <a:r>
               <a:rPr lang="en-AU" sz="3000" dirty="0" err="1" smtClean="0">
-                <a:latin typeface="Codystar" panose="02000000000000000000" pitchFamily="2" charset="0"/>
-                <a:ea typeface="Codystar" panose="02000000000000000000" pitchFamily="2" charset="0"/>
+                <a:latin typeface="Verdana" panose="020B0604030504040204" pitchFamily="34" charset="0"/>
+                <a:ea typeface="Verdana" panose="020B0604030504040204" pitchFamily="34" charset="0"/>
+                <a:cs typeface="Verdana" panose="020B0604030504040204" pitchFamily="34" charset="0"/>
               </a:rPr>
               <a:t>i</a:t>
             </a:r>
             <a:endParaRPr lang="en-GB" sz="3000" dirty="0">
-              <a:latin typeface="Codystar" panose="02000000000000000000" pitchFamily="2" charset="0"/>
-              <a:ea typeface="Codystar" panose="02000000000000000000" pitchFamily="2" charset="0"/>
+              <a:latin typeface="Verdana" panose="020B0604030504040204" pitchFamily="34" charset="0"/>
+              <a:ea typeface="Verdana" panose="020B0604030504040204" pitchFamily="34" charset="0"/>
+              <a:cs typeface="Verdana" panose="020B0604030504040204" pitchFamily="34" charset="0"/>
             </a:endParaRPr>
           </a:p>
         </p:txBody>
@@ -9612,14 +9843,16 @@
             <a:pPr algn="ctr"/>
             <a:r>
               <a:rPr lang="en-AU" sz="3000" dirty="0" smtClean="0">
-                <a:latin typeface="Codystar" panose="02000000000000000000" pitchFamily="2" charset="0"/>
-                <a:ea typeface="Codystar" panose="02000000000000000000" pitchFamily="2" charset="0"/>
+                <a:latin typeface="Verdana" panose="020B0604030504040204" pitchFamily="34" charset="0"/>
+                <a:ea typeface="Verdana" panose="020B0604030504040204" pitchFamily="34" charset="0"/>
+                <a:cs typeface="Verdana" panose="020B0604030504040204" pitchFamily="34" charset="0"/>
               </a:rPr>
               <a:t>n</a:t>
             </a:r>
             <a:endParaRPr lang="en-GB" sz="3000" dirty="0">
-              <a:latin typeface="Codystar" panose="02000000000000000000" pitchFamily="2" charset="0"/>
-              <a:ea typeface="Codystar" panose="02000000000000000000" pitchFamily="2" charset="0"/>
+              <a:latin typeface="Verdana" panose="020B0604030504040204" pitchFamily="34" charset="0"/>
+              <a:ea typeface="Verdana" panose="020B0604030504040204" pitchFamily="34" charset="0"/>
+              <a:cs typeface="Verdana" panose="020B0604030504040204" pitchFamily="34" charset="0"/>
             </a:endParaRPr>
           </a:p>
         </p:txBody>
@@ -9666,14 +9899,16 @@
             <a:pPr algn="ctr"/>
             <a:r>
               <a:rPr lang="en-AU" sz="3000" dirty="0" smtClean="0">
-                <a:latin typeface="Codystar" panose="02000000000000000000" pitchFamily="2" charset="0"/>
-                <a:ea typeface="Codystar" panose="02000000000000000000" pitchFamily="2" charset="0"/>
+                <a:latin typeface="Verdana" panose="020B0604030504040204" pitchFamily="34" charset="0"/>
+                <a:ea typeface="Verdana" panose="020B0604030504040204" pitchFamily="34" charset="0"/>
+                <a:cs typeface="Verdana" panose="020B0604030504040204" pitchFamily="34" charset="0"/>
               </a:rPr>
               <a:t>u</a:t>
             </a:r>
             <a:endParaRPr lang="en-GB" sz="3000" dirty="0">
-              <a:latin typeface="Codystar" panose="02000000000000000000" pitchFamily="2" charset="0"/>
-              <a:ea typeface="Codystar" panose="02000000000000000000" pitchFamily="2" charset="0"/>
+              <a:latin typeface="Verdana" panose="020B0604030504040204" pitchFamily="34" charset="0"/>
+              <a:ea typeface="Verdana" panose="020B0604030504040204" pitchFamily="34" charset="0"/>
+              <a:cs typeface="Verdana" panose="020B0604030504040204" pitchFamily="34" charset="0"/>
             </a:endParaRPr>
           </a:p>
         </p:txBody>
@@ -9720,14 +9955,16 @@
             <a:pPr algn="ctr"/>
             <a:r>
               <a:rPr lang="en-AU" sz="3000" dirty="0" smtClean="0">
-                <a:latin typeface="Codystar" panose="02000000000000000000" pitchFamily="2" charset="0"/>
-                <a:ea typeface="Codystar" panose="02000000000000000000" pitchFamily="2" charset="0"/>
+                <a:latin typeface="Verdana" panose="020B0604030504040204" pitchFamily="34" charset="0"/>
+                <a:ea typeface="Verdana" panose="020B0604030504040204" pitchFamily="34" charset="0"/>
+                <a:cs typeface="Verdana" panose="020B0604030504040204" pitchFamily="34" charset="0"/>
               </a:rPr>
               <a:t>t</a:t>
             </a:r>
             <a:endParaRPr lang="en-GB" sz="3000" dirty="0">
-              <a:latin typeface="Codystar" panose="02000000000000000000" pitchFamily="2" charset="0"/>
-              <a:ea typeface="Codystar" panose="02000000000000000000" pitchFamily="2" charset="0"/>
+              <a:latin typeface="Verdana" panose="020B0604030504040204" pitchFamily="34" charset="0"/>
+              <a:ea typeface="Verdana" panose="020B0604030504040204" pitchFamily="34" charset="0"/>
+              <a:cs typeface="Verdana" panose="020B0604030504040204" pitchFamily="34" charset="0"/>
             </a:endParaRPr>
           </a:p>
         </p:txBody>
@@ -9774,14 +10011,16 @@
             <a:pPr algn="ctr"/>
             <a:r>
               <a:rPr lang="en-AU" sz="3000" dirty="0" smtClean="0">
-                <a:latin typeface="Codystar" panose="02000000000000000000" pitchFamily="2" charset="0"/>
-                <a:ea typeface="Codystar" panose="02000000000000000000" pitchFamily="2" charset="0"/>
+                <a:latin typeface="Verdana" panose="020B0604030504040204" pitchFamily="34" charset="0"/>
+                <a:ea typeface="Verdana" panose="020B0604030504040204" pitchFamily="34" charset="0"/>
+                <a:cs typeface="Verdana" panose="020B0604030504040204" pitchFamily="34" charset="0"/>
               </a:rPr>
               <a:t>e</a:t>
             </a:r>
             <a:endParaRPr lang="en-GB" sz="3000" dirty="0">
-              <a:latin typeface="Codystar" panose="02000000000000000000" pitchFamily="2" charset="0"/>
-              <a:ea typeface="Codystar" panose="02000000000000000000" pitchFamily="2" charset="0"/>
+              <a:latin typeface="Verdana" panose="020B0604030504040204" pitchFamily="34" charset="0"/>
+              <a:ea typeface="Verdana" panose="020B0604030504040204" pitchFamily="34" charset="0"/>
+              <a:cs typeface="Verdana" panose="020B0604030504040204" pitchFamily="34" charset="0"/>
             </a:endParaRPr>
           </a:p>
         </p:txBody>
@@ -9828,14 +10067,16 @@
             <a:pPr algn="ctr"/>
             <a:r>
               <a:rPr lang="en-AU" sz="3000" dirty="0" smtClean="0">
-                <a:latin typeface="Codystar" panose="02000000000000000000" pitchFamily="2" charset="0"/>
-                <a:ea typeface="Codystar" panose="02000000000000000000" pitchFamily="2" charset="0"/>
+                <a:latin typeface="Verdana" panose="020B0604030504040204" pitchFamily="34" charset="0"/>
+                <a:ea typeface="Verdana" panose="020B0604030504040204" pitchFamily="34" charset="0"/>
+                <a:cs typeface="Verdana" panose="020B0604030504040204" pitchFamily="34" charset="0"/>
               </a:rPr>
               <a:t>s</a:t>
             </a:r>
             <a:endParaRPr lang="en-GB" sz="3000" dirty="0">
-              <a:latin typeface="Codystar" panose="02000000000000000000" pitchFamily="2" charset="0"/>
-              <a:ea typeface="Codystar" panose="02000000000000000000" pitchFamily="2" charset="0"/>
+              <a:latin typeface="Verdana" panose="020B0604030504040204" pitchFamily="34" charset="0"/>
+              <a:ea typeface="Verdana" panose="020B0604030504040204" pitchFamily="34" charset="0"/>
+              <a:cs typeface="Verdana" panose="020B0604030504040204" pitchFamily="34" charset="0"/>
             </a:endParaRPr>
           </a:p>
         </p:txBody>
@@ -9882,14 +10123,16 @@
             <a:pPr algn="ctr"/>
             <a:r>
               <a:rPr lang="en-AU" sz="3000" dirty="0" smtClean="0">
-                <a:latin typeface="Codystar" panose="02000000000000000000" pitchFamily="2" charset="0"/>
-                <a:ea typeface="Codystar" panose="02000000000000000000" pitchFamily="2" charset="0"/>
+                <a:latin typeface="Verdana" panose="020B0604030504040204" pitchFamily="34" charset="0"/>
+                <a:ea typeface="Verdana" panose="020B0604030504040204" pitchFamily="34" charset="0"/>
+                <a:cs typeface="Verdana" panose="020B0604030504040204" pitchFamily="34" charset="0"/>
               </a:rPr>
               <a:t>t</a:t>
             </a:r>
             <a:endParaRPr lang="en-GB" sz="3000" dirty="0">
-              <a:latin typeface="Codystar" panose="02000000000000000000" pitchFamily="2" charset="0"/>
-              <a:ea typeface="Codystar" panose="02000000000000000000" pitchFamily="2" charset="0"/>
+              <a:latin typeface="Verdana" panose="020B0604030504040204" pitchFamily="34" charset="0"/>
+              <a:ea typeface="Verdana" panose="020B0604030504040204" pitchFamily="34" charset="0"/>
+              <a:cs typeface="Verdana" panose="020B0604030504040204" pitchFamily="34" charset="0"/>
             </a:endParaRPr>
           </a:p>
         </p:txBody>
@@ -9936,14 +10179,16 @@
             <a:pPr algn="ctr"/>
             <a:r>
               <a:rPr lang="en-AU" sz="3000" dirty="0" smtClean="0">
-                <a:latin typeface="Codystar" panose="02000000000000000000" pitchFamily="2" charset="0"/>
-                <a:ea typeface="Codystar" panose="02000000000000000000" pitchFamily="2" charset="0"/>
+                <a:latin typeface="Verdana" panose="020B0604030504040204" pitchFamily="34" charset="0"/>
+                <a:ea typeface="Verdana" panose="020B0604030504040204" pitchFamily="34" charset="0"/>
+                <a:cs typeface="Verdana" panose="020B0604030504040204" pitchFamily="34" charset="0"/>
               </a:rPr>
               <a:t>p</a:t>
             </a:r>
             <a:endParaRPr lang="en-GB" sz="3000" dirty="0">
-              <a:latin typeface="Codystar" panose="02000000000000000000" pitchFamily="2" charset="0"/>
-              <a:ea typeface="Codystar" panose="02000000000000000000" pitchFamily="2" charset="0"/>
+              <a:latin typeface="Verdana" panose="020B0604030504040204" pitchFamily="34" charset="0"/>
+              <a:ea typeface="Verdana" panose="020B0604030504040204" pitchFamily="34" charset="0"/>
+              <a:cs typeface="Verdana" panose="020B0604030504040204" pitchFamily="34" charset="0"/>
             </a:endParaRPr>
           </a:p>
         </p:txBody>
@@ -9990,14 +10235,16 @@
             <a:pPr algn="ctr"/>
             <a:r>
               <a:rPr lang="en-AU" sz="3000" dirty="0" smtClean="0">
-                <a:latin typeface="Codystar" panose="02000000000000000000" pitchFamily="2" charset="0"/>
-                <a:ea typeface="Codystar" panose="02000000000000000000" pitchFamily="2" charset="0"/>
+                <a:latin typeface="Verdana" panose="020B0604030504040204" pitchFamily="34" charset="0"/>
+                <a:ea typeface="Verdana" panose="020B0604030504040204" pitchFamily="34" charset="0"/>
+                <a:cs typeface="Verdana" panose="020B0604030504040204" pitchFamily="34" charset="0"/>
               </a:rPr>
               <a:t>a</a:t>
             </a:r>
             <a:endParaRPr lang="en-GB" sz="3000" dirty="0">
-              <a:latin typeface="Codystar" panose="02000000000000000000" pitchFamily="2" charset="0"/>
-              <a:ea typeface="Codystar" panose="02000000000000000000" pitchFamily="2" charset="0"/>
+              <a:latin typeface="Verdana" panose="020B0604030504040204" pitchFamily="34" charset="0"/>
+              <a:ea typeface="Verdana" panose="020B0604030504040204" pitchFamily="34" charset="0"/>
+              <a:cs typeface="Verdana" panose="020B0604030504040204" pitchFamily="34" charset="0"/>
             </a:endParaRPr>
           </a:p>
         </p:txBody>
@@ -10044,14 +10291,16 @@
             <a:pPr algn="ctr"/>
             <a:r>
               <a:rPr lang="en-AU" sz="3000" dirty="0" smtClean="0">
-                <a:latin typeface="Codystar" panose="02000000000000000000" pitchFamily="2" charset="0"/>
-                <a:ea typeface="Codystar" panose="02000000000000000000" pitchFamily="2" charset="0"/>
+                <a:latin typeface="Verdana" panose="020B0604030504040204" pitchFamily="34" charset="0"/>
+                <a:ea typeface="Verdana" panose="020B0604030504040204" pitchFamily="34" charset="0"/>
+                <a:cs typeface="Verdana" panose="020B0604030504040204" pitchFamily="34" charset="0"/>
               </a:rPr>
               <a:t>s</a:t>
             </a:r>
             <a:endParaRPr lang="en-GB" sz="3000" dirty="0">
-              <a:latin typeface="Codystar" panose="02000000000000000000" pitchFamily="2" charset="0"/>
-              <a:ea typeface="Codystar" panose="02000000000000000000" pitchFamily="2" charset="0"/>
+              <a:latin typeface="Verdana" panose="020B0604030504040204" pitchFamily="34" charset="0"/>
+              <a:ea typeface="Verdana" panose="020B0604030504040204" pitchFamily="34" charset="0"/>
+              <a:cs typeface="Verdana" panose="020B0604030504040204" pitchFamily="34" charset="0"/>
             </a:endParaRPr>
           </a:p>
         </p:txBody>
@@ -10098,14 +10347,16 @@
             <a:pPr algn="ctr"/>
             <a:r>
               <a:rPr lang="en-AU" sz="3000" dirty="0" smtClean="0">
-                <a:latin typeface="Codystar" panose="02000000000000000000" pitchFamily="2" charset="0"/>
-                <a:ea typeface="Codystar" panose="02000000000000000000" pitchFamily="2" charset="0"/>
+                <a:latin typeface="Verdana" panose="020B0604030504040204" pitchFamily="34" charset="0"/>
+                <a:ea typeface="Verdana" panose="020B0604030504040204" pitchFamily="34" charset="0"/>
+                <a:cs typeface="Verdana" panose="020B0604030504040204" pitchFamily="34" charset="0"/>
               </a:rPr>
               <a:t>t</a:t>
             </a:r>
             <a:endParaRPr lang="en-GB" sz="3000" dirty="0">
-              <a:latin typeface="Codystar" panose="02000000000000000000" pitchFamily="2" charset="0"/>
-              <a:ea typeface="Codystar" panose="02000000000000000000" pitchFamily="2" charset="0"/>
+              <a:latin typeface="Verdana" panose="020B0604030504040204" pitchFamily="34" charset="0"/>
+              <a:ea typeface="Verdana" panose="020B0604030504040204" pitchFamily="34" charset="0"/>
+              <a:cs typeface="Verdana" panose="020B0604030504040204" pitchFamily="34" charset="0"/>
             </a:endParaRPr>
           </a:p>
         </p:txBody>
@@ -10152,14 +10403,16 @@
             <a:pPr algn="ctr"/>
             <a:r>
               <a:rPr lang="en-AU" sz="3000" dirty="0" smtClean="0">
-                <a:latin typeface="Codystar" panose="02000000000000000000" pitchFamily="2" charset="0"/>
-                <a:ea typeface="Codystar" panose="02000000000000000000" pitchFamily="2" charset="0"/>
+                <a:latin typeface="Verdana" panose="020B0604030504040204" pitchFamily="34" charset="0"/>
+                <a:ea typeface="Verdana" panose="020B0604030504040204" pitchFamily="34" charset="0"/>
+                <a:cs typeface="Verdana" panose="020B0604030504040204" pitchFamily="34" charset="0"/>
               </a:rPr>
               <a:t>o</a:t>
             </a:r>
             <a:endParaRPr lang="en-GB" sz="3000" dirty="0">
-              <a:latin typeface="Codystar" panose="02000000000000000000" pitchFamily="2" charset="0"/>
-              <a:ea typeface="Codystar" panose="02000000000000000000" pitchFamily="2" charset="0"/>
+              <a:latin typeface="Verdana" panose="020B0604030504040204" pitchFamily="34" charset="0"/>
+              <a:ea typeface="Verdana" panose="020B0604030504040204" pitchFamily="34" charset="0"/>
+              <a:cs typeface="Verdana" panose="020B0604030504040204" pitchFamily="34" charset="0"/>
             </a:endParaRPr>
           </a:p>
         </p:txBody>
@@ -10206,14 +10459,16 @@
             <a:pPr algn="ctr"/>
             <a:r>
               <a:rPr lang="en-AU" sz="3000" dirty="0" smtClean="0">
-                <a:latin typeface="Codystar" panose="02000000000000000000" pitchFamily="2" charset="0"/>
-                <a:ea typeface="Codystar" panose="02000000000000000000" pitchFamily="2" charset="0"/>
+                <a:latin typeface="Verdana" panose="020B0604030504040204" pitchFamily="34" charset="0"/>
+                <a:ea typeface="Verdana" panose="020B0604030504040204" pitchFamily="34" charset="0"/>
+                <a:cs typeface="Verdana" panose="020B0604030504040204" pitchFamily="34" charset="0"/>
               </a:rPr>
               <a:t>t</a:t>
             </a:r>
             <a:endParaRPr lang="en-GB" sz="3000" dirty="0">
-              <a:latin typeface="Codystar" panose="02000000000000000000" pitchFamily="2" charset="0"/>
-              <a:ea typeface="Codystar" panose="02000000000000000000" pitchFamily="2" charset="0"/>
+              <a:latin typeface="Verdana" panose="020B0604030504040204" pitchFamily="34" charset="0"/>
+              <a:ea typeface="Verdana" panose="020B0604030504040204" pitchFamily="34" charset="0"/>
+              <a:cs typeface="Verdana" panose="020B0604030504040204" pitchFamily="34" charset="0"/>
             </a:endParaRPr>
           </a:p>
         </p:txBody>
@@ -10260,14 +10515,16 @@
             <a:pPr algn="ctr"/>
             <a:r>
               <a:rPr lang="en-AU" sz="3000" dirty="0" smtClean="0">
-                <a:latin typeface="Codystar" panose="02000000000000000000" pitchFamily="2" charset="0"/>
-                <a:ea typeface="Codystar" panose="02000000000000000000" pitchFamily="2" charset="0"/>
+                <a:latin typeface="Verdana" panose="020B0604030504040204" pitchFamily="34" charset="0"/>
+                <a:ea typeface="Verdana" panose="020B0604030504040204" pitchFamily="34" charset="0"/>
+                <a:cs typeface="Verdana" panose="020B0604030504040204" pitchFamily="34" charset="0"/>
               </a:rPr>
               <a:t>w</a:t>
             </a:r>
             <a:endParaRPr lang="en-GB" sz="3000" dirty="0">
-              <a:latin typeface="Codystar" panose="02000000000000000000" pitchFamily="2" charset="0"/>
-              <a:ea typeface="Codystar" panose="02000000000000000000" pitchFamily="2" charset="0"/>
+              <a:latin typeface="Verdana" panose="020B0604030504040204" pitchFamily="34" charset="0"/>
+              <a:ea typeface="Verdana" panose="020B0604030504040204" pitchFamily="34" charset="0"/>
+              <a:cs typeface="Verdana" panose="020B0604030504040204" pitchFamily="34" charset="0"/>
             </a:endParaRPr>
           </a:p>
         </p:txBody>
@@ -10314,14 +10571,16 @@
             <a:pPr algn="ctr"/>
             <a:r>
               <a:rPr lang="en-AU" sz="3000" dirty="0" smtClean="0">
-                <a:latin typeface="Codystar" panose="02000000000000000000" pitchFamily="2" charset="0"/>
-                <a:ea typeface="Codystar" panose="02000000000000000000" pitchFamily="2" charset="0"/>
+                <a:latin typeface="Verdana" panose="020B0604030504040204" pitchFamily="34" charset="0"/>
+                <a:ea typeface="Verdana" panose="020B0604030504040204" pitchFamily="34" charset="0"/>
+                <a:cs typeface="Verdana" panose="020B0604030504040204" pitchFamily="34" charset="0"/>
               </a:rPr>
               <a:t>o</a:t>
             </a:r>
             <a:endParaRPr lang="en-GB" sz="3000" dirty="0">
-              <a:latin typeface="Codystar" panose="02000000000000000000" pitchFamily="2" charset="0"/>
-              <a:ea typeface="Codystar" panose="02000000000000000000" pitchFamily="2" charset="0"/>
+              <a:latin typeface="Verdana" panose="020B0604030504040204" pitchFamily="34" charset="0"/>
+              <a:ea typeface="Verdana" panose="020B0604030504040204" pitchFamily="34" charset="0"/>
+              <a:cs typeface="Verdana" panose="020B0604030504040204" pitchFamily="34" charset="0"/>
             </a:endParaRPr>
           </a:p>
         </p:txBody>
@@ -10368,14 +10627,16 @@
             <a:pPr algn="ctr"/>
             <a:r>
               <a:rPr lang="en-AU" sz="3000" dirty="0" smtClean="0">
-                <a:latin typeface="Codystar" panose="02000000000000000000" pitchFamily="2" charset="0"/>
-                <a:ea typeface="Codystar" panose="02000000000000000000" pitchFamily="2" charset="0"/>
+                <a:latin typeface="Verdana" panose="020B0604030504040204" pitchFamily="34" charset="0"/>
+                <a:ea typeface="Verdana" panose="020B0604030504040204" pitchFamily="34" charset="0"/>
+                <a:cs typeface="Verdana" panose="020B0604030504040204" pitchFamily="34" charset="0"/>
               </a:rPr>
               <a:t>n</a:t>
             </a:r>
             <a:endParaRPr lang="en-GB" sz="3000" dirty="0">
-              <a:latin typeface="Codystar" panose="02000000000000000000" pitchFamily="2" charset="0"/>
-              <a:ea typeface="Codystar" panose="02000000000000000000" pitchFamily="2" charset="0"/>
+              <a:latin typeface="Verdana" panose="020B0604030504040204" pitchFamily="34" charset="0"/>
+              <a:ea typeface="Verdana" panose="020B0604030504040204" pitchFamily="34" charset="0"/>
+              <a:cs typeface="Verdana" panose="020B0604030504040204" pitchFamily="34" charset="0"/>
             </a:endParaRPr>
           </a:p>
         </p:txBody>
@@ -10422,14 +10683,16 @@
             <a:pPr algn="ctr"/>
             <a:r>
               <a:rPr lang="en-AU" sz="3000" dirty="0" smtClean="0">
-                <a:latin typeface="Codystar" panose="02000000000000000000" pitchFamily="2" charset="0"/>
-                <a:ea typeface="Codystar" panose="02000000000000000000" pitchFamily="2" charset="0"/>
+                <a:latin typeface="Verdana" panose="020B0604030504040204" pitchFamily="34" charset="0"/>
+                <a:ea typeface="Verdana" panose="020B0604030504040204" pitchFamily="34" charset="0"/>
+                <a:cs typeface="Verdana" panose="020B0604030504040204" pitchFamily="34" charset="0"/>
               </a:rPr>
               <a:t>e</a:t>
             </a:r>
             <a:endParaRPr lang="en-GB" sz="3000" dirty="0">
-              <a:latin typeface="Codystar" panose="02000000000000000000" pitchFamily="2" charset="0"/>
-              <a:ea typeface="Codystar" panose="02000000000000000000" pitchFamily="2" charset="0"/>
+              <a:latin typeface="Verdana" panose="020B0604030504040204" pitchFamily="34" charset="0"/>
+              <a:ea typeface="Verdana" panose="020B0604030504040204" pitchFamily="34" charset="0"/>
+              <a:cs typeface="Verdana" panose="020B0604030504040204" pitchFamily="34" charset="0"/>
             </a:endParaRPr>
           </a:p>
         </p:txBody>
@@ -10476,14 +10739,16 @@
             <a:pPr algn="ctr"/>
             <a:r>
               <a:rPr lang="en-AU" sz="3000" dirty="0" err="1" smtClean="0">
-                <a:latin typeface="Codystar" panose="02000000000000000000" pitchFamily="2" charset="0"/>
-                <a:ea typeface="Codystar" panose="02000000000000000000" pitchFamily="2" charset="0"/>
+                <a:latin typeface="Verdana" panose="020B0604030504040204" pitchFamily="34" charset="0"/>
+                <a:ea typeface="Verdana" panose="020B0604030504040204" pitchFamily="34" charset="0"/>
+                <a:cs typeface="Verdana" panose="020B0604030504040204" pitchFamily="34" charset="0"/>
               </a:rPr>
               <a:t>i</a:t>
             </a:r>
             <a:endParaRPr lang="en-GB" sz="3000" dirty="0">
-              <a:latin typeface="Codystar" panose="02000000000000000000" pitchFamily="2" charset="0"/>
-              <a:ea typeface="Codystar" panose="02000000000000000000" pitchFamily="2" charset="0"/>
+              <a:latin typeface="Verdana" panose="020B0604030504040204" pitchFamily="34" charset="0"/>
+              <a:ea typeface="Verdana" panose="020B0604030504040204" pitchFamily="34" charset="0"/>
+              <a:cs typeface="Verdana" panose="020B0604030504040204" pitchFamily="34" charset="0"/>
             </a:endParaRPr>
           </a:p>
         </p:txBody>
@@ -10530,14 +10795,16 @@
             <a:pPr algn="ctr"/>
             <a:r>
               <a:rPr lang="en-AU" sz="3000" dirty="0" smtClean="0">
-                <a:latin typeface="Codystar" panose="02000000000000000000" pitchFamily="2" charset="0"/>
-                <a:ea typeface="Codystar" panose="02000000000000000000" pitchFamily="2" charset="0"/>
+                <a:latin typeface="Verdana" panose="020B0604030504040204" pitchFamily="34" charset="0"/>
+                <a:ea typeface="Verdana" panose="020B0604030504040204" pitchFamily="34" charset="0"/>
+                <a:cs typeface="Verdana" panose="020B0604030504040204" pitchFamily="34" charset="0"/>
               </a:rPr>
               <a:t>g</a:t>
             </a:r>
             <a:endParaRPr lang="en-GB" sz="3000" dirty="0">
-              <a:latin typeface="Codystar" panose="02000000000000000000" pitchFamily="2" charset="0"/>
-              <a:ea typeface="Codystar" panose="02000000000000000000" pitchFamily="2" charset="0"/>
+              <a:latin typeface="Verdana" panose="020B0604030504040204" pitchFamily="34" charset="0"/>
+              <a:ea typeface="Verdana" panose="020B0604030504040204" pitchFamily="34" charset="0"/>
+              <a:cs typeface="Verdana" panose="020B0604030504040204" pitchFamily="34" charset="0"/>
             </a:endParaRPr>
           </a:p>
         </p:txBody>
@@ -10584,14 +10851,16 @@
             <a:pPr algn="ctr"/>
             <a:r>
               <a:rPr lang="en-AU" sz="3000" dirty="0" smtClean="0">
-                <a:latin typeface="Codystar" panose="02000000000000000000" pitchFamily="2" charset="0"/>
-                <a:ea typeface="Codystar" panose="02000000000000000000" pitchFamily="2" charset="0"/>
+                <a:latin typeface="Verdana" panose="020B0604030504040204" pitchFamily="34" charset="0"/>
+                <a:ea typeface="Verdana" panose="020B0604030504040204" pitchFamily="34" charset="0"/>
+                <a:cs typeface="Verdana" panose="020B0604030504040204" pitchFamily="34" charset="0"/>
               </a:rPr>
               <a:t>h</a:t>
             </a:r>
             <a:endParaRPr lang="en-GB" sz="3000" dirty="0">
-              <a:latin typeface="Codystar" panose="02000000000000000000" pitchFamily="2" charset="0"/>
-              <a:ea typeface="Codystar" panose="02000000000000000000" pitchFamily="2" charset="0"/>
+              <a:latin typeface="Verdana" panose="020B0604030504040204" pitchFamily="34" charset="0"/>
+              <a:ea typeface="Verdana" panose="020B0604030504040204" pitchFamily="34" charset="0"/>
+              <a:cs typeface="Verdana" panose="020B0604030504040204" pitchFamily="34" charset="0"/>
             </a:endParaRPr>
           </a:p>
         </p:txBody>
@@ -10638,14 +10907,16 @@
             <a:pPr algn="ctr"/>
             <a:r>
               <a:rPr lang="en-AU" sz="3000" dirty="0" smtClean="0">
-                <a:latin typeface="Codystar" panose="02000000000000000000" pitchFamily="2" charset="0"/>
-                <a:ea typeface="Codystar" panose="02000000000000000000" pitchFamily="2" charset="0"/>
+                <a:latin typeface="Verdana" panose="020B0604030504040204" pitchFamily="34" charset="0"/>
+                <a:ea typeface="Verdana" panose="020B0604030504040204" pitchFamily="34" charset="0"/>
+                <a:cs typeface="Verdana" panose="020B0604030504040204" pitchFamily="34" charset="0"/>
               </a:rPr>
               <a:t>t</a:t>
             </a:r>
             <a:endParaRPr lang="en-GB" sz="3000" dirty="0">
-              <a:latin typeface="Codystar" panose="02000000000000000000" pitchFamily="2" charset="0"/>
-              <a:ea typeface="Codystar" panose="02000000000000000000" pitchFamily="2" charset="0"/>
+              <a:latin typeface="Verdana" panose="020B0604030504040204" pitchFamily="34" charset="0"/>
+              <a:ea typeface="Verdana" panose="020B0604030504040204" pitchFamily="34" charset="0"/>
+              <a:cs typeface="Verdana" panose="020B0604030504040204" pitchFamily="34" charset="0"/>
             </a:endParaRPr>
           </a:p>
         </p:txBody>
@@ -10692,14 +10963,16 @@
             <a:pPr algn="ctr"/>
             <a:r>
               <a:rPr lang="en-AU" sz="3000" dirty="0" smtClean="0">
-                <a:latin typeface="Codystar" panose="02000000000000000000" pitchFamily="2" charset="0"/>
-                <a:ea typeface="Codystar" panose="02000000000000000000" pitchFamily="2" charset="0"/>
+                <a:latin typeface="Verdana" panose="020B0604030504040204" pitchFamily="34" charset="0"/>
+                <a:ea typeface="Verdana" panose="020B0604030504040204" pitchFamily="34" charset="0"/>
+                <a:cs typeface="Verdana" panose="020B0604030504040204" pitchFamily="34" charset="0"/>
               </a:rPr>
               <a:t>e</a:t>
             </a:r>
             <a:endParaRPr lang="en-GB" sz="3000" dirty="0">
-              <a:latin typeface="Codystar" panose="02000000000000000000" pitchFamily="2" charset="0"/>
-              <a:ea typeface="Codystar" panose="02000000000000000000" pitchFamily="2" charset="0"/>
+              <a:latin typeface="Verdana" panose="020B0604030504040204" pitchFamily="34" charset="0"/>
+              <a:ea typeface="Verdana" panose="020B0604030504040204" pitchFamily="34" charset="0"/>
+              <a:cs typeface="Verdana" panose="020B0604030504040204" pitchFamily="34" charset="0"/>
             </a:endParaRPr>
           </a:p>
         </p:txBody>
@@ -10746,14 +11019,16 @@
             <a:pPr algn="ctr"/>
             <a:r>
               <a:rPr lang="en-AU" sz="3000" dirty="0" smtClean="0">
-                <a:latin typeface="Codystar" panose="02000000000000000000" pitchFamily="2" charset="0"/>
-                <a:ea typeface="Codystar" panose="02000000000000000000" pitchFamily="2" charset="0"/>
+                <a:latin typeface="Verdana" panose="020B0604030504040204" pitchFamily="34" charset="0"/>
+                <a:ea typeface="Verdana" panose="020B0604030504040204" pitchFamily="34" charset="0"/>
+                <a:cs typeface="Verdana" panose="020B0604030504040204" pitchFamily="34" charset="0"/>
               </a:rPr>
               <a:t>n</a:t>
             </a:r>
             <a:endParaRPr lang="en-GB" sz="3000" dirty="0">
-              <a:latin typeface="Codystar" panose="02000000000000000000" pitchFamily="2" charset="0"/>
-              <a:ea typeface="Codystar" panose="02000000000000000000" pitchFamily="2" charset="0"/>
+              <a:latin typeface="Verdana" panose="020B0604030504040204" pitchFamily="34" charset="0"/>
+              <a:ea typeface="Verdana" panose="020B0604030504040204" pitchFamily="34" charset="0"/>
+              <a:cs typeface="Verdana" panose="020B0604030504040204" pitchFamily="34" charset="0"/>
             </a:endParaRPr>
           </a:p>
         </p:txBody>
@@ -10800,14 +11075,16 @@
             <a:pPr algn="ctr"/>
             <a:r>
               <a:rPr lang="en-AU" sz="3000" dirty="0">
-                <a:latin typeface="Codystar" panose="02000000000000000000" pitchFamily="2" charset="0"/>
-                <a:ea typeface="Codystar" panose="02000000000000000000" pitchFamily="2" charset="0"/>
+                <a:latin typeface="Verdana" panose="020B0604030504040204" pitchFamily="34" charset="0"/>
+                <a:ea typeface="Verdana" panose="020B0604030504040204" pitchFamily="34" charset="0"/>
+                <a:cs typeface="Verdana" panose="020B0604030504040204" pitchFamily="34" charset="0"/>
               </a:rPr>
               <a:t>s</a:t>
             </a:r>
             <a:endParaRPr lang="en-GB" sz="3000" dirty="0">
-              <a:latin typeface="Codystar" panose="02000000000000000000" pitchFamily="2" charset="0"/>
-              <a:ea typeface="Codystar" panose="02000000000000000000" pitchFamily="2" charset="0"/>
+              <a:latin typeface="Verdana" panose="020B0604030504040204" pitchFamily="34" charset="0"/>
+              <a:ea typeface="Verdana" panose="020B0604030504040204" pitchFamily="34" charset="0"/>
+              <a:cs typeface="Verdana" panose="020B0604030504040204" pitchFamily="34" charset="0"/>
             </a:endParaRPr>
           </a:p>
         </p:txBody>
@@ -10854,14 +11131,16 @@
             <a:pPr algn="ctr"/>
             <a:r>
               <a:rPr lang="en-AU" sz="3000" dirty="0" err="1" smtClean="0">
-                <a:latin typeface="Codystar" panose="02000000000000000000" pitchFamily="2" charset="0"/>
-                <a:ea typeface="Codystar" panose="02000000000000000000" pitchFamily="2" charset="0"/>
+                <a:latin typeface="Verdana" panose="020B0604030504040204" pitchFamily="34" charset="0"/>
+                <a:ea typeface="Verdana" panose="020B0604030504040204" pitchFamily="34" charset="0"/>
+                <a:cs typeface="Verdana" panose="020B0604030504040204" pitchFamily="34" charset="0"/>
               </a:rPr>
               <a:t>i</a:t>
             </a:r>
             <a:endParaRPr lang="en-GB" sz="3000" dirty="0">
-              <a:latin typeface="Codystar" panose="02000000000000000000" pitchFamily="2" charset="0"/>
-              <a:ea typeface="Codystar" panose="02000000000000000000" pitchFamily="2" charset="0"/>
+              <a:latin typeface="Verdana" panose="020B0604030504040204" pitchFamily="34" charset="0"/>
+              <a:ea typeface="Verdana" panose="020B0604030504040204" pitchFamily="34" charset="0"/>
+              <a:cs typeface="Verdana" panose="020B0604030504040204" pitchFamily="34" charset="0"/>
             </a:endParaRPr>
           </a:p>
         </p:txBody>
@@ -10908,14 +11187,16 @@
             <a:pPr algn="ctr"/>
             <a:r>
               <a:rPr lang="en-AU" sz="3000" dirty="0" smtClean="0">
-                <a:latin typeface="Codystar" panose="02000000000000000000" pitchFamily="2" charset="0"/>
-                <a:ea typeface="Codystar" panose="02000000000000000000" pitchFamily="2" charset="0"/>
+                <a:latin typeface="Verdana" panose="020B0604030504040204" pitchFamily="34" charset="0"/>
+                <a:ea typeface="Verdana" panose="020B0604030504040204" pitchFamily="34" charset="0"/>
+                <a:cs typeface="Verdana" panose="020B0604030504040204" pitchFamily="34" charset="0"/>
               </a:rPr>
               <a:t>x</a:t>
             </a:r>
             <a:endParaRPr lang="en-GB" sz="3000" dirty="0">
-              <a:latin typeface="Codystar" panose="02000000000000000000" pitchFamily="2" charset="0"/>
-              <a:ea typeface="Codystar" panose="02000000000000000000" pitchFamily="2" charset="0"/>
+              <a:latin typeface="Verdana" panose="020B0604030504040204" pitchFamily="34" charset="0"/>
+              <a:ea typeface="Verdana" panose="020B0604030504040204" pitchFamily="34" charset="0"/>
+              <a:cs typeface="Verdana" panose="020B0604030504040204" pitchFamily="34" charset="0"/>
             </a:endParaRPr>
           </a:p>
         </p:txBody>
@@ -10962,14 +11243,16 @@
             <a:pPr algn="ctr"/>
             <a:r>
               <a:rPr lang="en-AU" sz="3000" dirty="0" smtClean="0">
-                <a:latin typeface="Codystar" panose="02000000000000000000" pitchFamily="2" charset="0"/>
-                <a:ea typeface="Codystar" panose="02000000000000000000" pitchFamily="2" charset="0"/>
+                <a:latin typeface="Verdana" panose="020B0604030504040204" pitchFamily="34" charset="0"/>
+                <a:ea typeface="Verdana" panose="020B0604030504040204" pitchFamily="34" charset="0"/>
+                <a:cs typeface="Verdana" panose="020B0604030504040204" pitchFamily="34" charset="0"/>
               </a:rPr>
               <a:t>t</a:t>
             </a:r>
             <a:endParaRPr lang="en-GB" sz="3000" dirty="0">
-              <a:latin typeface="Codystar" panose="02000000000000000000" pitchFamily="2" charset="0"/>
-              <a:ea typeface="Codystar" panose="02000000000000000000" pitchFamily="2" charset="0"/>
+              <a:latin typeface="Verdana" panose="020B0604030504040204" pitchFamily="34" charset="0"/>
+              <a:ea typeface="Verdana" panose="020B0604030504040204" pitchFamily="34" charset="0"/>
+              <a:cs typeface="Verdana" panose="020B0604030504040204" pitchFamily="34" charset="0"/>
             </a:endParaRPr>
           </a:p>
         </p:txBody>
@@ -11016,14 +11299,16 @@
             <a:pPr algn="ctr"/>
             <a:r>
               <a:rPr lang="en-AU" sz="3000" dirty="0" smtClean="0">
-                <a:latin typeface="Codystar" panose="02000000000000000000" pitchFamily="2" charset="0"/>
-                <a:ea typeface="Codystar" panose="02000000000000000000" pitchFamily="2" charset="0"/>
+                <a:latin typeface="Verdana" panose="020B0604030504040204" pitchFamily="34" charset="0"/>
+                <a:ea typeface="Verdana" panose="020B0604030504040204" pitchFamily="34" charset="0"/>
+                <a:cs typeface="Verdana" panose="020B0604030504040204" pitchFamily="34" charset="0"/>
               </a:rPr>
               <a:t>h</a:t>
             </a:r>
             <a:endParaRPr lang="en-GB" sz="3000" dirty="0">
-              <a:latin typeface="Codystar" panose="02000000000000000000" pitchFamily="2" charset="0"/>
-              <a:ea typeface="Codystar" panose="02000000000000000000" pitchFamily="2" charset="0"/>
+              <a:latin typeface="Verdana" panose="020B0604030504040204" pitchFamily="34" charset="0"/>
+              <a:ea typeface="Verdana" panose="020B0604030504040204" pitchFamily="34" charset="0"/>
+              <a:cs typeface="Verdana" panose="020B0604030504040204" pitchFamily="34" charset="0"/>
             </a:endParaRPr>
           </a:p>
         </p:txBody>
@@ -11070,14 +11355,16 @@
             <a:pPr algn="ctr"/>
             <a:r>
               <a:rPr lang="en-AU" sz="3000" dirty="0" smtClean="0">
-                <a:latin typeface="Codystar" panose="02000000000000000000" pitchFamily="2" charset="0"/>
-                <a:ea typeface="Codystar" panose="02000000000000000000" pitchFamily="2" charset="0"/>
+                <a:latin typeface="Verdana" panose="020B0604030504040204" pitchFamily="34" charset="0"/>
+                <a:ea typeface="Verdana" panose="020B0604030504040204" pitchFamily="34" charset="0"/>
+                <a:cs typeface="Verdana" panose="020B0604030504040204" pitchFamily="34" charset="0"/>
               </a:rPr>
               <a:t>r</a:t>
             </a:r>
             <a:endParaRPr lang="en-GB" sz="3000" dirty="0">
-              <a:latin typeface="Codystar" panose="02000000000000000000" pitchFamily="2" charset="0"/>
-              <a:ea typeface="Codystar" panose="02000000000000000000" pitchFamily="2" charset="0"/>
+              <a:latin typeface="Verdana" panose="020B0604030504040204" pitchFamily="34" charset="0"/>
+              <a:ea typeface="Verdana" panose="020B0604030504040204" pitchFamily="34" charset="0"/>
+              <a:cs typeface="Verdana" panose="020B0604030504040204" pitchFamily="34" charset="0"/>
             </a:endParaRPr>
           </a:p>
         </p:txBody>
@@ -11124,14 +11411,16 @@
             <a:pPr algn="ctr"/>
             <a:r>
               <a:rPr lang="en-AU" sz="3000" dirty="0" smtClean="0">
-                <a:latin typeface="Codystar" panose="02000000000000000000" pitchFamily="2" charset="0"/>
-                <a:ea typeface="Codystar" panose="02000000000000000000" pitchFamily="2" charset="0"/>
+                <a:latin typeface="Verdana" panose="020B0604030504040204" pitchFamily="34" charset="0"/>
+                <a:ea typeface="Verdana" panose="020B0604030504040204" pitchFamily="34" charset="0"/>
+                <a:cs typeface="Verdana" panose="020B0604030504040204" pitchFamily="34" charset="0"/>
               </a:rPr>
               <a:t>e</a:t>
             </a:r>
             <a:endParaRPr lang="en-GB" sz="3000" dirty="0">
-              <a:latin typeface="Codystar" panose="02000000000000000000" pitchFamily="2" charset="0"/>
-              <a:ea typeface="Codystar" panose="02000000000000000000" pitchFamily="2" charset="0"/>
+              <a:latin typeface="Verdana" panose="020B0604030504040204" pitchFamily="34" charset="0"/>
+              <a:ea typeface="Verdana" panose="020B0604030504040204" pitchFamily="34" charset="0"/>
+              <a:cs typeface="Verdana" panose="020B0604030504040204" pitchFamily="34" charset="0"/>
             </a:endParaRPr>
           </a:p>
         </p:txBody>
@@ -11178,14 +11467,16 @@
             <a:pPr algn="ctr"/>
             <a:r>
               <a:rPr lang="en-AU" sz="3000" dirty="0" smtClean="0">
-                <a:latin typeface="Codystar" panose="02000000000000000000" pitchFamily="2" charset="0"/>
-                <a:ea typeface="Codystar" panose="02000000000000000000" pitchFamily="2" charset="0"/>
+                <a:latin typeface="Verdana" panose="020B0604030504040204" pitchFamily="34" charset="0"/>
+                <a:ea typeface="Verdana" panose="020B0604030504040204" pitchFamily="34" charset="0"/>
+                <a:cs typeface="Verdana" panose="020B0604030504040204" pitchFamily="34" charset="0"/>
               </a:rPr>
               <a:t>e</a:t>
             </a:r>
             <a:endParaRPr lang="en-GB" sz="3000" dirty="0">
-              <a:latin typeface="Codystar" panose="02000000000000000000" pitchFamily="2" charset="0"/>
-              <a:ea typeface="Codystar" panose="02000000000000000000" pitchFamily="2" charset="0"/>
+              <a:latin typeface="Verdana" panose="020B0604030504040204" pitchFamily="34" charset="0"/>
+              <a:ea typeface="Verdana" panose="020B0604030504040204" pitchFamily="34" charset="0"/>
+              <a:cs typeface="Verdana" panose="020B0604030504040204" pitchFamily="34" charset="0"/>
             </a:endParaRPr>
           </a:p>
         </p:txBody>
@@ -11232,14 +11523,16 @@
             <a:pPr algn="ctr"/>
             <a:r>
               <a:rPr lang="en-AU" sz="3000" dirty="0" smtClean="0">
-                <a:latin typeface="Codystar" panose="02000000000000000000" pitchFamily="2" charset="0"/>
-                <a:ea typeface="Codystar" panose="02000000000000000000" pitchFamily="2" charset="0"/>
+                <a:latin typeface="Verdana" panose="020B0604030504040204" pitchFamily="34" charset="0"/>
+                <a:ea typeface="Verdana" panose="020B0604030504040204" pitchFamily="34" charset="0"/>
+                <a:cs typeface="Verdana" panose="020B0604030504040204" pitchFamily="34" charset="0"/>
               </a:rPr>
               <a:t>n</a:t>
             </a:r>
             <a:endParaRPr lang="en-GB" sz="3000" dirty="0">
-              <a:latin typeface="Codystar" panose="02000000000000000000" pitchFamily="2" charset="0"/>
-              <a:ea typeface="Codystar" panose="02000000000000000000" pitchFamily="2" charset="0"/>
+              <a:latin typeface="Verdana" panose="020B0604030504040204" pitchFamily="34" charset="0"/>
+              <a:ea typeface="Verdana" panose="020B0604030504040204" pitchFamily="34" charset="0"/>
+              <a:cs typeface="Verdana" panose="020B0604030504040204" pitchFamily="34" charset="0"/>
             </a:endParaRPr>
           </a:p>
         </p:txBody>
@@ -11286,14 +11579,16 @@
             <a:pPr algn="ctr"/>
             <a:r>
               <a:rPr lang="en-AU" sz="3000" dirty="0" err="1" smtClean="0">
-                <a:latin typeface="Codystar" panose="02000000000000000000" pitchFamily="2" charset="0"/>
-                <a:ea typeface="Codystar" panose="02000000000000000000" pitchFamily="2" charset="0"/>
+                <a:latin typeface="Verdana" panose="020B0604030504040204" pitchFamily="34" charset="0"/>
+                <a:ea typeface="Verdana" panose="020B0604030504040204" pitchFamily="34" charset="0"/>
+                <a:cs typeface="Verdana" panose="020B0604030504040204" pitchFamily="34" charset="0"/>
               </a:rPr>
               <a:t>i</a:t>
             </a:r>
             <a:endParaRPr lang="en-GB" sz="3000" dirty="0">
-              <a:latin typeface="Codystar" panose="02000000000000000000" pitchFamily="2" charset="0"/>
-              <a:ea typeface="Codystar" panose="02000000000000000000" pitchFamily="2" charset="0"/>
+              <a:latin typeface="Verdana" panose="020B0604030504040204" pitchFamily="34" charset="0"/>
+              <a:ea typeface="Verdana" panose="020B0604030504040204" pitchFamily="34" charset="0"/>
+              <a:cs typeface="Verdana" panose="020B0604030504040204" pitchFamily="34" charset="0"/>
             </a:endParaRPr>
           </a:p>
         </p:txBody>
@@ -11340,14 +11635,16 @@
             <a:pPr algn="ctr"/>
             <a:r>
               <a:rPr lang="en-AU" sz="3000" dirty="0" smtClean="0">
-                <a:latin typeface="Codystar" panose="02000000000000000000" pitchFamily="2" charset="0"/>
-                <a:ea typeface="Codystar" panose="02000000000000000000" pitchFamily="2" charset="0"/>
+                <a:latin typeface="Verdana" panose="020B0604030504040204" pitchFamily="34" charset="0"/>
+                <a:ea typeface="Verdana" panose="020B0604030504040204" pitchFamily="34" charset="0"/>
+                <a:cs typeface="Verdana" panose="020B0604030504040204" pitchFamily="34" charset="0"/>
               </a:rPr>
               <a:t>n</a:t>
             </a:r>
             <a:endParaRPr lang="en-GB" sz="3000" dirty="0">
-              <a:latin typeface="Codystar" panose="02000000000000000000" pitchFamily="2" charset="0"/>
-              <a:ea typeface="Codystar" panose="02000000000000000000" pitchFamily="2" charset="0"/>
+              <a:latin typeface="Verdana" panose="020B0604030504040204" pitchFamily="34" charset="0"/>
+              <a:ea typeface="Verdana" panose="020B0604030504040204" pitchFamily="34" charset="0"/>
+              <a:cs typeface="Verdana" panose="020B0604030504040204" pitchFamily="34" charset="0"/>
             </a:endParaRPr>
           </a:p>
         </p:txBody>
@@ -11394,14 +11691,16 @@
             <a:pPr algn="ctr"/>
             <a:r>
               <a:rPr lang="en-AU" sz="3000" dirty="0" smtClean="0">
-                <a:latin typeface="Codystar" panose="02000000000000000000" pitchFamily="2" charset="0"/>
-                <a:ea typeface="Codystar" panose="02000000000000000000" pitchFamily="2" charset="0"/>
+                <a:latin typeface="Verdana" panose="020B0604030504040204" pitchFamily="34" charset="0"/>
+                <a:ea typeface="Verdana" panose="020B0604030504040204" pitchFamily="34" charset="0"/>
+                <a:cs typeface="Verdana" panose="020B0604030504040204" pitchFamily="34" charset="0"/>
               </a:rPr>
               <a:t>e</a:t>
             </a:r>
             <a:endParaRPr lang="en-GB" sz="3000" dirty="0">
-              <a:latin typeface="Codystar" panose="02000000000000000000" pitchFamily="2" charset="0"/>
-              <a:ea typeface="Codystar" panose="02000000000000000000" pitchFamily="2" charset="0"/>
+              <a:latin typeface="Verdana" panose="020B0604030504040204" pitchFamily="34" charset="0"/>
+              <a:ea typeface="Verdana" panose="020B0604030504040204" pitchFamily="34" charset="0"/>
+              <a:cs typeface="Verdana" panose="020B0604030504040204" pitchFamily="34" charset="0"/>
             </a:endParaRPr>
           </a:p>
         </p:txBody>
@@ -11448,14 +11747,16 @@
             <a:pPr algn="ctr"/>
             <a:r>
               <a:rPr lang="en-AU" sz="3000" dirty="0" smtClean="0">
-                <a:latin typeface="Codystar" panose="02000000000000000000" pitchFamily="2" charset="0"/>
-                <a:ea typeface="Codystar" panose="02000000000000000000" pitchFamily="2" charset="0"/>
+                <a:latin typeface="Verdana" panose="020B0604030504040204" pitchFamily="34" charset="0"/>
+                <a:ea typeface="Verdana" panose="020B0604030504040204" pitchFamily="34" charset="0"/>
+                <a:cs typeface="Verdana" panose="020B0604030504040204" pitchFamily="34" charset="0"/>
               </a:rPr>
               <a:t>l</a:t>
             </a:r>
             <a:endParaRPr lang="en-GB" sz="3000" dirty="0">
-              <a:latin typeface="Codystar" panose="02000000000000000000" pitchFamily="2" charset="0"/>
-              <a:ea typeface="Codystar" panose="02000000000000000000" pitchFamily="2" charset="0"/>
+              <a:latin typeface="Verdana" panose="020B0604030504040204" pitchFamily="34" charset="0"/>
+              <a:ea typeface="Verdana" panose="020B0604030504040204" pitchFamily="34" charset="0"/>
+              <a:cs typeface="Verdana" panose="020B0604030504040204" pitchFamily="34" charset="0"/>
             </a:endParaRPr>
           </a:p>
         </p:txBody>
@@ -11502,14 +11803,16 @@
             <a:pPr algn="ctr"/>
             <a:r>
               <a:rPr lang="en-AU" sz="3000" dirty="0" smtClean="0">
-                <a:latin typeface="Codystar" panose="02000000000000000000" pitchFamily="2" charset="0"/>
-                <a:ea typeface="Codystar" panose="02000000000000000000" pitchFamily="2" charset="0"/>
+                <a:latin typeface="Verdana" panose="020B0604030504040204" pitchFamily="34" charset="0"/>
+                <a:ea typeface="Verdana" panose="020B0604030504040204" pitchFamily="34" charset="0"/>
+                <a:cs typeface="Verdana" panose="020B0604030504040204" pitchFamily="34" charset="0"/>
               </a:rPr>
               <a:t>e</a:t>
             </a:r>
             <a:endParaRPr lang="en-GB" sz="3000" dirty="0">
-              <a:latin typeface="Codystar" panose="02000000000000000000" pitchFamily="2" charset="0"/>
-              <a:ea typeface="Codystar" panose="02000000000000000000" pitchFamily="2" charset="0"/>
+              <a:latin typeface="Verdana" panose="020B0604030504040204" pitchFamily="34" charset="0"/>
+              <a:ea typeface="Verdana" panose="020B0604030504040204" pitchFamily="34" charset="0"/>
+              <a:cs typeface="Verdana" panose="020B0604030504040204" pitchFamily="34" charset="0"/>
             </a:endParaRPr>
           </a:p>
         </p:txBody>
@@ -11556,14 +11859,16 @@
             <a:pPr algn="ctr"/>
             <a:r>
               <a:rPr lang="en-AU" sz="3000" dirty="0" smtClean="0">
-                <a:latin typeface="Codystar" panose="02000000000000000000" pitchFamily="2" charset="0"/>
-                <a:ea typeface="Codystar" panose="02000000000000000000" pitchFamily="2" charset="0"/>
+                <a:latin typeface="Verdana" panose="020B0604030504040204" pitchFamily="34" charset="0"/>
+                <a:ea typeface="Verdana" panose="020B0604030504040204" pitchFamily="34" charset="0"/>
+                <a:cs typeface="Verdana" panose="020B0604030504040204" pitchFamily="34" charset="0"/>
               </a:rPr>
               <a:t>v</a:t>
             </a:r>
             <a:endParaRPr lang="en-GB" sz="3000" dirty="0">
-              <a:latin typeface="Codystar" panose="02000000000000000000" pitchFamily="2" charset="0"/>
-              <a:ea typeface="Codystar" panose="02000000000000000000" pitchFamily="2" charset="0"/>
+              <a:latin typeface="Verdana" panose="020B0604030504040204" pitchFamily="34" charset="0"/>
+              <a:ea typeface="Verdana" panose="020B0604030504040204" pitchFamily="34" charset="0"/>
+              <a:cs typeface="Verdana" panose="020B0604030504040204" pitchFamily="34" charset="0"/>
             </a:endParaRPr>
           </a:p>
         </p:txBody>
@@ -11610,14 +11915,16 @@
             <a:pPr algn="ctr"/>
             <a:r>
               <a:rPr lang="en-AU" sz="3000" dirty="0" smtClean="0">
-                <a:latin typeface="Codystar" panose="02000000000000000000" pitchFamily="2" charset="0"/>
-                <a:ea typeface="Codystar" panose="02000000000000000000" pitchFamily="2" charset="0"/>
+                <a:latin typeface="Verdana" panose="020B0604030504040204" pitchFamily="34" charset="0"/>
+                <a:ea typeface="Verdana" panose="020B0604030504040204" pitchFamily="34" charset="0"/>
+                <a:cs typeface="Verdana" panose="020B0604030504040204" pitchFamily="34" charset="0"/>
               </a:rPr>
               <a:t>e</a:t>
             </a:r>
             <a:endParaRPr lang="en-GB" sz="3000" dirty="0">
-              <a:latin typeface="Codystar" panose="02000000000000000000" pitchFamily="2" charset="0"/>
-              <a:ea typeface="Codystar" panose="02000000000000000000" pitchFamily="2" charset="0"/>
+              <a:latin typeface="Verdana" panose="020B0604030504040204" pitchFamily="34" charset="0"/>
+              <a:ea typeface="Verdana" panose="020B0604030504040204" pitchFamily="34" charset="0"/>
+              <a:cs typeface="Verdana" panose="020B0604030504040204" pitchFamily="34" charset="0"/>
             </a:endParaRPr>
           </a:p>
         </p:txBody>
@@ -11664,14 +11971,16 @@
             <a:pPr algn="ctr"/>
             <a:r>
               <a:rPr lang="en-AU" sz="3000" dirty="0" smtClean="0">
-                <a:latin typeface="Codystar" panose="02000000000000000000" pitchFamily="2" charset="0"/>
-                <a:ea typeface="Codystar" panose="02000000000000000000" pitchFamily="2" charset="0"/>
+                <a:latin typeface="Verdana" panose="020B0604030504040204" pitchFamily="34" charset="0"/>
+                <a:ea typeface="Verdana" panose="020B0604030504040204" pitchFamily="34" charset="0"/>
+                <a:cs typeface="Verdana" panose="020B0604030504040204" pitchFamily="34" charset="0"/>
               </a:rPr>
               <a:t>n</a:t>
             </a:r>
             <a:endParaRPr lang="en-GB" sz="3000" dirty="0">
-              <a:latin typeface="Codystar" panose="02000000000000000000" pitchFamily="2" charset="0"/>
-              <a:ea typeface="Codystar" panose="02000000000000000000" pitchFamily="2" charset="0"/>
+              <a:latin typeface="Verdana" panose="020B0604030504040204" pitchFamily="34" charset="0"/>
+              <a:ea typeface="Verdana" panose="020B0604030504040204" pitchFamily="34" charset="0"/>
+              <a:cs typeface="Verdana" panose="020B0604030504040204" pitchFamily="34" charset="0"/>
             </a:endParaRPr>
           </a:p>
         </p:txBody>
@@ -11718,14 +12027,16 @@
             <a:pPr algn="ctr"/>
             <a:r>
               <a:rPr lang="en-AU" sz="3000" dirty="0" smtClean="0">
-                <a:latin typeface="Codystar" panose="02000000000000000000" pitchFamily="2" charset="0"/>
-                <a:ea typeface="Codystar" panose="02000000000000000000" pitchFamily="2" charset="0"/>
+                <a:latin typeface="Verdana" panose="020B0604030504040204" pitchFamily="34" charset="0"/>
+                <a:ea typeface="Verdana" panose="020B0604030504040204" pitchFamily="34" charset="0"/>
+                <a:cs typeface="Verdana" panose="020B0604030504040204" pitchFamily="34" charset="0"/>
               </a:rPr>
               <a:t>f</a:t>
             </a:r>
             <a:endParaRPr lang="en-GB" sz="3000" dirty="0">
-              <a:latin typeface="Codystar" panose="02000000000000000000" pitchFamily="2" charset="0"/>
-              <a:ea typeface="Codystar" panose="02000000000000000000" pitchFamily="2" charset="0"/>
+              <a:latin typeface="Verdana" panose="020B0604030504040204" pitchFamily="34" charset="0"/>
+              <a:ea typeface="Verdana" panose="020B0604030504040204" pitchFamily="34" charset="0"/>
+              <a:cs typeface="Verdana" panose="020B0604030504040204" pitchFamily="34" charset="0"/>
             </a:endParaRPr>
           </a:p>
         </p:txBody>
@@ -11772,14 +12083,16 @@
             <a:pPr algn="ctr"/>
             <a:r>
               <a:rPr lang="en-AU" sz="3000" dirty="0" smtClean="0">
-                <a:latin typeface="Codystar" panose="02000000000000000000" pitchFamily="2" charset="0"/>
-                <a:ea typeface="Codystar" panose="02000000000000000000" pitchFamily="2" charset="0"/>
+                <a:latin typeface="Verdana" panose="020B0604030504040204" pitchFamily="34" charset="0"/>
+                <a:ea typeface="Verdana" panose="020B0604030504040204" pitchFamily="34" charset="0"/>
+                <a:cs typeface="Verdana" panose="020B0604030504040204" pitchFamily="34" charset="0"/>
               </a:rPr>
               <a:t>o</a:t>
             </a:r>
             <a:endParaRPr lang="en-GB" sz="3000" dirty="0">
-              <a:latin typeface="Codystar" panose="02000000000000000000" pitchFamily="2" charset="0"/>
-              <a:ea typeface="Codystar" panose="02000000000000000000" pitchFamily="2" charset="0"/>
+              <a:latin typeface="Verdana" panose="020B0604030504040204" pitchFamily="34" charset="0"/>
+              <a:ea typeface="Verdana" panose="020B0604030504040204" pitchFamily="34" charset="0"/>
+              <a:cs typeface="Verdana" panose="020B0604030504040204" pitchFamily="34" charset="0"/>
             </a:endParaRPr>
           </a:p>
         </p:txBody>
@@ -11826,14 +12139,16 @@
             <a:pPr algn="ctr"/>
             <a:r>
               <a:rPr lang="en-AU" sz="3000" dirty="0" smtClean="0">
-                <a:latin typeface="Codystar" panose="02000000000000000000" pitchFamily="2" charset="0"/>
-                <a:ea typeface="Codystar" panose="02000000000000000000" pitchFamily="2" charset="0"/>
+                <a:latin typeface="Verdana" panose="020B0604030504040204" pitchFamily="34" charset="0"/>
+                <a:ea typeface="Verdana" panose="020B0604030504040204" pitchFamily="34" charset="0"/>
+                <a:cs typeface="Verdana" panose="020B0604030504040204" pitchFamily="34" charset="0"/>
               </a:rPr>
               <a:t>u</a:t>
             </a:r>
             <a:endParaRPr lang="en-GB" sz="3000" dirty="0">
-              <a:latin typeface="Codystar" panose="02000000000000000000" pitchFamily="2" charset="0"/>
-              <a:ea typeface="Codystar" panose="02000000000000000000" pitchFamily="2" charset="0"/>
+              <a:latin typeface="Verdana" panose="020B0604030504040204" pitchFamily="34" charset="0"/>
+              <a:ea typeface="Verdana" panose="020B0604030504040204" pitchFamily="34" charset="0"/>
+              <a:cs typeface="Verdana" panose="020B0604030504040204" pitchFamily="34" charset="0"/>
             </a:endParaRPr>
           </a:p>
         </p:txBody>
@@ -11880,14 +12195,16 @@
             <a:pPr algn="ctr"/>
             <a:r>
               <a:rPr lang="en-AU" sz="3000" dirty="0" smtClean="0">
-                <a:latin typeface="Codystar" panose="02000000000000000000" pitchFamily="2" charset="0"/>
-                <a:ea typeface="Codystar" panose="02000000000000000000" pitchFamily="2" charset="0"/>
+                <a:latin typeface="Verdana" panose="020B0604030504040204" pitchFamily="34" charset="0"/>
+                <a:ea typeface="Verdana" panose="020B0604030504040204" pitchFamily="34" charset="0"/>
+                <a:cs typeface="Verdana" panose="020B0604030504040204" pitchFamily="34" charset="0"/>
               </a:rPr>
               <a:t>r</a:t>
             </a:r>
             <a:endParaRPr lang="en-GB" sz="3000" dirty="0">
-              <a:latin typeface="Codystar" panose="02000000000000000000" pitchFamily="2" charset="0"/>
-              <a:ea typeface="Codystar" panose="02000000000000000000" pitchFamily="2" charset="0"/>
+              <a:latin typeface="Verdana" panose="020B0604030504040204" pitchFamily="34" charset="0"/>
+              <a:ea typeface="Verdana" panose="020B0604030504040204" pitchFamily="34" charset="0"/>
+              <a:cs typeface="Verdana" panose="020B0604030504040204" pitchFamily="34" charset="0"/>
             </a:endParaRPr>
           </a:p>
         </p:txBody>
@@ -11934,14 +12251,16 @@
             <a:pPr algn="ctr"/>
             <a:r>
               <a:rPr lang="en-AU" sz="3000" dirty="0" smtClean="0">
-                <a:latin typeface="Codystar" panose="02000000000000000000" pitchFamily="2" charset="0"/>
-                <a:ea typeface="Codystar" panose="02000000000000000000" pitchFamily="2" charset="0"/>
+                <a:latin typeface="Verdana" panose="020B0604030504040204" pitchFamily="34" charset="0"/>
+                <a:ea typeface="Verdana" panose="020B0604030504040204" pitchFamily="34" charset="0"/>
+                <a:cs typeface="Verdana" panose="020B0604030504040204" pitchFamily="34" charset="0"/>
               </a:rPr>
               <a:t>f</a:t>
             </a:r>
             <a:endParaRPr lang="en-GB" sz="3000" dirty="0">
-              <a:latin typeface="Codystar" panose="02000000000000000000" pitchFamily="2" charset="0"/>
-              <a:ea typeface="Codystar" panose="02000000000000000000" pitchFamily="2" charset="0"/>
+              <a:latin typeface="Verdana" panose="020B0604030504040204" pitchFamily="34" charset="0"/>
+              <a:ea typeface="Verdana" panose="020B0604030504040204" pitchFamily="34" charset="0"/>
+              <a:cs typeface="Verdana" panose="020B0604030504040204" pitchFamily="34" charset="0"/>
             </a:endParaRPr>
           </a:p>
         </p:txBody>
@@ -11988,14 +12307,16 @@
             <a:pPr algn="ctr"/>
             <a:r>
               <a:rPr lang="en-AU" sz="3000" dirty="0" err="1" smtClean="0">
-                <a:latin typeface="Codystar" panose="02000000000000000000" pitchFamily="2" charset="0"/>
-                <a:ea typeface="Codystar" panose="02000000000000000000" pitchFamily="2" charset="0"/>
+                <a:latin typeface="Verdana" panose="020B0604030504040204" pitchFamily="34" charset="0"/>
+                <a:ea typeface="Verdana" panose="020B0604030504040204" pitchFamily="34" charset="0"/>
+                <a:cs typeface="Verdana" panose="020B0604030504040204" pitchFamily="34" charset="0"/>
               </a:rPr>
               <a:t>i</a:t>
             </a:r>
             <a:endParaRPr lang="en-GB" sz="3000" dirty="0">
-              <a:latin typeface="Codystar" panose="02000000000000000000" pitchFamily="2" charset="0"/>
-              <a:ea typeface="Codystar" panose="02000000000000000000" pitchFamily="2" charset="0"/>
+              <a:latin typeface="Verdana" panose="020B0604030504040204" pitchFamily="34" charset="0"/>
+              <a:ea typeface="Verdana" panose="020B0604030504040204" pitchFamily="34" charset="0"/>
+              <a:cs typeface="Verdana" panose="020B0604030504040204" pitchFamily="34" charset="0"/>
             </a:endParaRPr>
           </a:p>
         </p:txBody>
@@ -12042,14 +12363,16 @@
             <a:pPr algn="ctr"/>
             <a:r>
               <a:rPr lang="en-AU" sz="3000" dirty="0" smtClean="0">
-                <a:latin typeface="Codystar" panose="02000000000000000000" pitchFamily="2" charset="0"/>
-                <a:ea typeface="Codystar" panose="02000000000000000000" pitchFamily="2" charset="0"/>
+                <a:latin typeface="Verdana" panose="020B0604030504040204" pitchFamily="34" charset="0"/>
+                <a:ea typeface="Verdana" panose="020B0604030504040204" pitchFamily="34" charset="0"/>
+                <a:cs typeface="Verdana" panose="020B0604030504040204" pitchFamily="34" charset="0"/>
               </a:rPr>
               <a:t>v</a:t>
             </a:r>
             <a:endParaRPr lang="en-GB" sz="3000" dirty="0">
-              <a:latin typeface="Codystar" panose="02000000000000000000" pitchFamily="2" charset="0"/>
-              <a:ea typeface="Codystar" panose="02000000000000000000" pitchFamily="2" charset="0"/>
+              <a:latin typeface="Verdana" panose="020B0604030504040204" pitchFamily="34" charset="0"/>
+              <a:ea typeface="Verdana" panose="020B0604030504040204" pitchFamily="34" charset="0"/>
+              <a:cs typeface="Verdana" panose="020B0604030504040204" pitchFamily="34" charset="0"/>
             </a:endParaRPr>
           </a:p>
         </p:txBody>
@@ -12096,14 +12419,16 @@
             <a:pPr algn="ctr"/>
             <a:r>
               <a:rPr lang="en-AU" sz="3000" dirty="0" smtClean="0">
-                <a:latin typeface="Codystar" panose="02000000000000000000" pitchFamily="2" charset="0"/>
-                <a:ea typeface="Codystar" panose="02000000000000000000" pitchFamily="2" charset="0"/>
+                <a:latin typeface="Verdana" panose="020B0604030504040204" pitchFamily="34" charset="0"/>
+                <a:ea typeface="Verdana" panose="020B0604030504040204" pitchFamily="34" charset="0"/>
+                <a:cs typeface="Verdana" panose="020B0604030504040204" pitchFamily="34" charset="0"/>
               </a:rPr>
               <a:t>e</a:t>
             </a:r>
             <a:endParaRPr lang="en-GB" sz="3000" dirty="0">
-              <a:latin typeface="Codystar" panose="02000000000000000000" pitchFamily="2" charset="0"/>
-              <a:ea typeface="Codystar" panose="02000000000000000000" pitchFamily="2" charset="0"/>
+              <a:latin typeface="Verdana" panose="020B0604030504040204" pitchFamily="34" charset="0"/>
+              <a:ea typeface="Verdana" panose="020B0604030504040204" pitchFamily="34" charset="0"/>
+              <a:cs typeface="Verdana" panose="020B0604030504040204" pitchFamily="34" charset="0"/>
             </a:endParaRPr>
           </a:p>
         </p:txBody>
@@ -12150,14 +12475,16 @@
             <a:pPr algn="ctr"/>
             <a:r>
               <a:rPr lang="en-AU" sz="3000" dirty="0" smtClean="0">
-                <a:latin typeface="Codystar" panose="02000000000000000000" pitchFamily="2" charset="0"/>
-                <a:ea typeface="Codystar" panose="02000000000000000000" pitchFamily="2" charset="0"/>
+                <a:latin typeface="Verdana" panose="020B0604030504040204" pitchFamily="34" charset="0"/>
+                <a:ea typeface="Verdana" panose="020B0604030504040204" pitchFamily="34" charset="0"/>
+                <a:cs typeface="Verdana" panose="020B0604030504040204" pitchFamily="34" charset="0"/>
               </a:rPr>
               <a:t>t</a:t>
             </a:r>
             <a:endParaRPr lang="en-GB" sz="3000" dirty="0">
-              <a:latin typeface="Codystar" panose="02000000000000000000" pitchFamily="2" charset="0"/>
-              <a:ea typeface="Codystar" panose="02000000000000000000" pitchFamily="2" charset="0"/>
+              <a:latin typeface="Verdana" panose="020B0604030504040204" pitchFamily="34" charset="0"/>
+              <a:ea typeface="Verdana" panose="020B0604030504040204" pitchFamily="34" charset="0"/>
+              <a:cs typeface="Verdana" panose="020B0604030504040204" pitchFamily="34" charset="0"/>
             </a:endParaRPr>
           </a:p>
         </p:txBody>
@@ -12204,14 +12531,16 @@
             <a:pPr algn="ctr"/>
             <a:r>
               <a:rPr lang="en-AU" sz="3000" dirty="0" smtClean="0">
-                <a:latin typeface="Codystar" panose="02000000000000000000" pitchFamily="2" charset="0"/>
-                <a:ea typeface="Codystar" panose="02000000000000000000" pitchFamily="2" charset="0"/>
+                <a:latin typeface="Verdana" panose="020B0604030504040204" pitchFamily="34" charset="0"/>
+                <a:ea typeface="Verdana" panose="020B0604030504040204" pitchFamily="34" charset="0"/>
+                <a:cs typeface="Verdana" panose="020B0604030504040204" pitchFamily="34" charset="0"/>
               </a:rPr>
               <a:t>w</a:t>
             </a:r>
             <a:endParaRPr lang="en-GB" sz="3000" dirty="0">
-              <a:latin typeface="Codystar" panose="02000000000000000000" pitchFamily="2" charset="0"/>
-              <a:ea typeface="Codystar" panose="02000000000000000000" pitchFamily="2" charset="0"/>
+              <a:latin typeface="Verdana" panose="020B0604030504040204" pitchFamily="34" charset="0"/>
+              <a:ea typeface="Verdana" panose="020B0604030504040204" pitchFamily="34" charset="0"/>
+              <a:cs typeface="Verdana" panose="020B0604030504040204" pitchFamily="34" charset="0"/>
             </a:endParaRPr>
           </a:p>
         </p:txBody>
@@ -12258,14 +12587,16 @@
             <a:pPr algn="ctr"/>
             <a:r>
               <a:rPr lang="en-AU" sz="3000" dirty="0" smtClean="0">
-                <a:latin typeface="Codystar" panose="02000000000000000000" pitchFamily="2" charset="0"/>
-                <a:ea typeface="Codystar" panose="02000000000000000000" pitchFamily="2" charset="0"/>
+                <a:latin typeface="Verdana" panose="020B0604030504040204" pitchFamily="34" charset="0"/>
+                <a:ea typeface="Verdana" panose="020B0604030504040204" pitchFamily="34" charset="0"/>
+                <a:cs typeface="Verdana" panose="020B0604030504040204" pitchFamily="34" charset="0"/>
               </a:rPr>
               <a:t>e</a:t>
             </a:r>
             <a:endParaRPr lang="en-GB" sz="3000" dirty="0">
-              <a:latin typeface="Codystar" panose="02000000000000000000" pitchFamily="2" charset="0"/>
-              <a:ea typeface="Codystar" panose="02000000000000000000" pitchFamily="2" charset="0"/>
+              <a:latin typeface="Verdana" panose="020B0604030504040204" pitchFamily="34" charset="0"/>
+              <a:ea typeface="Verdana" panose="020B0604030504040204" pitchFamily="34" charset="0"/>
+              <a:cs typeface="Verdana" panose="020B0604030504040204" pitchFamily="34" charset="0"/>
             </a:endParaRPr>
           </a:p>
         </p:txBody>
@@ -12312,14 +12643,16 @@
             <a:pPr algn="ctr"/>
             <a:r>
               <a:rPr lang="en-AU" sz="3000" dirty="0" smtClean="0">
-                <a:latin typeface="Codystar" panose="02000000000000000000" pitchFamily="2" charset="0"/>
-                <a:ea typeface="Codystar" panose="02000000000000000000" pitchFamily="2" charset="0"/>
+                <a:latin typeface="Verdana" panose="020B0604030504040204" pitchFamily="34" charset="0"/>
+                <a:ea typeface="Verdana" panose="020B0604030504040204" pitchFamily="34" charset="0"/>
+                <a:cs typeface="Verdana" panose="020B0604030504040204" pitchFamily="34" charset="0"/>
               </a:rPr>
               <a:t>l</a:t>
             </a:r>
             <a:endParaRPr lang="en-GB" sz="3000" dirty="0">
-              <a:latin typeface="Codystar" panose="02000000000000000000" pitchFamily="2" charset="0"/>
-              <a:ea typeface="Codystar" panose="02000000000000000000" pitchFamily="2" charset="0"/>
+              <a:latin typeface="Verdana" panose="020B0604030504040204" pitchFamily="34" charset="0"/>
+              <a:ea typeface="Verdana" panose="020B0604030504040204" pitchFamily="34" charset="0"/>
+              <a:cs typeface="Verdana" panose="020B0604030504040204" pitchFamily="34" charset="0"/>
             </a:endParaRPr>
           </a:p>
         </p:txBody>
@@ -12366,14 +12699,16 @@
             <a:pPr algn="ctr"/>
             <a:r>
               <a:rPr lang="en-AU" sz="3000" dirty="0" smtClean="0">
-                <a:latin typeface="Codystar" panose="02000000000000000000" pitchFamily="2" charset="0"/>
-                <a:ea typeface="Codystar" panose="02000000000000000000" pitchFamily="2" charset="0"/>
+                <a:latin typeface="Verdana" panose="020B0604030504040204" pitchFamily="34" charset="0"/>
+                <a:ea typeface="Verdana" panose="020B0604030504040204" pitchFamily="34" charset="0"/>
+                <a:cs typeface="Verdana" panose="020B0604030504040204" pitchFamily="34" charset="0"/>
               </a:rPr>
               <a:t>v</a:t>
             </a:r>
             <a:endParaRPr lang="en-GB" sz="3000" dirty="0">
-              <a:latin typeface="Codystar" panose="02000000000000000000" pitchFamily="2" charset="0"/>
-              <a:ea typeface="Codystar" panose="02000000000000000000" pitchFamily="2" charset="0"/>
+              <a:latin typeface="Verdana" panose="020B0604030504040204" pitchFamily="34" charset="0"/>
+              <a:ea typeface="Verdana" panose="020B0604030504040204" pitchFamily="34" charset="0"/>
+              <a:cs typeface="Verdana" panose="020B0604030504040204" pitchFamily="34" charset="0"/>
             </a:endParaRPr>
           </a:p>
         </p:txBody>
@@ -12420,14 +12755,16 @@
             <a:pPr algn="ctr"/>
             <a:r>
               <a:rPr lang="en-AU" sz="3000" dirty="0" smtClean="0">
-                <a:latin typeface="Codystar" panose="02000000000000000000" pitchFamily="2" charset="0"/>
-                <a:ea typeface="Codystar" panose="02000000000000000000" pitchFamily="2" charset="0"/>
+                <a:latin typeface="Verdana" panose="020B0604030504040204" pitchFamily="34" charset="0"/>
+                <a:ea typeface="Verdana" panose="020B0604030504040204" pitchFamily="34" charset="0"/>
+                <a:cs typeface="Verdana" panose="020B0604030504040204" pitchFamily="34" charset="0"/>
               </a:rPr>
               <a:t>e</a:t>
             </a:r>
             <a:endParaRPr lang="en-GB" sz="3000" dirty="0">
-              <a:latin typeface="Codystar" panose="02000000000000000000" pitchFamily="2" charset="0"/>
-              <a:ea typeface="Codystar" panose="02000000000000000000" pitchFamily="2" charset="0"/>
+              <a:latin typeface="Verdana" panose="020B0604030504040204" pitchFamily="34" charset="0"/>
+              <a:ea typeface="Verdana" panose="020B0604030504040204" pitchFamily="34" charset="0"/>
+              <a:cs typeface="Verdana" panose="020B0604030504040204" pitchFamily="34" charset="0"/>
             </a:endParaRPr>
           </a:p>
         </p:txBody>
@@ -12474,14 +12811,16 @@
             <a:pPr algn="ctr"/>
             <a:r>
               <a:rPr lang="en-AU" sz="3000" dirty="0" smtClean="0">
-                <a:latin typeface="Codystar" panose="02000000000000000000" pitchFamily="2" charset="0"/>
-                <a:ea typeface="Codystar" panose="02000000000000000000" pitchFamily="2" charset="0"/>
+                <a:latin typeface="Verdana" panose="020B0604030504040204" pitchFamily="34" charset="0"/>
+                <a:ea typeface="Verdana" panose="020B0604030504040204" pitchFamily="34" charset="0"/>
+                <a:cs typeface="Verdana" panose="020B0604030504040204" pitchFamily="34" charset="0"/>
               </a:rPr>
               <a:t>s</a:t>
             </a:r>
             <a:endParaRPr lang="en-GB" sz="3000" dirty="0">
-              <a:latin typeface="Codystar" panose="02000000000000000000" pitchFamily="2" charset="0"/>
-              <a:ea typeface="Codystar" panose="02000000000000000000" pitchFamily="2" charset="0"/>
+              <a:latin typeface="Verdana" panose="020B0604030504040204" pitchFamily="34" charset="0"/>
+              <a:ea typeface="Verdana" panose="020B0604030504040204" pitchFamily="34" charset="0"/>
+              <a:cs typeface="Verdana" panose="020B0604030504040204" pitchFamily="34" charset="0"/>
             </a:endParaRPr>
           </a:p>
         </p:txBody>
@@ -12528,14 +12867,16 @@
             <a:pPr algn="ctr"/>
             <a:r>
               <a:rPr lang="en-AU" sz="3000" dirty="0" smtClean="0">
-                <a:latin typeface="Codystar" panose="02000000000000000000" pitchFamily="2" charset="0"/>
-                <a:ea typeface="Codystar" panose="02000000000000000000" pitchFamily="2" charset="0"/>
+                <a:latin typeface="Verdana" panose="020B0604030504040204" pitchFamily="34" charset="0"/>
+                <a:ea typeface="Verdana" panose="020B0604030504040204" pitchFamily="34" charset="0"/>
+                <a:cs typeface="Verdana" panose="020B0604030504040204" pitchFamily="34" charset="0"/>
               </a:rPr>
               <a:t>e</a:t>
             </a:r>
             <a:endParaRPr lang="en-GB" sz="3000" dirty="0">
-              <a:latin typeface="Codystar" panose="02000000000000000000" pitchFamily="2" charset="0"/>
-              <a:ea typeface="Codystar" panose="02000000000000000000" pitchFamily="2" charset="0"/>
+              <a:latin typeface="Verdana" panose="020B0604030504040204" pitchFamily="34" charset="0"/>
+              <a:ea typeface="Verdana" panose="020B0604030504040204" pitchFamily="34" charset="0"/>
+              <a:cs typeface="Verdana" panose="020B0604030504040204" pitchFamily="34" charset="0"/>
             </a:endParaRPr>
           </a:p>
         </p:txBody>
@@ -12582,14 +12923,16 @@
             <a:pPr algn="ctr"/>
             <a:r>
               <a:rPr lang="en-AU" sz="3000" dirty="0" smtClean="0">
-                <a:latin typeface="Codystar" panose="02000000000000000000" pitchFamily="2" charset="0"/>
-                <a:ea typeface="Codystar" panose="02000000000000000000" pitchFamily="2" charset="0"/>
+                <a:latin typeface="Verdana" panose="020B0604030504040204" pitchFamily="34" charset="0"/>
+                <a:ea typeface="Verdana" panose="020B0604030504040204" pitchFamily="34" charset="0"/>
+                <a:cs typeface="Verdana" panose="020B0604030504040204" pitchFamily="34" charset="0"/>
               </a:rPr>
               <a:t>v</a:t>
             </a:r>
             <a:endParaRPr lang="en-GB" sz="3000" dirty="0">
-              <a:latin typeface="Codystar" panose="02000000000000000000" pitchFamily="2" charset="0"/>
-              <a:ea typeface="Codystar" panose="02000000000000000000" pitchFamily="2" charset="0"/>
+              <a:latin typeface="Verdana" panose="020B0604030504040204" pitchFamily="34" charset="0"/>
+              <a:ea typeface="Verdana" panose="020B0604030504040204" pitchFamily="34" charset="0"/>
+              <a:cs typeface="Verdana" panose="020B0604030504040204" pitchFamily="34" charset="0"/>
             </a:endParaRPr>
           </a:p>
         </p:txBody>
@@ -12636,14 +12979,16 @@
             <a:pPr algn="ctr"/>
             <a:r>
               <a:rPr lang="en-AU" sz="3000" dirty="0" smtClean="0">
-                <a:latin typeface="Codystar" panose="02000000000000000000" pitchFamily="2" charset="0"/>
-                <a:ea typeface="Codystar" panose="02000000000000000000" pitchFamily="2" charset="0"/>
+                <a:latin typeface="Verdana" panose="020B0604030504040204" pitchFamily="34" charset="0"/>
+                <a:ea typeface="Verdana" panose="020B0604030504040204" pitchFamily="34" charset="0"/>
+                <a:cs typeface="Verdana" panose="020B0604030504040204" pitchFamily="34" charset="0"/>
               </a:rPr>
               <a:t>e</a:t>
             </a:r>
             <a:endParaRPr lang="en-GB" sz="3000" dirty="0">
-              <a:latin typeface="Codystar" panose="02000000000000000000" pitchFamily="2" charset="0"/>
-              <a:ea typeface="Codystar" panose="02000000000000000000" pitchFamily="2" charset="0"/>
+              <a:latin typeface="Verdana" panose="020B0604030504040204" pitchFamily="34" charset="0"/>
+              <a:ea typeface="Verdana" panose="020B0604030504040204" pitchFamily="34" charset="0"/>
+              <a:cs typeface="Verdana" panose="020B0604030504040204" pitchFamily="34" charset="0"/>
             </a:endParaRPr>
           </a:p>
         </p:txBody>
@@ -12690,14 +13035,16 @@
             <a:pPr algn="ctr"/>
             <a:r>
               <a:rPr lang="en-AU" sz="3000" dirty="0" smtClean="0">
-                <a:latin typeface="Codystar" panose="02000000000000000000" pitchFamily="2" charset="0"/>
-                <a:ea typeface="Codystar" panose="02000000000000000000" pitchFamily="2" charset="0"/>
+                <a:latin typeface="Verdana" panose="020B0604030504040204" pitchFamily="34" charset="0"/>
+                <a:ea typeface="Verdana" panose="020B0604030504040204" pitchFamily="34" charset="0"/>
+                <a:cs typeface="Verdana" panose="020B0604030504040204" pitchFamily="34" charset="0"/>
               </a:rPr>
               <a:t>n</a:t>
             </a:r>
             <a:endParaRPr lang="en-GB" sz="3000" dirty="0">
-              <a:latin typeface="Codystar" panose="02000000000000000000" pitchFamily="2" charset="0"/>
-              <a:ea typeface="Codystar" panose="02000000000000000000" pitchFamily="2" charset="0"/>
+              <a:latin typeface="Verdana" panose="020B0604030504040204" pitchFamily="34" charset="0"/>
+              <a:ea typeface="Verdana" panose="020B0604030504040204" pitchFamily="34" charset="0"/>
+              <a:cs typeface="Verdana" panose="020B0604030504040204" pitchFamily="34" charset="0"/>
             </a:endParaRPr>
           </a:p>
         </p:txBody>
@@ -12744,14 +13091,16 @@
             <a:pPr algn="ctr"/>
             <a:r>
               <a:rPr lang="en-AU" sz="3000" dirty="0" smtClean="0">
-                <a:latin typeface="Codystar" panose="02000000000000000000" pitchFamily="2" charset="0"/>
-                <a:ea typeface="Codystar" panose="02000000000000000000" pitchFamily="2" charset="0"/>
+                <a:latin typeface="Verdana" panose="020B0604030504040204" pitchFamily="34" charset="0"/>
+                <a:ea typeface="Verdana" panose="020B0604030504040204" pitchFamily="34" charset="0"/>
+                <a:cs typeface="Verdana" panose="020B0604030504040204" pitchFamily="34" charset="0"/>
               </a:rPr>
               <a:t>d</a:t>
             </a:r>
             <a:endParaRPr lang="en-GB" sz="3000" dirty="0">
-              <a:latin typeface="Codystar" panose="02000000000000000000" pitchFamily="2" charset="0"/>
-              <a:ea typeface="Codystar" panose="02000000000000000000" pitchFamily="2" charset="0"/>
+              <a:latin typeface="Verdana" panose="020B0604030504040204" pitchFamily="34" charset="0"/>
+              <a:ea typeface="Verdana" panose="020B0604030504040204" pitchFamily="34" charset="0"/>
+              <a:cs typeface="Verdana" panose="020B0604030504040204" pitchFamily="34" charset="0"/>
             </a:endParaRPr>
           </a:p>
         </p:txBody>
@@ -12798,14 +13147,16 @@
             <a:pPr algn="ctr"/>
             <a:r>
               <a:rPr lang="en-AU" sz="3000" dirty="0" smtClean="0">
-                <a:latin typeface="Codystar" panose="02000000000000000000" pitchFamily="2" charset="0"/>
-                <a:ea typeface="Codystar" panose="02000000000000000000" pitchFamily="2" charset="0"/>
+                <a:latin typeface="Verdana" panose="020B0604030504040204" pitchFamily="34" charset="0"/>
+                <a:ea typeface="Verdana" panose="020B0604030504040204" pitchFamily="34" charset="0"/>
+                <a:cs typeface="Verdana" panose="020B0604030504040204" pitchFamily="34" charset="0"/>
               </a:rPr>
               <a:t>l</a:t>
             </a:r>
             <a:endParaRPr lang="en-GB" sz="3000" dirty="0">
-              <a:latin typeface="Codystar" panose="02000000000000000000" pitchFamily="2" charset="0"/>
-              <a:ea typeface="Codystar" panose="02000000000000000000" pitchFamily="2" charset="0"/>
+              <a:latin typeface="Verdana" panose="020B0604030504040204" pitchFamily="34" charset="0"/>
+              <a:ea typeface="Verdana" panose="020B0604030504040204" pitchFamily="34" charset="0"/>
+              <a:cs typeface="Verdana" panose="020B0604030504040204" pitchFamily="34" charset="0"/>
             </a:endParaRPr>
           </a:p>
         </p:txBody>
@@ -12852,14 +13203,16 @@
             <a:pPr algn="ctr"/>
             <a:r>
               <a:rPr lang="en-AU" sz="3000" dirty="0" smtClean="0">
-                <a:latin typeface="Codystar" panose="02000000000000000000" pitchFamily="2" charset="0"/>
-                <a:ea typeface="Codystar" panose="02000000000000000000" pitchFamily="2" charset="0"/>
+                <a:latin typeface="Verdana" panose="020B0604030504040204" pitchFamily="34" charset="0"/>
+                <a:ea typeface="Verdana" panose="020B0604030504040204" pitchFamily="34" charset="0"/>
+                <a:cs typeface="Verdana" panose="020B0604030504040204" pitchFamily="34" charset="0"/>
               </a:rPr>
               <a:t>p</a:t>
             </a:r>
             <a:endParaRPr lang="en-GB" sz="3000" dirty="0">
-              <a:latin typeface="Codystar" panose="02000000000000000000" pitchFamily="2" charset="0"/>
-              <a:ea typeface="Codystar" panose="02000000000000000000" pitchFamily="2" charset="0"/>
+              <a:latin typeface="Verdana" panose="020B0604030504040204" pitchFamily="34" charset="0"/>
+              <a:ea typeface="Verdana" panose="020B0604030504040204" pitchFamily="34" charset="0"/>
+              <a:cs typeface="Verdana" panose="020B0604030504040204" pitchFamily="34" charset="0"/>
             </a:endParaRPr>
           </a:p>
         </p:txBody>
@@ -12906,14 +13259,16 @@
             <a:pPr algn="ctr"/>
             <a:r>
               <a:rPr lang="en-AU" sz="3000" dirty="0" smtClean="0">
-                <a:latin typeface="Codystar" panose="02000000000000000000" pitchFamily="2" charset="0"/>
-                <a:ea typeface="Codystar" panose="02000000000000000000" pitchFamily="2" charset="0"/>
+                <a:latin typeface="Verdana" panose="020B0604030504040204" pitchFamily="34" charset="0"/>
+                <a:ea typeface="Verdana" panose="020B0604030504040204" pitchFamily="34" charset="0"/>
+                <a:cs typeface="Verdana" panose="020B0604030504040204" pitchFamily="34" charset="0"/>
               </a:rPr>
               <a:t>o</a:t>
             </a:r>
             <a:endParaRPr lang="en-GB" sz="3000" dirty="0">
-              <a:latin typeface="Codystar" panose="02000000000000000000" pitchFamily="2" charset="0"/>
-              <a:ea typeface="Codystar" panose="02000000000000000000" pitchFamily="2" charset="0"/>
+              <a:latin typeface="Verdana" panose="020B0604030504040204" pitchFamily="34" charset="0"/>
+              <a:ea typeface="Verdana" panose="020B0604030504040204" pitchFamily="34" charset="0"/>
+              <a:cs typeface="Verdana" panose="020B0604030504040204" pitchFamily="34" charset="0"/>
             </a:endParaRPr>
           </a:p>
         </p:txBody>
@@ -12960,14 +13315,16 @@
             <a:pPr algn="ctr"/>
             <a:r>
               <a:rPr lang="en-AU" sz="3000" dirty="0" smtClean="0">
-                <a:latin typeface="Codystar" panose="02000000000000000000" pitchFamily="2" charset="0"/>
-                <a:ea typeface="Codystar" panose="02000000000000000000" pitchFamily="2" charset="0"/>
+                <a:latin typeface="Verdana" panose="020B0604030504040204" pitchFamily="34" charset="0"/>
+                <a:ea typeface="Verdana" panose="020B0604030504040204" pitchFamily="34" charset="0"/>
+                <a:cs typeface="Verdana" panose="020B0604030504040204" pitchFamily="34" charset="0"/>
               </a:rPr>
               <a:t>c</a:t>
             </a:r>
             <a:endParaRPr lang="en-GB" sz="3000" dirty="0">
-              <a:latin typeface="Codystar" panose="02000000000000000000" pitchFamily="2" charset="0"/>
-              <a:ea typeface="Codystar" panose="02000000000000000000" pitchFamily="2" charset="0"/>
+              <a:latin typeface="Verdana" panose="020B0604030504040204" pitchFamily="34" charset="0"/>
+              <a:ea typeface="Verdana" panose="020B0604030504040204" pitchFamily="34" charset="0"/>
+              <a:cs typeface="Verdana" panose="020B0604030504040204" pitchFamily="34" charset="0"/>
             </a:endParaRPr>
           </a:p>
         </p:txBody>
@@ -13014,14 +13371,16 @@
             <a:pPr algn="ctr"/>
             <a:r>
               <a:rPr lang="en-AU" sz="3000" dirty="0" smtClean="0">
-                <a:latin typeface="Codystar" panose="02000000000000000000" pitchFamily="2" charset="0"/>
-                <a:ea typeface="Codystar" panose="02000000000000000000" pitchFamily="2" charset="0"/>
+                <a:latin typeface="Verdana" panose="020B0604030504040204" pitchFamily="34" charset="0"/>
+                <a:ea typeface="Verdana" panose="020B0604030504040204" pitchFamily="34" charset="0"/>
+                <a:cs typeface="Verdana" panose="020B0604030504040204" pitchFamily="34" charset="0"/>
               </a:rPr>
               <a:t>l</a:t>
             </a:r>
             <a:endParaRPr lang="en-GB" sz="3000" dirty="0">
-              <a:latin typeface="Codystar" panose="02000000000000000000" pitchFamily="2" charset="0"/>
-              <a:ea typeface="Codystar" panose="02000000000000000000" pitchFamily="2" charset="0"/>
+              <a:latin typeface="Verdana" panose="020B0604030504040204" pitchFamily="34" charset="0"/>
+              <a:ea typeface="Verdana" panose="020B0604030504040204" pitchFamily="34" charset="0"/>
+              <a:cs typeface="Verdana" panose="020B0604030504040204" pitchFamily="34" charset="0"/>
             </a:endParaRPr>
           </a:p>
         </p:txBody>
@@ -13068,14 +13427,16 @@
             <a:pPr algn="ctr"/>
             <a:r>
               <a:rPr lang="en-AU" sz="3000" dirty="0" smtClean="0">
-                <a:latin typeface="Codystar" panose="02000000000000000000" pitchFamily="2" charset="0"/>
-                <a:ea typeface="Codystar" panose="02000000000000000000" pitchFamily="2" charset="0"/>
+                <a:latin typeface="Verdana" panose="020B0604030504040204" pitchFamily="34" charset="0"/>
+                <a:ea typeface="Verdana" panose="020B0604030504040204" pitchFamily="34" charset="0"/>
+                <a:cs typeface="Verdana" panose="020B0604030504040204" pitchFamily="34" charset="0"/>
               </a:rPr>
               <a:t>o</a:t>
             </a:r>
             <a:endParaRPr lang="en-GB" sz="3000" dirty="0">
-              <a:latin typeface="Codystar" panose="02000000000000000000" pitchFamily="2" charset="0"/>
-              <a:ea typeface="Codystar" panose="02000000000000000000" pitchFamily="2" charset="0"/>
+              <a:latin typeface="Verdana" panose="020B0604030504040204" pitchFamily="34" charset="0"/>
+              <a:ea typeface="Verdana" panose="020B0604030504040204" pitchFamily="34" charset="0"/>
+              <a:cs typeface="Verdana" panose="020B0604030504040204" pitchFamily="34" charset="0"/>
             </a:endParaRPr>
           </a:p>
         </p:txBody>
@@ -13122,14 +13483,16 @@
             <a:pPr algn="ctr"/>
             <a:r>
               <a:rPr lang="en-AU" sz="3000" dirty="0" smtClean="0">
-                <a:latin typeface="Codystar" panose="02000000000000000000" pitchFamily="2" charset="0"/>
-                <a:ea typeface="Codystar" panose="02000000000000000000" pitchFamily="2" charset="0"/>
+                <a:latin typeface="Verdana" panose="020B0604030504040204" pitchFamily="34" charset="0"/>
+                <a:ea typeface="Verdana" panose="020B0604030504040204" pitchFamily="34" charset="0"/>
+                <a:cs typeface="Verdana" panose="020B0604030504040204" pitchFamily="34" charset="0"/>
               </a:rPr>
               <a:t>c</a:t>
             </a:r>
             <a:endParaRPr lang="en-GB" sz="3000" dirty="0">
-              <a:latin typeface="Codystar" panose="02000000000000000000" pitchFamily="2" charset="0"/>
-              <a:ea typeface="Codystar" panose="02000000000000000000" pitchFamily="2" charset="0"/>
+              <a:latin typeface="Verdana" panose="020B0604030504040204" pitchFamily="34" charset="0"/>
+              <a:ea typeface="Verdana" panose="020B0604030504040204" pitchFamily="34" charset="0"/>
+              <a:cs typeface="Verdana" panose="020B0604030504040204" pitchFamily="34" charset="0"/>
             </a:endParaRPr>
           </a:p>
         </p:txBody>
@@ -13176,14 +13539,16 @@
             <a:pPr algn="ctr"/>
             <a:r>
               <a:rPr lang="en-AU" sz="3000" dirty="0" smtClean="0">
-                <a:latin typeface="Codystar" panose="02000000000000000000" pitchFamily="2" charset="0"/>
-                <a:ea typeface="Codystar" panose="02000000000000000000" pitchFamily="2" charset="0"/>
+                <a:latin typeface="Verdana" panose="020B0604030504040204" pitchFamily="34" charset="0"/>
+                <a:ea typeface="Verdana" panose="020B0604030504040204" pitchFamily="34" charset="0"/>
+                <a:cs typeface="Verdana" panose="020B0604030504040204" pitchFamily="34" charset="0"/>
               </a:rPr>
               <a:t>k</a:t>
             </a:r>
             <a:endParaRPr lang="en-GB" sz="3000" dirty="0">
-              <a:latin typeface="Codystar" panose="02000000000000000000" pitchFamily="2" charset="0"/>
-              <a:ea typeface="Codystar" panose="02000000000000000000" pitchFamily="2" charset="0"/>
+              <a:latin typeface="Verdana" panose="020B0604030504040204" pitchFamily="34" charset="0"/>
+              <a:ea typeface="Verdana" panose="020B0604030504040204" pitchFamily="34" charset="0"/>
+              <a:cs typeface="Verdana" panose="020B0604030504040204" pitchFamily="34" charset="0"/>
             </a:endParaRPr>
           </a:p>
         </p:txBody>
@@ -13230,14 +13595,16 @@
             <a:pPr algn="ctr"/>
             <a:r>
               <a:rPr lang="en-AU" sz="3000" dirty="0" smtClean="0">
-                <a:latin typeface="Codystar" panose="02000000000000000000" pitchFamily="2" charset="0"/>
-                <a:ea typeface="Codystar" panose="02000000000000000000" pitchFamily="2" charset="0"/>
+                <a:latin typeface="Verdana" panose="020B0604030504040204" pitchFamily="34" charset="0"/>
+                <a:ea typeface="Verdana" panose="020B0604030504040204" pitchFamily="34" charset="0"/>
+                <a:cs typeface="Verdana" panose="020B0604030504040204" pitchFamily="34" charset="0"/>
               </a:rPr>
               <a:t>‘</a:t>
             </a:r>
             <a:endParaRPr lang="en-GB" sz="3000" dirty="0">
-              <a:latin typeface="Codystar" panose="02000000000000000000" pitchFamily="2" charset="0"/>
-              <a:ea typeface="Codystar" panose="02000000000000000000" pitchFamily="2" charset="0"/>
+              <a:latin typeface="Verdana" panose="020B0604030504040204" pitchFamily="34" charset="0"/>
+              <a:ea typeface="Verdana" panose="020B0604030504040204" pitchFamily="34" charset="0"/>
+              <a:cs typeface="Verdana" panose="020B0604030504040204" pitchFamily="34" charset="0"/>
             </a:endParaRPr>
           </a:p>
         </p:txBody>
@@ -36528,6 +36895,4510 @@
     <p:extLst>
       <p:ext uri="{BB962C8B-B14F-4D97-AF65-F5344CB8AC3E}">
         <p14:creationId xmlns:p14="http://schemas.microsoft.com/office/powerpoint/2010/main" val="3490095136"/>
+      </p:ext>
+    </p:extLst>
+  </p:cSld>
+  <p:clrMapOvr>
+    <a:masterClrMapping/>
+  </p:clrMapOvr>
+  <p:timing>
+    <p:tnLst>
+      <p:par>
+        <p:cTn id="1" dur="indefinite" restart="never" nodeType="tmRoot"/>
+      </p:par>
+    </p:tnLst>
+  </p:timing>
+</p:sld>
+</file>
+
+<file path=ppt/slides/slide3.xml><?xml version="1.0" encoding="utf-8"?>
+<p:sld xmlns:a="http://schemas.openxmlformats.org/drawingml/2006/main" xmlns:r="http://schemas.openxmlformats.org/officeDocument/2006/relationships" xmlns:p="http://schemas.openxmlformats.org/presentationml/2006/main">
+  <p:cSld>
+    <p:spTree>
+      <p:nvGrpSpPr>
+        <p:cNvPr id="1" name=""/>
+        <p:cNvGrpSpPr/>
+        <p:nvPr/>
+      </p:nvGrpSpPr>
+      <p:grpSpPr>
+        <a:xfrm>
+          <a:off x="0" y="0"/>
+          <a:ext cx="0" cy="0"/>
+          <a:chOff x="0" y="0"/>
+          <a:chExt cx="0" cy="0"/>
+        </a:xfrm>
+      </p:grpSpPr>
+      <p:sp>
+        <p:nvSpPr>
+          <p:cNvPr id="2" name="Rectangle 1"/>
+          <p:cNvSpPr/>
+          <p:nvPr/>
+        </p:nvSpPr>
+        <p:spPr>
+          <a:xfrm>
+            <a:off x="0" y="0"/>
+            <a:ext cx="10080000" cy="10080000"/>
+          </a:xfrm>
+          <a:prstGeom prst="rect">
+            <a:avLst/>
+          </a:prstGeom>
+          <a:noFill/>
+        </p:spPr>
+        <p:style>
+          <a:lnRef idx="2">
+            <a:schemeClr val="accent1">
+              <a:shade val="50000"/>
+            </a:schemeClr>
+          </a:lnRef>
+          <a:fillRef idx="1">
+            <a:schemeClr val="accent1"/>
+          </a:fillRef>
+          <a:effectRef idx="0">
+            <a:schemeClr val="accent1"/>
+          </a:effectRef>
+          <a:fontRef idx="minor">
+            <a:schemeClr val="lt1"/>
+          </a:fontRef>
+        </p:style>
+        <p:txBody>
+          <a:bodyPr rtlCol="0" anchor="ctr"/>
+          <a:lstStyle/>
+          <a:p>
+            <a:pPr algn="ctr"/>
+            <a:endParaRPr lang="en-GB">
+              <a:solidFill>
+                <a:schemeClr val="tx1"/>
+              </a:solidFill>
+            </a:endParaRPr>
+          </a:p>
+        </p:txBody>
+      </p:sp>
+      <p:sp>
+        <p:nvSpPr>
+          <p:cNvPr id="7" name="Oval 6"/>
+          <p:cNvSpPr/>
+          <p:nvPr/>
+        </p:nvSpPr>
+        <p:spPr>
+          <a:xfrm>
+            <a:off x="135000" y="9855625"/>
+            <a:ext cx="90000" cy="90000"/>
+          </a:xfrm>
+          <a:prstGeom prst="ellipse">
+            <a:avLst/>
+          </a:prstGeom>
+          <a:noFill/>
+          <a:ln w="12700">
+            <a:solidFill>
+              <a:schemeClr val="tx1"/>
+            </a:solidFill>
+          </a:ln>
+        </p:spPr>
+        <p:style>
+          <a:lnRef idx="2">
+            <a:schemeClr val="accent1">
+              <a:shade val="50000"/>
+            </a:schemeClr>
+          </a:lnRef>
+          <a:fillRef idx="1">
+            <a:schemeClr val="accent1"/>
+          </a:fillRef>
+          <a:effectRef idx="0">
+            <a:schemeClr val="accent1"/>
+          </a:effectRef>
+          <a:fontRef idx="minor">
+            <a:schemeClr val="lt1"/>
+          </a:fontRef>
+        </p:style>
+        <p:txBody>
+          <a:bodyPr rtlCol="0" anchor="ctr"/>
+          <a:lstStyle/>
+          <a:p>
+            <a:pPr algn="ctr"/>
+            <a:r>
+              <a:rPr lang="en-AU" dirty="0" smtClean="0">
+                <a:solidFill>
+                  <a:schemeClr val="tx1"/>
+                </a:solidFill>
+              </a:rPr>
+              <a:t> </a:t>
+            </a:r>
+            <a:endParaRPr lang="en-GB" dirty="0">
+              <a:solidFill>
+                <a:schemeClr val="tx1"/>
+              </a:solidFill>
+            </a:endParaRPr>
+          </a:p>
+        </p:txBody>
+      </p:sp>
+      <p:sp>
+        <p:nvSpPr>
+          <p:cNvPr id="9" name="Oval 8"/>
+          <p:cNvSpPr/>
+          <p:nvPr/>
+        </p:nvSpPr>
+        <p:spPr>
+          <a:xfrm>
+            <a:off x="9855625" y="9860990"/>
+            <a:ext cx="90000" cy="90000"/>
+          </a:xfrm>
+          <a:prstGeom prst="ellipse">
+            <a:avLst/>
+          </a:prstGeom>
+          <a:noFill/>
+          <a:ln w="12700">
+            <a:solidFill>
+              <a:schemeClr val="tx1"/>
+            </a:solidFill>
+          </a:ln>
+        </p:spPr>
+        <p:style>
+          <a:lnRef idx="2">
+            <a:schemeClr val="accent1">
+              <a:shade val="50000"/>
+            </a:schemeClr>
+          </a:lnRef>
+          <a:fillRef idx="1">
+            <a:schemeClr val="accent1"/>
+          </a:fillRef>
+          <a:effectRef idx="0">
+            <a:schemeClr val="accent1"/>
+          </a:effectRef>
+          <a:fontRef idx="minor">
+            <a:schemeClr val="lt1"/>
+          </a:fontRef>
+        </p:style>
+        <p:txBody>
+          <a:bodyPr rtlCol="0" anchor="ctr"/>
+          <a:lstStyle/>
+          <a:p>
+            <a:pPr algn="ctr"/>
+            <a:r>
+              <a:rPr lang="en-AU" dirty="0" smtClean="0">
+                <a:solidFill>
+                  <a:schemeClr val="tx1"/>
+                </a:solidFill>
+              </a:rPr>
+              <a:t> </a:t>
+            </a:r>
+            <a:endParaRPr lang="en-GB" dirty="0">
+              <a:solidFill>
+                <a:schemeClr val="tx1"/>
+              </a:solidFill>
+            </a:endParaRPr>
+          </a:p>
+        </p:txBody>
+      </p:sp>
+      <p:sp>
+        <p:nvSpPr>
+          <p:cNvPr id="11" name="Oval 10"/>
+          <p:cNvSpPr/>
+          <p:nvPr/>
+        </p:nvSpPr>
+        <p:spPr>
+          <a:xfrm>
+            <a:off x="9855625" y="135000"/>
+            <a:ext cx="90000" cy="90000"/>
+          </a:xfrm>
+          <a:prstGeom prst="ellipse">
+            <a:avLst/>
+          </a:prstGeom>
+          <a:noFill/>
+          <a:ln w="12700">
+            <a:solidFill>
+              <a:schemeClr val="tx1"/>
+            </a:solidFill>
+          </a:ln>
+        </p:spPr>
+        <p:style>
+          <a:lnRef idx="2">
+            <a:schemeClr val="accent1">
+              <a:shade val="50000"/>
+            </a:schemeClr>
+          </a:lnRef>
+          <a:fillRef idx="1">
+            <a:schemeClr val="accent1"/>
+          </a:fillRef>
+          <a:effectRef idx="0">
+            <a:schemeClr val="accent1"/>
+          </a:effectRef>
+          <a:fontRef idx="minor">
+            <a:schemeClr val="lt1"/>
+          </a:fontRef>
+        </p:style>
+        <p:txBody>
+          <a:bodyPr rtlCol="0" anchor="ctr"/>
+          <a:lstStyle/>
+          <a:p>
+            <a:pPr algn="ctr"/>
+            <a:r>
+              <a:rPr lang="en-AU" dirty="0" smtClean="0">
+                <a:solidFill>
+                  <a:schemeClr val="tx1"/>
+                </a:solidFill>
+              </a:rPr>
+              <a:t> </a:t>
+            </a:r>
+            <a:endParaRPr lang="en-GB" dirty="0">
+              <a:solidFill>
+                <a:schemeClr val="tx1"/>
+              </a:solidFill>
+            </a:endParaRPr>
+          </a:p>
+        </p:txBody>
+      </p:sp>
+      <p:grpSp>
+        <p:nvGrpSpPr>
+          <p:cNvPr id="309" name="Group 308"/>
+          <p:cNvGrpSpPr/>
+          <p:nvPr/>
+        </p:nvGrpSpPr>
+        <p:grpSpPr>
+          <a:xfrm>
+            <a:off x="1272600" y="1902600"/>
+            <a:ext cx="180000" cy="180000"/>
+            <a:chOff x="8620200" y="8595000"/>
+            <a:chExt cx="180000" cy="180000"/>
+          </a:xfrm>
+        </p:grpSpPr>
+        <p:sp>
+          <p:nvSpPr>
+            <p:cNvPr id="310" name="Rectangle 309"/>
+            <p:cNvSpPr/>
+            <p:nvPr/>
+          </p:nvSpPr>
+          <p:spPr>
+            <a:xfrm>
+              <a:off x="8620200" y="8595000"/>
+              <a:ext cx="180000" cy="180000"/>
+            </a:xfrm>
+            <a:prstGeom prst="rect">
+              <a:avLst/>
+            </a:prstGeom>
+            <a:solidFill>
+              <a:schemeClr val="bg1"/>
+            </a:solidFill>
+            <a:ln w="12700">
+              <a:solidFill>
+                <a:schemeClr val="bg1">
+                  <a:lumMod val="65000"/>
+                </a:schemeClr>
+              </a:solidFill>
+            </a:ln>
+          </p:spPr>
+          <p:style>
+            <a:lnRef idx="2">
+              <a:schemeClr val="accent1">
+                <a:shade val="50000"/>
+              </a:schemeClr>
+            </a:lnRef>
+            <a:fillRef idx="1">
+              <a:schemeClr val="accent1"/>
+            </a:fillRef>
+            <a:effectRef idx="0">
+              <a:schemeClr val="accent1"/>
+            </a:effectRef>
+            <a:fontRef idx="minor">
+              <a:schemeClr val="lt1"/>
+            </a:fontRef>
+          </p:style>
+          <p:txBody>
+            <a:bodyPr rtlCol="0" anchor="ctr"/>
+            <a:lstStyle/>
+            <a:p>
+              <a:pPr algn="ctr"/>
+              <a:endParaRPr lang="en-GB">
+                <a:solidFill>
+                  <a:schemeClr val="tx1"/>
+                </a:solidFill>
+              </a:endParaRPr>
+            </a:p>
+          </p:txBody>
+        </p:sp>
+        <p:sp>
+          <p:nvSpPr>
+            <p:cNvPr id="311" name="Oval 310"/>
+            <p:cNvSpPr/>
+            <p:nvPr/>
+          </p:nvSpPr>
+          <p:spPr>
+            <a:xfrm>
+              <a:off x="8665200" y="8640000"/>
+              <a:ext cx="90000" cy="90000"/>
+            </a:xfrm>
+            <a:prstGeom prst="ellipse">
+              <a:avLst/>
+            </a:prstGeom>
+            <a:solidFill>
+              <a:schemeClr val="bg1"/>
+            </a:solidFill>
+            <a:ln w="12700">
+              <a:solidFill>
+                <a:schemeClr val="bg1">
+                  <a:lumMod val="65000"/>
+                </a:schemeClr>
+              </a:solidFill>
+            </a:ln>
+          </p:spPr>
+          <p:style>
+            <a:lnRef idx="2">
+              <a:schemeClr val="accent1">
+                <a:shade val="50000"/>
+              </a:schemeClr>
+            </a:lnRef>
+            <a:fillRef idx="1">
+              <a:schemeClr val="accent1"/>
+            </a:fillRef>
+            <a:effectRef idx="0">
+              <a:schemeClr val="accent1"/>
+            </a:effectRef>
+            <a:fontRef idx="minor">
+              <a:schemeClr val="lt1"/>
+            </a:fontRef>
+          </p:style>
+          <p:txBody>
+            <a:bodyPr rtlCol="0" anchor="ctr"/>
+            <a:lstStyle/>
+            <a:p>
+              <a:pPr algn="ctr"/>
+              <a:endParaRPr lang="en-GB"/>
+            </a:p>
+          </p:txBody>
+        </p:sp>
+      </p:grpSp>
+      <p:grpSp>
+        <p:nvGrpSpPr>
+          <p:cNvPr id="312" name="Group 311"/>
+          <p:cNvGrpSpPr/>
+          <p:nvPr/>
+        </p:nvGrpSpPr>
+        <p:grpSpPr>
+          <a:xfrm>
+            <a:off x="1272600" y="1294200"/>
+            <a:ext cx="180000" cy="180000"/>
+            <a:chOff x="8620200" y="8595000"/>
+            <a:chExt cx="180000" cy="180000"/>
+          </a:xfrm>
+        </p:grpSpPr>
+        <p:sp>
+          <p:nvSpPr>
+            <p:cNvPr id="313" name="Rectangle 312"/>
+            <p:cNvSpPr/>
+            <p:nvPr/>
+          </p:nvSpPr>
+          <p:spPr>
+            <a:xfrm>
+              <a:off x="8620200" y="8595000"/>
+              <a:ext cx="180000" cy="180000"/>
+            </a:xfrm>
+            <a:prstGeom prst="rect">
+              <a:avLst/>
+            </a:prstGeom>
+            <a:solidFill>
+              <a:schemeClr val="bg1"/>
+            </a:solidFill>
+            <a:ln w="12700">
+              <a:solidFill>
+                <a:schemeClr val="bg1">
+                  <a:lumMod val="65000"/>
+                </a:schemeClr>
+              </a:solidFill>
+            </a:ln>
+          </p:spPr>
+          <p:style>
+            <a:lnRef idx="2">
+              <a:schemeClr val="accent1">
+                <a:shade val="50000"/>
+              </a:schemeClr>
+            </a:lnRef>
+            <a:fillRef idx="1">
+              <a:schemeClr val="accent1"/>
+            </a:fillRef>
+            <a:effectRef idx="0">
+              <a:schemeClr val="accent1"/>
+            </a:effectRef>
+            <a:fontRef idx="minor">
+              <a:schemeClr val="lt1"/>
+            </a:fontRef>
+          </p:style>
+          <p:txBody>
+            <a:bodyPr rtlCol="0" anchor="ctr"/>
+            <a:lstStyle/>
+            <a:p>
+              <a:pPr algn="ctr"/>
+              <a:endParaRPr lang="en-GB">
+                <a:solidFill>
+                  <a:schemeClr val="tx1"/>
+                </a:solidFill>
+              </a:endParaRPr>
+            </a:p>
+          </p:txBody>
+        </p:sp>
+        <p:sp>
+          <p:nvSpPr>
+            <p:cNvPr id="314" name="Oval 313"/>
+            <p:cNvSpPr/>
+            <p:nvPr/>
+          </p:nvSpPr>
+          <p:spPr>
+            <a:xfrm>
+              <a:off x="8665200" y="8640000"/>
+              <a:ext cx="90000" cy="90000"/>
+            </a:xfrm>
+            <a:prstGeom prst="ellipse">
+              <a:avLst/>
+            </a:prstGeom>
+            <a:solidFill>
+              <a:schemeClr val="bg1"/>
+            </a:solidFill>
+            <a:ln w="12700">
+              <a:solidFill>
+                <a:schemeClr val="bg1">
+                  <a:lumMod val="65000"/>
+                </a:schemeClr>
+              </a:solidFill>
+            </a:ln>
+          </p:spPr>
+          <p:style>
+            <a:lnRef idx="2">
+              <a:schemeClr val="accent1">
+                <a:shade val="50000"/>
+              </a:schemeClr>
+            </a:lnRef>
+            <a:fillRef idx="1">
+              <a:schemeClr val="accent1"/>
+            </a:fillRef>
+            <a:effectRef idx="0">
+              <a:schemeClr val="accent1"/>
+            </a:effectRef>
+            <a:fontRef idx="minor">
+              <a:schemeClr val="lt1"/>
+            </a:fontRef>
+          </p:style>
+          <p:txBody>
+            <a:bodyPr rtlCol="0" anchor="ctr"/>
+            <a:lstStyle/>
+            <a:p>
+              <a:pPr algn="ctr"/>
+              <a:endParaRPr lang="en-GB"/>
+            </a:p>
+          </p:txBody>
+        </p:sp>
+      </p:grpSp>
+      <p:grpSp>
+        <p:nvGrpSpPr>
+          <p:cNvPr id="735" name="Group 734"/>
+          <p:cNvGrpSpPr/>
+          <p:nvPr/>
+        </p:nvGrpSpPr>
+        <p:grpSpPr>
+          <a:xfrm>
+            <a:off x="8620200" y="1902600"/>
+            <a:ext cx="180000" cy="180000"/>
+            <a:chOff x="8620200" y="8595000"/>
+            <a:chExt cx="180000" cy="180000"/>
+          </a:xfrm>
+        </p:grpSpPr>
+        <p:sp>
+          <p:nvSpPr>
+            <p:cNvPr id="736" name="Rectangle 735"/>
+            <p:cNvSpPr/>
+            <p:nvPr/>
+          </p:nvSpPr>
+          <p:spPr>
+            <a:xfrm>
+              <a:off x="8620200" y="8595000"/>
+              <a:ext cx="180000" cy="180000"/>
+            </a:xfrm>
+            <a:prstGeom prst="rect">
+              <a:avLst/>
+            </a:prstGeom>
+            <a:solidFill>
+              <a:schemeClr val="bg1"/>
+            </a:solidFill>
+            <a:ln w="12700">
+              <a:solidFill>
+                <a:schemeClr val="bg1">
+                  <a:lumMod val="65000"/>
+                </a:schemeClr>
+              </a:solidFill>
+            </a:ln>
+          </p:spPr>
+          <p:style>
+            <a:lnRef idx="2">
+              <a:schemeClr val="accent1">
+                <a:shade val="50000"/>
+              </a:schemeClr>
+            </a:lnRef>
+            <a:fillRef idx="1">
+              <a:schemeClr val="accent1"/>
+            </a:fillRef>
+            <a:effectRef idx="0">
+              <a:schemeClr val="accent1"/>
+            </a:effectRef>
+            <a:fontRef idx="minor">
+              <a:schemeClr val="lt1"/>
+            </a:fontRef>
+          </p:style>
+          <p:txBody>
+            <a:bodyPr rtlCol="0" anchor="ctr"/>
+            <a:lstStyle/>
+            <a:p>
+              <a:pPr algn="ctr"/>
+              <a:endParaRPr lang="en-GB">
+                <a:solidFill>
+                  <a:schemeClr val="tx1"/>
+                </a:solidFill>
+              </a:endParaRPr>
+            </a:p>
+          </p:txBody>
+        </p:sp>
+        <p:sp>
+          <p:nvSpPr>
+            <p:cNvPr id="737" name="Oval 736"/>
+            <p:cNvSpPr/>
+            <p:nvPr/>
+          </p:nvSpPr>
+          <p:spPr>
+            <a:xfrm>
+              <a:off x="8665200" y="8640000"/>
+              <a:ext cx="90000" cy="90000"/>
+            </a:xfrm>
+            <a:prstGeom prst="ellipse">
+              <a:avLst/>
+            </a:prstGeom>
+            <a:solidFill>
+              <a:schemeClr val="bg1"/>
+            </a:solidFill>
+            <a:ln w="12700">
+              <a:solidFill>
+                <a:schemeClr val="bg1">
+                  <a:lumMod val="65000"/>
+                </a:schemeClr>
+              </a:solidFill>
+            </a:ln>
+          </p:spPr>
+          <p:style>
+            <a:lnRef idx="2">
+              <a:schemeClr val="accent1">
+                <a:shade val="50000"/>
+              </a:schemeClr>
+            </a:lnRef>
+            <a:fillRef idx="1">
+              <a:schemeClr val="accent1"/>
+            </a:fillRef>
+            <a:effectRef idx="0">
+              <a:schemeClr val="accent1"/>
+            </a:effectRef>
+            <a:fontRef idx="minor">
+              <a:schemeClr val="lt1"/>
+            </a:fontRef>
+          </p:style>
+          <p:txBody>
+            <a:bodyPr rtlCol="0" anchor="ctr"/>
+            <a:lstStyle/>
+            <a:p>
+              <a:pPr algn="ctr"/>
+              <a:endParaRPr lang="en-GB"/>
+            </a:p>
+          </p:txBody>
+        </p:sp>
+      </p:grpSp>
+      <p:grpSp>
+        <p:nvGrpSpPr>
+          <p:cNvPr id="738" name="Group 737"/>
+          <p:cNvGrpSpPr/>
+          <p:nvPr/>
+        </p:nvGrpSpPr>
+        <p:grpSpPr>
+          <a:xfrm>
+            <a:off x="8055000" y="1902600"/>
+            <a:ext cx="180000" cy="180000"/>
+            <a:chOff x="8620200" y="8595000"/>
+            <a:chExt cx="180000" cy="180000"/>
+          </a:xfrm>
+        </p:grpSpPr>
+        <p:sp>
+          <p:nvSpPr>
+            <p:cNvPr id="739" name="Rectangle 738"/>
+            <p:cNvSpPr/>
+            <p:nvPr/>
+          </p:nvSpPr>
+          <p:spPr>
+            <a:xfrm>
+              <a:off x="8620200" y="8595000"/>
+              <a:ext cx="180000" cy="180000"/>
+            </a:xfrm>
+            <a:prstGeom prst="rect">
+              <a:avLst/>
+            </a:prstGeom>
+            <a:solidFill>
+              <a:schemeClr val="bg1"/>
+            </a:solidFill>
+            <a:ln w="12700">
+              <a:solidFill>
+                <a:schemeClr val="bg1">
+                  <a:lumMod val="65000"/>
+                </a:schemeClr>
+              </a:solidFill>
+            </a:ln>
+          </p:spPr>
+          <p:style>
+            <a:lnRef idx="2">
+              <a:schemeClr val="accent1">
+                <a:shade val="50000"/>
+              </a:schemeClr>
+            </a:lnRef>
+            <a:fillRef idx="1">
+              <a:schemeClr val="accent1"/>
+            </a:fillRef>
+            <a:effectRef idx="0">
+              <a:schemeClr val="accent1"/>
+            </a:effectRef>
+            <a:fontRef idx="minor">
+              <a:schemeClr val="lt1"/>
+            </a:fontRef>
+          </p:style>
+          <p:txBody>
+            <a:bodyPr rtlCol="0" anchor="ctr"/>
+            <a:lstStyle/>
+            <a:p>
+              <a:pPr algn="ctr"/>
+              <a:endParaRPr lang="en-GB">
+                <a:solidFill>
+                  <a:schemeClr val="tx1"/>
+                </a:solidFill>
+              </a:endParaRPr>
+            </a:p>
+          </p:txBody>
+        </p:sp>
+        <p:sp>
+          <p:nvSpPr>
+            <p:cNvPr id="740" name="Oval 739"/>
+            <p:cNvSpPr/>
+            <p:nvPr/>
+          </p:nvSpPr>
+          <p:spPr>
+            <a:xfrm>
+              <a:off x="8665200" y="8640000"/>
+              <a:ext cx="90000" cy="90000"/>
+            </a:xfrm>
+            <a:prstGeom prst="ellipse">
+              <a:avLst/>
+            </a:prstGeom>
+            <a:solidFill>
+              <a:schemeClr val="bg1"/>
+            </a:solidFill>
+            <a:ln w="12700">
+              <a:solidFill>
+                <a:schemeClr val="bg1">
+                  <a:lumMod val="65000"/>
+                </a:schemeClr>
+              </a:solidFill>
+            </a:ln>
+          </p:spPr>
+          <p:style>
+            <a:lnRef idx="2">
+              <a:schemeClr val="accent1">
+                <a:shade val="50000"/>
+              </a:schemeClr>
+            </a:lnRef>
+            <a:fillRef idx="1">
+              <a:schemeClr val="accent1"/>
+            </a:fillRef>
+            <a:effectRef idx="0">
+              <a:schemeClr val="accent1"/>
+            </a:effectRef>
+            <a:fontRef idx="minor">
+              <a:schemeClr val="lt1"/>
+            </a:fontRef>
+          </p:style>
+          <p:txBody>
+            <a:bodyPr rtlCol="0" anchor="ctr"/>
+            <a:lstStyle/>
+            <a:p>
+              <a:pPr algn="ctr"/>
+              <a:endParaRPr lang="en-GB"/>
+            </a:p>
+          </p:txBody>
+        </p:sp>
+      </p:grpSp>
+      <p:grpSp>
+        <p:nvGrpSpPr>
+          <p:cNvPr id="741" name="Group 740"/>
+          <p:cNvGrpSpPr/>
+          <p:nvPr/>
+        </p:nvGrpSpPr>
+        <p:grpSpPr>
+          <a:xfrm>
+            <a:off x="7489800" y="1902600"/>
+            <a:ext cx="180000" cy="180000"/>
+            <a:chOff x="8620200" y="8595000"/>
+            <a:chExt cx="180000" cy="180000"/>
+          </a:xfrm>
+        </p:grpSpPr>
+        <p:sp>
+          <p:nvSpPr>
+            <p:cNvPr id="742" name="Rectangle 741"/>
+            <p:cNvSpPr/>
+            <p:nvPr/>
+          </p:nvSpPr>
+          <p:spPr>
+            <a:xfrm>
+              <a:off x="8620200" y="8595000"/>
+              <a:ext cx="180000" cy="180000"/>
+            </a:xfrm>
+            <a:prstGeom prst="rect">
+              <a:avLst/>
+            </a:prstGeom>
+            <a:solidFill>
+              <a:schemeClr val="bg1"/>
+            </a:solidFill>
+            <a:ln w="12700">
+              <a:solidFill>
+                <a:schemeClr val="bg1">
+                  <a:lumMod val="65000"/>
+                </a:schemeClr>
+              </a:solidFill>
+            </a:ln>
+          </p:spPr>
+          <p:style>
+            <a:lnRef idx="2">
+              <a:schemeClr val="accent1">
+                <a:shade val="50000"/>
+              </a:schemeClr>
+            </a:lnRef>
+            <a:fillRef idx="1">
+              <a:schemeClr val="accent1"/>
+            </a:fillRef>
+            <a:effectRef idx="0">
+              <a:schemeClr val="accent1"/>
+            </a:effectRef>
+            <a:fontRef idx="minor">
+              <a:schemeClr val="lt1"/>
+            </a:fontRef>
+          </p:style>
+          <p:txBody>
+            <a:bodyPr rtlCol="0" anchor="ctr"/>
+            <a:lstStyle/>
+            <a:p>
+              <a:pPr algn="ctr"/>
+              <a:endParaRPr lang="en-GB">
+                <a:solidFill>
+                  <a:schemeClr val="tx1"/>
+                </a:solidFill>
+              </a:endParaRPr>
+            </a:p>
+          </p:txBody>
+        </p:sp>
+        <p:sp>
+          <p:nvSpPr>
+            <p:cNvPr id="743" name="Oval 742"/>
+            <p:cNvSpPr/>
+            <p:nvPr/>
+          </p:nvSpPr>
+          <p:spPr>
+            <a:xfrm>
+              <a:off x="8665200" y="8640000"/>
+              <a:ext cx="90000" cy="90000"/>
+            </a:xfrm>
+            <a:prstGeom prst="ellipse">
+              <a:avLst/>
+            </a:prstGeom>
+            <a:solidFill>
+              <a:schemeClr val="bg1"/>
+            </a:solidFill>
+            <a:ln w="12700">
+              <a:solidFill>
+                <a:schemeClr val="bg1">
+                  <a:lumMod val="65000"/>
+                </a:schemeClr>
+              </a:solidFill>
+            </a:ln>
+          </p:spPr>
+          <p:style>
+            <a:lnRef idx="2">
+              <a:schemeClr val="accent1">
+                <a:shade val="50000"/>
+              </a:schemeClr>
+            </a:lnRef>
+            <a:fillRef idx="1">
+              <a:schemeClr val="accent1"/>
+            </a:fillRef>
+            <a:effectRef idx="0">
+              <a:schemeClr val="accent1"/>
+            </a:effectRef>
+            <a:fontRef idx="minor">
+              <a:schemeClr val="lt1"/>
+            </a:fontRef>
+          </p:style>
+          <p:txBody>
+            <a:bodyPr rtlCol="0" anchor="ctr"/>
+            <a:lstStyle/>
+            <a:p>
+              <a:pPr algn="ctr"/>
+              <a:endParaRPr lang="en-GB"/>
+            </a:p>
+          </p:txBody>
+        </p:sp>
+      </p:grpSp>
+      <p:grpSp>
+        <p:nvGrpSpPr>
+          <p:cNvPr id="744" name="Group 743"/>
+          <p:cNvGrpSpPr/>
+          <p:nvPr/>
+        </p:nvGrpSpPr>
+        <p:grpSpPr>
+          <a:xfrm>
+            <a:off x="6924600" y="1902600"/>
+            <a:ext cx="180000" cy="180000"/>
+            <a:chOff x="8620200" y="8595000"/>
+            <a:chExt cx="180000" cy="180000"/>
+          </a:xfrm>
+        </p:grpSpPr>
+        <p:sp>
+          <p:nvSpPr>
+            <p:cNvPr id="745" name="Rectangle 744"/>
+            <p:cNvSpPr/>
+            <p:nvPr/>
+          </p:nvSpPr>
+          <p:spPr>
+            <a:xfrm>
+              <a:off x="8620200" y="8595000"/>
+              <a:ext cx="180000" cy="180000"/>
+            </a:xfrm>
+            <a:prstGeom prst="rect">
+              <a:avLst/>
+            </a:prstGeom>
+            <a:solidFill>
+              <a:schemeClr val="bg1"/>
+            </a:solidFill>
+            <a:ln w="12700">
+              <a:solidFill>
+                <a:schemeClr val="bg1">
+                  <a:lumMod val="65000"/>
+                </a:schemeClr>
+              </a:solidFill>
+            </a:ln>
+          </p:spPr>
+          <p:style>
+            <a:lnRef idx="2">
+              <a:schemeClr val="accent1">
+                <a:shade val="50000"/>
+              </a:schemeClr>
+            </a:lnRef>
+            <a:fillRef idx="1">
+              <a:schemeClr val="accent1"/>
+            </a:fillRef>
+            <a:effectRef idx="0">
+              <a:schemeClr val="accent1"/>
+            </a:effectRef>
+            <a:fontRef idx="minor">
+              <a:schemeClr val="lt1"/>
+            </a:fontRef>
+          </p:style>
+          <p:txBody>
+            <a:bodyPr rtlCol="0" anchor="ctr"/>
+            <a:lstStyle/>
+            <a:p>
+              <a:pPr algn="ctr"/>
+              <a:endParaRPr lang="en-GB">
+                <a:solidFill>
+                  <a:schemeClr val="tx1"/>
+                </a:solidFill>
+              </a:endParaRPr>
+            </a:p>
+          </p:txBody>
+        </p:sp>
+        <p:sp>
+          <p:nvSpPr>
+            <p:cNvPr id="746" name="Oval 745"/>
+            <p:cNvSpPr/>
+            <p:nvPr/>
+          </p:nvSpPr>
+          <p:spPr>
+            <a:xfrm>
+              <a:off x="8665200" y="8640000"/>
+              <a:ext cx="90000" cy="90000"/>
+            </a:xfrm>
+            <a:prstGeom prst="ellipse">
+              <a:avLst/>
+            </a:prstGeom>
+            <a:solidFill>
+              <a:schemeClr val="bg1"/>
+            </a:solidFill>
+            <a:ln w="12700">
+              <a:solidFill>
+                <a:schemeClr val="bg1">
+                  <a:lumMod val="65000"/>
+                </a:schemeClr>
+              </a:solidFill>
+            </a:ln>
+          </p:spPr>
+          <p:style>
+            <a:lnRef idx="2">
+              <a:schemeClr val="accent1">
+                <a:shade val="50000"/>
+              </a:schemeClr>
+            </a:lnRef>
+            <a:fillRef idx="1">
+              <a:schemeClr val="accent1"/>
+            </a:fillRef>
+            <a:effectRef idx="0">
+              <a:schemeClr val="accent1"/>
+            </a:effectRef>
+            <a:fontRef idx="minor">
+              <a:schemeClr val="lt1"/>
+            </a:fontRef>
+          </p:style>
+          <p:txBody>
+            <a:bodyPr rtlCol="0" anchor="ctr"/>
+            <a:lstStyle/>
+            <a:p>
+              <a:pPr algn="ctr"/>
+              <a:endParaRPr lang="en-GB"/>
+            </a:p>
+          </p:txBody>
+        </p:sp>
+      </p:grpSp>
+      <p:grpSp>
+        <p:nvGrpSpPr>
+          <p:cNvPr id="747" name="Group 746"/>
+          <p:cNvGrpSpPr/>
+          <p:nvPr/>
+        </p:nvGrpSpPr>
+        <p:grpSpPr>
+          <a:xfrm>
+            <a:off x="6359400" y="1902600"/>
+            <a:ext cx="180000" cy="180000"/>
+            <a:chOff x="8620200" y="8595000"/>
+            <a:chExt cx="180000" cy="180000"/>
+          </a:xfrm>
+        </p:grpSpPr>
+        <p:sp>
+          <p:nvSpPr>
+            <p:cNvPr id="748" name="Rectangle 747"/>
+            <p:cNvSpPr/>
+            <p:nvPr/>
+          </p:nvSpPr>
+          <p:spPr>
+            <a:xfrm>
+              <a:off x="8620200" y="8595000"/>
+              <a:ext cx="180000" cy="180000"/>
+            </a:xfrm>
+            <a:prstGeom prst="rect">
+              <a:avLst/>
+            </a:prstGeom>
+            <a:solidFill>
+              <a:schemeClr val="bg1"/>
+            </a:solidFill>
+            <a:ln w="12700">
+              <a:solidFill>
+                <a:schemeClr val="bg1">
+                  <a:lumMod val="65000"/>
+                </a:schemeClr>
+              </a:solidFill>
+            </a:ln>
+          </p:spPr>
+          <p:style>
+            <a:lnRef idx="2">
+              <a:schemeClr val="accent1">
+                <a:shade val="50000"/>
+              </a:schemeClr>
+            </a:lnRef>
+            <a:fillRef idx="1">
+              <a:schemeClr val="accent1"/>
+            </a:fillRef>
+            <a:effectRef idx="0">
+              <a:schemeClr val="accent1"/>
+            </a:effectRef>
+            <a:fontRef idx="minor">
+              <a:schemeClr val="lt1"/>
+            </a:fontRef>
+          </p:style>
+          <p:txBody>
+            <a:bodyPr rtlCol="0" anchor="ctr"/>
+            <a:lstStyle/>
+            <a:p>
+              <a:pPr algn="ctr"/>
+              <a:endParaRPr lang="en-GB">
+                <a:solidFill>
+                  <a:schemeClr val="tx1"/>
+                </a:solidFill>
+              </a:endParaRPr>
+            </a:p>
+          </p:txBody>
+        </p:sp>
+        <p:sp>
+          <p:nvSpPr>
+            <p:cNvPr id="749" name="Oval 748"/>
+            <p:cNvSpPr/>
+            <p:nvPr/>
+          </p:nvSpPr>
+          <p:spPr>
+            <a:xfrm>
+              <a:off x="8665200" y="8640000"/>
+              <a:ext cx="90000" cy="90000"/>
+            </a:xfrm>
+            <a:prstGeom prst="ellipse">
+              <a:avLst/>
+            </a:prstGeom>
+            <a:solidFill>
+              <a:schemeClr val="bg1"/>
+            </a:solidFill>
+            <a:ln w="12700">
+              <a:solidFill>
+                <a:schemeClr val="bg1">
+                  <a:lumMod val="65000"/>
+                </a:schemeClr>
+              </a:solidFill>
+            </a:ln>
+          </p:spPr>
+          <p:style>
+            <a:lnRef idx="2">
+              <a:schemeClr val="accent1">
+                <a:shade val="50000"/>
+              </a:schemeClr>
+            </a:lnRef>
+            <a:fillRef idx="1">
+              <a:schemeClr val="accent1"/>
+            </a:fillRef>
+            <a:effectRef idx="0">
+              <a:schemeClr val="accent1"/>
+            </a:effectRef>
+            <a:fontRef idx="minor">
+              <a:schemeClr val="lt1"/>
+            </a:fontRef>
+          </p:style>
+          <p:txBody>
+            <a:bodyPr rtlCol="0" anchor="ctr"/>
+            <a:lstStyle/>
+            <a:p>
+              <a:pPr algn="ctr"/>
+              <a:endParaRPr lang="en-GB"/>
+            </a:p>
+          </p:txBody>
+        </p:sp>
+      </p:grpSp>
+      <p:grpSp>
+        <p:nvGrpSpPr>
+          <p:cNvPr id="750" name="Group 749"/>
+          <p:cNvGrpSpPr/>
+          <p:nvPr/>
+        </p:nvGrpSpPr>
+        <p:grpSpPr>
+          <a:xfrm>
+            <a:off x="5794200" y="1902600"/>
+            <a:ext cx="180000" cy="180000"/>
+            <a:chOff x="8620200" y="8595000"/>
+            <a:chExt cx="180000" cy="180000"/>
+          </a:xfrm>
+        </p:grpSpPr>
+        <p:sp>
+          <p:nvSpPr>
+            <p:cNvPr id="751" name="Rectangle 750"/>
+            <p:cNvSpPr/>
+            <p:nvPr/>
+          </p:nvSpPr>
+          <p:spPr>
+            <a:xfrm>
+              <a:off x="8620200" y="8595000"/>
+              <a:ext cx="180000" cy="180000"/>
+            </a:xfrm>
+            <a:prstGeom prst="rect">
+              <a:avLst/>
+            </a:prstGeom>
+            <a:solidFill>
+              <a:schemeClr val="bg1"/>
+            </a:solidFill>
+            <a:ln w="12700">
+              <a:solidFill>
+                <a:schemeClr val="bg1">
+                  <a:lumMod val="65000"/>
+                </a:schemeClr>
+              </a:solidFill>
+            </a:ln>
+          </p:spPr>
+          <p:style>
+            <a:lnRef idx="2">
+              <a:schemeClr val="accent1">
+                <a:shade val="50000"/>
+              </a:schemeClr>
+            </a:lnRef>
+            <a:fillRef idx="1">
+              <a:schemeClr val="accent1"/>
+            </a:fillRef>
+            <a:effectRef idx="0">
+              <a:schemeClr val="accent1"/>
+            </a:effectRef>
+            <a:fontRef idx="minor">
+              <a:schemeClr val="lt1"/>
+            </a:fontRef>
+          </p:style>
+          <p:txBody>
+            <a:bodyPr rtlCol="0" anchor="ctr"/>
+            <a:lstStyle/>
+            <a:p>
+              <a:pPr algn="ctr"/>
+              <a:endParaRPr lang="en-GB">
+                <a:solidFill>
+                  <a:schemeClr val="tx1"/>
+                </a:solidFill>
+              </a:endParaRPr>
+            </a:p>
+          </p:txBody>
+        </p:sp>
+        <p:sp>
+          <p:nvSpPr>
+            <p:cNvPr id="752" name="Oval 751"/>
+            <p:cNvSpPr/>
+            <p:nvPr/>
+          </p:nvSpPr>
+          <p:spPr>
+            <a:xfrm>
+              <a:off x="8665200" y="8640000"/>
+              <a:ext cx="90000" cy="90000"/>
+            </a:xfrm>
+            <a:prstGeom prst="ellipse">
+              <a:avLst/>
+            </a:prstGeom>
+            <a:solidFill>
+              <a:schemeClr val="bg1"/>
+            </a:solidFill>
+            <a:ln w="12700">
+              <a:solidFill>
+                <a:schemeClr val="bg1">
+                  <a:lumMod val="65000"/>
+                </a:schemeClr>
+              </a:solidFill>
+            </a:ln>
+          </p:spPr>
+          <p:style>
+            <a:lnRef idx="2">
+              <a:schemeClr val="accent1">
+                <a:shade val="50000"/>
+              </a:schemeClr>
+            </a:lnRef>
+            <a:fillRef idx="1">
+              <a:schemeClr val="accent1"/>
+            </a:fillRef>
+            <a:effectRef idx="0">
+              <a:schemeClr val="accent1"/>
+            </a:effectRef>
+            <a:fontRef idx="minor">
+              <a:schemeClr val="lt1"/>
+            </a:fontRef>
+          </p:style>
+          <p:txBody>
+            <a:bodyPr rtlCol="0" anchor="ctr"/>
+            <a:lstStyle/>
+            <a:p>
+              <a:pPr algn="ctr"/>
+              <a:endParaRPr lang="en-GB"/>
+            </a:p>
+          </p:txBody>
+        </p:sp>
+      </p:grpSp>
+      <p:grpSp>
+        <p:nvGrpSpPr>
+          <p:cNvPr id="753" name="Group 752"/>
+          <p:cNvGrpSpPr/>
+          <p:nvPr/>
+        </p:nvGrpSpPr>
+        <p:grpSpPr>
+          <a:xfrm>
+            <a:off x="5229000" y="1902600"/>
+            <a:ext cx="180000" cy="180000"/>
+            <a:chOff x="8620200" y="8595000"/>
+            <a:chExt cx="180000" cy="180000"/>
+          </a:xfrm>
+        </p:grpSpPr>
+        <p:sp>
+          <p:nvSpPr>
+            <p:cNvPr id="754" name="Rectangle 753"/>
+            <p:cNvSpPr/>
+            <p:nvPr/>
+          </p:nvSpPr>
+          <p:spPr>
+            <a:xfrm>
+              <a:off x="8620200" y="8595000"/>
+              <a:ext cx="180000" cy="180000"/>
+            </a:xfrm>
+            <a:prstGeom prst="rect">
+              <a:avLst/>
+            </a:prstGeom>
+            <a:solidFill>
+              <a:schemeClr val="bg1"/>
+            </a:solidFill>
+            <a:ln w="12700">
+              <a:solidFill>
+                <a:schemeClr val="bg1">
+                  <a:lumMod val="65000"/>
+                </a:schemeClr>
+              </a:solidFill>
+            </a:ln>
+          </p:spPr>
+          <p:style>
+            <a:lnRef idx="2">
+              <a:schemeClr val="accent1">
+                <a:shade val="50000"/>
+              </a:schemeClr>
+            </a:lnRef>
+            <a:fillRef idx="1">
+              <a:schemeClr val="accent1"/>
+            </a:fillRef>
+            <a:effectRef idx="0">
+              <a:schemeClr val="accent1"/>
+            </a:effectRef>
+            <a:fontRef idx="minor">
+              <a:schemeClr val="lt1"/>
+            </a:fontRef>
+          </p:style>
+          <p:txBody>
+            <a:bodyPr rtlCol="0" anchor="ctr"/>
+            <a:lstStyle/>
+            <a:p>
+              <a:pPr algn="ctr"/>
+              <a:endParaRPr lang="en-GB">
+                <a:solidFill>
+                  <a:schemeClr val="tx1"/>
+                </a:solidFill>
+              </a:endParaRPr>
+            </a:p>
+          </p:txBody>
+        </p:sp>
+        <p:sp>
+          <p:nvSpPr>
+            <p:cNvPr id="755" name="Oval 754"/>
+            <p:cNvSpPr/>
+            <p:nvPr/>
+          </p:nvSpPr>
+          <p:spPr>
+            <a:xfrm>
+              <a:off x="8665200" y="8640000"/>
+              <a:ext cx="90000" cy="90000"/>
+            </a:xfrm>
+            <a:prstGeom prst="ellipse">
+              <a:avLst/>
+            </a:prstGeom>
+            <a:solidFill>
+              <a:schemeClr val="bg1"/>
+            </a:solidFill>
+            <a:ln w="12700">
+              <a:solidFill>
+                <a:schemeClr val="bg1">
+                  <a:lumMod val="65000"/>
+                </a:schemeClr>
+              </a:solidFill>
+            </a:ln>
+          </p:spPr>
+          <p:style>
+            <a:lnRef idx="2">
+              <a:schemeClr val="accent1">
+                <a:shade val="50000"/>
+              </a:schemeClr>
+            </a:lnRef>
+            <a:fillRef idx="1">
+              <a:schemeClr val="accent1"/>
+            </a:fillRef>
+            <a:effectRef idx="0">
+              <a:schemeClr val="accent1"/>
+            </a:effectRef>
+            <a:fontRef idx="minor">
+              <a:schemeClr val="lt1"/>
+            </a:fontRef>
+          </p:style>
+          <p:txBody>
+            <a:bodyPr rtlCol="0" anchor="ctr"/>
+            <a:lstStyle/>
+            <a:p>
+              <a:pPr algn="ctr"/>
+              <a:endParaRPr lang="en-GB"/>
+            </a:p>
+          </p:txBody>
+        </p:sp>
+      </p:grpSp>
+      <p:grpSp>
+        <p:nvGrpSpPr>
+          <p:cNvPr id="756" name="Group 755"/>
+          <p:cNvGrpSpPr/>
+          <p:nvPr/>
+        </p:nvGrpSpPr>
+        <p:grpSpPr>
+          <a:xfrm>
+            <a:off x="4663800" y="1902600"/>
+            <a:ext cx="180000" cy="180000"/>
+            <a:chOff x="8620200" y="8595000"/>
+            <a:chExt cx="180000" cy="180000"/>
+          </a:xfrm>
+        </p:grpSpPr>
+        <p:sp>
+          <p:nvSpPr>
+            <p:cNvPr id="757" name="Rectangle 756"/>
+            <p:cNvSpPr/>
+            <p:nvPr/>
+          </p:nvSpPr>
+          <p:spPr>
+            <a:xfrm>
+              <a:off x="8620200" y="8595000"/>
+              <a:ext cx="180000" cy="180000"/>
+            </a:xfrm>
+            <a:prstGeom prst="rect">
+              <a:avLst/>
+            </a:prstGeom>
+            <a:solidFill>
+              <a:schemeClr val="bg1"/>
+            </a:solidFill>
+            <a:ln w="12700">
+              <a:solidFill>
+                <a:schemeClr val="bg1">
+                  <a:lumMod val="65000"/>
+                </a:schemeClr>
+              </a:solidFill>
+            </a:ln>
+          </p:spPr>
+          <p:style>
+            <a:lnRef idx="2">
+              <a:schemeClr val="accent1">
+                <a:shade val="50000"/>
+              </a:schemeClr>
+            </a:lnRef>
+            <a:fillRef idx="1">
+              <a:schemeClr val="accent1"/>
+            </a:fillRef>
+            <a:effectRef idx="0">
+              <a:schemeClr val="accent1"/>
+            </a:effectRef>
+            <a:fontRef idx="minor">
+              <a:schemeClr val="lt1"/>
+            </a:fontRef>
+          </p:style>
+          <p:txBody>
+            <a:bodyPr rtlCol="0" anchor="ctr"/>
+            <a:lstStyle/>
+            <a:p>
+              <a:pPr algn="ctr"/>
+              <a:endParaRPr lang="en-GB">
+                <a:solidFill>
+                  <a:schemeClr val="tx1"/>
+                </a:solidFill>
+              </a:endParaRPr>
+            </a:p>
+          </p:txBody>
+        </p:sp>
+        <p:sp>
+          <p:nvSpPr>
+            <p:cNvPr id="758" name="Oval 757"/>
+            <p:cNvSpPr/>
+            <p:nvPr/>
+          </p:nvSpPr>
+          <p:spPr>
+            <a:xfrm>
+              <a:off x="8665200" y="8640000"/>
+              <a:ext cx="90000" cy="90000"/>
+            </a:xfrm>
+            <a:prstGeom prst="ellipse">
+              <a:avLst/>
+            </a:prstGeom>
+            <a:solidFill>
+              <a:schemeClr val="bg1"/>
+            </a:solidFill>
+            <a:ln w="12700">
+              <a:solidFill>
+                <a:schemeClr val="bg1">
+                  <a:lumMod val="65000"/>
+                </a:schemeClr>
+              </a:solidFill>
+            </a:ln>
+          </p:spPr>
+          <p:style>
+            <a:lnRef idx="2">
+              <a:schemeClr val="accent1">
+                <a:shade val="50000"/>
+              </a:schemeClr>
+            </a:lnRef>
+            <a:fillRef idx="1">
+              <a:schemeClr val="accent1"/>
+            </a:fillRef>
+            <a:effectRef idx="0">
+              <a:schemeClr val="accent1"/>
+            </a:effectRef>
+            <a:fontRef idx="minor">
+              <a:schemeClr val="lt1"/>
+            </a:fontRef>
+          </p:style>
+          <p:txBody>
+            <a:bodyPr rtlCol="0" anchor="ctr"/>
+            <a:lstStyle/>
+            <a:p>
+              <a:pPr algn="ctr"/>
+              <a:endParaRPr lang="en-GB"/>
+            </a:p>
+          </p:txBody>
+        </p:sp>
+      </p:grpSp>
+      <p:grpSp>
+        <p:nvGrpSpPr>
+          <p:cNvPr id="759" name="Group 758"/>
+          <p:cNvGrpSpPr/>
+          <p:nvPr/>
+        </p:nvGrpSpPr>
+        <p:grpSpPr>
+          <a:xfrm>
+            <a:off x="4098600" y="1902600"/>
+            <a:ext cx="180000" cy="180000"/>
+            <a:chOff x="8620200" y="8595000"/>
+            <a:chExt cx="180000" cy="180000"/>
+          </a:xfrm>
+        </p:grpSpPr>
+        <p:sp>
+          <p:nvSpPr>
+            <p:cNvPr id="760" name="Rectangle 759"/>
+            <p:cNvSpPr/>
+            <p:nvPr/>
+          </p:nvSpPr>
+          <p:spPr>
+            <a:xfrm>
+              <a:off x="8620200" y="8595000"/>
+              <a:ext cx="180000" cy="180000"/>
+            </a:xfrm>
+            <a:prstGeom prst="rect">
+              <a:avLst/>
+            </a:prstGeom>
+            <a:solidFill>
+              <a:schemeClr val="bg1"/>
+            </a:solidFill>
+            <a:ln w="12700">
+              <a:solidFill>
+                <a:schemeClr val="bg1">
+                  <a:lumMod val="65000"/>
+                </a:schemeClr>
+              </a:solidFill>
+            </a:ln>
+          </p:spPr>
+          <p:style>
+            <a:lnRef idx="2">
+              <a:schemeClr val="accent1">
+                <a:shade val="50000"/>
+              </a:schemeClr>
+            </a:lnRef>
+            <a:fillRef idx="1">
+              <a:schemeClr val="accent1"/>
+            </a:fillRef>
+            <a:effectRef idx="0">
+              <a:schemeClr val="accent1"/>
+            </a:effectRef>
+            <a:fontRef idx="minor">
+              <a:schemeClr val="lt1"/>
+            </a:fontRef>
+          </p:style>
+          <p:txBody>
+            <a:bodyPr rtlCol="0" anchor="ctr"/>
+            <a:lstStyle/>
+            <a:p>
+              <a:pPr algn="ctr"/>
+              <a:endParaRPr lang="en-GB">
+                <a:solidFill>
+                  <a:schemeClr val="tx1"/>
+                </a:solidFill>
+              </a:endParaRPr>
+            </a:p>
+          </p:txBody>
+        </p:sp>
+        <p:sp>
+          <p:nvSpPr>
+            <p:cNvPr id="761" name="Oval 760"/>
+            <p:cNvSpPr/>
+            <p:nvPr/>
+          </p:nvSpPr>
+          <p:spPr>
+            <a:xfrm>
+              <a:off x="8665200" y="8640000"/>
+              <a:ext cx="90000" cy="90000"/>
+            </a:xfrm>
+            <a:prstGeom prst="ellipse">
+              <a:avLst/>
+            </a:prstGeom>
+            <a:solidFill>
+              <a:schemeClr val="bg1"/>
+            </a:solidFill>
+            <a:ln w="12700">
+              <a:solidFill>
+                <a:schemeClr val="bg1">
+                  <a:lumMod val="65000"/>
+                </a:schemeClr>
+              </a:solidFill>
+            </a:ln>
+          </p:spPr>
+          <p:style>
+            <a:lnRef idx="2">
+              <a:schemeClr val="accent1">
+                <a:shade val="50000"/>
+              </a:schemeClr>
+            </a:lnRef>
+            <a:fillRef idx="1">
+              <a:schemeClr val="accent1"/>
+            </a:fillRef>
+            <a:effectRef idx="0">
+              <a:schemeClr val="accent1"/>
+            </a:effectRef>
+            <a:fontRef idx="minor">
+              <a:schemeClr val="lt1"/>
+            </a:fontRef>
+          </p:style>
+          <p:txBody>
+            <a:bodyPr rtlCol="0" anchor="ctr"/>
+            <a:lstStyle/>
+            <a:p>
+              <a:pPr algn="ctr"/>
+              <a:endParaRPr lang="en-GB"/>
+            </a:p>
+          </p:txBody>
+        </p:sp>
+      </p:grpSp>
+      <p:grpSp>
+        <p:nvGrpSpPr>
+          <p:cNvPr id="762" name="Group 761"/>
+          <p:cNvGrpSpPr/>
+          <p:nvPr/>
+        </p:nvGrpSpPr>
+        <p:grpSpPr>
+          <a:xfrm>
+            <a:off x="3533400" y="1902600"/>
+            <a:ext cx="180000" cy="180000"/>
+            <a:chOff x="8620200" y="8595000"/>
+            <a:chExt cx="180000" cy="180000"/>
+          </a:xfrm>
+        </p:grpSpPr>
+        <p:sp>
+          <p:nvSpPr>
+            <p:cNvPr id="763" name="Rectangle 762"/>
+            <p:cNvSpPr/>
+            <p:nvPr/>
+          </p:nvSpPr>
+          <p:spPr>
+            <a:xfrm>
+              <a:off x="8620200" y="8595000"/>
+              <a:ext cx="180000" cy="180000"/>
+            </a:xfrm>
+            <a:prstGeom prst="rect">
+              <a:avLst/>
+            </a:prstGeom>
+            <a:solidFill>
+              <a:schemeClr val="bg1"/>
+            </a:solidFill>
+            <a:ln w="12700">
+              <a:solidFill>
+                <a:schemeClr val="bg1">
+                  <a:lumMod val="65000"/>
+                </a:schemeClr>
+              </a:solidFill>
+            </a:ln>
+          </p:spPr>
+          <p:style>
+            <a:lnRef idx="2">
+              <a:schemeClr val="accent1">
+                <a:shade val="50000"/>
+              </a:schemeClr>
+            </a:lnRef>
+            <a:fillRef idx="1">
+              <a:schemeClr val="accent1"/>
+            </a:fillRef>
+            <a:effectRef idx="0">
+              <a:schemeClr val="accent1"/>
+            </a:effectRef>
+            <a:fontRef idx="minor">
+              <a:schemeClr val="lt1"/>
+            </a:fontRef>
+          </p:style>
+          <p:txBody>
+            <a:bodyPr rtlCol="0" anchor="ctr"/>
+            <a:lstStyle/>
+            <a:p>
+              <a:pPr algn="ctr"/>
+              <a:endParaRPr lang="en-GB">
+                <a:solidFill>
+                  <a:schemeClr val="tx1"/>
+                </a:solidFill>
+              </a:endParaRPr>
+            </a:p>
+          </p:txBody>
+        </p:sp>
+        <p:sp>
+          <p:nvSpPr>
+            <p:cNvPr id="764" name="Oval 763"/>
+            <p:cNvSpPr/>
+            <p:nvPr/>
+          </p:nvSpPr>
+          <p:spPr>
+            <a:xfrm>
+              <a:off x="8665200" y="8640000"/>
+              <a:ext cx="90000" cy="90000"/>
+            </a:xfrm>
+            <a:prstGeom prst="ellipse">
+              <a:avLst/>
+            </a:prstGeom>
+            <a:solidFill>
+              <a:schemeClr val="bg1"/>
+            </a:solidFill>
+            <a:ln w="12700">
+              <a:solidFill>
+                <a:schemeClr val="bg1">
+                  <a:lumMod val="65000"/>
+                </a:schemeClr>
+              </a:solidFill>
+            </a:ln>
+          </p:spPr>
+          <p:style>
+            <a:lnRef idx="2">
+              <a:schemeClr val="accent1">
+                <a:shade val="50000"/>
+              </a:schemeClr>
+            </a:lnRef>
+            <a:fillRef idx="1">
+              <a:schemeClr val="accent1"/>
+            </a:fillRef>
+            <a:effectRef idx="0">
+              <a:schemeClr val="accent1"/>
+            </a:effectRef>
+            <a:fontRef idx="minor">
+              <a:schemeClr val="lt1"/>
+            </a:fontRef>
+          </p:style>
+          <p:txBody>
+            <a:bodyPr rtlCol="0" anchor="ctr"/>
+            <a:lstStyle/>
+            <a:p>
+              <a:pPr algn="ctr"/>
+              <a:endParaRPr lang="en-GB"/>
+            </a:p>
+          </p:txBody>
+        </p:sp>
+      </p:grpSp>
+      <p:grpSp>
+        <p:nvGrpSpPr>
+          <p:cNvPr id="765" name="Group 764"/>
+          <p:cNvGrpSpPr/>
+          <p:nvPr/>
+        </p:nvGrpSpPr>
+        <p:grpSpPr>
+          <a:xfrm>
+            <a:off x="2968200" y="1902600"/>
+            <a:ext cx="180000" cy="180000"/>
+            <a:chOff x="8620200" y="8595000"/>
+            <a:chExt cx="180000" cy="180000"/>
+          </a:xfrm>
+        </p:grpSpPr>
+        <p:sp>
+          <p:nvSpPr>
+            <p:cNvPr id="766" name="Rectangle 765"/>
+            <p:cNvSpPr/>
+            <p:nvPr/>
+          </p:nvSpPr>
+          <p:spPr>
+            <a:xfrm>
+              <a:off x="8620200" y="8595000"/>
+              <a:ext cx="180000" cy="180000"/>
+            </a:xfrm>
+            <a:prstGeom prst="rect">
+              <a:avLst/>
+            </a:prstGeom>
+            <a:solidFill>
+              <a:schemeClr val="bg1"/>
+            </a:solidFill>
+            <a:ln w="12700">
+              <a:solidFill>
+                <a:schemeClr val="bg1">
+                  <a:lumMod val="65000"/>
+                </a:schemeClr>
+              </a:solidFill>
+            </a:ln>
+          </p:spPr>
+          <p:style>
+            <a:lnRef idx="2">
+              <a:schemeClr val="accent1">
+                <a:shade val="50000"/>
+              </a:schemeClr>
+            </a:lnRef>
+            <a:fillRef idx="1">
+              <a:schemeClr val="accent1"/>
+            </a:fillRef>
+            <a:effectRef idx="0">
+              <a:schemeClr val="accent1"/>
+            </a:effectRef>
+            <a:fontRef idx="minor">
+              <a:schemeClr val="lt1"/>
+            </a:fontRef>
+          </p:style>
+          <p:txBody>
+            <a:bodyPr rtlCol="0" anchor="ctr"/>
+            <a:lstStyle/>
+            <a:p>
+              <a:pPr algn="ctr"/>
+              <a:endParaRPr lang="en-GB">
+                <a:solidFill>
+                  <a:schemeClr val="tx1"/>
+                </a:solidFill>
+              </a:endParaRPr>
+            </a:p>
+          </p:txBody>
+        </p:sp>
+        <p:sp>
+          <p:nvSpPr>
+            <p:cNvPr id="767" name="Oval 766"/>
+            <p:cNvSpPr/>
+            <p:nvPr/>
+          </p:nvSpPr>
+          <p:spPr>
+            <a:xfrm>
+              <a:off x="8665200" y="8640000"/>
+              <a:ext cx="90000" cy="90000"/>
+            </a:xfrm>
+            <a:prstGeom prst="ellipse">
+              <a:avLst/>
+            </a:prstGeom>
+            <a:solidFill>
+              <a:schemeClr val="bg1"/>
+            </a:solidFill>
+            <a:ln w="12700">
+              <a:solidFill>
+                <a:schemeClr val="bg1">
+                  <a:lumMod val="65000"/>
+                </a:schemeClr>
+              </a:solidFill>
+            </a:ln>
+          </p:spPr>
+          <p:style>
+            <a:lnRef idx="2">
+              <a:schemeClr val="accent1">
+                <a:shade val="50000"/>
+              </a:schemeClr>
+            </a:lnRef>
+            <a:fillRef idx="1">
+              <a:schemeClr val="accent1"/>
+            </a:fillRef>
+            <a:effectRef idx="0">
+              <a:schemeClr val="accent1"/>
+            </a:effectRef>
+            <a:fontRef idx="minor">
+              <a:schemeClr val="lt1"/>
+            </a:fontRef>
+          </p:style>
+          <p:txBody>
+            <a:bodyPr rtlCol="0" anchor="ctr"/>
+            <a:lstStyle/>
+            <a:p>
+              <a:pPr algn="ctr"/>
+              <a:endParaRPr lang="en-GB"/>
+            </a:p>
+          </p:txBody>
+        </p:sp>
+      </p:grpSp>
+      <p:grpSp>
+        <p:nvGrpSpPr>
+          <p:cNvPr id="768" name="Group 767"/>
+          <p:cNvGrpSpPr/>
+          <p:nvPr/>
+        </p:nvGrpSpPr>
+        <p:grpSpPr>
+          <a:xfrm>
+            <a:off x="2403000" y="1902600"/>
+            <a:ext cx="180000" cy="180000"/>
+            <a:chOff x="8620200" y="8595000"/>
+            <a:chExt cx="180000" cy="180000"/>
+          </a:xfrm>
+        </p:grpSpPr>
+        <p:sp>
+          <p:nvSpPr>
+            <p:cNvPr id="769" name="Rectangle 768"/>
+            <p:cNvSpPr/>
+            <p:nvPr/>
+          </p:nvSpPr>
+          <p:spPr>
+            <a:xfrm>
+              <a:off x="8620200" y="8595000"/>
+              <a:ext cx="180000" cy="180000"/>
+            </a:xfrm>
+            <a:prstGeom prst="rect">
+              <a:avLst/>
+            </a:prstGeom>
+            <a:solidFill>
+              <a:schemeClr val="bg1"/>
+            </a:solidFill>
+            <a:ln w="12700">
+              <a:solidFill>
+                <a:schemeClr val="bg1">
+                  <a:lumMod val="65000"/>
+                </a:schemeClr>
+              </a:solidFill>
+            </a:ln>
+          </p:spPr>
+          <p:style>
+            <a:lnRef idx="2">
+              <a:schemeClr val="accent1">
+                <a:shade val="50000"/>
+              </a:schemeClr>
+            </a:lnRef>
+            <a:fillRef idx="1">
+              <a:schemeClr val="accent1"/>
+            </a:fillRef>
+            <a:effectRef idx="0">
+              <a:schemeClr val="accent1"/>
+            </a:effectRef>
+            <a:fontRef idx="minor">
+              <a:schemeClr val="lt1"/>
+            </a:fontRef>
+          </p:style>
+          <p:txBody>
+            <a:bodyPr rtlCol="0" anchor="ctr"/>
+            <a:lstStyle/>
+            <a:p>
+              <a:pPr algn="ctr"/>
+              <a:endParaRPr lang="en-GB">
+                <a:solidFill>
+                  <a:schemeClr val="tx1"/>
+                </a:solidFill>
+              </a:endParaRPr>
+            </a:p>
+          </p:txBody>
+        </p:sp>
+        <p:sp>
+          <p:nvSpPr>
+            <p:cNvPr id="770" name="Oval 769"/>
+            <p:cNvSpPr/>
+            <p:nvPr/>
+          </p:nvSpPr>
+          <p:spPr>
+            <a:xfrm>
+              <a:off x="8665200" y="8640000"/>
+              <a:ext cx="90000" cy="90000"/>
+            </a:xfrm>
+            <a:prstGeom prst="ellipse">
+              <a:avLst/>
+            </a:prstGeom>
+            <a:solidFill>
+              <a:schemeClr val="bg1"/>
+            </a:solidFill>
+            <a:ln w="12700">
+              <a:solidFill>
+                <a:schemeClr val="bg1">
+                  <a:lumMod val="65000"/>
+                </a:schemeClr>
+              </a:solidFill>
+            </a:ln>
+          </p:spPr>
+          <p:style>
+            <a:lnRef idx="2">
+              <a:schemeClr val="accent1">
+                <a:shade val="50000"/>
+              </a:schemeClr>
+            </a:lnRef>
+            <a:fillRef idx="1">
+              <a:schemeClr val="accent1"/>
+            </a:fillRef>
+            <a:effectRef idx="0">
+              <a:schemeClr val="accent1"/>
+            </a:effectRef>
+            <a:fontRef idx="minor">
+              <a:schemeClr val="lt1"/>
+            </a:fontRef>
+          </p:style>
+          <p:txBody>
+            <a:bodyPr rtlCol="0" anchor="ctr"/>
+            <a:lstStyle/>
+            <a:p>
+              <a:pPr algn="ctr"/>
+              <a:endParaRPr lang="en-GB"/>
+            </a:p>
+          </p:txBody>
+        </p:sp>
+      </p:grpSp>
+      <p:grpSp>
+        <p:nvGrpSpPr>
+          <p:cNvPr id="771" name="Group 770"/>
+          <p:cNvGrpSpPr/>
+          <p:nvPr/>
+        </p:nvGrpSpPr>
+        <p:grpSpPr>
+          <a:xfrm>
+            <a:off x="1837800" y="1902600"/>
+            <a:ext cx="180000" cy="180000"/>
+            <a:chOff x="8620200" y="8595000"/>
+            <a:chExt cx="180000" cy="180000"/>
+          </a:xfrm>
+        </p:grpSpPr>
+        <p:sp>
+          <p:nvSpPr>
+            <p:cNvPr id="772" name="Rectangle 771"/>
+            <p:cNvSpPr/>
+            <p:nvPr/>
+          </p:nvSpPr>
+          <p:spPr>
+            <a:xfrm>
+              <a:off x="8620200" y="8595000"/>
+              <a:ext cx="180000" cy="180000"/>
+            </a:xfrm>
+            <a:prstGeom prst="rect">
+              <a:avLst/>
+            </a:prstGeom>
+            <a:solidFill>
+              <a:schemeClr val="bg1"/>
+            </a:solidFill>
+            <a:ln w="12700">
+              <a:solidFill>
+                <a:schemeClr val="bg1">
+                  <a:lumMod val="65000"/>
+                </a:schemeClr>
+              </a:solidFill>
+            </a:ln>
+          </p:spPr>
+          <p:style>
+            <a:lnRef idx="2">
+              <a:schemeClr val="accent1">
+                <a:shade val="50000"/>
+              </a:schemeClr>
+            </a:lnRef>
+            <a:fillRef idx="1">
+              <a:schemeClr val="accent1"/>
+            </a:fillRef>
+            <a:effectRef idx="0">
+              <a:schemeClr val="accent1"/>
+            </a:effectRef>
+            <a:fontRef idx="minor">
+              <a:schemeClr val="lt1"/>
+            </a:fontRef>
+          </p:style>
+          <p:txBody>
+            <a:bodyPr rtlCol="0" anchor="ctr"/>
+            <a:lstStyle/>
+            <a:p>
+              <a:pPr algn="ctr"/>
+              <a:endParaRPr lang="en-GB">
+                <a:solidFill>
+                  <a:schemeClr val="tx1"/>
+                </a:solidFill>
+              </a:endParaRPr>
+            </a:p>
+          </p:txBody>
+        </p:sp>
+        <p:sp>
+          <p:nvSpPr>
+            <p:cNvPr id="773" name="Oval 772"/>
+            <p:cNvSpPr/>
+            <p:nvPr/>
+          </p:nvSpPr>
+          <p:spPr>
+            <a:xfrm>
+              <a:off x="8665200" y="8640000"/>
+              <a:ext cx="90000" cy="90000"/>
+            </a:xfrm>
+            <a:prstGeom prst="ellipse">
+              <a:avLst/>
+            </a:prstGeom>
+            <a:solidFill>
+              <a:schemeClr val="bg1"/>
+            </a:solidFill>
+            <a:ln w="12700">
+              <a:solidFill>
+                <a:schemeClr val="bg1">
+                  <a:lumMod val="65000"/>
+                </a:schemeClr>
+              </a:solidFill>
+            </a:ln>
+          </p:spPr>
+          <p:style>
+            <a:lnRef idx="2">
+              <a:schemeClr val="accent1">
+                <a:shade val="50000"/>
+              </a:schemeClr>
+            </a:lnRef>
+            <a:fillRef idx="1">
+              <a:schemeClr val="accent1"/>
+            </a:fillRef>
+            <a:effectRef idx="0">
+              <a:schemeClr val="accent1"/>
+            </a:effectRef>
+            <a:fontRef idx="minor">
+              <a:schemeClr val="lt1"/>
+            </a:fontRef>
+          </p:style>
+          <p:txBody>
+            <a:bodyPr rtlCol="0" anchor="ctr"/>
+            <a:lstStyle/>
+            <a:p>
+              <a:pPr algn="ctr"/>
+              <a:endParaRPr lang="en-GB"/>
+            </a:p>
+          </p:txBody>
+        </p:sp>
+      </p:grpSp>
+      <p:grpSp>
+        <p:nvGrpSpPr>
+          <p:cNvPr id="777" name="Group 776"/>
+          <p:cNvGrpSpPr/>
+          <p:nvPr/>
+        </p:nvGrpSpPr>
+        <p:grpSpPr>
+          <a:xfrm>
+            <a:off x="8620200" y="1294200"/>
+            <a:ext cx="180000" cy="180000"/>
+            <a:chOff x="8620200" y="8595000"/>
+            <a:chExt cx="180000" cy="180000"/>
+          </a:xfrm>
+        </p:grpSpPr>
+        <p:sp>
+          <p:nvSpPr>
+            <p:cNvPr id="778" name="Rectangle 777"/>
+            <p:cNvSpPr/>
+            <p:nvPr/>
+          </p:nvSpPr>
+          <p:spPr>
+            <a:xfrm>
+              <a:off x="8620200" y="8595000"/>
+              <a:ext cx="180000" cy="180000"/>
+            </a:xfrm>
+            <a:prstGeom prst="rect">
+              <a:avLst/>
+            </a:prstGeom>
+            <a:solidFill>
+              <a:schemeClr val="bg1"/>
+            </a:solidFill>
+            <a:ln w="12700">
+              <a:solidFill>
+                <a:schemeClr val="bg1">
+                  <a:lumMod val="65000"/>
+                </a:schemeClr>
+              </a:solidFill>
+            </a:ln>
+          </p:spPr>
+          <p:style>
+            <a:lnRef idx="2">
+              <a:schemeClr val="accent1">
+                <a:shade val="50000"/>
+              </a:schemeClr>
+            </a:lnRef>
+            <a:fillRef idx="1">
+              <a:schemeClr val="accent1"/>
+            </a:fillRef>
+            <a:effectRef idx="0">
+              <a:schemeClr val="accent1"/>
+            </a:effectRef>
+            <a:fontRef idx="minor">
+              <a:schemeClr val="lt1"/>
+            </a:fontRef>
+          </p:style>
+          <p:txBody>
+            <a:bodyPr rtlCol="0" anchor="ctr"/>
+            <a:lstStyle/>
+            <a:p>
+              <a:pPr algn="ctr"/>
+              <a:endParaRPr lang="en-GB">
+                <a:solidFill>
+                  <a:schemeClr val="tx1"/>
+                </a:solidFill>
+              </a:endParaRPr>
+            </a:p>
+          </p:txBody>
+        </p:sp>
+        <p:sp>
+          <p:nvSpPr>
+            <p:cNvPr id="779" name="Oval 778"/>
+            <p:cNvSpPr/>
+            <p:nvPr/>
+          </p:nvSpPr>
+          <p:spPr>
+            <a:xfrm>
+              <a:off x="8665200" y="8640000"/>
+              <a:ext cx="90000" cy="90000"/>
+            </a:xfrm>
+            <a:prstGeom prst="ellipse">
+              <a:avLst/>
+            </a:prstGeom>
+            <a:solidFill>
+              <a:schemeClr val="bg1"/>
+            </a:solidFill>
+            <a:ln w="12700">
+              <a:solidFill>
+                <a:schemeClr val="bg1">
+                  <a:lumMod val="65000"/>
+                </a:schemeClr>
+              </a:solidFill>
+            </a:ln>
+          </p:spPr>
+          <p:style>
+            <a:lnRef idx="2">
+              <a:schemeClr val="accent1">
+                <a:shade val="50000"/>
+              </a:schemeClr>
+            </a:lnRef>
+            <a:fillRef idx="1">
+              <a:schemeClr val="accent1"/>
+            </a:fillRef>
+            <a:effectRef idx="0">
+              <a:schemeClr val="accent1"/>
+            </a:effectRef>
+            <a:fontRef idx="minor">
+              <a:schemeClr val="lt1"/>
+            </a:fontRef>
+          </p:style>
+          <p:txBody>
+            <a:bodyPr rtlCol="0" anchor="ctr"/>
+            <a:lstStyle/>
+            <a:p>
+              <a:pPr algn="ctr"/>
+              <a:endParaRPr lang="en-GB"/>
+            </a:p>
+          </p:txBody>
+        </p:sp>
+      </p:grpSp>
+      <p:grpSp>
+        <p:nvGrpSpPr>
+          <p:cNvPr id="780" name="Group 779"/>
+          <p:cNvGrpSpPr/>
+          <p:nvPr/>
+        </p:nvGrpSpPr>
+        <p:grpSpPr>
+          <a:xfrm>
+            <a:off x="8055000" y="1294200"/>
+            <a:ext cx="180000" cy="180000"/>
+            <a:chOff x="8620200" y="8595000"/>
+            <a:chExt cx="180000" cy="180000"/>
+          </a:xfrm>
+        </p:grpSpPr>
+        <p:sp>
+          <p:nvSpPr>
+            <p:cNvPr id="781" name="Rectangle 780"/>
+            <p:cNvSpPr/>
+            <p:nvPr/>
+          </p:nvSpPr>
+          <p:spPr>
+            <a:xfrm>
+              <a:off x="8620200" y="8595000"/>
+              <a:ext cx="180000" cy="180000"/>
+            </a:xfrm>
+            <a:prstGeom prst="rect">
+              <a:avLst/>
+            </a:prstGeom>
+            <a:solidFill>
+              <a:schemeClr val="bg1"/>
+            </a:solidFill>
+            <a:ln w="12700">
+              <a:solidFill>
+                <a:schemeClr val="bg1">
+                  <a:lumMod val="65000"/>
+                </a:schemeClr>
+              </a:solidFill>
+            </a:ln>
+          </p:spPr>
+          <p:style>
+            <a:lnRef idx="2">
+              <a:schemeClr val="accent1">
+                <a:shade val="50000"/>
+              </a:schemeClr>
+            </a:lnRef>
+            <a:fillRef idx="1">
+              <a:schemeClr val="accent1"/>
+            </a:fillRef>
+            <a:effectRef idx="0">
+              <a:schemeClr val="accent1"/>
+            </a:effectRef>
+            <a:fontRef idx="minor">
+              <a:schemeClr val="lt1"/>
+            </a:fontRef>
+          </p:style>
+          <p:txBody>
+            <a:bodyPr rtlCol="0" anchor="ctr"/>
+            <a:lstStyle/>
+            <a:p>
+              <a:pPr algn="ctr"/>
+              <a:endParaRPr lang="en-GB">
+                <a:solidFill>
+                  <a:schemeClr val="tx1"/>
+                </a:solidFill>
+              </a:endParaRPr>
+            </a:p>
+          </p:txBody>
+        </p:sp>
+        <p:sp>
+          <p:nvSpPr>
+            <p:cNvPr id="782" name="Oval 781"/>
+            <p:cNvSpPr/>
+            <p:nvPr/>
+          </p:nvSpPr>
+          <p:spPr>
+            <a:xfrm>
+              <a:off x="8665200" y="8640000"/>
+              <a:ext cx="90000" cy="90000"/>
+            </a:xfrm>
+            <a:prstGeom prst="ellipse">
+              <a:avLst/>
+            </a:prstGeom>
+            <a:solidFill>
+              <a:schemeClr val="bg1"/>
+            </a:solidFill>
+            <a:ln w="12700">
+              <a:solidFill>
+                <a:schemeClr val="bg1">
+                  <a:lumMod val="65000"/>
+                </a:schemeClr>
+              </a:solidFill>
+            </a:ln>
+          </p:spPr>
+          <p:style>
+            <a:lnRef idx="2">
+              <a:schemeClr val="accent1">
+                <a:shade val="50000"/>
+              </a:schemeClr>
+            </a:lnRef>
+            <a:fillRef idx="1">
+              <a:schemeClr val="accent1"/>
+            </a:fillRef>
+            <a:effectRef idx="0">
+              <a:schemeClr val="accent1"/>
+            </a:effectRef>
+            <a:fontRef idx="minor">
+              <a:schemeClr val="lt1"/>
+            </a:fontRef>
+          </p:style>
+          <p:txBody>
+            <a:bodyPr rtlCol="0" anchor="ctr"/>
+            <a:lstStyle/>
+            <a:p>
+              <a:pPr algn="ctr"/>
+              <a:endParaRPr lang="en-GB"/>
+            </a:p>
+          </p:txBody>
+        </p:sp>
+      </p:grpSp>
+      <p:grpSp>
+        <p:nvGrpSpPr>
+          <p:cNvPr id="783" name="Group 782"/>
+          <p:cNvGrpSpPr/>
+          <p:nvPr/>
+        </p:nvGrpSpPr>
+        <p:grpSpPr>
+          <a:xfrm>
+            <a:off x="7489800" y="1294200"/>
+            <a:ext cx="180000" cy="180000"/>
+            <a:chOff x="8620200" y="8595000"/>
+            <a:chExt cx="180000" cy="180000"/>
+          </a:xfrm>
+        </p:grpSpPr>
+        <p:sp>
+          <p:nvSpPr>
+            <p:cNvPr id="784" name="Rectangle 783"/>
+            <p:cNvSpPr/>
+            <p:nvPr/>
+          </p:nvSpPr>
+          <p:spPr>
+            <a:xfrm>
+              <a:off x="8620200" y="8595000"/>
+              <a:ext cx="180000" cy="180000"/>
+            </a:xfrm>
+            <a:prstGeom prst="rect">
+              <a:avLst/>
+            </a:prstGeom>
+            <a:solidFill>
+              <a:schemeClr val="bg1"/>
+            </a:solidFill>
+            <a:ln w="12700">
+              <a:solidFill>
+                <a:schemeClr val="bg1">
+                  <a:lumMod val="65000"/>
+                </a:schemeClr>
+              </a:solidFill>
+            </a:ln>
+          </p:spPr>
+          <p:style>
+            <a:lnRef idx="2">
+              <a:schemeClr val="accent1">
+                <a:shade val="50000"/>
+              </a:schemeClr>
+            </a:lnRef>
+            <a:fillRef idx="1">
+              <a:schemeClr val="accent1"/>
+            </a:fillRef>
+            <a:effectRef idx="0">
+              <a:schemeClr val="accent1"/>
+            </a:effectRef>
+            <a:fontRef idx="minor">
+              <a:schemeClr val="lt1"/>
+            </a:fontRef>
+          </p:style>
+          <p:txBody>
+            <a:bodyPr rtlCol="0" anchor="ctr"/>
+            <a:lstStyle/>
+            <a:p>
+              <a:pPr algn="ctr"/>
+              <a:endParaRPr lang="en-GB">
+                <a:solidFill>
+                  <a:schemeClr val="tx1"/>
+                </a:solidFill>
+              </a:endParaRPr>
+            </a:p>
+          </p:txBody>
+        </p:sp>
+        <p:sp>
+          <p:nvSpPr>
+            <p:cNvPr id="785" name="Oval 784"/>
+            <p:cNvSpPr/>
+            <p:nvPr/>
+          </p:nvSpPr>
+          <p:spPr>
+            <a:xfrm>
+              <a:off x="8665200" y="8640000"/>
+              <a:ext cx="90000" cy="90000"/>
+            </a:xfrm>
+            <a:prstGeom prst="ellipse">
+              <a:avLst/>
+            </a:prstGeom>
+            <a:solidFill>
+              <a:schemeClr val="bg1"/>
+            </a:solidFill>
+            <a:ln w="12700">
+              <a:solidFill>
+                <a:schemeClr val="bg1">
+                  <a:lumMod val="65000"/>
+                </a:schemeClr>
+              </a:solidFill>
+            </a:ln>
+          </p:spPr>
+          <p:style>
+            <a:lnRef idx="2">
+              <a:schemeClr val="accent1">
+                <a:shade val="50000"/>
+              </a:schemeClr>
+            </a:lnRef>
+            <a:fillRef idx="1">
+              <a:schemeClr val="accent1"/>
+            </a:fillRef>
+            <a:effectRef idx="0">
+              <a:schemeClr val="accent1"/>
+            </a:effectRef>
+            <a:fontRef idx="minor">
+              <a:schemeClr val="lt1"/>
+            </a:fontRef>
+          </p:style>
+          <p:txBody>
+            <a:bodyPr rtlCol="0" anchor="ctr"/>
+            <a:lstStyle/>
+            <a:p>
+              <a:pPr algn="ctr"/>
+              <a:endParaRPr lang="en-GB"/>
+            </a:p>
+          </p:txBody>
+        </p:sp>
+      </p:grpSp>
+      <p:grpSp>
+        <p:nvGrpSpPr>
+          <p:cNvPr id="786" name="Group 785"/>
+          <p:cNvGrpSpPr/>
+          <p:nvPr/>
+        </p:nvGrpSpPr>
+        <p:grpSpPr>
+          <a:xfrm>
+            <a:off x="6924600" y="1294200"/>
+            <a:ext cx="180000" cy="180000"/>
+            <a:chOff x="8620200" y="8595000"/>
+            <a:chExt cx="180000" cy="180000"/>
+          </a:xfrm>
+        </p:grpSpPr>
+        <p:sp>
+          <p:nvSpPr>
+            <p:cNvPr id="787" name="Rectangle 786"/>
+            <p:cNvSpPr/>
+            <p:nvPr/>
+          </p:nvSpPr>
+          <p:spPr>
+            <a:xfrm>
+              <a:off x="8620200" y="8595000"/>
+              <a:ext cx="180000" cy="180000"/>
+            </a:xfrm>
+            <a:prstGeom prst="rect">
+              <a:avLst/>
+            </a:prstGeom>
+            <a:solidFill>
+              <a:schemeClr val="bg1"/>
+            </a:solidFill>
+            <a:ln w="12700">
+              <a:solidFill>
+                <a:schemeClr val="bg1">
+                  <a:lumMod val="65000"/>
+                </a:schemeClr>
+              </a:solidFill>
+            </a:ln>
+          </p:spPr>
+          <p:style>
+            <a:lnRef idx="2">
+              <a:schemeClr val="accent1">
+                <a:shade val="50000"/>
+              </a:schemeClr>
+            </a:lnRef>
+            <a:fillRef idx="1">
+              <a:schemeClr val="accent1"/>
+            </a:fillRef>
+            <a:effectRef idx="0">
+              <a:schemeClr val="accent1"/>
+            </a:effectRef>
+            <a:fontRef idx="minor">
+              <a:schemeClr val="lt1"/>
+            </a:fontRef>
+          </p:style>
+          <p:txBody>
+            <a:bodyPr rtlCol="0" anchor="ctr"/>
+            <a:lstStyle/>
+            <a:p>
+              <a:pPr algn="ctr"/>
+              <a:endParaRPr lang="en-GB">
+                <a:solidFill>
+                  <a:schemeClr val="tx1"/>
+                </a:solidFill>
+              </a:endParaRPr>
+            </a:p>
+          </p:txBody>
+        </p:sp>
+        <p:sp>
+          <p:nvSpPr>
+            <p:cNvPr id="788" name="Oval 787"/>
+            <p:cNvSpPr/>
+            <p:nvPr/>
+          </p:nvSpPr>
+          <p:spPr>
+            <a:xfrm>
+              <a:off x="8665200" y="8640000"/>
+              <a:ext cx="90000" cy="90000"/>
+            </a:xfrm>
+            <a:prstGeom prst="ellipse">
+              <a:avLst/>
+            </a:prstGeom>
+            <a:solidFill>
+              <a:schemeClr val="bg1"/>
+            </a:solidFill>
+            <a:ln w="12700">
+              <a:solidFill>
+                <a:schemeClr val="bg1">
+                  <a:lumMod val="65000"/>
+                </a:schemeClr>
+              </a:solidFill>
+            </a:ln>
+          </p:spPr>
+          <p:style>
+            <a:lnRef idx="2">
+              <a:schemeClr val="accent1">
+                <a:shade val="50000"/>
+              </a:schemeClr>
+            </a:lnRef>
+            <a:fillRef idx="1">
+              <a:schemeClr val="accent1"/>
+            </a:fillRef>
+            <a:effectRef idx="0">
+              <a:schemeClr val="accent1"/>
+            </a:effectRef>
+            <a:fontRef idx="minor">
+              <a:schemeClr val="lt1"/>
+            </a:fontRef>
+          </p:style>
+          <p:txBody>
+            <a:bodyPr rtlCol="0" anchor="ctr"/>
+            <a:lstStyle/>
+            <a:p>
+              <a:pPr algn="ctr"/>
+              <a:endParaRPr lang="en-GB"/>
+            </a:p>
+          </p:txBody>
+        </p:sp>
+      </p:grpSp>
+      <p:grpSp>
+        <p:nvGrpSpPr>
+          <p:cNvPr id="789" name="Group 788"/>
+          <p:cNvGrpSpPr/>
+          <p:nvPr/>
+        </p:nvGrpSpPr>
+        <p:grpSpPr>
+          <a:xfrm>
+            <a:off x="6359400" y="1294200"/>
+            <a:ext cx="180000" cy="180000"/>
+            <a:chOff x="8620200" y="8595000"/>
+            <a:chExt cx="180000" cy="180000"/>
+          </a:xfrm>
+        </p:grpSpPr>
+        <p:sp>
+          <p:nvSpPr>
+            <p:cNvPr id="790" name="Rectangle 789"/>
+            <p:cNvSpPr/>
+            <p:nvPr/>
+          </p:nvSpPr>
+          <p:spPr>
+            <a:xfrm>
+              <a:off x="8620200" y="8595000"/>
+              <a:ext cx="180000" cy="180000"/>
+            </a:xfrm>
+            <a:prstGeom prst="rect">
+              <a:avLst/>
+            </a:prstGeom>
+            <a:solidFill>
+              <a:schemeClr val="bg1"/>
+            </a:solidFill>
+            <a:ln w="12700">
+              <a:solidFill>
+                <a:schemeClr val="bg1">
+                  <a:lumMod val="65000"/>
+                </a:schemeClr>
+              </a:solidFill>
+            </a:ln>
+          </p:spPr>
+          <p:style>
+            <a:lnRef idx="2">
+              <a:schemeClr val="accent1">
+                <a:shade val="50000"/>
+              </a:schemeClr>
+            </a:lnRef>
+            <a:fillRef idx="1">
+              <a:schemeClr val="accent1"/>
+            </a:fillRef>
+            <a:effectRef idx="0">
+              <a:schemeClr val="accent1"/>
+            </a:effectRef>
+            <a:fontRef idx="minor">
+              <a:schemeClr val="lt1"/>
+            </a:fontRef>
+          </p:style>
+          <p:txBody>
+            <a:bodyPr rtlCol="0" anchor="ctr"/>
+            <a:lstStyle/>
+            <a:p>
+              <a:pPr algn="ctr"/>
+              <a:endParaRPr lang="en-GB">
+                <a:solidFill>
+                  <a:schemeClr val="tx1"/>
+                </a:solidFill>
+              </a:endParaRPr>
+            </a:p>
+          </p:txBody>
+        </p:sp>
+        <p:sp>
+          <p:nvSpPr>
+            <p:cNvPr id="791" name="Oval 790"/>
+            <p:cNvSpPr/>
+            <p:nvPr/>
+          </p:nvSpPr>
+          <p:spPr>
+            <a:xfrm>
+              <a:off x="8665200" y="8640000"/>
+              <a:ext cx="90000" cy="90000"/>
+            </a:xfrm>
+            <a:prstGeom prst="ellipse">
+              <a:avLst/>
+            </a:prstGeom>
+            <a:solidFill>
+              <a:schemeClr val="bg1"/>
+            </a:solidFill>
+            <a:ln w="12700">
+              <a:solidFill>
+                <a:schemeClr val="bg1">
+                  <a:lumMod val="65000"/>
+                </a:schemeClr>
+              </a:solidFill>
+            </a:ln>
+          </p:spPr>
+          <p:style>
+            <a:lnRef idx="2">
+              <a:schemeClr val="accent1">
+                <a:shade val="50000"/>
+              </a:schemeClr>
+            </a:lnRef>
+            <a:fillRef idx="1">
+              <a:schemeClr val="accent1"/>
+            </a:fillRef>
+            <a:effectRef idx="0">
+              <a:schemeClr val="accent1"/>
+            </a:effectRef>
+            <a:fontRef idx="minor">
+              <a:schemeClr val="lt1"/>
+            </a:fontRef>
+          </p:style>
+          <p:txBody>
+            <a:bodyPr rtlCol="0" anchor="ctr"/>
+            <a:lstStyle/>
+            <a:p>
+              <a:pPr algn="ctr"/>
+              <a:endParaRPr lang="en-GB"/>
+            </a:p>
+          </p:txBody>
+        </p:sp>
+      </p:grpSp>
+      <p:grpSp>
+        <p:nvGrpSpPr>
+          <p:cNvPr id="792" name="Group 791"/>
+          <p:cNvGrpSpPr/>
+          <p:nvPr/>
+        </p:nvGrpSpPr>
+        <p:grpSpPr>
+          <a:xfrm>
+            <a:off x="5794200" y="1294200"/>
+            <a:ext cx="180000" cy="180000"/>
+            <a:chOff x="8620200" y="8595000"/>
+            <a:chExt cx="180000" cy="180000"/>
+          </a:xfrm>
+        </p:grpSpPr>
+        <p:sp>
+          <p:nvSpPr>
+            <p:cNvPr id="793" name="Rectangle 792"/>
+            <p:cNvSpPr/>
+            <p:nvPr/>
+          </p:nvSpPr>
+          <p:spPr>
+            <a:xfrm>
+              <a:off x="8620200" y="8595000"/>
+              <a:ext cx="180000" cy="180000"/>
+            </a:xfrm>
+            <a:prstGeom prst="rect">
+              <a:avLst/>
+            </a:prstGeom>
+            <a:solidFill>
+              <a:schemeClr val="bg1"/>
+            </a:solidFill>
+            <a:ln w="12700">
+              <a:solidFill>
+                <a:schemeClr val="bg1">
+                  <a:lumMod val="65000"/>
+                </a:schemeClr>
+              </a:solidFill>
+            </a:ln>
+          </p:spPr>
+          <p:style>
+            <a:lnRef idx="2">
+              <a:schemeClr val="accent1">
+                <a:shade val="50000"/>
+              </a:schemeClr>
+            </a:lnRef>
+            <a:fillRef idx="1">
+              <a:schemeClr val="accent1"/>
+            </a:fillRef>
+            <a:effectRef idx="0">
+              <a:schemeClr val="accent1"/>
+            </a:effectRef>
+            <a:fontRef idx="minor">
+              <a:schemeClr val="lt1"/>
+            </a:fontRef>
+          </p:style>
+          <p:txBody>
+            <a:bodyPr rtlCol="0" anchor="ctr"/>
+            <a:lstStyle/>
+            <a:p>
+              <a:pPr algn="ctr"/>
+              <a:endParaRPr lang="en-GB">
+                <a:solidFill>
+                  <a:schemeClr val="tx1"/>
+                </a:solidFill>
+              </a:endParaRPr>
+            </a:p>
+          </p:txBody>
+        </p:sp>
+        <p:sp>
+          <p:nvSpPr>
+            <p:cNvPr id="794" name="Oval 793"/>
+            <p:cNvSpPr/>
+            <p:nvPr/>
+          </p:nvSpPr>
+          <p:spPr>
+            <a:xfrm>
+              <a:off x="8665200" y="8640000"/>
+              <a:ext cx="90000" cy="90000"/>
+            </a:xfrm>
+            <a:prstGeom prst="ellipse">
+              <a:avLst/>
+            </a:prstGeom>
+            <a:solidFill>
+              <a:schemeClr val="bg1"/>
+            </a:solidFill>
+            <a:ln w="12700">
+              <a:solidFill>
+                <a:schemeClr val="bg1">
+                  <a:lumMod val="65000"/>
+                </a:schemeClr>
+              </a:solidFill>
+            </a:ln>
+          </p:spPr>
+          <p:style>
+            <a:lnRef idx="2">
+              <a:schemeClr val="accent1">
+                <a:shade val="50000"/>
+              </a:schemeClr>
+            </a:lnRef>
+            <a:fillRef idx="1">
+              <a:schemeClr val="accent1"/>
+            </a:fillRef>
+            <a:effectRef idx="0">
+              <a:schemeClr val="accent1"/>
+            </a:effectRef>
+            <a:fontRef idx="minor">
+              <a:schemeClr val="lt1"/>
+            </a:fontRef>
+          </p:style>
+          <p:txBody>
+            <a:bodyPr rtlCol="0" anchor="ctr"/>
+            <a:lstStyle/>
+            <a:p>
+              <a:pPr algn="ctr"/>
+              <a:endParaRPr lang="en-GB"/>
+            </a:p>
+          </p:txBody>
+        </p:sp>
+      </p:grpSp>
+      <p:grpSp>
+        <p:nvGrpSpPr>
+          <p:cNvPr id="795" name="Group 794"/>
+          <p:cNvGrpSpPr/>
+          <p:nvPr/>
+        </p:nvGrpSpPr>
+        <p:grpSpPr>
+          <a:xfrm>
+            <a:off x="5229000" y="1294200"/>
+            <a:ext cx="180000" cy="180000"/>
+            <a:chOff x="8620200" y="8595000"/>
+            <a:chExt cx="180000" cy="180000"/>
+          </a:xfrm>
+        </p:grpSpPr>
+        <p:sp>
+          <p:nvSpPr>
+            <p:cNvPr id="796" name="Rectangle 795"/>
+            <p:cNvSpPr/>
+            <p:nvPr/>
+          </p:nvSpPr>
+          <p:spPr>
+            <a:xfrm>
+              <a:off x="8620200" y="8595000"/>
+              <a:ext cx="180000" cy="180000"/>
+            </a:xfrm>
+            <a:prstGeom prst="rect">
+              <a:avLst/>
+            </a:prstGeom>
+            <a:solidFill>
+              <a:schemeClr val="bg1"/>
+            </a:solidFill>
+            <a:ln w="12700">
+              <a:solidFill>
+                <a:schemeClr val="bg1">
+                  <a:lumMod val="65000"/>
+                </a:schemeClr>
+              </a:solidFill>
+            </a:ln>
+          </p:spPr>
+          <p:style>
+            <a:lnRef idx="2">
+              <a:schemeClr val="accent1">
+                <a:shade val="50000"/>
+              </a:schemeClr>
+            </a:lnRef>
+            <a:fillRef idx="1">
+              <a:schemeClr val="accent1"/>
+            </a:fillRef>
+            <a:effectRef idx="0">
+              <a:schemeClr val="accent1"/>
+            </a:effectRef>
+            <a:fontRef idx="minor">
+              <a:schemeClr val="lt1"/>
+            </a:fontRef>
+          </p:style>
+          <p:txBody>
+            <a:bodyPr rtlCol="0" anchor="ctr"/>
+            <a:lstStyle/>
+            <a:p>
+              <a:pPr algn="ctr"/>
+              <a:endParaRPr lang="en-GB">
+                <a:solidFill>
+                  <a:schemeClr val="tx1"/>
+                </a:solidFill>
+              </a:endParaRPr>
+            </a:p>
+          </p:txBody>
+        </p:sp>
+        <p:sp>
+          <p:nvSpPr>
+            <p:cNvPr id="797" name="Oval 796"/>
+            <p:cNvSpPr/>
+            <p:nvPr/>
+          </p:nvSpPr>
+          <p:spPr>
+            <a:xfrm>
+              <a:off x="8665200" y="8640000"/>
+              <a:ext cx="90000" cy="90000"/>
+            </a:xfrm>
+            <a:prstGeom prst="ellipse">
+              <a:avLst/>
+            </a:prstGeom>
+            <a:solidFill>
+              <a:schemeClr val="bg1"/>
+            </a:solidFill>
+            <a:ln w="12700">
+              <a:solidFill>
+                <a:schemeClr val="bg1">
+                  <a:lumMod val="65000"/>
+                </a:schemeClr>
+              </a:solidFill>
+            </a:ln>
+          </p:spPr>
+          <p:style>
+            <a:lnRef idx="2">
+              <a:schemeClr val="accent1">
+                <a:shade val="50000"/>
+              </a:schemeClr>
+            </a:lnRef>
+            <a:fillRef idx="1">
+              <a:schemeClr val="accent1"/>
+            </a:fillRef>
+            <a:effectRef idx="0">
+              <a:schemeClr val="accent1"/>
+            </a:effectRef>
+            <a:fontRef idx="minor">
+              <a:schemeClr val="lt1"/>
+            </a:fontRef>
+          </p:style>
+          <p:txBody>
+            <a:bodyPr rtlCol="0" anchor="ctr"/>
+            <a:lstStyle/>
+            <a:p>
+              <a:pPr algn="ctr"/>
+              <a:endParaRPr lang="en-GB"/>
+            </a:p>
+          </p:txBody>
+        </p:sp>
+      </p:grpSp>
+      <p:grpSp>
+        <p:nvGrpSpPr>
+          <p:cNvPr id="798" name="Group 797"/>
+          <p:cNvGrpSpPr/>
+          <p:nvPr/>
+        </p:nvGrpSpPr>
+        <p:grpSpPr>
+          <a:xfrm>
+            <a:off x="4663800" y="1294200"/>
+            <a:ext cx="180000" cy="180000"/>
+            <a:chOff x="8620200" y="8595000"/>
+            <a:chExt cx="180000" cy="180000"/>
+          </a:xfrm>
+        </p:grpSpPr>
+        <p:sp>
+          <p:nvSpPr>
+            <p:cNvPr id="799" name="Rectangle 798"/>
+            <p:cNvSpPr/>
+            <p:nvPr/>
+          </p:nvSpPr>
+          <p:spPr>
+            <a:xfrm>
+              <a:off x="8620200" y="8595000"/>
+              <a:ext cx="180000" cy="180000"/>
+            </a:xfrm>
+            <a:prstGeom prst="rect">
+              <a:avLst/>
+            </a:prstGeom>
+            <a:solidFill>
+              <a:schemeClr val="bg1"/>
+            </a:solidFill>
+            <a:ln w="12700">
+              <a:solidFill>
+                <a:schemeClr val="bg1">
+                  <a:lumMod val="65000"/>
+                </a:schemeClr>
+              </a:solidFill>
+            </a:ln>
+          </p:spPr>
+          <p:style>
+            <a:lnRef idx="2">
+              <a:schemeClr val="accent1">
+                <a:shade val="50000"/>
+              </a:schemeClr>
+            </a:lnRef>
+            <a:fillRef idx="1">
+              <a:schemeClr val="accent1"/>
+            </a:fillRef>
+            <a:effectRef idx="0">
+              <a:schemeClr val="accent1"/>
+            </a:effectRef>
+            <a:fontRef idx="minor">
+              <a:schemeClr val="lt1"/>
+            </a:fontRef>
+          </p:style>
+          <p:txBody>
+            <a:bodyPr rtlCol="0" anchor="ctr"/>
+            <a:lstStyle/>
+            <a:p>
+              <a:pPr algn="ctr"/>
+              <a:endParaRPr lang="en-GB">
+                <a:solidFill>
+                  <a:schemeClr val="tx1"/>
+                </a:solidFill>
+              </a:endParaRPr>
+            </a:p>
+          </p:txBody>
+        </p:sp>
+        <p:sp>
+          <p:nvSpPr>
+            <p:cNvPr id="800" name="Oval 799"/>
+            <p:cNvSpPr/>
+            <p:nvPr/>
+          </p:nvSpPr>
+          <p:spPr>
+            <a:xfrm>
+              <a:off x="8665200" y="8640000"/>
+              <a:ext cx="90000" cy="90000"/>
+            </a:xfrm>
+            <a:prstGeom prst="ellipse">
+              <a:avLst/>
+            </a:prstGeom>
+            <a:solidFill>
+              <a:schemeClr val="bg1"/>
+            </a:solidFill>
+            <a:ln w="12700">
+              <a:solidFill>
+                <a:schemeClr val="bg1">
+                  <a:lumMod val="65000"/>
+                </a:schemeClr>
+              </a:solidFill>
+            </a:ln>
+          </p:spPr>
+          <p:style>
+            <a:lnRef idx="2">
+              <a:schemeClr val="accent1">
+                <a:shade val="50000"/>
+              </a:schemeClr>
+            </a:lnRef>
+            <a:fillRef idx="1">
+              <a:schemeClr val="accent1"/>
+            </a:fillRef>
+            <a:effectRef idx="0">
+              <a:schemeClr val="accent1"/>
+            </a:effectRef>
+            <a:fontRef idx="minor">
+              <a:schemeClr val="lt1"/>
+            </a:fontRef>
+          </p:style>
+          <p:txBody>
+            <a:bodyPr rtlCol="0" anchor="ctr"/>
+            <a:lstStyle/>
+            <a:p>
+              <a:pPr algn="ctr"/>
+              <a:endParaRPr lang="en-GB"/>
+            </a:p>
+          </p:txBody>
+        </p:sp>
+      </p:grpSp>
+      <p:grpSp>
+        <p:nvGrpSpPr>
+          <p:cNvPr id="801" name="Group 800"/>
+          <p:cNvGrpSpPr/>
+          <p:nvPr/>
+        </p:nvGrpSpPr>
+        <p:grpSpPr>
+          <a:xfrm>
+            <a:off x="4098600" y="1294200"/>
+            <a:ext cx="180000" cy="180000"/>
+            <a:chOff x="8620200" y="8595000"/>
+            <a:chExt cx="180000" cy="180000"/>
+          </a:xfrm>
+        </p:grpSpPr>
+        <p:sp>
+          <p:nvSpPr>
+            <p:cNvPr id="802" name="Rectangle 801"/>
+            <p:cNvSpPr/>
+            <p:nvPr/>
+          </p:nvSpPr>
+          <p:spPr>
+            <a:xfrm>
+              <a:off x="8620200" y="8595000"/>
+              <a:ext cx="180000" cy="180000"/>
+            </a:xfrm>
+            <a:prstGeom prst="rect">
+              <a:avLst/>
+            </a:prstGeom>
+            <a:solidFill>
+              <a:schemeClr val="bg1"/>
+            </a:solidFill>
+            <a:ln w="12700">
+              <a:solidFill>
+                <a:schemeClr val="bg1">
+                  <a:lumMod val="65000"/>
+                </a:schemeClr>
+              </a:solidFill>
+            </a:ln>
+          </p:spPr>
+          <p:style>
+            <a:lnRef idx="2">
+              <a:schemeClr val="accent1">
+                <a:shade val="50000"/>
+              </a:schemeClr>
+            </a:lnRef>
+            <a:fillRef idx="1">
+              <a:schemeClr val="accent1"/>
+            </a:fillRef>
+            <a:effectRef idx="0">
+              <a:schemeClr val="accent1"/>
+            </a:effectRef>
+            <a:fontRef idx="minor">
+              <a:schemeClr val="lt1"/>
+            </a:fontRef>
+          </p:style>
+          <p:txBody>
+            <a:bodyPr rtlCol="0" anchor="ctr"/>
+            <a:lstStyle/>
+            <a:p>
+              <a:pPr algn="ctr"/>
+              <a:endParaRPr lang="en-GB">
+                <a:solidFill>
+                  <a:schemeClr val="tx1"/>
+                </a:solidFill>
+              </a:endParaRPr>
+            </a:p>
+          </p:txBody>
+        </p:sp>
+        <p:sp>
+          <p:nvSpPr>
+            <p:cNvPr id="803" name="Oval 802"/>
+            <p:cNvSpPr/>
+            <p:nvPr/>
+          </p:nvSpPr>
+          <p:spPr>
+            <a:xfrm>
+              <a:off x="8665200" y="8640000"/>
+              <a:ext cx="90000" cy="90000"/>
+            </a:xfrm>
+            <a:prstGeom prst="ellipse">
+              <a:avLst/>
+            </a:prstGeom>
+            <a:solidFill>
+              <a:schemeClr val="bg1"/>
+            </a:solidFill>
+            <a:ln w="12700">
+              <a:solidFill>
+                <a:schemeClr val="bg1">
+                  <a:lumMod val="65000"/>
+                </a:schemeClr>
+              </a:solidFill>
+            </a:ln>
+          </p:spPr>
+          <p:style>
+            <a:lnRef idx="2">
+              <a:schemeClr val="accent1">
+                <a:shade val="50000"/>
+              </a:schemeClr>
+            </a:lnRef>
+            <a:fillRef idx="1">
+              <a:schemeClr val="accent1"/>
+            </a:fillRef>
+            <a:effectRef idx="0">
+              <a:schemeClr val="accent1"/>
+            </a:effectRef>
+            <a:fontRef idx="minor">
+              <a:schemeClr val="lt1"/>
+            </a:fontRef>
+          </p:style>
+          <p:txBody>
+            <a:bodyPr rtlCol="0" anchor="ctr"/>
+            <a:lstStyle/>
+            <a:p>
+              <a:pPr algn="ctr"/>
+              <a:endParaRPr lang="en-GB"/>
+            </a:p>
+          </p:txBody>
+        </p:sp>
+      </p:grpSp>
+      <p:grpSp>
+        <p:nvGrpSpPr>
+          <p:cNvPr id="804" name="Group 803"/>
+          <p:cNvGrpSpPr/>
+          <p:nvPr/>
+        </p:nvGrpSpPr>
+        <p:grpSpPr>
+          <a:xfrm>
+            <a:off x="3533400" y="1294200"/>
+            <a:ext cx="180000" cy="180000"/>
+            <a:chOff x="8620200" y="8595000"/>
+            <a:chExt cx="180000" cy="180000"/>
+          </a:xfrm>
+        </p:grpSpPr>
+        <p:sp>
+          <p:nvSpPr>
+            <p:cNvPr id="805" name="Rectangle 804"/>
+            <p:cNvSpPr/>
+            <p:nvPr/>
+          </p:nvSpPr>
+          <p:spPr>
+            <a:xfrm>
+              <a:off x="8620200" y="8595000"/>
+              <a:ext cx="180000" cy="180000"/>
+            </a:xfrm>
+            <a:prstGeom prst="rect">
+              <a:avLst/>
+            </a:prstGeom>
+            <a:solidFill>
+              <a:schemeClr val="bg1"/>
+            </a:solidFill>
+            <a:ln w="12700">
+              <a:solidFill>
+                <a:schemeClr val="bg1">
+                  <a:lumMod val="65000"/>
+                </a:schemeClr>
+              </a:solidFill>
+            </a:ln>
+          </p:spPr>
+          <p:style>
+            <a:lnRef idx="2">
+              <a:schemeClr val="accent1">
+                <a:shade val="50000"/>
+              </a:schemeClr>
+            </a:lnRef>
+            <a:fillRef idx="1">
+              <a:schemeClr val="accent1"/>
+            </a:fillRef>
+            <a:effectRef idx="0">
+              <a:schemeClr val="accent1"/>
+            </a:effectRef>
+            <a:fontRef idx="minor">
+              <a:schemeClr val="lt1"/>
+            </a:fontRef>
+          </p:style>
+          <p:txBody>
+            <a:bodyPr rtlCol="0" anchor="ctr"/>
+            <a:lstStyle/>
+            <a:p>
+              <a:pPr algn="ctr"/>
+              <a:endParaRPr lang="en-GB">
+                <a:solidFill>
+                  <a:schemeClr val="tx1"/>
+                </a:solidFill>
+              </a:endParaRPr>
+            </a:p>
+          </p:txBody>
+        </p:sp>
+        <p:sp>
+          <p:nvSpPr>
+            <p:cNvPr id="806" name="Oval 805"/>
+            <p:cNvSpPr/>
+            <p:nvPr/>
+          </p:nvSpPr>
+          <p:spPr>
+            <a:xfrm>
+              <a:off x="8665200" y="8640000"/>
+              <a:ext cx="90000" cy="90000"/>
+            </a:xfrm>
+            <a:prstGeom prst="ellipse">
+              <a:avLst/>
+            </a:prstGeom>
+            <a:solidFill>
+              <a:schemeClr val="bg1"/>
+            </a:solidFill>
+            <a:ln w="12700">
+              <a:solidFill>
+                <a:schemeClr val="bg1">
+                  <a:lumMod val="65000"/>
+                </a:schemeClr>
+              </a:solidFill>
+            </a:ln>
+          </p:spPr>
+          <p:style>
+            <a:lnRef idx="2">
+              <a:schemeClr val="accent1">
+                <a:shade val="50000"/>
+              </a:schemeClr>
+            </a:lnRef>
+            <a:fillRef idx="1">
+              <a:schemeClr val="accent1"/>
+            </a:fillRef>
+            <a:effectRef idx="0">
+              <a:schemeClr val="accent1"/>
+            </a:effectRef>
+            <a:fontRef idx="minor">
+              <a:schemeClr val="lt1"/>
+            </a:fontRef>
+          </p:style>
+          <p:txBody>
+            <a:bodyPr rtlCol="0" anchor="ctr"/>
+            <a:lstStyle/>
+            <a:p>
+              <a:pPr algn="ctr"/>
+              <a:endParaRPr lang="en-GB"/>
+            </a:p>
+          </p:txBody>
+        </p:sp>
+      </p:grpSp>
+      <p:grpSp>
+        <p:nvGrpSpPr>
+          <p:cNvPr id="807" name="Group 806"/>
+          <p:cNvGrpSpPr/>
+          <p:nvPr/>
+        </p:nvGrpSpPr>
+        <p:grpSpPr>
+          <a:xfrm>
+            <a:off x="2968200" y="1294200"/>
+            <a:ext cx="180000" cy="180000"/>
+            <a:chOff x="8620200" y="8595000"/>
+            <a:chExt cx="180000" cy="180000"/>
+          </a:xfrm>
+        </p:grpSpPr>
+        <p:sp>
+          <p:nvSpPr>
+            <p:cNvPr id="808" name="Rectangle 807"/>
+            <p:cNvSpPr/>
+            <p:nvPr/>
+          </p:nvSpPr>
+          <p:spPr>
+            <a:xfrm>
+              <a:off x="8620200" y="8595000"/>
+              <a:ext cx="180000" cy="180000"/>
+            </a:xfrm>
+            <a:prstGeom prst="rect">
+              <a:avLst/>
+            </a:prstGeom>
+            <a:solidFill>
+              <a:schemeClr val="bg1"/>
+            </a:solidFill>
+            <a:ln w="12700">
+              <a:solidFill>
+                <a:schemeClr val="bg1">
+                  <a:lumMod val="65000"/>
+                </a:schemeClr>
+              </a:solidFill>
+            </a:ln>
+          </p:spPr>
+          <p:style>
+            <a:lnRef idx="2">
+              <a:schemeClr val="accent1">
+                <a:shade val="50000"/>
+              </a:schemeClr>
+            </a:lnRef>
+            <a:fillRef idx="1">
+              <a:schemeClr val="accent1"/>
+            </a:fillRef>
+            <a:effectRef idx="0">
+              <a:schemeClr val="accent1"/>
+            </a:effectRef>
+            <a:fontRef idx="minor">
+              <a:schemeClr val="lt1"/>
+            </a:fontRef>
+          </p:style>
+          <p:txBody>
+            <a:bodyPr rtlCol="0" anchor="ctr"/>
+            <a:lstStyle/>
+            <a:p>
+              <a:pPr algn="ctr"/>
+              <a:endParaRPr lang="en-GB">
+                <a:solidFill>
+                  <a:schemeClr val="tx1"/>
+                </a:solidFill>
+              </a:endParaRPr>
+            </a:p>
+          </p:txBody>
+        </p:sp>
+        <p:sp>
+          <p:nvSpPr>
+            <p:cNvPr id="809" name="Oval 808"/>
+            <p:cNvSpPr/>
+            <p:nvPr/>
+          </p:nvSpPr>
+          <p:spPr>
+            <a:xfrm>
+              <a:off x="8665200" y="8640000"/>
+              <a:ext cx="90000" cy="90000"/>
+            </a:xfrm>
+            <a:prstGeom prst="ellipse">
+              <a:avLst/>
+            </a:prstGeom>
+            <a:solidFill>
+              <a:schemeClr val="bg1"/>
+            </a:solidFill>
+            <a:ln w="12700">
+              <a:solidFill>
+                <a:schemeClr val="bg1">
+                  <a:lumMod val="65000"/>
+                </a:schemeClr>
+              </a:solidFill>
+            </a:ln>
+          </p:spPr>
+          <p:style>
+            <a:lnRef idx="2">
+              <a:schemeClr val="accent1">
+                <a:shade val="50000"/>
+              </a:schemeClr>
+            </a:lnRef>
+            <a:fillRef idx="1">
+              <a:schemeClr val="accent1"/>
+            </a:fillRef>
+            <a:effectRef idx="0">
+              <a:schemeClr val="accent1"/>
+            </a:effectRef>
+            <a:fontRef idx="minor">
+              <a:schemeClr val="lt1"/>
+            </a:fontRef>
+          </p:style>
+          <p:txBody>
+            <a:bodyPr rtlCol="0" anchor="ctr"/>
+            <a:lstStyle/>
+            <a:p>
+              <a:pPr algn="ctr"/>
+              <a:endParaRPr lang="en-GB"/>
+            </a:p>
+          </p:txBody>
+        </p:sp>
+      </p:grpSp>
+      <p:grpSp>
+        <p:nvGrpSpPr>
+          <p:cNvPr id="810" name="Group 809"/>
+          <p:cNvGrpSpPr/>
+          <p:nvPr/>
+        </p:nvGrpSpPr>
+        <p:grpSpPr>
+          <a:xfrm>
+            <a:off x="2403000" y="1294200"/>
+            <a:ext cx="180000" cy="180000"/>
+            <a:chOff x="8620200" y="8595000"/>
+            <a:chExt cx="180000" cy="180000"/>
+          </a:xfrm>
+        </p:grpSpPr>
+        <p:sp>
+          <p:nvSpPr>
+            <p:cNvPr id="811" name="Rectangle 810"/>
+            <p:cNvSpPr/>
+            <p:nvPr/>
+          </p:nvSpPr>
+          <p:spPr>
+            <a:xfrm>
+              <a:off x="8620200" y="8595000"/>
+              <a:ext cx="180000" cy="180000"/>
+            </a:xfrm>
+            <a:prstGeom prst="rect">
+              <a:avLst/>
+            </a:prstGeom>
+            <a:solidFill>
+              <a:schemeClr val="bg1"/>
+            </a:solidFill>
+            <a:ln w="12700">
+              <a:solidFill>
+                <a:schemeClr val="bg1">
+                  <a:lumMod val="65000"/>
+                </a:schemeClr>
+              </a:solidFill>
+            </a:ln>
+          </p:spPr>
+          <p:style>
+            <a:lnRef idx="2">
+              <a:schemeClr val="accent1">
+                <a:shade val="50000"/>
+              </a:schemeClr>
+            </a:lnRef>
+            <a:fillRef idx="1">
+              <a:schemeClr val="accent1"/>
+            </a:fillRef>
+            <a:effectRef idx="0">
+              <a:schemeClr val="accent1"/>
+            </a:effectRef>
+            <a:fontRef idx="minor">
+              <a:schemeClr val="lt1"/>
+            </a:fontRef>
+          </p:style>
+          <p:txBody>
+            <a:bodyPr rtlCol="0" anchor="ctr"/>
+            <a:lstStyle/>
+            <a:p>
+              <a:pPr algn="ctr"/>
+              <a:endParaRPr lang="en-GB">
+                <a:solidFill>
+                  <a:schemeClr val="tx1"/>
+                </a:solidFill>
+              </a:endParaRPr>
+            </a:p>
+          </p:txBody>
+        </p:sp>
+        <p:sp>
+          <p:nvSpPr>
+            <p:cNvPr id="812" name="Oval 811"/>
+            <p:cNvSpPr/>
+            <p:nvPr/>
+          </p:nvSpPr>
+          <p:spPr>
+            <a:xfrm>
+              <a:off x="8665200" y="8640000"/>
+              <a:ext cx="90000" cy="90000"/>
+            </a:xfrm>
+            <a:prstGeom prst="ellipse">
+              <a:avLst/>
+            </a:prstGeom>
+            <a:solidFill>
+              <a:schemeClr val="bg1"/>
+            </a:solidFill>
+            <a:ln w="12700">
+              <a:solidFill>
+                <a:schemeClr val="bg1">
+                  <a:lumMod val="65000"/>
+                </a:schemeClr>
+              </a:solidFill>
+            </a:ln>
+          </p:spPr>
+          <p:style>
+            <a:lnRef idx="2">
+              <a:schemeClr val="accent1">
+                <a:shade val="50000"/>
+              </a:schemeClr>
+            </a:lnRef>
+            <a:fillRef idx="1">
+              <a:schemeClr val="accent1"/>
+            </a:fillRef>
+            <a:effectRef idx="0">
+              <a:schemeClr val="accent1"/>
+            </a:effectRef>
+            <a:fontRef idx="minor">
+              <a:schemeClr val="lt1"/>
+            </a:fontRef>
+          </p:style>
+          <p:txBody>
+            <a:bodyPr rtlCol="0" anchor="ctr"/>
+            <a:lstStyle/>
+            <a:p>
+              <a:pPr algn="ctr"/>
+              <a:endParaRPr lang="en-GB"/>
+            </a:p>
+          </p:txBody>
+        </p:sp>
+      </p:grpSp>
+      <p:grpSp>
+        <p:nvGrpSpPr>
+          <p:cNvPr id="813" name="Group 812"/>
+          <p:cNvGrpSpPr/>
+          <p:nvPr/>
+        </p:nvGrpSpPr>
+        <p:grpSpPr>
+          <a:xfrm>
+            <a:off x="1837800" y="1294200"/>
+            <a:ext cx="180000" cy="180000"/>
+            <a:chOff x="8620200" y="8595000"/>
+            <a:chExt cx="180000" cy="180000"/>
+          </a:xfrm>
+        </p:grpSpPr>
+        <p:sp>
+          <p:nvSpPr>
+            <p:cNvPr id="814" name="Rectangle 813"/>
+            <p:cNvSpPr/>
+            <p:nvPr/>
+          </p:nvSpPr>
+          <p:spPr>
+            <a:xfrm>
+              <a:off x="8620200" y="8595000"/>
+              <a:ext cx="180000" cy="180000"/>
+            </a:xfrm>
+            <a:prstGeom prst="rect">
+              <a:avLst/>
+            </a:prstGeom>
+            <a:solidFill>
+              <a:schemeClr val="bg1"/>
+            </a:solidFill>
+            <a:ln w="12700">
+              <a:solidFill>
+                <a:schemeClr val="bg1">
+                  <a:lumMod val="65000"/>
+                </a:schemeClr>
+              </a:solidFill>
+            </a:ln>
+          </p:spPr>
+          <p:style>
+            <a:lnRef idx="2">
+              <a:schemeClr val="accent1">
+                <a:shade val="50000"/>
+              </a:schemeClr>
+            </a:lnRef>
+            <a:fillRef idx="1">
+              <a:schemeClr val="accent1"/>
+            </a:fillRef>
+            <a:effectRef idx="0">
+              <a:schemeClr val="accent1"/>
+            </a:effectRef>
+            <a:fontRef idx="minor">
+              <a:schemeClr val="lt1"/>
+            </a:fontRef>
+          </p:style>
+          <p:txBody>
+            <a:bodyPr rtlCol="0" anchor="ctr"/>
+            <a:lstStyle/>
+            <a:p>
+              <a:pPr algn="ctr"/>
+              <a:endParaRPr lang="en-GB">
+                <a:solidFill>
+                  <a:schemeClr val="tx1"/>
+                </a:solidFill>
+              </a:endParaRPr>
+            </a:p>
+          </p:txBody>
+        </p:sp>
+        <p:sp>
+          <p:nvSpPr>
+            <p:cNvPr id="815" name="Oval 814"/>
+            <p:cNvSpPr/>
+            <p:nvPr/>
+          </p:nvSpPr>
+          <p:spPr>
+            <a:xfrm>
+              <a:off x="8665200" y="8640000"/>
+              <a:ext cx="90000" cy="90000"/>
+            </a:xfrm>
+            <a:prstGeom prst="ellipse">
+              <a:avLst/>
+            </a:prstGeom>
+            <a:solidFill>
+              <a:schemeClr val="bg1"/>
+            </a:solidFill>
+            <a:ln w="12700">
+              <a:solidFill>
+                <a:schemeClr val="bg1">
+                  <a:lumMod val="65000"/>
+                </a:schemeClr>
+              </a:solidFill>
+            </a:ln>
+          </p:spPr>
+          <p:style>
+            <a:lnRef idx="2">
+              <a:schemeClr val="accent1">
+                <a:shade val="50000"/>
+              </a:schemeClr>
+            </a:lnRef>
+            <a:fillRef idx="1">
+              <a:schemeClr val="accent1"/>
+            </a:fillRef>
+            <a:effectRef idx="0">
+              <a:schemeClr val="accent1"/>
+            </a:effectRef>
+            <a:fontRef idx="minor">
+              <a:schemeClr val="lt1"/>
+            </a:fontRef>
+          </p:style>
+          <p:txBody>
+            <a:bodyPr rtlCol="0" anchor="ctr"/>
+            <a:lstStyle/>
+            <a:p>
+              <a:pPr algn="ctr"/>
+              <a:endParaRPr lang="en-GB"/>
+            </a:p>
+          </p:txBody>
+        </p:sp>
+      </p:grpSp>
+      <p:cxnSp>
+        <p:nvCxnSpPr>
+          <p:cNvPr id="8" name="Straight Connector 7"/>
+          <p:cNvCxnSpPr/>
+          <p:nvPr/>
+        </p:nvCxnSpPr>
+        <p:spPr>
+          <a:xfrm>
+            <a:off x="1645200" y="1080000"/>
+            <a:ext cx="0" cy="7909200"/>
+          </a:xfrm>
+          <a:prstGeom prst="line">
+            <a:avLst/>
+          </a:prstGeom>
+          <a:ln w="12700">
+            <a:solidFill>
+              <a:schemeClr val="bg1">
+                <a:lumMod val="65000"/>
+              </a:schemeClr>
+            </a:solidFill>
+          </a:ln>
+        </p:spPr>
+        <p:style>
+          <a:lnRef idx="1">
+            <a:schemeClr val="accent1"/>
+          </a:lnRef>
+          <a:fillRef idx="0">
+            <a:schemeClr val="accent1"/>
+          </a:fillRef>
+          <a:effectRef idx="0">
+            <a:schemeClr val="accent1"/>
+          </a:effectRef>
+          <a:fontRef idx="minor">
+            <a:schemeClr val="tx1"/>
+          </a:fontRef>
+        </p:style>
+      </p:cxnSp>
+      <p:cxnSp>
+        <p:nvCxnSpPr>
+          <p:cNvPr id="774" name="Straight Connector 773"/>
+          <p:cNvCxnSpPr/>
+          <p:nvPr/>
+        </p:nvCxnSpPr>
+        <p:spPr>
+          <a:xfrm>
+            <a:off x="2210400" y="1080000"/>
+            <a:ext cx="0" cy="7909200"/>
+          </a:xfrm>
+          <a:prstGeom prst="line">
+            <a:avLst/>
+          </a:prstGeom>
+          <a:ln w="12700">
+            <a:solidFill>
+              <a:schemeClr val="bg1">
+                <a:lumMod val="65000"/>
+              </a:schemeClr>
+            </a:solidFill>
+          </a:ln>
+        </p:spPr>
+        <p:style>
+          <a:lnRef idx="1">
+            <a:schemeClr val="accent1"/>
+          </a:lnRef>
+          <a:fillRef idx="0">
+            <a:schemeClr val="accent1"/>
+          </a:fillRef>
+          <a:effectRef idx="0">
+            <a:schemeClr val="accent1"/>
+          </a:effectRef>
+          <a:fontRef idx="minor">
+            <a:schemeClr val="tx1"/>
+          </a:fontRef>
+        </p:style>
+      </p:cxnSp>
+      <p:cxnSp>
+        <p:nvCxnSpPr>
+          <p:cNvPr id="816" name="Straight Connector 815"/>
+          <p:cNvCxnSpPr/>
+          <p:nvPr/>
+        </p:nvCxnSpPr>
+        <p:spPr>
+          <a:xfrm>
+            <a:off x="1078352" y="1688400"/>
+            <a:ext cx="7912800" cy="0"/>
+          </a:xfrm>
+          <a:prstGeom prst="line">
+            <a:avLst/>
+          </a:prstGeom>
+          <a:ln w="12700">
+            <a:solidFill>
+              <a:schemeClr val="bg1">
+                <a:lumMod val="65000"/>
+              </a:schemeClr>
+            </a:solidFill>
+          </a:ln>
+        </p:spPr>
+        <p:style>
+          <a:lnRef idx="1">
+            <a:schemeClr val="accent1"/>
+          </a:lnRef>
+          <a:fillRef idx="0">
+            <a:schemeClr val="accent1"/>
+          </a:fillRef>
+          <a:effectRef idx="0">
+            <a:schemeClr val="accent1"/>
+          </a:effectRef>
+          <a:fontRef idx="minor">
+            <a:schemeClr val="tx1"/>
+          </a:fontRef>
+        </p:style>
+      </p:cxnSp>
+      <p:cxnSp>
+        <p:nvCxnSpPr>
+          <p:cNvPr id="818" name="Straight Connector 817"/>
+          <p:cNvCxnSpPr/>
+          <p:nvPr/>
+        </p:nvCxnSpPr>
+        <p:spPr>
+          <a:xfrm>
+            <a:off x="1083600" y="2296800"/>
+            <a:ext cx="7912800" cy="0"/>
+          </a:xfrm>
+          <a:prstGeom prst="line">
+            <a:avLst/>
+          </a:prstGeom>
+          <a:ln w="12700">
+            <a:solidFill>
+              <a:schemeClr val="bg1">
+                <a:lumMod val="65000"/>
+              </a:schemeClr>
+            </a:solidFill>
+          </a:ln>
+        </p:spPr>
+        <p:style>
+          <a:lnRef idx="1">
+            <a:schemeClr val="accent1"/>
+          </a:lnRef>
+          <a:fillRef idx="0">
+            <a:schemeClr val="accent1"/>
+          </a:fillRef>
+          <a:effectRef idx="0">
+            <a:schemeClr val="accent1"/>
+          </a:effectRef>
+          <a:fontRef idx="minor">
+            <a:schemeClr val="tx1"/>
+          </a:fontRef>
+        </p:style>
+      </p:cxnSp>
+      <p:cxnSp>
+        <p:nvCxnSpPr>
+          <p:cNvPr id="832" name="Straight Connector 831"/>
+          <p:cNvCxnSpPr/>
+          <p:nvPr/>
+        </p:nvCxnSpPr>
+        <p:spPr>
+          <a:xfrm>
+            <a:off x="2775600" y="1080000"/>
+            <a:ext cx="0" cy="7909200"/>
+          </a:xfrm>
+          <a:prstGeom prst="line">
+            <a:avLst/>
+          </a:prstGeom>
+          <a:ln w="12700">
+            <a:solidFill>
+              <a:schemeClr val="bg1">
+                <a:lumMod val="65000"/>
+              </a:schemeClr>
+            </a:solidFill>
+          </a:ln>
+        </p:spPr>
+        <p:style>
+          <a:lnRef idx="1">
+            <a:schemeClr val="accent1"/>
+          </a:lnRef>
+          <a:fillRef idx="0">
+            <a:schemeClr val="accent1"/>
+          </a:fillRef>
+          <a:effectRef idx="0">
+            <a:schemeClr val="accent1"/>
+          </a:effectRef>
+          <a:fontRef idx="minor">
+            <a:schemeClr val="tx1"/>
+          </a:fontRef>
+        </p:style>
+      </p:cxnSp>
+      <p:cxnSp>
+        <p:nvCxnSpPr>
+          <p:cNvPr id="834" name="Straight Connector 833"/>
+          <p:cNvCxnSpPr/>
+          <p:nvPr/>
+        </p:nvCxnSpPr>
+        <p:spPr>
+          <a:xfrm>
+            <a:off x="3340149" y="1080000"/>
+            <a:ext cx="0" cy="7909200"/>
+          </a:xfrm>
+          <a:prstGeom prst="line">
+            <a:avLst/>
+          </a:prstGeom>
+          <a:ln w="12700">
+            <a:solidFill>
+              <a:schemeClr val="bg1">
+                <a:lumMod val="65000"/>
+              </a:schemeClr>
+            </a:solidFill>
+          </a:ln>
+        </p:spPr>
+        <p:style>
+          <a:lnRef idx="1">
+            <a:schemeClr val="accent1"/>
+          </a:lnRef>
+          <a:fillRef idx="0">
+            <a:schemeClr val="accent1"/>
+          </a:fillRef>
+          <a:effectRef idx="0">
+            <a:schemeClr val="accent1"/>
+          </a:effectRef>
+          <a:fontRef idx="minor">
+            <a:schemeClr val="tx1"/>
+          </a:fontRef>
+        </p:style>
+      </p:cxnSp>
+      <p:cxnSp>
+        <p:nvCxnSpPr>
+          <p:cNvPr id="835" name="Straight Connector 834"/>
+          <p:cNvCxnSpPr/>
+          <p:nvPr/>
+        </p:nvCxnSpPr>
+        <p:spPr>
+          <a:xfrm>
+            <a:off x="3906000" y="1080000"/>
+            <a:ext cx="0" cy="7909200"/>
+          </a:xfrm>
+          <a:prstGeom prst="line">
+            <a:avLst/>
+          </a:prstGeom>
+          <a:ln w="12700">
+            <a:solidFill>
+              <a:schemeClr val="bg1">
+                <a:lumMod val="65000"/>
+              </a:schemeClr>
+            </a:solidFill>
+          </a:ln>
+        </p:spPr>
+        <p:style>
+          <a:lnRef idx="1">
+            <a:schemeClr val="accent1"/>
+          </a:lnRef>
+          <a:fillRef idx="0">
+            <a:schemeClr val="accent1"/>
+          </a:fillRef>
+          <a:effectRef idx="0">
+            <a:schemeClr val="accent1"/>
+          </a:effectRef>
+          <a:fontRef idx="minor">
+            <a:schemeClr val="tx1"/>
+          </a:fontRef>
+        </p:style>
+      </p:cxnSp>
+      <p:cxnSp>
+        <p:nvCxnSpPr>
+          <p:cNvPr id="836" name="Straight Connector 835"/>
+          <p:cNvCxnSpPr/>
+          <p:nvPr/>
+        </p:nvCxnSpPr>
+        <p:spPr>
+          <a:xfrm>
+            <a:off x="4471200" y="1080000"/>
+            <a:ext cx="0" cy="7909200"/>
+          </a:xfrm>
+          <a:prstGeom prst="line">
+            <a:avLst/>
+          </a:prstGeom>
+          <a:ln w="12700">
+            <a:solidFill>
+              <a:schemeClr val="bg1">
+                <a:lumMod val="65000"/>
+              </a:schemeClr>
+            </a:solidFill>
+          </a:ln>
+        </p:spPr>
+        <p:style>
+          <a:lnRef idx="1">
+            <a:schemeClr val="accent1"/>
+          </a:lnRef>
+          <a:fillRef idx="0">
+            <a:schemeClr val="accent1"/>
+          </a:fillRef>
+          <a:effectRef idx="0">
+            <a:schemeClr val="accent1"/>
+          </a:effectRef>
+          <a:fontRef idx="minor">
+            <a:schemeClr val="tx1"/>
+          </a:fontRef>
+        </p:style>
+      </p:cxnSp>
+      <p:cxnSp>
+        <p:nvCxnSpPr>
+          <p:cNvPr id="837" name="Straight Connector 836"/>
+          <p:cNvCxnSpPr/>
+          <p:nvPr/>
+        </p:nvCxnSpPr>
+        <p:spPr>
+          <a:xfrm>
+            <a:off x="5034752" y="1080000"/>
+            <a:ext cx="0" cy="7909200"/>
+          </a:xfrm>
+          <a:prstGeom prst="line">
+            <a:avLst/>
+          </a:prstGeom>
+          <a:ln w="12700">
+            <a:solidFill>
+              <a:schemeClr val="bg1">
+                <a:lumMod val="65000"/>
+              </a:schemeClr>
+            </a:solidFill>
+          </a:ln>
+        </p:spPr>
+        <p:style>
+          <a:lnRef idx="1">
+            <a:schemeClr val="accent1"/>
+          </a:lnRef>
+          <a:fillRef idx="0">
+            <a:schemeClr val="accent1"/>
+          </a:fillRef>
+          <a:effectRef idx="0">
+            <a:schemeClr val="accent1"/>
+          </a:effectRef>
+          <a:fontRef idx="minor">
+            <a:schemeClr val="tx1"/>
+          </a:fontRef>
+        </p:style>
+      </p:cxnSp>
+      <p:cxnSp>
+        <p:nvCxnSpPr>
+          <p:cNvPr id="838" name="Straight Connector 837"/>
+          <p:cNvCxnSpPr/>
+          <p:nvPr/>
+        </p:nvCxnSpPr>
+        <p:spPr>
+          <a:xfrm>
+            <a:off x="5601600" y="1080000"/>
+            <a:ext cx="0" cy="7909200"/>
+          </a:xfrm>
+          <a:prstGeom prst="line">
+            <a:avLst/>
+          </a:prstGeom>
+          <a:ln w="12700">
+            <a:solidFill>
+              <a:schemeClr val="bg1">
+                <a:lumMod val="65000"/>
+              </a:schemeClr>
+            </a:solidFill>
+          </a:ln>
+        </p:spPr>
+        <p:style>
+          <a:lnRef idx="1">
+            <a:schemeClr val="accent1"/>
+          </a:lnRef>
+          <a:fillRef idx="0">
+            <a:schemeClr val="accent1"/>
+          </a:fillRef>
+          <a:effectRef idx="0">
+            <a:schemeClr val="accent1"/>
+          </a:effectRef>
+          <a:fontRef idx="minor">
+            <a:schemeClr val="tx1"/>
+          </a:fontRef>
+        </p:style>
+      </p:cxnSp>
+      <p:cxnSp>
+        <p:nvCxnSpPr>
+          <p:cNvPr id="839" name="Straight Connector 838"/>
+          <p:cNvCxnSpPr/>
+          <p:nvPr/>
+        </p:nvCxnSpPr>
+        <p:spPr>
+          <a:xfrm>
+            <a:off x="6166800" y="1080000"/>
+            <a:ext cx="0" cy="7909200"/>
+          </a:xfrm>
+          <a:prstGeom prst="line">
+            <a:avLst/>
+          </a:prstGeom>
+          <a:ln w="12700">
+            <a:solidFill>
+              <a:schemeClr val="bg1">
+                <a:lumMod val="65000"/>
+              </a:schemeClr>
+            </a:solidFill>
+          </a:ln>
+        </p:spPr>
+        <p:style>
+          <a:lnRef idx="1">
+            <a:schemeClr val="accent1"/>
+          </a:lnRef>
+          <a:fillRef idx="0">
+            <a:schemeClr val="accent1"/>
+          </a:fillRef>
+          <a:effectRef idx="0">
+            <a:schemeClr val="accent1"/>
+          </a:effectRef>
+          <a:fontRef idx="minor">
+            <a:schemeClr val="tx1"/>
+          </a:fontRef>
+        </p:style>
+      </p:cxnSp>
+      <p:cxnSp>
+        <p:nvCxnSpPr>
+          <p:cNvPr id="840" name="Straight Connector 839"/>
+          <p:cNvCxnSpPr/>
+          <p:nvPr/>
+        </p:nvCxnSpPr>
+        <p:spPr>
+          <a:xfrm>
+            <a:off x="6732000" y="1080000"/>
+            <a:ext cx="0" cy="7909200"/>
+          </a:xfrm>
+          <a:prstGeom prst="line">
+            <a:avLst/>
+          </a:prstGeom>
+          <a:ln w="12700">
+            <a:solidFill>
+              <a:schemeClr val="bg1">
+                <a:lumMod val="65000"/>
+              </a:schemeClr>
+            </a:solidFill>
+          </a:ln>
+        </p:spPr>
+        <p:style>
+          <a:lnRef idx="1">
+            <a:schemeClr val="accent1"/>
+          </a:lnRef>
+          <a:fillRef idx="0">
+            <a:schemeClr val="accent1"/>
+          </a:fillRef>
+          <a:effectRef idx="0">
+            <a:schemeClr val="accent1"/>
+          </a:effectRef>
+          <a:fontRef idx="minor">
+            <a:schemeClr val="tx1"/>
+          </a:fontRef>
+        </p:style>
+      </p:cxnSp>
+      <p:cxnSp>
+        <p:nvCxnSpPr>
+          <p:cNvPr id="841" name="Straight Connector 840"/>
+          <p:cNvCxnSpPr/>
+          <p:nvPr/>
+        </p:nvCxnSpPr>
+        <p:spPr>
+          <a:xfrm>
+            <a:off x="7297200" y="1080000"/>
+            <a:ext cx="0" cy="7909200"/>
+          </a:xfrm>
+          <a:prstGeom prst="line">
+            <a:avLst/>
+          </a:prstGeom>
+          <a:ln w="12700">
+            <a:solidFill>
+              <a:schemeClr val="bg1">
+                <a:lumMod val="65000"/>
+              </a:schemeClr>
+            </a:solidFill>
+          </a:ln>
+        </p:spPr>
+        <p:style>
+          <a:lnRef idx="1">
+            <a:schemeClr val="accent1"/>
+          </a:lnRef>
+          <a:fillRef idx="0">
+            <a:schemeClr val="accent1"/>
+          </a:fillRef>
+          <a:effectRef idx="0">
+            <a:schemeClr val="accent1"/>
+          </a:effectRef>
+          <a:fontRef idx="minor">
+            <a:schemeClr val="tx1"/>
+          </a:fontRef>
+        </p:style>
+      </p:cxnSp>
+      <p:cxnSp>
+        <p:nvCxnSpPr>
+          <p:cNvPr id="842" name="Straight Connector 841"/>
+          <p:cNvCxnSpPr/>
+          <p:nvPr/>
+        </p:nvCxnSpPr>
+        <p:spPr>
+          <a:xfrm>
+            <a:off x="7862400" y="1080000"/>
+            <a:ext cx="0" cy="7909200"/>
+          </a:xfrm>
+          <a:prstGeom prst="line">
+            <a:avLst/>
+          </a:prstGeom>
+          <a:ln w="12700">
+            <a:solidFill>
+              <a:schemeClr val="bg1">
+                <a:lumMod val="65000"/>
+              </a:schemeClr>
+            </a:solidFill>
+          </a:ln>
+        </p:spPr>
+        <p:style>
+          <a:lnRef idx="1">
+            <a:schemeClr val="accent1"/>
+          </a:lnRef>
+          <a:fillRef idx="0">
+            <a:schemeClr val="accent1"/>
+          </a:fillRef>
+          <a:effectRef idx="0">
+            <a:schemeClr val="accent1"/>
+          </a:effectRef>
+          <a:fontRef idx="minor">
+            <a:schemeClr val="tx1"/>
+          </a:fontRef>
+        </p:style>
+      </p:cxnSp>
+      <p:cxnSp>
+        <p:nvCxnSpPr>
+          <p:cNvPr id="843" name="Straight Connector 842"/>
+          <p:cNvCxnSpPr/>
+          <p:nvPr/>
+        </p:nvCxnSpPr>
+        <p:spPr>
+          <a:xfrm>
+            <a:off x="8427600" y="1080000"/>
+            <a:ext cx="0" cy="7909200"/>
+          </a:xfrm>
+          <a:prstGeom prst="line">
+            <a:avLst/>
+          </a:prstGeom>
+          <a:ln w="12700">
+            <a:solidFill>
+              <a:schemeClr val="bg1">
+                <a:lumMod val="65000"/>
+              </a:schemeClr>
+            </a:solidFill>
+          </a:ln>
+        </p:spPr>
+        <p:style>
+          <a:lnRef idx="1">
+            <a:schemeClr val="accent1"/>
+          </a:lnRef>
+          <a:fillRef idx="0">
+            <a:schemeClr val="accent1"/>
+          </a:fillRef>
+          <a:effectRef idx="0">
+            <a:schemeClr val="accent1"/>
+          </a:effectRef>
+          <a:fontRef idx="minor">
+            <a:schemeClr val="tx1"/>
+          </a:fontRef>
+        </p:style>
+      </p:cxnSp>
+      <p:sp>
+        <p:nvSpPr>
+          <p:cNvPr id="845" name="Oval 844"/>
+          <p:cNvSpPr/>
+          <p:nvPr/>
+        </p:nvSpPr>
+        <p:spPr>
+          <a:xfrm>
+            <a:off x="135000" y="135000"/>
+            <a:ext cx="90000" cy="90000"/>
+          </a:xfrm>
+          <a:prstGeom prst="ellipse">
+            <a:avLst/>
+          </a:prstGeom>
+          <a:noFill/>
+          <a:ln w="12700">
+            <a:solidFill>
+              <a:schemeClr val="tx1"/>
+            </a:solidFill>
+          </a:ln>
+        </p:spPr>
+        <p:style>
+          <a:lnRef idx="2">
+            <a:schemeClr val="accent1">
+              <a:shade val="50000"/>
+            </a:schemeClr>
+          </a:lnRef>
+          <a:fillRef idx="1">
+            <a:schemeClr val="accent1"/>
+          </a:fillRef>
+          <a:effectRef idx="0">
+            <a:schemeClr val="accent1"/>
+          </a:effectRef>
+          <a:fontRef idx="minor">
+            <a:schemeClr val="lt1"/>
+          </a:fontRef>
+        </p:style>
+        <p:txBody>
+          <a:bodyPr rtlCol="0" anchor="ctr"/>
+          <a:lstStyle/>
+          <a:p>
+            <a:pPr algn="ctr"/>
+            <a:r>
+              <a:rPr lang="en-AU" dirty="0" smtClean="0">
+                <a:solidFill>
+                  <a:schemeClr val="tx1"/>
+                </a:solidFill>
+              </a:rPr>
+              <a:t> </a:t>
+            </a:r>
+            <a:endParaRPr lang="en-GB" dirty="0">
+              <a:solidFill>
+                <a:schemeClr val="tx1"/>
+              </a:solidFill>
+            </a:endParaRPr>
+          </a:p>
+        </p:txBody>
+      </p:sp>
+      <p:cxnSp>
+        <p:nvCxnSpPr>
+          <p:cNvPr id="606" name="Straight Connector 605"/>
+          <p:cNvCxnSpPr/>
+          <p:nvPr/>
+        </p:nvCxnSpPr>
+        <p:spPr>
+          <a:xfrm>
+            <a:off x="1078352" y="1080000"/>
+            <a:ext cx="7912800" cy="0"/>
+          </a:xfrm>
+          <a:prstGeom prst="line">
+            <a:avLst/>
+          </a:prstGeom>
+          <a:ln w="12700">
+            <a:solidFill>
+              <a:schemeClr val="bg1">
+                <a:lumMod val="65000"/>
+              </a:schemeClr>
+            </a:solidFill>
+          </a:ln>
+        </p:spPr>
+        <p:style>
+          <a:lnRef idx="1">
+            <a:schemeClr val="accent1"/>
+          </a:lnRef>
+          <a:fillRef idx="0">
+            <a:schemeClr val="accent1"/>
+          </a:fillRef>
+          <a:effectRef idx="0">
+            <a:schemeClr val="accent1"/>
+          </a:effectRef>
+          <a:fontRef idx="minor">
+            <a:schemeClr val="tx1"/>
+          </a:fontRef>
+        </p:style>
+      </p:cxnSp>
+      <p:cxnSp>
+        <p:nvCxnSpPr>
+          <p:cNvPr id="608" name="Straight Connector 607"/>
+          <p:cNvCxnSpPr/>
+          <p:nvPr/>
+        </p:nvCxnSpPr>
+        <p:spPr>
+          <a:xfrm>
+            <a:off x="1083600" y="1080000"/>
+            <a:ext cx="0" cy="7909200"/>
+          </a:xfrm>
+          <a:prstGeom prst="line">
+            <a:avLst/>
+          </a:prstGeom>
+          <a:ln w="12700">
+            <a:solidFill>
+              <a:schemeClr val="bg1">
+                <a:lumMod val="65000"/>
+              </a:schemeClr>
+            </a:solidFill>
+          </a:ln>
+        </p:spPr>
+        <p:style>
+          <a:lnRef idx="1">
+            <a:schemeClr val="accent1"/>
+          </a:lnRef>
+          <a:fillRef idx="0">
+            <a:schemeClr val="accent1"/>
+          </a:fillRef>
+          <a:effectRef idx="0">
+            <a:schemeClr val="accent1"/>
+          </a:effectRef>
+          <a:fontRef idx="minor">
+            <a:schemeClr val="tx1"/>
+          </a:fontRef>
+        </p:style>
+      </p:cxnSp>
+      <p:cxnSp>
+        <p:nvCxnSpPr>
+          <p:cNvPr id="648" name="Straight Connector 647"/>
+          <p:cNvCxnSpPr/>
+          <p:nvPr/>
+        </p:nvCxnSpPr>
+        <p:spPr>
+          <a:xfrm>
+            <a:off x="9000000" y="1080000"/>
+            <a:ext cx="0" cy="7909200"/>
+          </a:xfrm>
+          <a:prstGeom prst="line">
+            <a:avLst/>
+          </a:prstGeom>
+          <a:ln w="12700">
+            <a:solidFill>
+              <a:schemeClr val="bg1">
+                <a:lumMod val="65000"/>
+              </a:schemeClr>
+            </a:solidFill>
+          </a:ln>
+        </p:spPr>
+        <p:style>
+          <a:lnRef idx="1">
+            <a:schemeClr val="accent1"/>
+          </a:lnRef>
+          <a:fillRef idx="0">
+            <a:schemeClr val="accent1"/>
+          </a:fillRef>
+          <a:effectRef idx="0">
+            <a:schemeClr val="accent1"/>
+          </a:effectRef>
+          <a:fontRef idx="minor">
+            <a:schemeClr val="tx1"/>
+          </a:fontRef>
+        </p:style>
+      </p:cxnSp>
+      <p:sp>
+        <p:nvSpPr>
+          <p:cNvPr id="819" name="Rectangle 818"/>
+          <p:cNvSpPr/>
+          <p:nvPr/>
+        </p:nvSpPr>
+        <p:spPr>
+          <a:xfrm>
+            <a:off x="1080000" y="900000"/>
+            <a:ext cx="7920000" cy="8280000"/>
+          </a:xfrm>
+          <a:prstGeom prst="rect">
+            <a:avLst/>
+          </a:prstGeom>
+          <a:noFill/>
+          <a:ln w="12700">
+            <a:solidFill>
+              <a:srgbClr val="FF0000"/>
+            </a:solidFill>
+            <a:prstDash val="solid"/>
+          </a:ln>
+        </p:spPr>
+        <p:style>
+          <a:lnRef idx="2">
+            <a:schemeClr val="accent1">
+              <a:shade val="50000"/>
+            </a:schemeClr>
+          </a:lnRef>
+          <a:fillRef idx="1">
+            <a:schemeClr val="accent1"/>
+          </a:fillRef>
+          <a:effectRef idx="0">
+            <a:schemeClr val="accent1"/>
+          </a:effectRef>
+          <a:fontRef idx="minor">
+            <a:schemeClr val="lt1"/>
+          </a:fontRef>
+        </p:style>
+        <p:txBody>
+          <a:bodyPr rtlCol="0" anchor="ctr"/>
+          <a:lstStyle/>
+          <a:p>
+            <a:pPr algn="ctr"/>
+            <a:endParaRPr lang="en-GB" sz="3000" dirty="0">
+              <a:solidFill>
+                <a:schemeClr val="tx1"/>
+              </a:solidFill>
+              <a:latin typeface="Codystar" panose="02000000000000000000" pitchFamily="2" charset="0"/>
+              <a:ea typeface="Codystar" panose="02000000000000000000" pitchFamily="2" charset="0"/>
+            </a:endParaRPr>
+          </a:p>
+        </p:txBody>
+      </p:sp>
+      <p:sp>
+        <p:nvSpPr>
+          <p:cNvPr id="733" name="Oval 732"/>
+          <p:cNvSpPr/>
+          <p:nvPr/>
+        </p:nvSpPr>
+        <p:spPr>
+          <a:xfrm>
+            <a:off x="1317600" y="945000"/>
+            <a:ext cx="90000" cy="90000"/>
+          </a:xfrm>
+          <a:prstGeom prst="ellipse">
+            <a:avLst/>
+          </a:prstGeom>
+          <a:noFill/>
+          <a:ln w="12700">
+            <a:solidFill>
+              <a:schemeClr val="tx1"/>
+            </a:solidFill>
+          </a:ln>
+        </p:spPr>
+        <p:style>
+          <a:lnRef idx="2">
+            <a:schemeClr val="accent1">
+              <a:shade val="50000"/>
+            </a:schemeClr>
+          </a:lnRef>
+          <a:fillRef idx="1">
+            <a:schemeClr val="accent1"/>
+          </a:fillRef>
+          <a:effectRef idx="0">
+            <a:schemeClr val="accent1"/>
+          </a:effectRef>
+          <a:fontRef idx="minor">
+            <a:schemeClr val="lt1"/>
+          </a:fontRef>
+        </p:style>
+        <p:txBody>
+          <a:bodyPr rtlCol="0" anchor="ctr"/>
+          <a:lstStyle/>
+          <a:p>
+            <a:pPr algn="ctr"/>
+            <a:endParaRPr lang="en-GB"/>
+          </a:p>
+        </p:txBody>
+      </p:sp>
+      <p:sp>
+        <p:nvSpPr>
+          <p:cNvPr id="848" name="Oval 847"/>
+          <p:cNvSpPr/>
+          <p:nvPr/>
+        </p:nvSpPr>
+        <p:spPr>
+          <a:xfrm>
+            <a:off x="8665200" y="945000"/>
+            <a:ext cx="90000" cy="90000"/>
+          </a:xfrm>
+          <a:prstGeom prst="ellipse">
+            <a:avLst/>
+          </a:prstGeom>
+          <a:noFill/>
+          <a:ln w="12700">
+            <a:solidFill>
+              <a:schemeClr val="tx1"/>
+            </a:solidFill>
+          </a:ln>
+        </p:spPr>
+        <p:style>
+          <a:lnRef idx="2">
+            <a:schemeClr val="accent1">
+              <a:shade val="50000"/>
+            </a:schemeClr>
+          </a:lnRef>
+          <a:fillRef idx="1">
+            <a:schemeClr val="accent1"/>
+          </a:fillRef>
+          <a:effectRef idx="0">
+            <a:schemeClr val="accent1"/>
+          </a:effectRef>
+          <a:fontRef idx="minor">
+            <a:schemeClr val="lt1"/>
+          </a:fontRef>
+        </p:style>
+        <p:txBody>
+          <a:bodyPr rtlCol="0" anchor="ctr"/>
+          <a:lstStyle/>
+          <a:p>
+            <a:pPr algn="ctr"/>
+            <a:endParaRPr lang="en-GB"/>
+          </a:p>
+        </p:txBody>
+      </p:sp>
+      <p:sp>
+        <p:nvSpPr>
+          <p:cNvPr id="3" name="TextBox 2"/>
+          <p:cNvSpPr txBox="1"/>
+          <p:nvPr/>
+        </p:nvSpPr>
+        <p:spPr>
+          <a:xfrm>
+            <a:off x="1882800" y="2736056"/>
+            <a:ext cx="4839466" cy="1862048"/>
+          </a:xfrm>
+          <a:prstGeom prst="rect">
+            <a:avLst/>
+          </a:prstGeom>
+          <a:noFill/>
+        </p:spPr>
+        <p:txBody>
+          <a:bodyPr wrap="none" rtlCol="0">
+            <a:spAutoFit/>
+          </a:bodyPr>
+          <a:lstStyle/>
+          <a:p>
+            <a:r>
+              <a:rPr lang="en-AU" dirty="0" smtClean="0"/>
+              <a:t>15.714mm</a:t>
+            </a:r>
+          </a:p>
+          <a:p>
+            <a:r>
+              <a:rPr lang="en-AU" dirty="0" smtClean="0"/>
+              <a:t>16.923mm</a:t>
+            </a:r>
+          </a:p>
+          <a:p>
+            <a:endParaRPr lang="en-AU" dirty="0"/>
+          </a:p>
+          <a:p>
+            <a:r>
+              <a:rPr lang="en-AU" dirty="0" smtClean="0"/>
+              <a:t>0,0 to centre of first LED = 7.857, 8.462</a:t>
+            </a:r>
+          </a:p>
+          <a:p>
+            <a:endParaRPr lang="en-GB" dirty="0"/>
+          </a:p>
+        </p:txBody>
+      </p:sp>
+    </p:spTree>
+    <p:extLst>
+      <p:ext uri="{BB962C8B-B14F-4D97-AF65-F5344CB8AC3E}">
+        <p14:creationId xmlns:p14="http://schemas.microsoft.com/office/powerpoint/2010/main" val="1707748163"/>
       </p:ext>
     </p:extLst>
   </p:cSld>
